--- a/1.Introduction/GitBasics_BalticMicrosoftDevelopersCommunity_letsbuild2021.pptx
+++ b/1.Introduction/GitBasics_BalticMicrosoftDevelopersCommunity_letsbuild2021.pptx
@@ -8,49 +8,56 @@
     <p:sldId id="296" r:id="rId2"/>
     <p:sldId id="306" r:id="rId3"/>
     <p:sldId id="313" r:id="rId4"/>
-    <p:sldId id="297" r:id="rId5"/>
-    <p:sldId id="298" r:id="rId6"/>
-    <p:sldId id="311" r:id="rId7"/>
-    <p:sldId id="312" r:id="rId8"/>
-    <p:sldId id="303" r:id="rId9"/>
-    <p:sldId id="299" r:id="rId10"/>
-    <p:sldId id="302" r:id="rId11"/>
-    <p:sldId id="301" r:id="rId12"/>
-    <p:sldId id="304" r:id="rId13"/>
-    <p:sldId id="261" r:id="rId14"/>
-    <p:sldId id="262" r:id="rId15"/>
-    <p:sldId id="267" r:id="rId16"/>
-    <p:sldId id="268" r:id="rId17"/>
-    <p:sldId id="305" r:id="rId18"/>
-    <p:sldId id="269" r:id="rId19"/>
-    <p:sldId id="273" r:id="rId20"/>
-    <p:sldId id="274" r:id="rId21"/>
-    <p:sldId id="275" r:id="rId22"/>
-    <p:sldId id="276" r:id="rId23"/>
-    <p:sldId id="307" r:id="rId24"/>
-    <p:sldId id="277" r:id="rId25"/>
-    <p:sldId id="278" r:id="rId26"/>
-    <p:sldId id="279" r:id="rId27"/>
-    <p:sldId id="280" r:id="rId28"/>
-    <p:sldId id="308" r:id="rId29"/>
-    <p:sldId id="281" r:id="rId30"/>
-    <p:sldId id="282" r:id="rId31"/>
-    <p:sldId id="283" r:id="rId32"/>
-    <p:sldId id="309" r:id="rId33"/>
-    <p:sldId id="284" r:id="rId34"/>
-    <p:sldId id="286" r:id="rId35"/>
-    <p:sldId id="287" r:id="rId36"/>
-    <p:sldId id="288" r:id="rId37"/>
-    <p:sldId id="285" r:id="rId38"/>
-    <p:sldId id="290" r:id="rId39"/>
-    <p:sldId id="310" r:id="rId40"/>
-    <p:sldId id="291" r:id="rId41"/>
-    <p:sldId id="292" r:id="rId42"/>
-    <p:sldId id="293" r:id="rId43"/>
-    <p:sldId id="314" r:id="rId44"/>
-    <p:sldId id="295" r:id="rId45"/>
-    <p:sldId id="294" r:id="rId46"/>
-    <p:sldId id="315" r:id="rId47"/>
+    <p:sldId id="320" r:id="rId5"/>
+    <p:sldId id="321" r:id="rId6"/>
+    <p:sldId id="322" r:id="rId7"/>
+    <p:sldId id="297" r:id="rId8"/>
+    <p:sldId id="298" r:id="rId9"/>
+    <p:sldId id="311" r:id="rId10"/>
+    <p:sldId id="316" r:id="rId11"/>
+    <p:sldId id="317" r:id="rId12"/>
+    <p:sldId id="312" r:id="rId13"/>
+    <p:sldId id="303" r:id="rId14"/>
+    <p:sldId id="299" r:id="rId15"/>
+    <p:sldId id="302" r:id="rId16"/>
+    <p:sldId id="301" r:id="rId17"/>
+    <p:sldId id="304" r:id="rId18"/>
+    <p:sldId id="261" r:id="rId19"/>
+    <p:sldId id="262" r:id="rId20"/>
+    <p:sldId id="267" r:id="rId21"/>
+    <p:sldId id="268" r:id="rId22"/>
+    <p:sldId id="305" r:id="rId23"/>
+    <p:sldId id="269" r:id="rId24"/>
+    <p:sldId id="273" r:id="rId25"/>
+    <p:sldId id="274" r:id="rId26"/>
+    <p:sldId id="275" r:id="rId27"/>
+    <p:sldId id="276" r:id="rId28"/>
+    <p:sldId id="307" r:id="rId29"/>
+    <p:sldId id="277" r:id="rId30"/>
+    <p:sldId id="278" r:id="rId31"/>
+    <p:sldId id="279" r:id="rId32"/>
+    <p:sldId id="280" r:id="rId33"/>
+    <p:sldId id="308" r:id="rId34"/>
+    <p:sldId id="281" r:id="rId35"/>
+    <p:sldId id="282" r:id="rId36"/>
+    <p:sldId id="283" r:id="rId37"/>
+    <p:sldId id="284" r:id="rId38"/>
+    <p:sldId id="309" r:id="rId39"/>
+    <p:sldId id="286" r:id="rId40"/>
+    <p:sldId id="287" r:id="rId41"/>
+    <p:sldId id="288" r:id="rId42"/>
+    <p:sldId id="285" r:id="rId43"/>
+    <p:sldId id="290" r:id="rId44"/>
+    <p:sldId id="310" r:id="rId45"/>
+    <p:sldId id="291" r:id="rId46"/>
+    <p:sldId id="292" r:id="rId47"/>
+    <p:sldId id="293" r:id="rId48"/>
+    <p:sldId id="314" r:id="rId49"/>
+    <p:sldId id="295" r:id="rId50"/>
+    <p:sldId id="294" r:id="rId51"/>
+    <p:sldId id="318" r:id="rId52"/>
+    <p:sldId id="319" r:id="rId53"/>
+    <p:sldId id="315" r:id="rId54"/>
   </p:sldIdLst>
   <p:sldSz cx="12192000" cy="6858000"/>
   <p:notesSz cx="6858000" cy="9144000"/>
@@ -171,9 +178,2270 @@
 <file path=ppt/revisionInfo.xml><?xml version="1.0" encoding="utf-8"?>
 <p1510:revInfo xmlns:a="http://schemas.openxmlformats.org/drawingml/2006/main" xmlns:r="http://schemas.openxmlformats.org/officeDocument/2006/relationships" xmlns:p1510="http://schemas.microsoft.com/office/powerpoint/2015/10/main">
   <p1510:revLst>
-    <p1510:client id="{1A95624D-0BBF-4D29-90D5-1216FF86E83A}" v="114" dt="2021-04-14T11:50:05.249"/>
+    <p1510:client id="{1A95624D-0BBF-4D29-90D5-1216FF86E83A}" v="169" dt="2021-04-15T12:22:13.850"/>
   </p1510:revLst>
 </p1510:revInfo>
+</file>
+
+<file path=ppt/changesInfos/changesInfo1.xml><?xml version="1.0" encoding="utf-8"?>
+<pc:chgInfo xmlns:a="http://schemas.openxmlformats.org/drawingml/2006/main" xmlns:r="http://schemas.openxmlformats.org/officeDocument/2006/relationships" xmlns:ac="http://schemas.microsoft.com/office/drawing/2013/main/command" xmlns:pc="http://schemas.microsoft.com/office/powerpoint/2013/main/command">
+  <pc:docChgLst>
+    <pc:chgData name="Karim Heredia" userId="04cc9b4d-2385-48cf-a926-ccdb3f32244a" providerId="ADAL" clId="{1A95624D-0BBF-4D29-90D5-1216FF86E83A}"/>
+    <pc:docChg chg="undo custSel addSld delSld modSld sldOrd modMainMaster">
+      <pc:chgData name="Karim Heredia" userId="04cc9b4d-2385-48cf-a926-ccdb3f32244a" providerId="ADAL" clId="{1A95624D-0BBF-4D29-90D5-1216FF86E83A}" dt="2021-04-15T12:22:13.850" v="4293" actId="47"/>
+      <pc:docMkLst>
+        <pc:docMk/>
+      </pc:docMkLst>
+      <pc:sldChg chg="del">
+        <pc:chgData name="Karim Heredia" userId="04cc9b4d-2385-48cf-a926-ccdb3f32244a" providerId="ADAL" clId="{1A95624D-0BBF-4D29-90D5-1216FF86E83A}" dt="2021-04-14T11:43:49.877" v="793" actId="47"/>
+        <pc:sldMkLst>
+          <pc:docMk/>
+          <pc:sldMk cId="694130393" sldId="256"/>
+        </pc:sldMkLst>
+      </pc:sldChg>
+      <pc:sldChg chg="del">
+        <pc:chgData name="Karim Heredia" userId="04cc9b4d-2385-48cf-a926-ccdb3f32244a" providerId="ADAL" clId="{1A95624D-0BBF-4D29-90D5-1216FF86E83A}" dt="2021-04-14T11:44:13.800" v="794" actId="47"/>
+        <pc:sldMkLst>
+          <pc:docMk/>
+          <pc:sldMk cId="3338722067" sldId="257"/>
+        </pc:sldMkLst>
+      </pc:sldChg>
+      <pc:sldChg chg="del">
+        <pc:chgData name="Karim Heredia" userId="04cc9b4d-2385-48cf-a926-ccdb3f32244a" providerId="ADAL" clId="{1A95624D-0BBF-4D29-90D5-1216FF86E83A}" dt="2021-04-14T11:44:19.237" v="795" actId="47"/>
+        <pc:sldMkLst>
+          <pc:docMk/>
+          <pc:sldMk cId="578414335" sldId="258"/>
+        </pc:sldMkLst>
+      </pc:sldChg>
+      <pc:sldChg chg="del">
+        <pc:chgData name="Karim Heredia" userId="04cc9b4d-2385-48cf-a926-ccdb3f32244a" providerId="ADAL" clId="{1A95624D-0BBF-4D29-90D5-1216FF86E83A}" dt="2021-04-14T11:44:20.661" v="796" actId="47"/>
+        <pc:sldMkLst>
+          <pc:docMk/>
+          <pc:sldMk cId="1142915591" sldId="259"/>
+        </pc:sldMkLst>
+      </pc:sldChg>
+      <pc:sldChg chg="del">
+        <pc:chgData name="Karim Heredia" userId="04cc9b4d-2385-48cf-a926-ccdb3f32244a" providerId="ADAL" clId="{1A95624D-0BBF-4D29-90D5-1216FF86E83A}" dt="2021-04-14T11:45:07.171" v="800" actId="47"/>
+        <pc:sldMkLst>
+          <pc:docMk/>
+          <pc:sldMk cId="3429444239" sldId="260"/>
+        </pc:sldMkLst>
+      </pc:sldChg>
+      <pc:sldChg chg="addSp modSp mod modClrScheme chgLayout">
+        <pc:chgData name="Karim Heredia" userId="04cc9b4d-2385-48cf-a926-ccdb3f32244a" providerId="ADAL" clId="{1A95624D-0BBF-4D29-90D5-1216FF86E83A}" dt="2021-04-14T11:52:46.091" v="939" actId="20577"/>
+        <pc:sldMkLst>
+          <pc:docMk/>
+          <pc:sldMk cId="483314943" sldId="261"/>
+        </pc:sldMkLst>
+        <pc:spChg chg="add mod ord">
+          <ac:chgData name="Karim Heredia" userId="04cc9b4d-2385-48cf-a926-ccdb3f32244a" providerId="ADAL" clId="{1A95624D-0BBF-4D29-90D5-1216FF86E83A}" dt="2021-04-14T11:52:46.091" v="939" actId="20577"/>
+          <ac:spMkLst>
+            <pc:docMk/>
+            <pc:sldMk cId="483314943" sldId="261"/>
+            <ac:spMk id="2" creationId="{FBBF8D46-2AAD-4548-86BE-76E7F0D6D42B}"/>
+          </ac:spMkLst>
+        </pc:spChg>
+        <pc:spChg chg="add mod ord">
+          <ac:chgData name="Karim Heredia" userId="04cc9b4d-2385-48cf-a926-ccdb3f32244a" providerId="ADAL" clId="{1A95624D-0BBF-4D29-90D5-1216FF86E83A}" dt="2021-04-14T11:52:27.564" v="884" actId="700"/>
+          <ac:spMkLst>
+            <pc:docMk/>
+            <pc:sldMk cId="483314943" sldId="261"/>
+            <ac:spMk id="4" creationId="{EA36B529-1961-4624-81C1-22693616CC29}"/>
+          </ac:spMkLst>
+        </pc:spChg>
+        <pc:picChg chg="mod">
+          <ac:chgData name="Karim Heredia" userId="04cc9b4d-2385-48cf-a926-ccdb3f32244a" providerId="ADAL" clId="{1A95624D-0BBF-4D29-90D5-1216FF86E83A}" dt="2021-04-14T11:52:33.911" v="885" actId="1076"/>
+          <ac:picMkLst>
+            <pc:docMk/>
+            <pc:sldMk cId="483314943" sldId="261"/>
+            <ac:picMk id="3" creationId="{5B3D92C2-2F66-42A6-A5E9-D8873113A593}"/>
+          </ac:picMkLst>
+        </pc:picChg>
+      </pc:sldChg>
+      <pc:sldChg chg="addSp delSp modSp mod modClrScheme chgLayout">
+        <pc:chgData name="Karim Heredia" userId="04cc9b4d-2385-48cf-a926-ccdb3f32244a" providerId="ADAL" clId="{1A95624D-0BBF-4D29-90D5-1216FF86E83A}" dt="2021-04-14T13:08:21.928" v="2327" actId="1076"/>
+        <pc:sldMkLst>
+          <pc:docMk/>
+          <pc:sldMk cId="4020534867" sldId="262"/>
+        </pc:sldMkLst>
+        <pc:spChg chg="add mod ord">
+          <ac:chgData name="Karim Heredia" userId="04cc9b4d-2385-48cf-a926-ccdb3f32244a" providerId="ADAL" clId="{1A95624D-0BBF-4D29-90D5-1216FF86E83A}" dt="2021-04-14T11:53:18.836" v="994" actId="20577"/>
+          <ac:spMkLst>
+            <pc:docMk/>
+            <pc:sldMk cId="4020534867" sldId="262"/>
+            <ac:spMk id="2" creationId="{6B5703EB-96DC-466A-8576-FDA2E34D7493}"/>
+          </ac:spMkLst>
+        </pc:spChg>
+        <pc:spChg chg="add mod ord">
+          <ac:chgData name="Karim Heredia" userId="04cc9b4d-2385-48cf-a926-ccdb3f32244a" providerId="ADAL" clId="{1A95624D-0BBF-4D29-90D5-1216FF86E83A}" dt="2021-04-14T11:53:05.304" v="941" actId="700"/>
+          <ac:spMkLst>
+            <pc:docMk/>
+            <pc:sldMk cId="4020534867" sldId="262"/>
+            <ac:spMk id="4" creationId="{DD660EBB-B98E-47BF-831F-687C1AC3905A}"/>
+          </ac:spMkLst>
+        </pc:spChg>
+        <pc:picChg chg="del mod">
+          <ac:chgData name="Karim Heredia" userId="04cc9b4d-2385-48cf-a926-ccdb3f32244a" providerId="ADAL" clId="{1A95624D-0BBF-4D29-90D5-1216FF86E83A}" dt="2021-04-14T11:53:37.619" v="997" actId="478"/>
+          <ac:picMkLst>
+            <pc:docMk/>
+            <pc:sldMk cId="4020534867" sldId="262"/>
+            <ac:picMk id="3" creationId="{9FEC1EAE-23DC-40C2-ADCB-027AF4302AD1}"/>
+          </ac:picMkLst>
+        </pc:picChg>
+        <pc:picChg chg="add del mod">
+          <ac:chgData name="Karim Heredia" userId="04cc9b4d-2385-48cf-a926-ccdb3f32244a" providerId="ADAL" clId="{1A95624D-0BBF-4D29-90D5-1216FF86E83A}" dt="2021-04-14T13:08:13.855" v="2324" actId="478"/>
+          <ac:picMkLst>
+            <pc:docMk/>
+            <pc:sldMk cId="4020534867" sldId="262"/>
+            <ac:picMk id="6" creationId="{0AC74B4D-F603-4E78-BA19-44F8E699FB3E}"/>
+          </ac:picMkLst>
+        </pc:picChg>
+        <pc:picChg chg="add mod">
+          <ac:chgData name="Karim Heredia" userId="04cc9b4d-2385-48cf-a926-ccdb3f32244a" providerId="ADAL" clId="{1A95624D-0BBF-4D29-90D5-1216FF86E83A}" dt="2021-04-14T13:08:21.928" v="2327" actId="1076"/>
+          <ac:picMkLst>
+            <pc:docMk/>
+            <pc:sldMk cId="4020534867" sldId="262"/>
+            <ac:picMk id="8" creationId="{ADF50DB5-3213-4D75-AB26-E2811B49DFA8}"/>
+          </ac:picMkLst>
+        </pc:picChg>
+      </pc:sldChg>
+      <pc:sldChg chg="delSp del mod">
+        <pc:chgData name="Karim Heredia" userId="04cc9b4d-2385-48cf-a926-ccdb3f32244a" providerId="ADAL" clId="{1A95624D-0BBF-4D29-90D5-1216FF86E83A}" dt="2021-04-14T12:04:48.363" v="1518" actId="47"/>
+        <pc:sldMkLst>
+          <pc:docMk/>
+          <pc:sldMk cId="2254086938" sldId="263"/>
+        </pc:sldMkLst>
+        <pc:picChg chg="del">
+          <ac:chgData name="Karim Heredia" userId="04cc9b4d-2385-48cf-a926-ccdb3f32244a" providerId="ADAL" clId="{1A95624D-0BBF-4D29-90D5-1216FF86E83A}" dt="2021-04-14T11:53:34.422" v="996" actId="21"/>
+          <ac:picMkLst>
+            <pc:docMk/>
+            <pc:sldMk cId="2254086938" sldId="263"/>
+            <ac:picMk id="3" creationId="{FE7BA9FE-BC50-4ADF-883A-77C965778F31}"/>
+          </ac:picMkLst>
+        </pc:picChg>
+      </pc:sldChg>
+      <pc:sldChg chg="del">
+        <pc:chgData name="Karim Heredia" userId="04cc9b4d-2385-48cf-a926-ccdb3f32244a" providerId="ADAL" clId="{1A95624D-0BBF-4D29-90D5-1216FF86E83A}" dt="2021-04-14T11:44:49.793" v="797" actId="47"/>
+        <pc:sldMkLst>
+          <pc:docMk/>
+          <pc:sldMk cId="1633477633" sldId="264"/>
+        </pc:sldMkLst>
+      </pc:sldChg>
+      <pc:sldChg chg="del">
+        <pc:chgData name="Karim Heredia" userId="04cc9b4d-2385-48cf-a926-ccdb3f32244a" providerId="ADAL" clId="{1A95624D-0BBF-4D29-90D5-1216FF86E83A}" dt="2021-04-14T11:44:58.922" v="799" actId="47"/>
+        <pc:sldMkLst>
+          <pc:docMk/>
+          <pc:sldMk cId="3345318017" sldId="265"/>
+        </pc:sldMkLst>
+      </pc:sldChg>
+      <pc:sldChg chg="del">
+        <pc:chgData name="Karim Heredia" userId="04cc9b4d-2385-48cf-a926-ccdb3f32244a" providerId="ADAL" clId="{1A95624D-0BBF-4D29-90D5-1216FF86E83A}" dt="2021-04-14T11:44:57.325" v="798" actId="47"/>
+        <pc:sldMkLst>
+          <pc:docMk/>
+          <pc:sldMk cId="1580398388" sldId="266"/>
+        </pc:sldMkLst>
+      </pc:sldChg>
+      <pc:sldChg chg="addSp delSp modSp mod modClrScheme chgLayout">
+        <pc:chgData name="Karim Heredia" userId="04cc9b4d-2385-48cf-a926-ccdb3f32244a" providerId="ADAL" clId="{1A95624D-0BBF-4D29-90D5-1216FF86E83A}" dt="2021-04-14T11:54:16.645" v="1001" actId="1076"/>
+        <pc:sldMkLst>
+          <pc:docMk/>
+          <pc:sldMk cId="74641562" sldId="267"/>
+        </pc:sldMkLst>
+        <pc:spChg chg="add mod ord">
+          <ac:chgData name="Karim Heredia" userId="04cc9b4d-2385-48cf-a926-ccdb3f32244a" providerId="ADAL" clId="{1A95624D-0BBF-4D29-90D5-1216FF86E83A}" dt="2021-04-14T11:54:10.375" v="1000" actId="700"/>
+          <ac:spMkLst>
+            <pc:docMk/>
+            <pc:sldMk cId="74641562" sldId="267"/>
+            <ac:spMk id="2" creationId="{122BC70E-6F5B-402D-AE3C-C19D81778474}"/>
+          </ac:spMkLst>
+        </pc:spChg>
+        <pc:spChg chg="add del mod ord">
+          <ac:chgData name="Karim Heredia" userId="04cc9b4d-2385-48cf-a926-ccdb3f32244a" providerId="ADAL" clId="{1A95624D-0BBF-4D29-90D5-1216FF86E83A}" dt="2021-04-14T11:54:10.375" v="1000" actId="700"/>
+          <ac:spMkLst>
+            <pc:docMk/>
+            <pc:sldMk cId="74641562" sldId="267"/>
+            <ac:spMk id="3" creationId="{93A0B920-D9D6-4E02-B9CD-C0C92E69A92B}"/>
+          </ac:spMkLst>
+        </pc:spChg>
+        <pc:spChg chg="add del mod ord">
+          <ac:chgData name="Karim Heredia" userId="04cc9b4d-2385-48cf-a926-ccdb3f32244a" providerId="ADAL" clId="{1A95624D-0BBF-4D29-90D5-1216FF86E83A}" dt="2021-04-14T11:54:10.375" v="1000" actId="700"/>
+          <ac:spMkLst>
+            <pc:docMk/>
+            <pc:sldMk cId="74641562" sldId="267"/>
+            <ac:spMk id="4" creationId="{6461B537-A219-4D92-886E-1574C4B53CE1}"/>
+          </ac:spMkLst>
+        </pc:spChg>
+        <pc:spChg chg="add mod ord">
+          <ac:chgData name="Karim Heredia" userId="04cc9b4d-2385-48cf-a926-ccdb3f32244a" providerId="ADAL" clId="{1A95624D-0BBF-4D29-90D5-1216FF86E83A}" dt="2021-04-14T11:54:10.375" v="1000" actId="700"/>
+          <ac:spMkLst>
+            <pc:docMk/>
+            <pc:sldMk cId="74641562" sldId="267"/>
+            <ac:spMk id="8" creationId="{418AE9D6-8AED-46D6-84D9-2679F5AF4124}"/>
+          </ac:spMkLst>
+        </pc:spChg>
+        <pc:picChg chg="add del mod">
+          <ac:chgData name="Karim Heredia" userId="04cc9b4d-2385-48cf-a926-ccdb3f32244a" providerId="ADAL" clId="{1A95624D-0BBF-4D29-90D5-1216FF86E83A}" dt="2021-04-14T11:54:16.645" v="1001" actId="1076"/>
+          <ac:picMkLst>
+            <pc:docMk/>
+            <pc:sldMk cId="74641562" sldId="267"/>
+            <ac:picMk id="5" creationId="{8A29DB3B-C155-4A76-AC3C-55EAFF2E952B}"/>
+          </ac:picMkLst>
+        </pc:picChg>
+        <pc:picChg chg="add del mod modCrop">
+          <ac:chgData name="Karim Heredia" userId="04cc9b4d-2385-48cf-a926-ccdb3f32244a" providerId="ADAL" clId="{1A95624D-0BBF-4D29-90D5-1216FF86E83A}" dt="2021-04-14T11:46:22.453" v="804" actId="22"/>
+          <ac:picMkLst>
+            <pc:docMk/>
+            <pc:sldMk cId="74641562" sldId="267"/>
+            <ac:picMk id="7" creationId="{F9637D6B-20DD-4564-A89E-A24D7127D1BB}"/>
+          </ac:picMkLst>
+        </pc:picChg>
+      </pc:sldChg>
+      <pc:sldChg chg="addSp delSp modSp mod modClrScheme chgLayout">
+        <pc:chgData name="Karim Heredia" userId="04cc9b4d-2385-48cf-a926-ccdb3f32244a" providerId="ADAL" clId="{1A95624D-0BBF-4D29-90D5-1216FF86E83A}" dt="2021-04-14T11:54:46.450" v="1026" actId="20577"/>
+        <pc:sldMkLst>
+          <pc:docMk/>
+          <pc:sldMk cId="721065952" sldId="268"/>
+        </pc:sldMkLst>
+        <pc:spChg chg="add mod ord">
+          <ac:chgData name="Karim Heredia" userId="04cc9b4d-2385-48cf-a926-ccdb3f32244a" providerId="ADAL" clId="{1A95624D-0BBF-4D29-90D5-1216FF86E83A}" dt="2021-04-14T11:54:46.450" v="1026" actId="20577"/>
+          <ac:spMkLst>
+            <pc:docMk/>
+            <pc:sldMk cId="721065952" sldId="268"/>
+            <ac:spMk id="5" creationId="{CC231627-A3ED-4DE4-895D-B1C519EE8146}"/>
+          </ac:spMkLst>
+        </pc:spChg>
+        <pc:spChg chg="add mod ord">
+          <ac:chgData name="Karim Heredia" userId="04cc9b4d-2385-48cf-a926-ccdb3f32244a" providerId="ADAL" clId="{1A95624D-0BBF-4D29-90D5-1216FF86E83A}" dt="2021-04-14T11:54:30.315" v="1002" actId="700"/>
+          <ac:spMkLst>
+            <pc:docMk/>
+            <pc:sldMk cId="721065952" sldId="268"/>
+            <ac:spMk id="6" creationId="{FC69ECAF-D17D-411D-AD89-9B2FDACD4B78}"/>
+          </ac:spMkLst>
+        </pc:spChg>
+        <pc:picChg chg="del">
+          <ac:chgData name="Karim Heredia" userId="04cc9b4d-2385-48cf-a926-ccdb3f32244a" providerId="ADAL" clId="{1A95624D-0BBF-4D29-90D5-1216FF86E83A}" dt="2021-04-14T11:48:55.616" v="833" actId="478"/>
+          <ac:picMkLst>
+            <pc:docMk/>
+            <pc:sldMk cId="721065952" sldId="268"/>
+            <ac:picMk id="3" creationId="{B655DEE1-E1FF-4D39-93C2-ABABC356E3CD}"/>
+          </ac:picMkLst>
+        </pc:picChg>
+        <pc:picChg chg="add mod">
+          <ac:chgData name="Karim Heredia" userId="04cc9b4d-2385-48cf-a926-ccdb3f32244a" providerId="ADAL" clId="{1A95624D-0BBF-4D29-90D5-1216FF86E83A}" dt="2021-04-14T11:54:36.066" v="1003" actId="1076"/>
+          <ac:picMkLst>
+            <pc:docMk/>
+            <pc:sldMk cId="721065952" sldId="268"/>
+            <ac:picMk id="4" creationId="{37AD92A7-C2B9-4392-A669-B93A2E6ADB9A}"/>
+          </ac:picMkLst>
+        </pc:picChg>
+      </pc:sldChg>
+      <pc:sldChg chg="addSp modSp mod modClrScheme chgLayout">
+        <pc:chgData name="Karim Heredia" userId="04cc9b4d-2385-48cf-a926-ccdb3f32244a" providerId="ADAL" clId="{1A95624D-0BBF-4D29-90D5-1216FF86E83A}" dt="2021-04-14T11:55:54.618" v="1066" actId="1076"/>
+        <pc:sldMkLst>
+          <pc:docMk/>
+          <pc:sldMk cId="2989320916" sldId="269"/>
+        </pc:sldMkLst>
+        <pc:spChg chg="add mod ord">
+          <ac:chgData name="Karim Heredia" userId="04cc9b4d-2385-48cf-a926-ccdb3f32244a" providerId="ADAL" clId="{1A95624D-0BBF-4D29-90D5-1216FF86E83A}" dt="2021-04-14T11:55:43.255" v="1065" actId="20577"/>
+          <ac:spMkLst>
+            <pc:docMk/>
+            <pc:sldMk cId="2989320916" sldId="269"/>
+            <ac:spMk id="2" creationId="{3CBDB8F3-6715-45CB-AFF6-E25B7D85F685}"/>
+          </ac:spMkLst>
+        </pc:spChg>
+        <pc:spChg chg="add mod ord">
+          <ac:chgData name="Karim Heredia" userId="04cc9b4d-2385-48cf-a926-ccdb3f32244a" providerId="ADAL" clId="{1A95624D-0BBF-4D29-90D5-1216FF86E83A}" dt="2021-04-14T11:55:16.283" v="1027" actId="700"/>
+          <ac:spMkLst>
+            <pc:docMk/>
+            <pc:sldMk cId="2989320916" sldId="269"/>
+            <ac:spMk id="4" creationId="{6B6D9F34-CD2C-4705-BE31-FC1AC8D2716A}"/>
+          </ac:spMkLst>
+        </pc:spChg>
+        <pc:picChg chg="mod">
+          <ac:chgData name="Karim Heredia" userId="04cc9b4d-2385-48cf-a926-ccdb3f32244a" providerId="ADAL" clId="{1A95624D-0BBF-4D29-90D5-1216FF86E83A}" dt="2021-04-14T11:55:54.618" v="1066" actId="1076"/>
+          <ac:picMkLst>
+            <pc:docMk/>
+            <pc:sldMk cId="2989320916" sldId="269"/>
+            <ac:picMk id="3" creationId="{76F2C9DF-4EAD-4764-9E4A-DBD7D7B83843}"/>
+          </ac:picMkLst>
+        </pc:picChg>
+      </pc:sldChg>
+      <pc:sldChg chg="addSp modSp del mod modClrScheme chgLayout">
+        <pc:chgData name="Karim Heredia" userId="04cc9b4d-2385-48cf-a926-ccdb3f32244a" providerId="ADAL" clId="{1A95624D-0BBF-4D29-90D5-1216FF86E83A}" dt="2021-04-14T11:57:22.745" v="1157" actId="47"/>
+        <pc:sldMkLst>
+          <pc:docMk/>
+          <pc:sldMk cId="1118881725" sldId="270"/>
+        </pc:sldMkLst>
+        <pc:spChg chg="add mod ord">
+          <ac:chgData name="Karim Heredia" userId="04cc9b4d-2385-48cf-a926-ccdb3f32244a" providerId="ADAL" clId="{1A95624D-0BBF-4D29-90D5-1216FF86E83A}" dt="2021-04-14T11:56:39.870" v="1091" actId="20577"/>
+          <ac:spMkLst>
+            <pc:docMk/>
+            <pc:sldMk cId="1118881725" sldId="270"/>
+            <ac:spMk id="2" creationId="{B01D1041-59A1-4BF4-8D94-1A4FACFE368A}"/>
+          </ac:spMkLst>
+        </pc:spChg>
+        <pc:spChg chg="add mod ord">
+          <ac:chgData name="Karim Heredia" userId="04cc9b4d-2385-48cf-a926-ccdb3f32244a" providerId="ADAL" clId="{1A95624D-0BBF-4D29-90D5-1216FF86E83A}" dt="2021-04-14T11:55:16.283" v="1027" actId="700"/>
+          <ac:spMkLst>
+            <pc:docMk/>
+            <pc:sldMk cId="1118881725" sldId="270"/>
+            <ac:spMk id="4" creationId="{BBC66ACF-4D62-40AD-B4B6-7792689841CB}"/>
+          </ac:spMkLst>
+        </pc:spChg>
+        <pc:picChg chg="mod modCrop">
+          <ac:chgData name="Karim Heredia" userId="04cc9b4d-2385-48cf-a926-ccdb3f32244a" providerId="ADAL" clId="{1A95624D-0BBF-4D29-90D5-1216FF86E83A}" dt="2021-04-14T11:56:31.079" v="1072" actId="732"/>
+          <ac:picMkLst>
+            <pc:docMk/>
+            <pc:sldMk cId="1118881725" sldId="270"/>
+            <ac:picMk id="3" creationId="{87EA485F-D974-4F00-BAEE-25CD05B79222}"/>
+          </ac:picMkLst>
+        </pc:picChg>
+      </pc:sldChg>
+      <pc:sldChg chg="addSp modSp del mod modClrScheme chgLayout">
+        <pc:chgData name="Karim Heredia" userId="04cc9b4d-2385-48cf-a926-ccdb3f32244a" providerId="ADAL" clId="{1A95624D-0BBF-4D29-90D5-1216FF86E83A}" dt="2021-04-14T11:57:25.610" v="1158" actId="47"/>
+        <pc:sldMkLst>
+          <pc:docMk/>
+          <pc:sldMk cId="458322246" sldId="271"/>
+        </pc:sldMkLst>
+        <pc:spChg chg="add mod ord">
+          <ac:chgData name="Karim Heredia" userId="04cc9b4d-2385-48cf-a926-ccdb3f32244a" providerId="ADAL" clId="{1A95624D-0BBF-4D29-90D5-1216FF86E83A}" dt="2021-04-14T11:57:07.776" v="1156" actId="20577"/>
+          <ac:spMkLst>
+            <pc:docMk/>
+            <pc:sldMk cId="458322246" sldId="271"/>
+            <ac:spMk id="2" creationId="{B7B8B089-D900-4DF3-BABC-1DC3545EE3A4}"/>
+          </ac:spMkLst>
+        </pc:spChg>
+        <pc:spChg chg="add mod ord">
+          <ac:chgData name="Karim Heredia" userId="04cc9b4d-2385-48cf-a926-ccdb3f32244a" providerId="ADAL" clId="{1A95624D-0BBF-4D29-90D5-1216FF86E83A}" dt="2021-04-14T11:55:16.283" v="1027" actId="700"/>
+          <ac:spMkLst>
+            <pc:docMk/>
+            <pc:sldMk cId="458322246" sldId="271"/>
+            <ac:spMk id="4" creationId="{DE90B4FC-5E96-4E74-B9DF-3FFCD427D553}"/>
+          </ac:spMkLst>
+        </pc:spChg>
+        <pc:picChg chg="mod">
+          <ac:chgData name="Karim Heredia" userId="04cc9b4d-2385-48cf-a926-ccdb3f32244a" providerId="ADAL" clId="{1A95624D-0BBF-4D29-90D5-1216FF86E83A}" dt="2021-04-14T11:56:52.943" v="1092" actId="1076"/>
+          <ac:picMkLst>
+            <pc:docMk/>
+            <pc:sldMk cId="458322246" sldId="271"/>
+            <ac:picMk id="3" creationId="{0A96A05A-AD10-497E-AD11-00B4B9DC737B}"/>
+          </ac:picMkLst>
+        </pc:picChg>
+      </pc:sldChg>
+      <pc:sldChg chg="new del">
+        <pc:chgData name="Karim Heredia" userId="04cc9b4d-2385-48cf-a926-ccdb3f32244a" providerId="ADAL" clId="{1A95624D-0BBF-4D29-90D5-1216FF86E83A}" dt="2021-04-14T12:04:49.174" v="1519" actId="47"/>
+        <pc:sldMkLst>
+          <pc:docMk/>
+          <pc:sldMk cId="2462057903" sldId="272"/>
+        </pc:sldMkLst>
+      </pc:sldChg>
+      <pc:sldChg chg="addSp modSp new mod modClrScheme chgLayout">
+        <pc:chgData name="Karim Heredia" userId="04cc9b4d-2385-48cf-a926-ccdb3f32244a" providerId="ADAL" clId="{1A95624D-0BBF-4D29-90D5-1216FF86E83A}" dt="2021-04-14T11:57:58.154" v="1180" actId="20577"/>
+        <pc:sldMkLst>
+          <pc:docMk/>
+          <pc:sldMk cId="3424549285" sldId="273"/>
+        </pc:sldMkLst>
+        <pc:spChg chg="add mod ord">
+          <ac:chgData name="Karim Heredia" userId="04cc9b4d-2385-48cf-a926-ccdb3f32244a" providerId="ADAL" clId="{1A95624D-0BBF-4D29-90D5-1216FF86E83A}" dt="2021-04-14T11:57:58.154" v="1180" actId="20577"/>
+          <ac:spMkLst>
+            <pc:docMk/>
+            <pc:sldMk cId="3424549285" sldId="273"/>
+            <ac:spMk id="4" creationId="{26AF417F-1044-4E02-9A45-556E45DFCD17}"/>
+          </ac:spMkLst>
+        </pc:spChg>
+        <pc:spChg chg="add mod ord">
+          <ac:chgData name="Karim Heredia" userId="04cc9b4d-2385-48cf-a926-ccdb3f32244a" providerId="ADAL" clId="{1A95624D-0BBF-4D29-90D5-1216FF86E83A}" dt="2021-04-14T11:55:16.283" v="1027" actId="700"/>
+          <ac:spMkLst>
+            <pc:docMk/>
+            <pc:sldMk cId="3424549285" sldId="273"/>
+            <ac:spMk id="5" creationId="{8D4CE652-4ABC-42DA-8507-FD396329FA60}"/>
+          </ac:spMkLst>
+        </pc:spChg>
+        <pc:picChg chg="add mod modCrop">
+          <ac:chgData name="Karim Heredia" userId="04cc9b4d-2385-48cf-a926-ccdb3f32244a" providerId="ADAL" clId="{1A95624D-0BBF-4D29-90D5-1216FF86E83A}" dt="2021-04-14T11:57:53.124" v="1161" actId="1076"/>
+          <ac:picMkLst>
+            <pc:docMk/>
+            <pc:sldMk cId="3424549285" sldId="273"/>
+            <ac:picMk id="3" creationId="{634E7EA8-D30F-4287-ABB9-85961200AF39}"/>
+          </ac:picMkLst>
+        </pc:picChg>
+      </pc:sldChg>
+      <pc:sldChg chg="addSp modSp new mod modClrScheme chgLayout">
+        <pc:chgData name="Karim Heredia" userId="04cc9b4d-2385-48cf-a926-ccdb3f32244a" providerId="ADAL" clId="{1A95624D-0BBF-4D29-90D5-1216FF86E83A}" dt="2021-04-14T12:05:50.786" v="1555" actId="20577"/>
+        <pc:sldMkLst>
+          <pc:docMk/>
+          <pc:sldMk cId="4066123898" sldId="274"/>
+        </pc:sldMkLst>
+        <pc:spChg chg="add mod ord">
+          <ac:chgData name="Karim Heredia" userId="04cc9b4d-2385-48cf-a926-ccdb3f32244a" providerId="ADAL" clId="{1A95624D-0BBF-4D29-90D5-1216FF86E83A}" dt="2021-04-14T12:05:50.786" v="1555" actId="20577"/>
+          <ac:spMkLst>
+            <pc:docMk/>
+            <pc:sldMk cId="4066123898" sldId="274"/>
+            <ac:spMk id="4" creationId="{F624E10B-3ECB-4577-A561-A98B89FA3DE7}"/>
+          </ac:spMkLst>
+        </pc:spChg>
+        <pc:spChg chg="add mod ord">
+          <ac:chgData name="Karim Heredia" userId="04cc9b4d-2385-48cf-a926-ccdb3f32244a" providerId="ADAL" clId="{1A95624D-0BBF-4D29-90D5-1216FF86E83A}" dt="2021-04-14T11:55:16.283" v="1027" actId="700"/>
+          <ac:spMkLst>
+            <pc:docMk/>
+            <pc:sldMk cId="4066123898" sldId="274"/>
+            <ac:spMk id="5" creationId="{92E643AB-7A2E-4909-A06B-12747A683729}"/>
+          </ac:spMkLst>
+        </pc:spChg>
+        <pc:picChg chg="add mod">
+          <ac:chgData name="Karim Heredia" userId="04cc9b4d-2385-48cf-a926-ccdb3f32244a" providerId="ADAL" clId="{1A95624D-0BBF-4D29-90D5-1216FF86E83A}" dt="2021-04-14T11:58:17.139" v="1184" actId="1076"/>
+          <ac:picMkLst>
+            <pc:docMk/>
+            <pc:sldMk cId="4066123898" sldId="274"/>
+            <ac:picMk id="3" creationId="{06970517-44F6-47C1-84FD-158CC3ED9BF4}"/>
+          </ac:picMkLst>
+        </pc:picChg>
+      </pc:sldChg>
+      <pc:sldChg chg="addSp delSp modSp new mod modClrScheme chgLayout">
+        <pc:chgData name="Karim Heredia" userId="04cc9b4d-2385-48cf-a926-ccdb3f32244a" providerId="ADAL" clId="{1A95624D-0BBF-4D29-90D5-1216FF86E83A}" dt="2021-04-14T11:58:55.299" v="1233" actId="20577"/>
+        <pc:sldMkLst>
+          <pc:docMk/>
+          <pc:sldMk cId="3582324788" sldId="275"/>
+        </pc:sldMkLst>
+        <pc:spChg chg="add mod ord">
+          <ac:chgData name="Karim Heredia" userId="04cc9b4d-2385-48cf-a926-ccdb3f32244a" providerId="ADAL" clId="{1A95624D-0BBF-4D29-90D5-1216FF86E83A}" dt="2021-04-14T11:58:55.299" v="1233" actId="20577"/>
+          <ac:spMkLst>
+            <pc:docMk/>
+            <pc:sldMk cId="3582324788" sldId="275"/>
+            <ac:spMk id="6" creationId="{B74032C9-D350-4E8B-82B5-0362534C584E}"/>
+          </ac:spMkLst>
+        </pc:spChg>
+        <pc:spChg chg="add mod ord">
+          <ac:chgData name="Karim Heredia" userId="04cc9b4d-2385-48cf-a926-ccdb3f32244a" providerId="ADAL" clId="{1A95624D-0BBF-4D29-90D5-1216FF86E83A}" dt="2021-04-14T11:55:16.283" v="1027" actId="700"/>
+          <ac:spMkLst>
+            <pc:docMk/>
+            <pc:sldMk cId="3582324788" sldId="275"/>
+            <ac:spMk id="7" creationId="{CD532915-1344-4281-A670-49622D06F569}"/>
+          </ac:spMkLst>
+        </pc:spChg>
+        <pc:picChg chg="add del">
+          <ac:chgData name="Karim Heredia" userId="04cc9b4d-2385-48cf-a926-ccdb3f32244a" providerId="ADAL" clId="{1A95624D-0BBF-4D29-90D5-1216FF86E83A}" dt="2021-04-14T09:29:14.908" v="16" actId="478"/>
+          <ac:picMkLst>
+            <pc:docMk/>
+            <pc:sldMk cId="3582324788" sldId="275"/>
+            <ac:picMk id="3" creationId="{08C6B442-EF82-42A3-849F-F1BDA3861C5A}"/>
+          </ac:picMkLst>
+        </pc:picChg>
+        <pc:picChg chg="add mod">
+          <ac:chgData name="Karim Heredia" userId="04cc9b4d-2385-48cf-a926-ccdb3f32244a" providerId="ADAL" clId="{1A95624D-0BBF-4D29-90D5-1216FF86E83A}" dt="2021-04-14T11:58:49.819" v="1216" actId="1076"/>
+          <ac:picMkLst>
+            <pc:docMk/>
+            <pc:sldMk cId="3582324788" sldId="275"/>
+            <ac:picMk id="5" creationId="{4BD51C1A-8F7B-4D46-A9E6-327258FA0C80}"/>
+          </ac:picMkLst>
+        </pc:picChg>
+      </pc:sldChg>
+      <pc:sldChg chg="addSp delSp modSp new mod modClrScheme chgLayout">
+        <pc:chgData name="Karim Heredia" userId="04cc9b4d-2385-48cf-a926-ccdb3f32244a" providerId="ADAL" clId="{1A95624D-0BBF-4D29-90D5-1216FF86E83A}" dt="2021-04-14T11:59:21.007" v="1274" actId="20577"/>
+        <pc:sldMkLst>
+          <pc:docMk/>
+          <pc:sldMk cId="2565139865" sldId="276"/>
+        </pc:sldMkLst>
+        <pc:spChg chg="add mod ord">
+          <ac:chgData name="Karim Heredia" userId="04cc9b4d-2385-48cf-a926-ccdb3f32244a" providerId="ADAL" clId="{1A95624D-0BBF-4D29-90D5-1216FF86E83A}" dt="2021-04-14T11:59:21.007" v="1274" actId="20577"/>
+          <ac:spMkLst>
+            <pc:docMk/>
+            <pc:sldMk cId="2565139865" sldId="276"/>
+            <ac:spMk id="6" creationId="{54850119-3412-4B22-B26B-E098AA7B1127}"/>
+          </ac:spMkLst>
+        </pc:spChg>
+        <pc:spChg chg="add mod ord">
+          <ac:chgData name="Karim Heredia" userId="04cc9b4d-2385-48cf-a926-ccdb3f32244a" providerId="ADAL" clId="{1A95624D-0BBF-4D29-90D5-1216FF86E83A}" dt="2021-04-14T11:55:16.283" v="1027" actId="700"/>
+          <ac:spMkLst>
+            <pc:docMk/>
+            <pc:sldMk cId="2565139865" sldId="276"/>
+            <ac:spMk id="7" creationId="{A3724FCF-48FB-4F04-ABC3-4400E8E5D6CF}"/>
+          </ac:spMkLst>
+        </pc:spChg>
+        <pc:picChg chg="add del">
+          <ac:chgData name="Karim Heredia" userId="04cc9b4d-2385-48cf-a926-ccdb3f32244a" providerId="ADAL" clId="{1A95624D-0BBF-4D29-90D5-1216FF86E83A}" dt="2021-04-14T09:28:57.257" v="14" actId="478"/>
+          <ac:picMkLst>
+            <pc:docMk/>
+            <pc:sldMk cId="2565139865" sldId="276"/>
+            <ac:picMk id="3" creationId="{D569DF29-EA12-480A-A049-E98610811694}"/>
+          </ac:picMkLst>
+        </pc:picChg>
+        <pc:picChg chg="add mod">
+          <ac:chgData name="Karim Heredia" userId="04cc9b4d-2385-48cf-a926-ccdb3f32244a" providerId="ADAL" clId="{1A95624D-0BBF-4D29-90D5-1216FF86E83A}" dt="2021-04-14T11:59:10.500" v="1237" actId="14100"/>
+          <ac:picMkLst>
+            <pc:docMk/>
+            <pc:sldMk cId="2565139865" sldId="276"/>
+            <ac:picMk id="5" creationId="{291C54F4-0BC4-46D9-A099-4F42A7E341E7}"/>
+          </ac:picMkLst>
+        </pc:picChg>
+      </pc:sldChg>
+      <pc:sldChg chg="addSp modSp new mod modClrScheme chgLayout">
+        <pc:chgData name="Karim Heredia" userId="04cc9b4d-2385-48cf-a926-ccdb3f32244a" providerId="ADAL" clId="{1A95624D-0BBF-4D29-90D5-1216FF86E83A}" dt="2021-04-14T11:59:49.691" v="1301" actId="1076"/>
+        <pc:sldMkLst>
+          <pc:docMk/>
+          <pc:sldMk cId="1641274294" sldId="277"/>
+        </pc:sldMkLst>
+        <pc:spChg chg="add mod ord">
+          <ac:chgData name="Karim Heredia" userId="04cc9b4d-2385-48cf-a926-ccdb3f32244a" providerId="ADAL" clId="{1A95624D-0BBF-4D29-90D5-1216FF86E83A}" dt="2021-04-14T11:59:32.459" v="1299" actId="20577"/>
+          <ac:spMkLst>
+            <pc:docMk/>
+            <pc:sldMk cId="1641274294" sldId="277"/>
+            <ac:spMk id="4" creationId="{EB6FBB50-0BDF-4802-90BA-6C727C4AFAB5}"/>
+          </ac:spMkLst>
+        </pc:spChg>
+        <pc:spChg chg="add mod ord">
+          <ac:chgData name="Karim Heredia" userId="04cc9b4d-2385-48cf-a926-ccdb3f32244a" providerId="ADAL" clId="{1A95624D-0BBF-4D29-90D5-1216FF86E83A}" dt="2021-04-14T11:55:16.283" v="1027" actId="700"/>
+          <ac:spMkLst>
+            <pc:docMk/>
+            <pc:sldMk cId="1641274294" sldId="277"/>
+            <ac:spMk id="5" creationId="{3EDB67B9-13E2-4422-AE6B-AF75F703ABC7}"/>
+          </ac:spMkLst>
+        </pc:spChg>
+        <pc:picChg chg="add mod">
+          <ac:chgData name="Karim Heredia" userId="04cc9b4d-2385-48cf-a926-ccdb3f32244a" providerId="ADAL" clId="{1A95624D-0BBF-4D29-90D5-1216FF86E83A}" dt="2021-04-14T11:59:49.691" v="1301" actId="1076"/>
+          <ac:picMkLst>
+            <pc:docMk/>
+            <pc:sldMk cId="1641274294" sldId="277"/>
+            <ac:picMk id="3" creationId="{D3F68731-5E15-4B68-80C4-B76D21B36BD9}"/>
+          </ac:picMkLst>
+        </pc:picChg>
+      </pc:sldChg>
+      <pc:sldChg chg="addSp delSp modSp new mod modClrScheme chgLayout">
+        <pc:chgData name="Karim Heredia" userId="04cc9b4d-2385-48cf-a926-ccdb3f32244a" providerId="ADAL" clId="{1A95624D-0BBF-4D29-90D5-1216FF86E83A}" dt="2021-04-15T12:21:00.031" v="4291" actId="14100"/>
+        <pc:sldMkLst>
+          <pc:docMk/>
+          <pc:sldMk cId="628226169" sldId="278"/>
+        </pc:sldMkLst>
+        <pc:spChg chg="add mod">
+          <ac:chgData name="Karim Heredia" userId="04cc9b4d-2385-48cf-a926-ccdb3f32244a" providerId="ADAL" clId="{1A95624D-0BBF-4D29-90D5-1216FF86E83A}" dt="2021-04-15T12:21:00.031" v="4291" actId="14100"/>
+          <ac:spMkLst>
+            <pc:docMk/>
+            <pc:sldMk cId="628226169" sldId="278"/>
+            <ac:spMk id="2" creationId="{EF1F1B26-7BA8-4089-AA3F-C462242D1082}"/>
+          </ac:spMkLst>
+        </pc:spChg>
+        <pc:spChg chg="add mod ord">
+          <ac:chgData name="Karim Heredia" userId="04cc9b4d-2385-48cf-a926-ccdb3f32244a" providerId="ADAL" clId="{1A95624D-0BBF-4D29-90D5-1216FF86E83A}" dt="2021-04-14T12:00:09.922" v="1336" actId="20577"/>
+          <ac:spMkLst>
+            <pc:docMk/>
+            <pc:sldMk cId="628226169" sldId="278"/>
+            <ac:spMk id="4" creationId="{4ED2D220-684C-420F-ACCC-F8390DD842B5}"/>
+          </ac:spMkLst>
+        </pc:spChg>
+        <pc:spChg chg="add mod ord">
+          <ac:chgData name="Karim Heredia" userId="04cc9b4d-2385-48cf-a926-ccdb3f32244a" providerId="ADAL" clId="{1A95624D-0BBF-4D29-90D5-1216FF86E83A}" dt="2021-04-14T11:55:16.283" v="1027" actId="700"/>
+          <ac:spMkLst>
+            <pc:docMk/>
+            <pc:sldMk cId="628226169" sldId="278"/>
+            <ac:spMk id="5" creationId="{C9E2C111-98A6-4F3D-A64D-BDB4291FF7F1}"/>
+          </ac:spMkLst>
+        </pc:spChg>
+        <pc:picChg chg="add del mod">
+          <ac:chgData name="Karim Heredia" userId="04cc9b4d-2385-48cf-a926-ccdb3f32244a" providerId="ADAL" clId="{1A95624D-0BBF-4D29-90D5-1216FF86E83A}" dt="2021-04-14T13:08:57.212" v="2328" actId="478"/>
+          <ac:picMkLst>
+            <pc:docMk/>
+            <pc:sldMk cId="628226169" sldId="278"/>
+            <ac:picMk id="3" creationId="{34EFBA9C-9524-403B-B57E-66B7F3CF30DB}"/>
+          </ac:picMkLst>
+        </pc:picChg>
+        <pc:picChg chg="add mod">
+          <ac:chgData name="Karim Heredia" userId="04cc9b4d-2385-48cf-a926-ccdb3f32244a" providerId="ADAL" clId="{1A95624D-0BBF-4D29-90D5-1216FF86E83A}" dt="2021-04-14T13:09:10.528" v="2331" actId="1076"/>
+          <ac:picMkLst>
+            <pc:docMk/>
+            <pc:sldMk cId="628226169" sldId="278"/>
+            <ac:picMk id="7" creationId="{B7E5867E-2486-4263-AE16-0242D8B3E5B6}"/>
+          </ac:picMkLst>
+        </pc:picChg>
+      </pc:sldChg>
+      <pc:sldChg chg="addSp modSp new mod modClrScheme chgLayout">
+        <pc:chgData name="Karim Heredia" userId="04cc9b4d-2385-48cf-a926-ccdb3f32244a" providerId="ADAL" clId="{1A95624D-0BBF-4D29-90D5-1216FF86E83A}" dt="2021-04-14T12:00:41.363" v="1368" actId="1076"/>
+        <pc:sldMkLst>
+          <pc:docMk/>
+          <pc:sldMk cId="3533451851" sldId="279"/>
+        </pc:sldMkLst>
+        <pc:spChg chg="add mod ord">
+          <ac:chgData name="Karim Heredia" userId="04cc9b4d-2385-48cf-a926-ccdb3f32244a" providerId="ADAL" clId="{1A95624D-0BBF-4D29-90D5-1216FF86E83A}" dt="2021-04-14T12:00:33.975" v="1367" actId="20577"/>
+          <ac:spMkLst>
+            <pc:docMk/>
+            <pc:sldMk cId="3533451851" sldId="279"/>
+            <ac:spMk id="4" creationId="{69C6B859-2A7B-4C8A-A2E9-62118E1D0D67}"/>
+          </ac:spMkLst>
+        </pc:spChg>
+        <pc:spChg chg="add mod ord">
+          <ac:chgData name="Karim Heredia" userId="04cc9b4d-2385-48cf-a926-ccdb3f32244a" providerId="ADAL" clId="{1A95624D-0BBF-4D29-90D5-1216FF86E83A}" dt="2021-04-14T11:55:16.283" v="1027" actId="700"/>
+          <ac:spMkLst>
+            <pc:docMk/>
+            <pc:sldMk cId="3533451851" sldId="279"/>
+            <ac:spMk id="5" creationId="{58242DAD-A1CF-4B32-86FC-9F4FB3719E1F}"/>
+          </ac:spMkLst>
+        </pc:spChg>
+        <pc:picChg chg="add mod">
+          <ac:chgData name="Karim Heredia" userId="04cc9b4d-2385-48cf-a926-ccdb3f32244a" providerId="ADAL" clId="{1A95624D-0BBF-4D29-90D5-1216FF86E83A}" dt="2021-04-14T12:00:41.363" v="1368" actId="1076"/>
+          <ac:picMkLst>
+            <pc:docMk/>
+            <pc:sldMk cId="3533451851" sldId="279"/>
+            <ac:picMk id="3" creationId="{FFBCDB94-E133-47DD-8316-EE5F5450A550}"/>
+          </ac:picMkLst>
+        </pc:picChg>
+      </pc:sldChg>
+      <pc:sldChg chg="addSp modSp new mod modClrScheme chgLayout">
+        <pc:chgData name="Karim Heredia" userId="04cc9b4d-2385-48cf-a926-ccdb3f32244a" providerId="ADAL" clId="{1A95624D-0BBF-4D29-90D5-1216FF86E83A}" dt="2021-04-14T12:02:08.309" v="1416" actId="1076"/>
+        <pc:sldMkLst>
+          <pc:docMk/>
+          <pc:sldMk cId="1852369974" sldId="280"/>
+        </pc:sldMkLst>
+        <pc:spChg chg="add mod ord">
+          <ac:chgData name="Karim Heredia" userId="04cc9b4d-2385-48cf-a926-ccdb3f32244a" providerId="ADAL" clId="{1A95624D-0BBF-4D29-90D5-1216FF86E83A}" dt="2021-04-14T12:02:02.375" v="1415" actId="6549"/>
+          <ac:spMkLst>
+            <pc:docMk/>
+            <pc:sldMk cId="1852369974" sldId="280"/>
+            <ac:spMk id="4" creationId="{3AD87A6F-C455-408A-B878-60FE9CD01CC7}"/>
+          </ac:spMkLst>
+        </pc:spChg>
+        <pc:spChg chg="add mod ord">
+          <ac:chgData name="Karim Heredia" userId="04cc9b4d-2385-48cf-a926-ccdb3f32244a" providerId="ADAL" clId="{1A95624D-0BBF-4D29-90D5-1216FF86E83A}" dt="2021-04-14T11:55:16.283" v="1027" actId="700"/>
+          <ac:spMkLst>
+            <pc:docMk/>
+            <pc:sldMk cId="1852369974" sldId="280"/>
+            <ac:spMk id="5" creationId="{E5DD611A-207E-4579-889B-84000D41F04C}"/>
+          </ac:spMkLst>
+        </pc:spChg>
+        <pc:picChg chg="add mod">
+          <ac:chgData name="Karim Heredia" userId="04cc9b4d-2385-48cf-a926-ccdb3f32244a" providerId="ADAL" clId="{1A95624D-0BBF-4D29-90D5-1216FF86E83A}" dt="2021-04-14T12:02:08.309" v="1416" actId="1076"/>
+          <ac:picMkLst>
+            <pc:docMk/>
+            <pc:sldMk cId="1852369974" sldId="280"/>
+            <ac:picMk id="3" creationId="{D14066EE-7069-4260-8C23-5FACD16FEF3C}"/>
+          </ac:picMkLst>
+        </pc:picChg>
+      </pc:sldChg>
+      <pc:sldChg chg="addSp modSp new mod modClrScheme chgLayout">
+        <pc:chgData name="Karim Heredia" userId="04cc9b4d-2385-48cf-a926-ccdb3f32244a" providerId="ADAL" clId="{1A95624D-0BBF-4D29-90D5-1216FF86E83A}" dt="2021-04-15T12:19:38.714" v="4280" actId="1582"/>
+        <pc:sldMkLst>
+          <pc:docMk/>
+          <pc:sldMk cId="782742992" sldId="281"/>
+        </pc:sldMkLst>
+        <pc:spChg chg="add mod">
+          <ac:chgData name="Karim Heredia" userId="04cc9b4d-2385-48cf-a926-ccdb3f32244a" providerId="ADAL" clId="{1A95624D-0BBF-4D29-90D5-1216FF86E83A}" dt="2021-04-15T12:19:38.714" v="4280" actId="1582"/>
+          <ac:spMkLst>
+            <pc:docMk/>
+            <pc:sldMk cId="782742992" sldId="281"/>
+            <ac:spMk id="2" creationId="{D97590A4-AAA2-4189-85B1-0E1862496AF6}"/>
+          </ac:spMkLst>
+        </pc:spChg>
+        <pc:spChg chg="add mod ord">
+          <ac:chgData name="Karim Heredia" userId="04cc9b4d-2385-48cf-a926-ccdb3f32244a" providerId="ADAL" clId="{1A95624D-0BBF-4D29-90D5-1216FF86E83A}" dt="2021-04-14T12:07:58.432" v="1633" actId="20577"/>
+          <ac:spMkLst>
+            <pc:docMk/>
+            <pc:sldMk cId="782742992" sldId="281"/>
+            <ac:spMk id="4" creationId="{B7583C73-42CF-4E03-B62D-F89BA07C658C}"/>
+          </ac:spMkLst>
+        </pc:spChg>
+        <pc:spChg chg="add mod ord">
+          <ac:chgData name="Karim Heredia" userId="04cc9b4d-2385-48cf-a926-ccdb3f32244a" providerId="ADAL" clId="{1A95624D-0BBF-4D29-90D5-1216FF86E83A}" dt="2021-04-14T11:55:16.283" v="1027" actId="700"/>
+          <ac:spMkLst>
+            <pc:docMk/>
+            <pc:sldMk cId="782742992" sldId="281"/>
+            <ac:spMk id="5" creationId="{2BF62D65-BB9E-44DD-B53C-CE36F78F13E9}"/>
+          </ac:spMkLst>
+        </pc:spChg>
+        <pc:picChg chg="add mod">
+          <ac:chgData name="Karim Heredia" userId="04cc9b4d-2385-48cf-a926-ccdb3f32244a" providerId="ADAL" clId="{1A95624D-0BBF-4D29-90D5-1216FF86E83A}" dt="2021-04-14T12:07:50.980" v="1611" actId="1076"/>
+          <ac:picMkLst>
+            <pc:docMk/>
+            <pc:sldMk cId="782742992" sldId="281"/>
+            <ac:picMk id="3" creationId="{8CA50A4A-C143-43AE-82E0-6239889C1366}"/>
+          </ac:picMkLst>
+        </pc:picChg>
+      </pc:sldChg>
+      <pc:sldChg chg="addSp modSp new mod modClrScheme chgLayout">
+        <pc:chgData name="Karim Heredia" userId="04cc9b4d-2385-48cf-a926-ccdb3f32244a" providerId="ADAL" clId="{1A95624D-0BBF-4D29-90D5-1216FF86E83A}" dt="2021-04-15T12:20:05.759" v="4283" actId="14100"/>
+        <pc:sldMkLst>
+          <pc:docMk/>
+          <pc:sldMk cId="851167946" sldId="282"/>
+        </pc:sldMkLst>
+        <pc:spChg chg="add mod">
+          <ac:chgData name="Karim Heredia" userId="04cc9b4d-2385-48cf-a926-ccdb3f32244a" providerId="ADAL" clId="{1A95624D-0BBF-4D29-90D5-1216FF86E83A}" dt="2021-04-15T12:20:05.759" v="4283" actId="14100"/>
+          <ac:spMkLst>
+            <pc:docMk/>
+            <pc:sldMk cId="851167946" sldId="282"/>
+            <ac:spMk id="2" creationId="{EDE9D48B-570E-4333-87EB-CFD50942EC69}"/>
+          </ac:spMkLst>
+        </pc:spChg>
+        <pc:spChg chg="add mod ord">
+          <ac:chgData name="Karim Heredia" userId="04cc9b4d-2385-48cf-a926-ccdb3f32244a" providerId="ADAL" clId="{1A95624D-0BBF-4D29-90D5-1216FF86E83A}" dt="2021-04-14T12:08:33.777" v="1672" actId="20577"/>
+          <ac:spMkLst>
+            <pc:docMk/>
+            <pc:sldMk cId="851167946" sldId="282"/>
+            <ac:spMk id="4" creationId="{14352BC6-6DF3-409F-A857-B57822AF883B}"/>
+          </ac:spMkLst>
+        </pc:spChg>
+        <pc:spChg chg="add mod ord">
+          <ac:chgData name="Karim Heredia" userId="04cc9b4d-2385-48cf-a926-ccdb3f32244a" providerId="ADAL" clId="{1A95624D-0BBF-4D29-90D5-1216FF86E83A}" dt="2021-04-14T11:55:16.283" v="1027" actId="700"/>
+          <ac:spMkLst>
+            <pc:docMk/>
+            <pc:sldMk cId="851167946" sldId="282"/>
+            <ac:spMk id="5" creationId="{5415377E-6B17-4747-81B7-34B7BA578582}"/>
+          </ac:spMkLst>
+        </pc:spChg>
+        <pc:picChg chg="add mod">
+          <ac:chgData name="Karim Heredia" userId="04cc9b4d-2385-48cf-a926-ccdb3f32244a" providerId="ADAL" clId="{1A95624D-0BBF-4D29-90D5-1216FF86E83A}" dt="2021-04-14T12:08:18.515" v="1637" actId="1076"/>
+          <ac:picMkLst>
+            <pc:docMk/>
+            <pc:sldMk cId="851167946" sldId="282"/>
+            <ac:picMk id="3" creationId="{2CD44932-D6BA-420E-9C73-78558A87167A}"/>
+          </ac:picMkLst>
+        </pc:picChg>
+      </pc:sldChg>
+      <pc:sldChg chg="addSp modSp new mod modClrScheme chgLayout">
+        <pc:chgData name="Karim Heredia" userId="04cc9b4d-2385-48cf-a926-ccdb3f32244a" providerId="ADAL" clId="{1A95624D-0BBF-4D29-90D5-1216FF86E83A}" dt="2021-04-15T12:20:27.680" v="4286" actId="14100"/>
+        <pc:sldMkLst>
+          <pc:docMk/>
+          <pc:sldMk cId="2674268825" sldId="283"/>
+        </pc:sldMkLst>
+        <pc:spChg chg="add mod">
+          <ac:chgData name="Karim Heredia" userId="04cc9b4d-2385-48cf-a926-ccdb3f32244a" providerId="ADAL" clId="{1A95624D-0BBF-4D29-90D5-1216FF86E83A}" dt="2021-04-15T12:20:27.680" v="4286" actId="14100"/>
+          <ac:spMkLst>
+            <pc:docMk/>
+            <pc:sldMk cId="2674268825" sldId="283"/>
+            <ac:spMk id="2" creationId="{5B8A38BE-E5D5-447C-B7FC-8439A1A8E772}"/>
+          </ac:spMkLst>
+        </pc:spChg>
+        <pc:spChg chg="add mod ord">
+          <ac:chgData name="Karim Heredia" userId="04cc9b4d-2385-48cf-a926-ccdb3f32244a" providerId="ADAL" clId="{1A95624D-0BBF-4D29-90D5-1216FF86E83A}" dt="2021-04-14T12:08:56.902" v="1706" actId="20577"/>
+          <ac:spMkLst>
+            <pc:docMk/>
+            <pc:sldMk cId="2674268825" sldId="283"/>
+            <ac:spMk id="4" creationId="{9E995D7A-68D4-4FEE-A319-0AA55A4773FC}"/>
+          </ac:spMkLst>
+        </pc:spChg>
+        <pc:spChg chg="add mod ord">
+          <ac:chgData name="Karim Heredia" userId="04cc9b4d-2385-48cf-a926-ccdb3f32244a" providerId="ADAL" clId="{1A95624D-0BBF-4D29-90D5-1216FF86E83A}" dt="2021-04-14T11:55:16.283" v="1027" actId="700"/>
+          <ac:spMkLst>
+            <pc:docMk/>
+            <pc:sldMk cId="2674268825" sldId="283"/>
+            <ac:spMk id="5" creationId="{4DD6D09C-DF5B-4FD1-A9F7-660B9948F495}"/>
+          </ac:spMkLst>
+        </pc:spChg>
+        <pc:picChg chg="add mod">
+          <ac:chgData name="Karim Heredia" userId="04cc9b4d-2385-48cf-a926-ccdb3f32244a" providerId="ADAL" clId="{1A95624D-0BBF-4D29-90D5-1216FF86E83A}" dt="2021-04-14T12:08:47.994" v="1674" actId="1076"/>
+          <ac:picMkLst>
+            <pc:docMk/>
+            <pc:sldMk cId="2674268825" sldId="283"/>
+            <ac:picMk id="3" creationId="{7B2BDB86-9682-4C3B-BB39-BBE3D51A2E86}"/>
+          </ac:picMkLst>
+        </pc:picChg>
+      </pc:sldChg>
+      <pc:sldChg chg="addSp delSp modSp new mod ord modClrScheme chgLayout">
+        <pc:chgData name="Karim Heredia" userId="04cc9b4d-2385-48cf-a926-ccdb3f32244a" providerId="ADAL" clId="{1A95624D-0BBF-4D29-90D5-1216FF86E83A}" dt="2021-04-15T09:50:47.570" v="3413"/>
+        <pc:sldMkLst>
+          <pc:docMk/>
+          <pc:sldMk cId="3464282989" sldId="284"/>
+        </pc:sldMkLst>
+        <pc:spChg chg="add del mod ord">
+          <ac:chgData name="Karim Heredia" userId="04cc9b4d-2385-48cf-a926-ccdb3f32244a" providerId="ADAL" clId="{1A95624D-0BBF-4D29-90D5-1216FF86E83A}" dt="2021-04-14T12:09:11.644" v="1707" actId="700"/>
+          <ac:spMkLst>
+            <pc:docMk/>
+            <pc:sldMk cId="3464282989" sldId="284"/>
+            <ac:spMk id="4" creationId="{9A87D31E-686F-4EDF-8FB5-6F1EC5A9D4AE}"/>
+          </ac:spMkLst>
+        </pc:spChg>
+        <pc:spChg chg="add del mod ord">
+          <ac:chgData name="Karim Heredia" userId="04cc9b4d-2385-48cf-a926-ccdb3f32244a" providerId="ADAL" clId="{1A95624D-0BBF-4D29-90D5-1216FF86E83A}" dt="2021-04-14T12:09:11.644" v="1707" actId="700"/>
+          <ac:spMkLst>
+            <pc:docMk/>
+            <pc:sldMk cId="3464282989" sldId="284"/>
+            <ac:spMk id="5" creationId="{9E3CBBFE-D0DE-4B17-A593-A09C78D62A33}"/>
+          </ac:spMkLst>
+        </pc:spChg>
+        <pc:picChg chg="add">
+          <ac:chgData name="Karim Heredia" userId="04cc9b4d-2385-48cf-a926-ccdb3f32244a" providerId="ADAL" clId="{1A95624D-0BBF-4D29-90D5-1216FF86E83A}" dt="2021-04-14T09:38:47.631" v="28" actId="22"/>
+          <ac:picMkLst>
+            <pc:docMk/>
+            <pc:sldMk cId="3464282989" sldId="284"/>
+            <ac:picMk id="3" creationId="{A105F93E-9B07-49DF-A8EE-7F7FAF579149}"/>
+          </ac:picMkLst>
+        </pc:picChg>
+      </pc:sldChg>
+      <pc:sldChg chg="addSp modSp new mod ord modClrScheme chgLayout">
+        <pc:chgData name="Karim Heredia" userId="04cc9b4d-2385-48cf-a926-ccdb3f32244a" providerId="ADAL" clId="{1A95624D-0BBF-4D29-90D5-1216FF86E83A}" dt="2021-04-14T12:12:38.258" v="1813"/>
+        <pc:sldMkLst>
+          <pc:docMk/>
+          <pc:sldMk cId="2272766168" sldId="285"/>
+        </pc:sldMkLst>
+        <pc:spChg chg="add mod ord">
+          <ac:chgData name="Karim Heredia" userId="04cc9b4d-2385-48cf-a926-ccdb3f32244a" providerId="ADAL" clId="{1A95624D-0BBF-4D29-90D5-1216FF86E83A}" dt="2021-04-14T12:11:05.445" v="1748" actId="20577"/>
+          <ac:spMkLst>
+            <pc:docMk/>
+            <pc:sldMk cId="2272766168" sldId="285"/>
+            <ac:spMk id="4" creationId="{9F88E25E-6267-4903-A744-081FB53228F9}"/>
+          </ac:spMkLst>
+        </pc:spChg>
+        <pc:spChg chg="add mod ord">
+          <ac:chgData name="Karim Heredia" userId="04cc9b4d-2385-48cf-a926-ccdb3f32244a" providerId="ADAL" clId="{1A95624D-0BBF-4D29-90D5-1216FF86E83A}" dt="2021-04-14T11:55:16.283" v="1027" actId="700"/>
+          <ac:spMkLst>
+            <pc:docMk/>
+            <pc:sldMk cId="2272766168" sldId="285"/>
+            <ac:spMk id="5" creationId="{EEBE4B3C-AA10-4DCA-86AC-A1485379D1B6}"/>
+          </ac:spMkLst>
+        </pc:spChg>
+        <pc:picChg chg="add mod">
+          <ac:chgData name="Karim Heredia" userId="04cc9b4d-2385-48cf-a926-ccdb3f32244a" providerId="ADAL" clId="{1A95624D-0BBF-4D29-90D5-1216FF86E83A}" dt="2021-04-14T12:11:02.302" v="1731" actId="1076"/>
+          <ac:picMkLst>
+            <pc:docMk/>
+            <pc:sldMk cId="2272766168" sldId="285"/>
+            <ac:picMk id="3" creationId="{3F362E89-BBA3-499B-8D31-1AD690B4FAF3}"/>
+          </ac:picMkLst>
+        </pc:picChg>
+      </pc:sldChg>
+      <pc:sldChg chg="addSp modSp new mod modClrScheme chgLayout">
+        <pc:chgData name="Karim Heredia" userId="04cc9b4d-2385-48cf-a926-ccdb3f32244a" providerId="ADAL" clId="{1A95624D-0BBF-4D29-90D5-1216FF86E83A}" dt="2021-04-14T12:12:58.502" v="1837" actId="20577"/>
+        <pc:sldMkLst>
+          <pc:docMk/>
+          <pc:sldMk cId="4246113731" sldId="286"/>
+        </pc:sldMkLst>
+        <pc:spChg chg="add mod ord">
+          <ac:chgData name="Karim Heredia" userId="04cc9b4d-2385-48cf-a926-ccdb3f32244a" providerId="ADAL" clId="{1A95624D-0BBF-4D29-90D5-1216FF86E83A}" dt="2021-04-14T12:12:58.502" v="1837" actId="20577"/>
+          <ac:spMkLst>
+            <pc:docMk/>
+            <pc:sldMk cId="4246113731" sldId="286"/>
+            <ac:spMk id="4" creationId="{453066E3-0496-46B9-8506-4977DF2631C6}"/>
+          </ac:spMkLst>
+        </pc:spChg>
+        <pc:spChg chg="add mod ord">
+          <ac:chgData name="Karim Heredia" userId="04cc9b4d-2385-48cf-a926-ccdb3f32244a" providerId="ADAL" clId="{1A95624D-0BBF-4D29-90D5-1216FF86E83A}" dt="2021-04-14T11:55:16.283" v="1027" actId="700"/>
+          <ac:spMkLst>
+            <pc:docMk/>
+            <pc:sldMk cId="4246113731" sldId="286"/>
+            <ac:spMk id="5" creationId="{567B6B5E-1E35-4903-955E-4E62FBB955A3}"/>
+          </ac:spMkLst>
+        </pc:spChg>
+        <pc:picChg chg="add mod">
+          <ac:chgData name="Karim Heredia" userId="04cc9b4d-2385-48cf-a926-ccdb3f32244a" providerId="ADAL" clId="{1A95624D-0BBF-4D29-90D5-1216FF86E83A}" dt="2021-04-14T12:12:49.711" v="1815" actId="1076"/>
+          <ac:picMkLst>
+            <pc:docMk/>
+            <pc:sldMk cId="4246113731" sldId="286"/>
+            <ac:picMk id="3" creationId="{586567C6-D600-4921-A21A-CA37905E67D5}"/>
+          </ac:picMkLst>
+        </pc:picChg>
+      </pc:sldChg>
+      <pc:sldChg chg="addSp modSp new mod modClrScheme chgLayout">
+        <pc:chgData name="Karim Heredia" userId="04cc9b4d-2385-48cf-a926-ccdb3f32244a" providerId="ADAL" clId="{1A95624D-0BBF-4D29-90D5-1216FF86E83A}" dt="2021-04-14T12:13:04.770" v="1853" actId="20577"/>
+        <pc:sldMkLst>
+          <pc:docMk/>
+          <pc:sldMk cId="1226512163" sldId="287"/>
+        </pc:sldMkLst>
+        <pc:spChg chg="add mod ord">
+          <ac:chgData name="Karim Heredia" userId="04cc9b4d-2385-48cf-a926-ccdb3f32244a" providerId="ADAL" clId="{1A95624D-0BBF-4D29-90D5-1216FF86E83A}" dt="2021-04-14T12:13:04.770" v="1853" actId="20577"/>
+          <ac:spMkLst>
+            <pc:docMk/>
+            <pc:sldMk cId="1226512163" sldId="287"/>
+            <ac:spMk id="4" creationId="{712AB8A7-FFCD-46E5-86E8-21302A05D911}"/>
+          </ac:spMkLst>
+        </pc:spChg>
+        <pc:spChg chg="add mod ord">
+          <ac:chgData name="Karim Heredia" userId="04cc9b4d-2385-48cf-a926-ccdb3f32244a" providerId="ADAL" clId="{1A95624D-0BBF-4D29-90D5-1216FF86E83A}" dt="2021-04-14T11:55:16.283" v="1027" actId="700"/>
+          <ac:spMkLst>
+            <pc:docMk/>
+            <pc:sldMk cId="1226512163" sldId="287"/>
+            <ac:spMk id="5" creationId="{FB047C64-D29A-40D6-AFFE-FF5912DECD4A}"/>
+          </ac:spMkLst>
+        </pc:spChg>
+        <pc:picChg chg="add mod">
+          <ac:chgData name="Karim Heredia" userId="04cc9b4d-2385-48cf-a926-ccdb3f32244a" providerId="ADAL" clId="{1A95624D-0BBF-4D29-90D5-1216FF86E83A}" dt="2021-04-14T12:11:32.866" v="1752" actId="1076"/>
+          <ac:picMkLst>
+            <pc:docMk/>
+            <pc:sldMk cId="1226512163" sldId="287"/>
+            <ac:picMk id="3" creationId="{7717D287-C436-4134-A8D0-770CF6F4C5FE}"/>
+          </ac:picMkLst>
+        </pc:picChg>
+      </pc:sldChg>
+      <pc:sldChg chg="addSp delSp modSp new mod modClrScheme chgLayout">
+        <pc:chgData name="Karim Heredia" userId="04cc9b4d-2385-48cf-a926-ccdb3f32244a" providerId="ADAL" clId="{1A95624D-0BBF-4D29-90D5-1216FF86E83A}" dt="2021-04-14T12:13:09.815" v="1862" actId="20577"/>
+        <pc:sldMkLst>
+          <pc:docMk/>
+          <pc:sldMk cId="1646105246" sldId="288"/>
+        </pc:sldMkLst>
+        <pc:spChg chg="add mod ord">
+          <ac:chgData name="Karim Heredia" userId="04cc9b4d-2385-48cf-a926-ccdb3f32244a" providerId="ADAL" clId="{1A95624D-0BBF-4D29-90D5-1216FF86E83A}" dt="2021-04-14T12:13:09.815" v="1862" actId="20577"/>
+          <ac:spMkLst>
+            <pc:docMk/>
+            <pc:sldMk cId="1646105246" sldId="288"/>
+            <ac:spMk id="6" creationId="{20E27DF9-B0F3-44AB-AD30-D6C1B7DA35B4}"/>
+          </ac:spMkLst>
+        </pc:spChg>
+        <pc:spChg chg="add mod ord">
+          <ac:chgData name="Karim Heredia" userId="04cc9b4d-2385-48cf-a926-ccdb3f32244a" providerId="ADAL" clId="{1A95624D-0BBF-4D29-90D5-1216FF86E83A}" dt="2021-04-14T11:55:16.283" v="1027" actId="700"/>
+          <ac:spMkLst>
+            <pc:docMk/>
+            <pc:sldMk cId="1646105246" sldId="288"/>
+            <ac:spMk id="7" creationId="{67135129-2113-4DF2-B9F7-CE9833B33AA9}"/>
+          </ac:spMkLst>
+        </pc:spChg>
+        <pc:picChg chg="add del">
+          <ac:chgData name="Karim Heredia" userId="04cc9b4d-2385-48cf-a926-ccdb3f32244a" providerId="ADAL" clId="{1A95624D-0BBF-4D29-90D5-1216FF86E83A}" dt="2021-04-14T10:02:09.004" v="42" actId="478"/>
+          <ac:picMkLst>
+            <pc:docMk/>
+            <pc:sldMk cId="1646105246" sldId="288"/>
+            <ac:picMk id="3" creationId="{F16E3BD7-74B6-4F3D-BC3B-2677C1FB0C8F}"/>
+          </ac:picMkLst>
+        </pc:picChg>
+        <pc:picChg chg="add mod">
+          <ac:chgData name="Karim Heredia" userId="04cc9b4d-2385-48cf-a926-ccdb3f32244a" providerId="ADAL" clId="{1A95624D-0BBF-4D29-90D5-1216FF86E83A}" dt="2021-04-14T12:12:03.507" v="1777" actId="1076"/>
+          <ac:picMkLst>
+            <pc:docMk/>
+            <pc:sldMk cId="1646105246" sldId="288"/>
+            <ac:picMk id="5" creationId="{605D7693-C02D-4321-9697-434D6C70C8AC}"/>
+          </ac:picMkLst>
+        </pc:picChg>
+      </pc:sldChg>
+      <pc:sldChg chg="addSp new del mod">
+        <pc:chgData name="Karim Heredia" userId="04cc9b4d-2385-48cf-a926-ccdb3f32244a" providerId="ADAL" clId="{1A95624D-0BBF-4D29-90D5-1216FF86E83A}" dt="2021-04-14T10:01:48.233" v="41" actId="47"/>
+        <pc:sldMkLst>
+          <pc:docMk/>
+          <pc:sldMk cId="2456981048" sldId="289"/>
+        </pc:sldMkLst>
+        <pc:picChg chg="add">
+          <ac:chgData name="Karim Heredia" userId="04cc9b4d-2385-48cf-a926-ccdb3f32244a" providerId="ADAL" clId="{1A95624D-0BBF-4D29-90D5-1216FF86E83A}" dt="2021-04-14T09:50:15.498" v="38" actId="22"/>
+          <ac:picMkLst>
+            <pc:docMk/>
+            <pc:sldMk cId="2456981048" sldId="289"/>
+            <ac:picMk id="3" creationId="{845AECB6-D9AA-405E-A4EB-218F78AB37CD}"/>
+          </ac:picMkLst>
+        </pc:picChg>
+      </pc:sldChg>
+      <pc:sldChg chg="addSp modSp new mod modClrScheme chgLayout">
+        <pc:chgData name="Karim Heredia" userId="04cc9b4d-2385-48cf-a926-ccdb3f32244a" providerId="ADAL" clId="{1A95624D-0BBF-4D29-90D5-1216FF86E83A}" dt="2021-04-14T12:12:31.688" v="1811" actId="20577"/>
+        <pc:sldMkLst>
+          <pc:docMk/>
+          <pc:sldMk cId="2140120349" sldId="290"/>
+        </pc:sldMkLst>
+        <pc:spChg chg="add mod ord">
+          <ac:chgData name="Karim Heredia" userId="04cc9b4d-2385-48cf-a926-ccdb3f32244a" providerId="ADAL" clId="{1A95624D-0BBF-4D29-90D5-1216FF86E83A}" dt="2021-04-14T12:12:31.688" v="1811" actId="20577"/>
+          <ac:spMkLst>
+            <pc:docMk/>
+            <pc:sldMk cId="2140120349" sldId="290"/>
+            <ac:spMk id="4" creationId="{DB4032CD-F142-4000-938D-C59AE7528569}"/>
+          </ac:spMkLst>
+        </pc:spChg>
+        <pc:spChg chg="add mod ord">
+          <ac:chgData name="Karim Heredia" userId="04cc9b4d-2385-48cf-a926-ccdb3f32244a" providerId="ADAL" clId="{1A95624D-0BBF-4D29-90D5-1216FF86E83A}" dt="2021-04-14T11:55:16.283" v="1027" actId="700"/>
+          <ac:spMkLst>
+            <pc:docMk/>
+            <pc:sldMk cId="2140120349" sldId="290"/>
+            <ac:spMk id="5" creationId="{89E573AB-772F-460C-BF6B-540DAE97519E}"/>
+          </ac:spMkLst>
+        </pc:spChg>
+        <pc:picChg chg="add mod">
+          <ac:chgData name="Karim Heredia" userId="04cc9b4d-2385-48cf-a926-ccdb3f32244a" providerId="ADAL" clId="{1A95624D-0BBF-4D29-90D5-1216FF86E83A}" dt="2021-04-14T12:12:26.062" v="1794" actId="1076"/>
+          <ac:picMkLst>
+            <pc:docMk/>
+            <pc:sldMk cId="2140120349" sldId="290"/>
+            <ac:picMk id="3" creationId="{C49C479B-7794-4847-993E-E2C5C3C47CA2}"/>
+          </ac:picMkLst>
+        </pc:picChg>
+      </pc:sldChg>
+      <pc:sldChg chg="new del">
+        <pc:chgData name="Karim Heredia" userId="04cc9b4d-2385-48cf-a926-ccdb3f32244a" providerId="ADAL" clId="{1A95624D-0BBF-4D29-90D5-1216FF86E83A}" dt="2021-04-14T10:37:02.654" v="45" actId="47"/>
+        <pc:sldMkLst>
+          <pc:docMk/>
+          <pc:sldMk cId="36111831" sldId="291"/>
+        </pc:sldMkLst>
+      </pc:sldChg>
+      <pc:sldChg chg="addSp modSp new mod modClrScheme chgLayout">
+        <pc:chgData name="Karim Heredia" userId="04cc9b4d-2385-48cf-a926-ccdb3f32244a" providerId="ADAL" clId="{1A95624D-0BBF-4D29-90D5-1216FF86E83A}" dt="2021-04-14T12:14:34.238" v="1916" actId="20577"/>
+        <pc:sldMkLst>
+          <pc:docMk/>
+          <pc:sldMk cId="972551319" sldId="291"/>
+        </pc:sldMkLst>
+        <pc:spChg chg="add mod ord">
+          <ac:chgData name="Karim Heredia" userId="04cc9b4d-2385-48cf-a926-ccdb3f32244a" providerId="ADAL" clId="{1A95624D-0BBF-4D29-90D5-1216FF86E83A}" dt="2021-04-14T12:14:34.238" v="1916" actId="20577"/>
+          <ac:spMkLst>
+            <pc:docMk/>
+            <pc:sldMk cId="972551319" sldId="291"/>
+            <ac:spMk id="4" creationId="{C4852B39-DE6B-4B5F-A61C-966AD27FB2AF}"/>
+          </ac:spMkLst>
+        </pc:spChg>
+        <pc:spChg chg="add mod ord">
+          <ac:chgData name="Karim Heredia" userId="04cc9b4d-2385-48cf-a926-ccdb3f32244a" providerId="ADAL" clId="{1A95624D-0BBF-4D29-90D5-1216FF86E83A}" dt="2021-04-14T11:55:16.283" v="1027" actId="700"/>
+          <ac:spMkLst>
+            <pc:docMk/>
+            <pc:sldMk cId="972551319" sldId="291"/>
+            <ac:spMk id="5" creationId="{829D482A-05F8-4CA4-9C2B-ABB31DE5466C}"/>
+          </ac:spMkLst>
+        </pc:spChg>
+        <pc:picChg chg="add mod">
+          <ac:chgData name="Karim Heredia" userId="04cc9b4d-2385-48cf-a926-ccdb3f32244a" providerId="ADAL" clId="{1A95624D-0BBF-4D29-90D5-1216FF86E83A}" dt="2021-04-14T12:14:30.326" v="1893" actId="1076"/>
+          <ac:picMkLst>
+            <pc:docMk/>
+            <pc:sldMk cId="972551319" sldId="291"/>
+            <ac:picMk id="3" creationId="{8926D366-3575-4803-BD9B-F0B1B0050ED3}"/>
+          </ac:picMkLst>
+        </pc:picChg>
+      </pc:sldChg>
+      <pc:sldChg chg="addSp modSp new mod modClrScheme chgLayout">
+        <pc:chgData name="Karim Heredia" userId="04cc9b4d-2385-48cf-a926-ccdb3f32244a" providerId="ADAL" clId="{1A95624D-0BBF-4D29-90D5-1216FF86E83A}" dt="2021-04-14T12:14:55.590" v="1943" actId="20577"/>
+        <pc:sldMkLst>
+          <pc:docMk/>
+          <pc:sldMk cId="3746910666" sldId="292"/>
+        </pc:sldMkLst>
+        <pc:spChg chg="add mod ord">
+          <ac:chgData name="Karim Heredia" userId="04cc9b4d-2385-48cf-a926-ccdb3f32244a" providerId="ADAL" clId="{1A95624D-0BBF-4D29-90D5-1216FF86E83A}" dt="2021-04-14T12:14:55.590" v="1943" actId="20577"/>
+          <ac:spMkLst>
+            <pc:docMk/>
+            <pc:sldMk cId="3746910666" sldId="292"/>
+            <ac:spMk id="4" creationId="{7A118385-22BD-4C32-8AE1-DC7024F39E79}"/>
+          </ac:spMkLst>
+        </pc:spChg>
+        <pc:spChg chg="add mod ord">
+          <ac:chgData name="Karim Heredia" userId="04cc9b4d-2385-48cf-a926-ccdb3f32244a" providerId="ADAL" clId="{1A95624D-0BBF-4D29-90D5-1216FF86E83A}" dt="2021-04-14T11:55:16.283" v="1027" actId="700"/>
+          <ac:spMkLst>
+            <pc:docMk/>
+            <pc:sldMk cId="3746910666" sldId="292"/>
+            <ac:spMk id="5" creationId="{B85F4BC2-D10D-4554-99F0-8E4735FC0B8E}"/>
+          </ac:spMkLst>
+        </pc:spChg>
+        <pc:picChg chg="add mod">
+          <ac:chgData name="Karim Heredia" userId="04cc9b4d-2385-48cf-a926-ccdb3f32244a" providerId="ADAL" clId="{1A95624D-0BBF-4D29-90D5-1216FF86E83A}" dt="2021-04-14T12:14:51.451" v="1920" actId="1076"/>
+          <ac:picMkLst>
+            <pc:docMk/>
+            <pc:sldMk cId="3746910666" sldId="292"/>
+            <ac:picMk id="3" creationId="{532D16AB-D494-4473-A0D1-103AF042E5D8}"/>
+          </ac:picMkLst>
+        </pc:picChg>
+      </pc:sldChg>
+      <pc:sldChg chg="addSp modSp new mod modClrScheme chgLayout">
+        <pc:chgData name="Karim Heredia" userId="04cc9b4d-2385-48cf-a926-ccdb3f32244a" providerId="ADAL" clId="{1A95624D-0BBF-4D29-90D5-1216FF86E83A}" dt="2021-04-14T12:15:10.685" v="1968" actId="20577"/>
+        <pc:sldMkLst>
+          <pc:docMk/>
+          <pc:sldMk cId="62401178" sldId="293"/>
+        </pc:sldMkLst>
+        <pc:spChg chg="add mod ord">
+          <ac:chgData name="Karim Heredia" userId="04cc9b4d-2385-48cf-a926-ccdb3f32244a" providerId="ADAL" clId="{1A95624D-0BBF-4D29-90D5-1216FF86E83A}" dt="2021-04-14T12:15:10.685" v="1968" actId="20577"/>
+          <ac:spMkLst>
+            <pc:docMk/>
+            <pc:sldMk cId="62401178" sldId="293"/>
+            <ac:spMk id="4" creationId="{937DEC2D-8A5C-447E-A143-6E7135CD5AEB}"/>
+          </ac:spMkLst>
+        </pc:spChg>
+        <pc:spChg chg="add mod ord">
+          <ac:chgData name="Karim Heredia" userId="04cc9b4d-2385-48cf-a926-ccdb3f32244a" providerId="ADAL" clId="{1A95624D-0BBF-4D29-90D5-1216FF86E83A}" dt="2021-04-14T11:55:16.283" v="1027" actId="700"/>
+          <ac:spMkLst>
+            <pc:docMk/>
+            <pc:sldMk cId="62401178" sldId="293"/>
+            <ac:spMk id="5" creationId="{F23AA3EC-2EE0-4696-A738-D919719F33B0}"/>
+          </ac:spMkLst>
+        </pc:spChg>
+        <pc:picChg chg="add mod">
+          <ac:chgData name="Karim Heredia" userId="04cc9b4d-2385-48cf-a926-ccdb3f32244a" providerId="ADAL" clId="{1A95624D-0BBF-4D29-90D5-1216FF86E83A}" dt="2021-04-14T12:15:07.079" v="1945" actId="1076"/>
+          <ac:picMkLst>
+            <pc:docMk/>
+            <pc:sldMk cId="62401178" sldId="293"/>
+            <ac:picMk id="3" creationId="{3859580A-9DD0-4204-B0AE-290F788B565B}"/>
+          </ac:picMkLst>
+        </pc:picChg>
+      </pc:sldChg>
+      <pc:sldChg chg="addSp modSp new mod modClrScheme chgLayout">
+        <pc:chgData name="Karim Heredia" userId="04cc9b4d-2385-48cf-a926-ccdb3f32244a" providerId="ADAL" clId="{1A95624D-0BBF-4D29-90D5-1216FF86E83A}" dt="2021-04-14T12:16:41.922" v="2040" actId="20577"/>
+        <pc:sldMkLst>
+          <pc:docMk/>
+          <pc:sldMk cId="150489242" sldId="294"/>
+        </pc:sldMkLst>
+        <pc:spChg chg="add mod ord">
+          <ac:chgData name="Karim Heredia" userId="04cc9b4d-2385-48cf-a926-ccdb3f32244a" providerId="ADAL" clId="{1A95624D-0BBF-4D29-90D5-1216FF86E83A}" dt="2021-04-14T12:16:41.922" v="2040" actId="20577"/>
+          <ac:spMkLst>
+            <pc:docMk/>
+            <pc:sldMk cId="150489242" sldId="294"/>
+            <ac:spMk id="4" creationId="{6A194064-960C-4E9F-AA86-E61E09432A10}"/>
+          </ac:spMkLst>
+        </pc:spChg>
+        <pc:spChg chg="add mod ord">
+          <ac:chgData name="Karim Heredia" userId="04cc9b4d-2385-48cf-a926-ccdb3f32244a" providerId="ADAL" clId="{1A95624D-0BBF-4D29-90D5-1216FF86E83A}" dt="2021-04-14T11:55:16.283" v="1027" actId="700"/>
+          <ac:spMkLst>
+            <pc:docMk/>
+            <pc:sldMk cId="150489242" sldId="294"/>
+            <ac:spMk id="5" creationId="{D28F3DC9-D074-461D-B67A-BC9F63673C7F}"/>
+          </ac:spMkLst>
+        </pc:spChg>
+        <pc:picChg chg="add mod">
+          <ac:chgData name="Karim Heredia" userId="04cc9b4d-2385-48cf-a926-ccdb3f32244a" providerId="ADAL" clId="{1A95624D-0BBF-4D29-90D5-1216FF86E83A}" dt="2021-04-14T12:16:31.889" v="2008" actId="1076"/>
+          <ac:picMkLst>
+            <pc:docMk/>
+            <pc:sldMk cId="150489242" sldId="294"/>
+            <ac:picMk id="3" creationId="{093F752B-4D96-4902-85B9-F8881B4C1B38}"/>
+          </ac:picMkLst>
+        </pc:picChg>
+      </pc:sldChg>
+      <pc:sldChg chg="addSp delSp modSp new mod ord modClrScheme chgLayout">
+        <pc:chgData name="Karim Heredia" userId="04cc9b4d-2385-48cf-a926-ccdb3f32244a" providerId="ADAL" clId="{1A95624D-0BBF-4D29-90D5-1216FF86E83A}" dt="2021-04-14T12:15:53.734" v="2004" actId="20577"/>
+        <pc:sldMkLst>
+          <pc:docMk/>
+          <pc:sldMk cId="1198126406" sldId="295"/>
+        </pc:sldMkLst>
+        <pc:spChg chg="add del mod">
+          <ac:chgData name="Karim Heredia" userId="04cc9b4d-2385-48cf-a926-ccdb3f32244a" providerId="ADAL" clId="{1A95624D-0BBF-4D29-90D5-1216FF86E83A}" dt="2021-04-14T10:59:57.691" v="65" actId="478"/>
+          <ac:spMkLst>
+            <pc:docMk/>
+            <pc:sldMk cId="1198126406" sldId="295"/>
+            <ac:spMk id="3" creationId="{65D65638-52B0-4406-A904-09B0F68C5014}"/>
+          </ac:spMkLst>
+        </pc:spChg>
+        <pc:spChg chg="add del">
+          <ac:chgData name="Karim Heredia" userId="04cc9b4d-2385-48cf-a926-ccdb3f32244a" providerId="ADAL" clId="{1A95624D-0BBF-4D29-90D5-1216FF86E83A}" dt="2021-04-14T10:59:59.181" v="67" actId="22"/>
+          <ac:spMkLst>
+            <pc:docMk/>
+            <pc:sldMk cId="1198126406" sldId="295"/>
+            <ac:spMk id="5" creationId="{5BCA79B4-9FBF-401A-AF01-F03461470746}"/>
+          </ac:spMkLst>
+        </pc:spChg>
+        <pc:spChg chg="add mod ord">
+          <ac:chgData name="Karim Heredia" userId="04cc9b4d-2385-48cf-a926-ccdb3f32244a" providerId="ADAL" clId="{1A95624D-0BBF-4D29-90D5-1216FF86E83A}" dt="2021-04-14T12:15:53.734" v="2004" actId="20577"/>
+          <ac:spMkLst>
+            <pc:docMk/>
+            <pc:sldMk cId="1198126406" sldId="295"/>
+            <ac:spMk id="8" creationId="{515169D3-AE2C-4F64-8506-31AEFBC23D9E}"/>
+          </ac:spMkLst>
+        </pc:spChg>
+        <pc:spChg chg="add mod ord">
+          <ac:chgData name="Karim Heredia" userId="04cc9b4d-2385-48cf-a926-ccdb3f32244a" providerId="ADAL" clId="{1A95624D-0BBF-4D29-90D5-1216FF86E83A}" dt="2021-04-14T11:55:16.283" v="1027" actId="700"/>
+          <ac:spMkLst>
+            <pc:docMk/>
+            <pc:sldMk cId="1198126406" sldId="295"/>
+            <ac:spMk id="9" creationId="{86925388-5E2F-4846-8542-6FE01ACEF78C}"/>
+          </ac:spMkLst>
+        </pc:spChg>
+        <pc:picChg chg="add mod modCrop">
+          <ac:chgData name="Karim Heredia" userId="04cc9b4d-2385-48cf-a926-ccdb3f32244a" providerId="ADAL" clId="{1A95624D-0BBF-4D29-90D5-1216FF86E83A}" dt="2021-04-14T12:15:48.943" v="1972" actId="1076"/>
+          <ac:picMkLst>
+            <pc:docMk/>
+            <pc:sldMk cId="1198126406" sldId="295"/>
+            <ac:picMk id="7" creationId="{F02B7707-AEF0-4350-93BF-130E1B762142}"/>
+          </ac:picMkLst>
+        </pc:picChg>
+      </pc:sldChg>
+      <pc:sldChg chg="addSp modSp new mod ord modClrScheme chgLayout">
+        <pc:chgData name="Karim Heredia" userId="04cc9b4d-2385-48cf-a926-ccdb3f32244a" providerId="ADAL" clId="{1A95624D-0BBF-4D29-90D5-1216FF86E83A}" dt="2021-04-14T11:07:49.219" v="143" actId="20577"/>
+        <pc:sldMkLst>
+          <pc:docMk/>
+          <pc:sldMk cId="839727696" sldId="296"/>
+        </pc:sldMkLst>
+        <pc:spChg chg="add mod">
+          <ac:chgData name="Karim Heredia" userId="04cc9b4d-2385-48cf-a926-ccdb3f32244a" providerId="ADAL" clId="{1A95624D-0BBF-4D29-90D5-1216FF86E83A}" dt="2021-04-14T11:07:40.646" v="98" actId="20577"/>
+          <ac:spMkLst>
+            <pc:docMk/>
+            <pc:sldMk cId="839727696" sldId="296"/>
+            <ac:spMk id="2" creationId="{4145A4A8-B70D-47C0-A7E9-4347E04BAF3F}"/>
+          </ac:spMkLst>
+        </pc:spChg>
+        <pc:spChg chg="add mod">
+          <ac:chgData name="Karim Heredia" userId="04cc9b4d-2385-48cf-a926-ccdb3f32244a" providerId="ADAL" clId="{1A95624D-0BBF-4D29-90D5-1216FF86E83A}" dt="2021-04-14T11:07:49.219" v="143" actId="20577"/>
+          <ac:spMkLst>
+            <pc:docMk/>
+            <pc:sldMk cId="839727696" sldId="296"/>
+            <ac:spMk id="3" creationId="{F8AD688A-FA5B-4D59-A4AA-0E496355F1EA}"/>
+          </ac:spMkLst>
+        </pc:spChg>
+      </pc:sldChg>
+      <pc:sldChg chg="modSp new mod">
+        <pc:chgData name="Karim Heredia" userId="04cc9b4d-2385-48cf-a926-ccdb3f32244a" providerId="ADAL" clId="{1A95624D-0BBF-4D29-90D5-1216FF86E83A}" dt="2021-04-15T12:15:54.762" v="4276" actId="20577"/>
+        <pc:sldMkLst>
+          <pc:docMk/>
+          <pc:sldMk cId="529654382" sldId="297"/>
+        </pc:sldMkLst>
+        <pc:spChg chg="mod">
+          <ac:chgData name="Karim Heredia" userId="04cc9b4d-2385-48cf-a926-ccdb3f32244a" providerId="ADAL" clId="{1A95624D-0BBF-4D29-90D5-1216FF86E83A}" dt="2021-04-15T12:15:54.762" v="4276" actId="20577"/>
+          <ac:spMkLst>
+            <pc:docMk/>
+            <pc:sldMk cId="529654382" sldId="297"/>
+            <ac:spMk id="2" creationId="{32BBF74A-CDB4-4FF9-AFBB-021711F5C4B5}"/>
+          </ac:spMkLst>
+        </pc:spChg>
+        <pc:spChg chg="mod">
+          <ac:chgData name="Karim Heredia" userId="04cc9b4d-2385-48cf-a926-ccdb3f32244a" providerId="ADAL" clId="{1A95624D-0BBF-4D29-90D5-1216FF86E83A}" dt="2021-04-14T11:34:36.165" v="693" actId="20577"/>
+          <ac:spMkLst>
+            <pc:docMk/>
+            <pc:sldMk cId="529654382" sldId="297"/>
+            <ac:spMk id="3" creationId="{AEB43E76-1DAD-428D-94A5-9BF6C8A7C409}"/>
+          </ac:spMkLst>
+        </pc:spChg>
+      </pc:sldChg>
+      <pc:sldChg chg="modSp new mod">
+        <pc:chgData name="Karim Heredia" userId="04cc9b4d-2385-48cf-a926-ccdb3f32244a" providerId="ADAL" clId="{1A95624D-0BBF-4D29-90D5-1216FF86E83A}" dt="2021-04-14T12:29:03.539" v="2141" actId="20577"/>
+        <pc:sldMkLst>
+          <pc:docMk/>
+          <pc:sldMk cId="2032828467" sldId="298"/>
+        </pc:sldMkLst>
+        <pc:spChg chg="mod">
+          <ac:chgData name="Karim Heredia" userId="04cc9b4d-2385-48cf-a926-ccdb3f32244a" providerId="ADAL" clId="{1A95624D-0BBF-4D29-90D5-1216FF86E83A}" dt="2021-04-14T11:31:35.698" v="428" actId="20577"/>
+          <ac:spMkLst>
+            <pc:docMk/>
+            <pc:sldMk cId="2032828467" sldId="298"/>
+            <ac:spMk id="2" creationId="{5A135AF4-5120-4216-8637-958F07A7452E}"/>
+          </ac:spMkLst>
+        </pc:spChg>
+        <pc:spChg chg="mod">
+          <ac:chgData name="Karim Heredia" userId="04cc9b4d-2385-48cf-a926-ccdb3f32244a" providerId="ADAL" clId="{1A95624D-0BBF-4D29-90D5-1216FF86E83A}" dt="2021-04-14T12:29:03.539" v="2141" actId="20577"/>
+          <ac:spMkLst>
+            <pc:docMk/>
+            <pc:sldMk cId="2032828467" sldId="298"/>
+            <ac:spMk id="3" creationId="{03ED8C80-21B6-411E-ADCE-42803B0FB2F6}"/>
+          </ac:spMkLst>
+        </pc:spChg>
+      </pc:sldChg>
+      <pc:sldChg chg="addSp delSp modSp new mod modClrScheme chgLayout">
+        <pc:chgData name="Karim Heredia" userId="04cc9b4d-2385-48cf-a926-ccdb3f32244a" providerId="ADAL" clId="{1A95624D-0BBF-4D29-90D5-1216FF86E83A}" dt="2021-04-14T11:52:08.630" v="872" actId="1076"/>
+        <pc:sldMkLst>
+          <pc:docMk/>
+          <pc:sldMk cId="1166185792" sldId="299"/>
+        </pc:sldMkLst>
+        <pc:spChg chg="del mod ord">
+          <ac:chgData name="Karim Heredia" userId="04cc9b4d-2385-48cf-a926-ccdb3f32244a" providerId="ADAL" clId="{1A95624D-0BBF-4D29-90D5-1216FF86E83A}" dt="2021-04-14T11:33:11.374" v="569" actId="700"/>
+          <ac:spMkLst>
+            <pc:docMk/>
+            <pc:sldMk cId="1166185792" sldId="299"/>
+            <ac:spMk id="2" creationId="{C244C71A-8E33-4806-9F39-384BDF4B821D}"/>
+          </ac:spMkLst>
+        </pc:spChg>
+        <pc:spChg chg="del">
+          <ac:chgData name="Karim Heredia" userId="04cc9b4d-2385-48cf-a926-ccdb3f32244a" providerId="ADAL" clId="{1A95624D-0BBF-4D29-90D5-1216FF86E83A}" dt="2021-04-14T11:33:11.374" v="569" actId="700"/>
+          <ac:spMkLst>
+            <pc:docMk/>
+            <pc:sldMk cId="1166185792" sldId="299"/>
+            <ac:spMk id="3" creationId="{EBA00D64-BDF4-4061-860B-2925309ECC49}"/>
+          </ac:spMkLst>
+        </pc:spChg>
+        <pc:spChg chg="add mod ord">
+          <ac:chgData name="Karim Heredia" userId="04cc9b4d-2385-48cf-a926-ccdb3f32244a" providerId="ADAL" clId="{1A95624D-0BBF-4D29-90D5-1216FF86E83A}" dt="2021-04-14T11:51:26.621" v="868" actId="700"/>
+          <ac:spMkLst>
+            <pc:docMk/>
+            <pc:sldMk cId="1166185792" sldId="299"/>
+            <ac:spMk id="4" creationId="{5B7B3897-80A3-4E64-A583-ABE8CFFE6A4A}"/>
+          </ac:spMkLst>
+        </pc:spChg>
+        <pc:spChg chg="add mod ord">
+          <ac:chgData name="Karim Heredia" userId="04cc9b4d-2385-48cf-a926-ccdb3f32244a" providerId="ADAL" clId="{1A95624D-0BBF-4D29-90D5-1216FF86E83A}" dt="2021-04-14T11:51:26.621" v="868" actId="700"/>
+          <ac:spMkLst>
+            <pc:docMk/>
+            <pc:sldMk cId="1166185792" sldId="299"/>
+            <ac:spMk id="7" creationId="{E0260A16-0197-4E8B-B735-34E2BCAD0D69}"/>
+          </ac:spMkLst>
+        </pc:spChg>
+        <pc:picChg chg="add mod">
+          <ac:chgData name="Karim Heredia" userId="04cc9b4d-2385-48cf-a926-ccdb3f32244a" providerId="ADAL" clId="{1A95624D-0BBF-4D29-90D5-1216FF86E83A}" dt="2021-04-14T11:52:08.630" v="872" actId="1076"/>
+          <ac:picMkLst>
+            <pc:docMk/>
+            <pc:sldMk cId="1166185792" sldId="299"/>
+            <ac:picMk id="6" creationId="{96004E1B-42A0-4D5B-B80D-2DDE3BCD93E3}"/>
+          </ac:picMkLst>
+        </pc:picChg>
+      </pc:sldChg>
+      <pc:sldChg chg="addSp delSp modSp new del mod modClrScheme chgLayout">
+        <pc:chgData name="Karim Heredia" userId="04cc9b4d-2385-48cf-a926-ccdb3f32244a" providerId="ADAL" clId="{1A95624D-0BBF-4D29-90D5-1216FF86E83A}" dt="2021-04-14T12:04:20.376" v="1517" actId="47"/>
+        <pc:sldMkLst>
+          <pc:docMk/>
+          <pc:sldMk cId="674955742" sldId="300"/>
+        </pc:sldMkLst>
+        <pc:spChg chg="del mod ord">
+          <ac:chgData name="Karim Heredia" userId="04cc9b4d-2385-48cf-a926-ccdb3f32244a" providerId="ADAL" clId="{1A95624D-0BBF-4D29-90D5-1216FF86E83A}" dt="2021-04-14T11:33:52.012" v="610" actId="700"/>
+          <ac:spMkLst>
+            <pc:docMk/>
+            <pc:sldMk cId="674955742" sldId="300"/>
+            <ac:spMk id="2" creationId="{F3164F55-6DEA-4183-B468-5BCD4C8C7FF0}"/>
+          </ac:spMkLst>
+        </pc:spChg>
+        <pc:spChg chg="del mod ord">
+          <ac:chgData name="Karim Heredia" userId="04cc9b4d-2385-48cf-a926-ccdb3f32244a" providerId="ADAL" clId="{1A95624D-0BBF-4D29-90D5-1216FF86E83A}" dt="2021-04-14T11:33:52.012" v="610" actId="700"/>
+          <ac:spMkLst>
+            <pc:docMk/>
+            <pc:sldMk cId="674955742" sldId="300"/>
+            <ac:spMk id="3" creationId="{C712839F-58A8-4DC4-B1F0-1D84E9A78673}"/>
+          </ac:spMkLst>
+        </pc:spChg>
+        <pc:spChg chg="add mod ord">
+          <ac:chgData name="Karim Heredia" userId="04cc9b4d-2385-48cf-a926-ccdb3f32244a" providerId="ADAL" clId="{1A95624D-0BBF-4D29-90D5-1216FF86E83A}" dt="2021-04-14T11:36:35.497" v="737" actId="700"/>
+          <ac:spMkLst>
+            <pc:docMk/>
+            <pc:sldMk cId="674955742" sldId="300"/>
+            <ac:spMk id="4" creationId="{4623BD72-DF0B-4D4D-9402-28102B74E5F5}"/>
+          </ac:spMkLst>
+        </pc:spChg>
+        <pc:spChg chg="add del mod ord">
+          <ac:chgData name="Karim Heredia" userId="04cc9b4d-2385-48cf-a926-ccdb3f32244a" providerId="ADAL" clId="{1A95624D-0BBF-4D29-90D5-1216FF86E83A}" dt="2021-04-14T11:34:08.594" v="651" actId="700"/>
+          <ac:spMkLst>
+            <pc:docMk/>
+            <pc:sldMk cId="674955742" sldId="300"/>
+            <ac:spMk id="5" creationId="{85A9E1F6-A329-494A-9A82-778CA42A1AD2}"/>
+          </ac:spMkLst>
+        </pc:spChg>
+        <pc:spChg chg="add del mod ord">
+          <ac:chgData name="Karim Heredia" userId="04cc9b4d-2385-48cf-a926-ccdb3f32244a" providerId="ADAL" clId="{1A95624D-0BBF-4D29-90D5-1216FF86E83A}" dt="2021-04-14T11:36:35.497" v="737" actId="700"/>
+          <ac:spMkLst>
+            <pc:docMk/>
+            <pc:sldMk cId="674955742" sldId="300"/>
+            <ac:spMk id="6" creationId="{34BA698D-BE92-4863-B045-4CAFF4C07C55}"/>
+          </ac:spMkLst>
+        </pc:spChg>
+        <pc:spChg chg="add mod ord">
+          <ac:chgData name="Karim Heredia" userId="04cc9b4d-2385-48cf-a926-ccdb3f32244a" providerId="ADAL" clId="{1A95624D-0BBF-4D29-90D5-1216FF86E83A}" dt="2021-04-14T11:36:35.497" v="737" actId="700"/>
+          <ac:spMkLst>
+            <pc:docMk/>
+            <pc:sldMk cId="674955742" sldId="300"/>
+            <ac:spMk id="7" creationId="{937BE963-D437-476F-B723-DEEB5E8988C7}"/>
+          </ac:spMkLst>
+        </pc:spChg>
+      </pc:sldChg>
+      <pc:sldChg chg="addSp modSp new mod">
+        <pc:chgData name="Karim Heredia" userId="04cc9b4d-2385-48cf-a926-ccdb3f32244a" providerId="ADAL" clId="{1A95624D-0BBF-4D29-90D5-1216FF86E83A}" dt="2021-04-14T11:52:16.789" v="883" actId="20577"/>
+        <pc:sldMkLst>
+          <pc:docMk/>
+          <pc:sldMk cId="3830643276" sldId="301"/>
+        </pc:sldMkLst>
+        <pc:spChg chg="mod">
+          <ac:chgData name="Karim Heredia" userId="04cc9b4d-2385-48cf-a926-ccdb3f32244a" providerId="ADAL" clId="{1A95624D-0BBF-4D29-90D5-1216FF86E83A}" dt="2021-04-14T11:52:16.789" v="883" actId="20577"/>
+          <ac:spMkLst>
+            <pc:docMk/>
+            <pc:sldMk cId="3830643276" sldId="301"/>
+            <ac:spMk id="2" creationId="{B5EFD11D-8231-4B97-BD4B-79B825F65E7D}"/>
+          </ac:spMkLst>
+        </pc:spChg>
+        <pc:picChg chg="add mod">
+          <ac:chgData name="Karim Heredia" userId="04cc9b4d-2385-48cf-a926-ccdb3f32244a" providerId="ADAL" clId="{1A95624D-0BBF-4D29-90D5-1216FF86E83A}" dt="2021-04-14T11:35:37.492" v="705" actId="1076"/>
+          <ac:picMkLst>
+            <pc:docMk/>
+            <pc:sldMk cId="3830643276" sldId="301"/>
+            <ac:picMk id="4" creationId="{26A6BE76-DBDC-4C29-9C92-7B22C69F2987}"/>
+          </ac:picMkLst>
+        </pc:picChg>
+      </pc:sldChg>
+      <pc:sldChg chg="addSp modSp new mod modClrScheme chgLayout">
+        <pc:chgData name="Karim Heredia" userId="04cc9b4d-2385-48cf-a926-ccdb3f32244a" providerId="ADAL" clId="{1A95624D-0BBF-4D29-90D5-1216FF86E83A}" dt="2021-04-14T11:51:56.838" v="871" actId="1076"/>
+        <pc:sldMkLst>
+          <pc:docMk/>
+          <pc:sldMk cId="3692216376" sldId="302"/>
+        </pc:sldMkLst>
+        <pc:spChg chg="mod ord">
+          <ac:chgData name="Karim Heredia" userId="04cc9b4d-2385-48cf-a926-ccdb3f32244a" providerId="ADAL" clId="{1A95624D-0BBF-4D29-90D5-1216FF86E83A}" dt="2021-04-14T11:51:46.378" v="870" actId="700"/>
+          <ac:spMkLst>
+            <pc:docMk/>
+            <pc:sldMk cId="3692216376" sldId="302"/>
+            <ac:spMk id="2" creationId="{016A7ADA-DBB5-4DC7-A4E2-DB1752517D5C}"/>
+          </ac:spMkLst>
+        </pc:spChg>
+        <pc:spChg chg="add mod ord">
+          <ac:chgData name="Karim Heredia" userId="04cc9b4d-2385-48cf-a926-ccdb3f32244a" providerId="ADAL" clId="{1A95624D-0BBF-4D29-90D5-1216FF86E83A}" dt="2021-04-14T11:51:46.378" v="870" actId="700"/>
+          <ac:spMkLst>
+            <pc:docMk/>
+            <pc:sldMk cId="3692216376" sldId="302"/>
+            <ac:spMk id="5" creationId="{AB4A212C-AE2B-4612-B95F-F17C886265DB}"/>
+          </ac:spMkLst>
+        </pc:spChg>
+        <pc:picChg chg="add mod">
+          <ac:chgData name="Karim Heredia" userId="04cc9b4d-2385-48cf-a926-ccdb3f32244a" providerId="ADAL" clId="{1A95624D-0BBF-4D29-90D5-1216FF86E83A}" dt="2021-04-14T11:51:56.838" v="871" actId="1076"/>
+          <ac:picMkLst>
+            <pc:docMk/>
+            <pc:sldMk cId="3692216376" sldId="302"/>
+            <ac:picMk id="4" creationId="{B117AA76-D2E7-4583-A621-01A2402812D9}"/>
+          </ac:picMkLst>
+        </pc:picChg>
+      </pc:sldChg>
+      <pc:sldChg chg="addSp delSp modSp new mod modClrScheme chgLayout">
+        <pc:chgData name="Karim Heredia" userId="04cc9b4d-2385-48cf-a926-ccdb3f32244a" providerId="ADAL" clId="{1A95624D-0BBF-4D29-90D5-1216FF86E83A}" dt="2021-04-15T09:47:24.549" v="3320" actId="20577"/>
+        <pc:sldMkLst>
+          <pc:docMk/>
+          <pc:sldMk cId="946103203" sldId="303"/>
+        </pc:sldMkLst>
+        <pc:spChg chg="del mod ord">
+          <ac:chgData name="Karim Heredia" userId="04cc9b4d-2385-48cf-a926-ccdb3f32244a" providerId="ADAL" clId="{1A95624D-0BBF-4D29-90D5-1216FF86E83A}" dt="2021-04-14T11:36:42.661" v="738" actId="700"/>
+          <ac:spMkLst>
+            <pc:docMk/>
+            <pc:sldMk cId="946103203" sldId="303"/>
+            <ac:spMk id="2" creationId="{C1D420C9-5CC6-451B-BF12-4CEDA0CBBD0D}"/>
+          </ac:spMkLst>
+        </pc:spChg>
+        <pc:spChg chg="del mod ord">
+          <ac:chgData name="Karim Heredia" userId="04cc9b4d-2385-48cf-a926-ccdb3f32244a" providerId="ADAL" clId="{1A95624D-0BBF-4D29-90D5-1216FF86E83A}" dt="2021-04-14T11:36:42.661" v="738" actId="700"/>
+          <ac:spMkLst>
+            <pc:docMk/>
+            <pc:sldMk cId="946103203" sldId="303"/>
+            <ac:spMk id="3" creationId="{B944080A-CE10-4BA4-9642-04A8DF18373C}"/>
+          </ac:spMkLst>
+        </pc:spChg>
+        <pc:spChg chg="add mod ord">
+          <ac:chgData name="Karim Heredia" userId="04cc9b4d-2385-48cf-a926-ccdb3f32244a" providerId="ADAL" clId="{1A95624D-0BBF-4D29-90D5-1216FF86E83A}" dt="2021-04-14T11:36:46.589" v="763" actId="20577"/>
+          <ac:spMkLst>
+            <pc:docMk/>
+            <pc:sldMk cId="946103203" sldId="303"/>
+            <ac:spMk id="4" creationId="{EFA429CA-6956-44C7-922F-9C10285BEDC8}"/>
+          </ac:spMkLst>
+        </pc:spChg>
+        <pc:spChg chg="add mod ord">
+          <ac:chgData name="Karim Heredia" userId="04cc9b4d-2385-48cf-a926-ccdb3f32244a" providerId="ADAL" clId="{1A95624D-0BBF-4D29-90D5-1216FF86E83A}" dt="2021-04-15T09:47:24.549" v="3320" actId="20577"/>
+          <ac:spMkLst>
+            <pc:docMk/>
+            <pc:sldMk cId="946103203" sldId="303"/>
+            <ac:spMk id="5" creationId="{BDBB8EB7-A6C6-4522-A07B-AF34DA9337EC}"/>
+          </ac:spMkLst>
+        </pc:spChg>
+      </pc:sldChg>
+      <pc:sldChg chg="addSp delSp modSp new mod modClrScheme chgLayout">
+        <pc:chgData name="Karim Heredia" userId="04cc9b4d-2385-48cf-a926-ccdb3f32244a" providerId="ADAL" clId="{1A95624D-0BBF-4D29-90D5-1216FF86E83A}" dt="2021-04-15T09:47:36.661" v="3331" actId="20577"/>
+        <pc:sldMkLst>
+          <pc:docMk/>
+          <pc:sldMk cId="3222276336" sldId="304"/>
+        </pc:sldMkLst>
+        <pc:spChg chg="del mod ord">
+          <ac:chgData name="Karim Heredia" userId="04cc9b4d-2385-48cf-a926-ccdb3f32244a" providerId="ADAL" clId="{1A95624D-0BBF-4D29-90D5-1216FF86E83A}" dt="2021-04-14T11:37:20.258" v="765" actId="700"/>
+          <ac:spMkLst>
+            <pc:docMk/>
+            <pc:sldMk cId="3222276336" sldId="304"/>
+            <ac:spMk id="2" creationId="{DD7228B3-7BFC-4EB2-AC15-E5B93FC0818F}"/>
+          </ac:spMkLst>
+        </pc:spChg>
+        <pc:spChg chg="add mod ord">
+          <ac:chgData name="Karim Heredia" userId="04cc9b4d-2385-48cf-a926-ccdb3f32244a" providerId="ADAL" clId="{1A95624D-0BBF-4D29-90D5-1216FF86E83A}" dt="2021-04-14T11:37:24.675" v="792" actId="20577"/>
+          <ac:spMkLst>
+            <pc:docMk/>
+            <pc:sldMk cId="3222276336" sldId="304"/>
+            <ac:spMk id="3" creationId="{36F4429B-E508-4776-B8C9-E0748398957B}"/>
+          </ac:spMkLst>
+        </pc:spChg>
+        <pc:spChg chg="add mod ord">
+          <ac:chgData name="Karim Heredia" userId="04cc9b4d-2385-48cf-a926-ccdb3f32244a" providerId="ADAL" clId="{1A95624D-0BBF-4D29-90D5-1216FF86E83A}" dt="2021-04-15T09:47:36.661" v="3331" actId="20577"/>
+          <ac:spMkLst>
+            <pc:docMk/>
+            <pc:sldMk cId="3222276336" sldId="304"/>
+            <ac:spMk id="4" creationId="{9E38BBDB-F7F9-4C2A-8A38-E27610F49981}"/>
+          </ac:spMkLst>
+        </pc:spChg>
+      </pc:sldChg>
+      <pc:sldChg chg="addSp modSp new mod modClrScheme chgLayout">
+        <pc:chgData name="Karim Heredia" userId="04cc9b4d-2385-48cf-a926-ccdb3f32244a" providerId="ADAL" clId="{1A95624D-0BBF-4D29-90D5-1216FF86E83A}" dt="2021-04-15T09:48:01.928" v="3341" actId="20577"/>
+        <pc:sldMkLst>
+          <pc:docMk/>
+          <pc:sldMk cId="666530592" sldId="305"/>
+        </pc:sldMkLst>
+        <pc:spChg chg="add mod">
+          <ac:chgData name="Karim Heredia" userId="04cc9b4d-2385-48cf-a926-ccdb3f32244a" providerId="ADAL" clId="{1A95624D-0BBF-4D29-90D5-1216FF86E83A}" dt="2021-04-14T12:05:14.801" v="1521" actId="20577"/>
+          <ac:spMkLst>
+            <pc:docMk/>
+            <pc:sldMk cId="666530592" sldId="305"/>
+            <ac:spMk id="2" creationId="{9E4EE6F5-2913-415A-950E-A3A1EA7593CE}"/>
+          </ac:spMkLst>
+        </pc:spChg>
+        <pc:spChg chg="add mod">
+          <ac:chgData name="Karim Heredia" userId="04cc9b4d-2385-48cf-a926-ccdb3f32244a" providerId="ADAL" clId="{1A95624D-0BBF-4D29-90D5-1216FF86E83A}" dt="2021-04-15T09:48:01.928" v="3341" actId="20577"/>
+          <ac:spMkLst>
+            <pc:docMk/>
+            <pc:sldMk cId="666530592" sldId="305"/>
+            <ac:spMk id="3" creationId="{B8C148FF-8D84-4BC3-864D-397AB1CC4D49}"/>
+          </ac:spMkLst>
+        </pc:spChg>
+      </pc:sldChg>
+      <pc:sldChg chg="addSp delSp modSp new mod modClrScheme chgLayout">
+        <pc:chgData name="Karim Heredia" userId="04cc9b4d-2385-48cf-a926-ccdb3f32244a" providerId="ADAL" clId="{1A95624D-0BBF-4D29-90D5-1216FF86E83A}" dt="2021-04-14T12:04:06.445" v="1516" actId="20577"/>
+        <pc:sldMkLst>
+          <pc:docMk/>
+          <pc:sldMk cId="4156650049" sldId="306"/>
+        </pc:sldMkLst>
+        <pc:spChg chg="del mod ord">
+          <ac:chgData name="Karim Heredia" userId="04cc9b4d-2385-48cf-a926-ccdb3f32244a" providerId="ADAL" clId="{1A95624D-0BBF-4D29-90D5-1216FF86E83A}" dt="2021-04-14T12:02:34.499" v="1418" actId="700"/>
+          <ac:spMkLst>
+            <pc:docMk/>
+            <pc:sldMk cId="4156650049" sldId="306"/>
+            <ac:spMk id="2" creationId="{A29417E7-F72A-4CA3-B996-9841452DC795}"/>
+          </ac:spMkLst>
+        </pc:spChg>
+        <pc:spChg chg="del mod ord">
+          <ac:chgData name="Karim Heredia" userId="04cc9b4d-2385-48cf-a926-ccdb3f32244a" providerId="ADAL" clId="{1A95624D-0BBF-4D29-90D5-1216FF86E83A}" dt="2021-04-14T12:02:34.499" v="1418" actId="700"/>
+          <ac:spMkLst>
+            <pc:docMk/>
+            <pc:sldMk cId="4156650049" sldId="306"/>
+            <ac:spMk id="3" creationId="{730B87F0-C8F8-4C47-AB37-C0240478EBE1}"/>
+          </ac:spMkLst>
+        </pc:spChg>
+        <pc:spChg chg="add mod ord">
+          <ac:chgData name="Karim Heredia" userId="04cc9b4d-2385-48cf-a926-ccdb3f32244a" providerId="ADAL" clId="{1A95624D-0BBF-4D29-90D5-1216FF86E83A}" dt="2021-04-14T12:02:57.475" v="1461" actId="20577"/>
+          <ac:spMkLst>
+            <pc:docMk/>
+            <pc:sldMk cId="4156650049" sldId="306"/>
+            <ac:spMk id="4" creationId="{338CDC5D-3F6A-460D-8BF0-D454406E26F5}"/>
+          </ac:spMkLst>
+        </pc:spChg>
+        <pc:spChg chg="add del mod ord">
+          <ac:chgData name="Karim Heredia" userId="04cc9b4d-2385-48cf-a926-ccdb3f32244a" providerId="ADAL" clId="{1A95624D-0BBF-4D29-90D5-1216FF86E83A}" dt="2021-04-14T12:02:49.415" v="1440" actId="700"/>
+          <ac:spMkLst>
+            <pc:docMk/>
+            <pc:sldMk cId="4156650049" sldId="306"/>
+            <ac:spMk id="5" creationId="{FB1A9E39-7EC8-4997-8B7F-CF4F45C77748}"/>
+          </ac:spMkLst>
+        </pc:spChg>
+        <pc:spChg chg="add mod ord">
+          <ac:chgData name="Karim Heredia" userId="04cc9b4d-2385-48cf-a926-ccdb3f32244a" providerId="ADAL" clId="{1A95624D-0BBF-4D29-90D5-1216FF86E83A}" dt="2021-04-14T12:04:06.445" v="1516" actId="20577"/>
+          <ac:spMkLst>
+            <pc:docMk/>
+            <pc:sldMk cId="4156650049" sldId="306"/>
+            <ac:spMk id="6" creationId="{9DFEB5F5-CB71-4498-AA9D-0202480D5F65}"/>
+          </ac:spMkLst>
+        </pc:spChg>
+      </pc:sldChg>
+      <pc:sldChg chg="addSp delSp modSp new mod modClrScheme chgLayout">
+        <pc:chgData name="Karim Heredia" userId="04cc9b4d-2385-48cf-a926-ccdb3f32244a" providerId="ADAL" clId="{1A95624D-0BBF-4D29-90D5-1216FF86E83A}" dt="2021-04-14T12:06:38.426" v="1585" actId="20577"/>
+        <pc:sldMkLst>
+          <pc:docMk/>
+          <pc:sldMk cId="3516819722" sldId="307"/>
+        </pc:sldMkLst>
+        <pc:spChg chg="del mod ord">
+          <ac:chgData name="Karim Heredia" userId="04cc9b4d-2385-48cf-a926-ccdb3f32244a" providerId="ADAL" clId="{1A95624D-0BBF-4D29-90D5-1216FF86E83A}" dt="2021-04-14T12:06:32.960" v="1557" actId="700"/>
+          <ac:spMkLst>
+            <pc:docMk/>
+            <pc:sldMk cId="3516819722" sldId="307"/>
+            <ac:spMk id="2" creationId="{0BB0C057-9BD7-4B70-8F69-ED189B446C46}"/>
+          </ac:spMkLst>
+        </pc:spChg>
+        <pc:spChg chg="del mod ord">
+          <ac:chgData name="Karim Heredia" userId="04cc9b4d-2385-48cf-a926-ccdb3f32244a" providerId="ADAL" clId="{1A95624D-0BBF-4D29-90D5-1216FF86E83A}" dt="2021-04-14T12:06:32.960" v="1557" actId="700"/>
+          <ac:spMkLst>
+            <pc:docMk/>
+            <pc:sldMk cId="3516819722" sldId="307"/>
+            <ac:spMk id="3" creationId="{BCDBB57B-568C-4280-89B0-8CC790DC0255}"/>
+          </ac:spMkLst>
+        </pc:spChg>
+        <pc:spChg chg="add mod ord">
+          <ac:chgData name="Karim Heredia" userId="04cc9b4d-2385-48cf-a926-ccdb3f32244a" providerId="ADAL" clId="{1A95624D-0BBF-4D29-90D5-1216FF86E83A}" dt="2021-04-14T12:06:38.426" v="1585" actId="20577"/>
+          <ac:spMkLst>
+            <pc:docMk/>
+            <pc:sldMk cId="3516819722" sldId="307"/>
+            <ac:spMk id="4" creationId="{86615963-34BB-4511-B0BE-74F4E2A2A3D1}"/>
+          </ac:spMkLst>
+        </pc:spChg>
+        <pc:spChg chg="add mod ord">
+          <ac:chgData name="Karim Heredia" userId="04cc9b4d-2385-48cf-a926-ccdb3f32244a" providerId="ADAL" clId="{1A95624D-0BBF-4D29-90D5-1216FF86E83A}" dt="2021-04-14T12:06:32.960" v="1557" actId="700"/>
+          <ac:spMkLst>
+            <pc:docMk/>
+            <pc:sldMk cId="3516819722" sldId="307"/>
+            <ac:spMk id="5" creationId="{2BF0B15A-1384-49C5-8627-234059BE1F49}"/>
+          </ac:spMkLst>
+        </pc:spChg>
+      </pc:sldChg>
+      <pc:sldChg chg="addSp delSp modSp new mod modClrScheme chgLayout">
+        <pc:chgData name="Karim Heredia" userId="04cc9b4d-2385-48cf-a926-ccdb3f32244a" providerId="ADAL" clId="{1A95624D-0BBF-4D29-90D5-1216FF86E83A}" dt="2021-04-15T09:51:24.248" v="3415" actId="6549"/>
+        <pc:sldMkLst>
+          <pc:docMk/>
+          <pc:sldMk cId="1226144171" sldId="308"/>
+        </pc:sldMkLst>
+        <pc:spChg chg="del mod ord">
+          <ac:chgData name="Karim Heredia" userId="04cc9b4d-2385-48cf-a926-ccdb3f32244a" providerId="ADAL" clId="{1A95624D-0BBF-4D29-90D5-1216FF86E83A}" dt="2021-04-14T12:07:32.709" v="1587" actId="700"/>
+          <ac:spMkLst>
+            <pc:docMk/>
+            <pc:sldMk cId="1226144171" sldId="308"/>
+            <ac:spMk id="2" creationId="{76F09A43-1F6D-4EB4-8B8E-8EEC5605F9B0}"/>
+          </ac:spMkLst>
+        </pc:spChg>
+        <pc:spChg chg="del mod ord">
+          <ac:chgData name="Karim Heredia" userId="04cc9b4d-2385-48cf-a926-ccdb3f32244a" providerId="ADAL" clId="{1A95624D-0BBF-4D29-90D5-1216FF86E83A}" dt="2021-04-14T12:07:32.709" v="1587" actId="700"/>
+          <ac:spMkLst>
+            <pc:docMk/>
+            <pc:sldMk cId="1226144171" sldId="308"/>
+            <ac:spMk id="3" creationId="{48675900-F1A3-4F06-B00E-B6833B823E4C}"/>
+          </ac:spMkLst>
+        </pc:spChg>
+        <pc:spChg chg="add mod ord">
+          <ac:chgData name="Karim Heredia" userId="04cc9b4d-2385-48cf-a926-ccdb3f32244a" providerId="ADAL" clId="{1A95624D-0BBF-4D29-90D5-1216FF86E83A}" dt="2021-04-15T09:51:21.160" v="3414" actId="20577"/>
+          <ac:spMkLst>
+            <pc:docMk/>
+            <pc:sldMk cId="1226144171" sldId="308"/>
+            <ac:spMk id="4" creationId="{E879A1C8-C97B-4161-9183-079EC2D607AE}"/>
+          </ac:spMkLst>
+        </pc:spChg>
+        <pc:spChg chg="add mod ord">
+          <ac:chgData name="Karim Heredia" userId="04cc9b4d-2385-48cf-a926-ccdb3f32244a" providerId="ADAL" clId="{1A95624D-0BBF-4D29-90D5-1216FF86E83A}" dt="2021-04-15T09:51:24.248" v="3415" actId="6549"/>
+          <ac:spMkLst>
+            <pc:docMk/>
+            <pc:sldMk cId="1226144171" sldId="308"/>
+            <ac:spMk id="5" creationId="{35C954DD-A301-4F11-A55D-B3569CC80F26}"/>
+          </ac:spMkLst>
+        </pc:spChg>
+      </pc:sldChg>
+      <pc:sldChg chg="addSp delSp modSp new mod modClrScheme chgLayout">
+        <pc:chgData name="Karim Heredia" userId="04cc9b4d-2385-48cf-a926-ccdb3f32244a" providerId="ADAL" clId="{1A95624D-0BBF-4D29-90D5-1216FF86E83A}" dt="2021-04-15T09:51:39.263" v="3431" actId="20577"/>
+        <pc:sldMkLst>
+          <pc:docMk/>
+          <pc:sldMk cId="1216411693" sldId="309"/>
+        </pc:sldMkLst>
+        <pc:spChg chg="del mod ord">
+          <ac:chgData name="Karim Heredia" userId="04cc9b4d-2385-48cf-a926-ccdb3f32244a" providerId="ADAL" clId="{1A95624D-0BBF-4D29-90D5-1216FF86E83A}" dt="2021-04-14T12:09:49.562" v="1709" actId="700"/>
+          <ac:spMkLst>
+            <pc:docMk/>
+            <pc:sldMk cId="1216411693" sldId="309"/>
+            <ac:spMk id="2" creationId="{50B8581E-5E63-4FE3-99E2-2855BC8BEADA}"/>
+          </ac:spMkLst>
+        </pc:spChg>
+        <pc:spChg chg="del mod ord">
+          <ac:chgData name="Karim Heredia" userId="04cc9b4d-2385-48cf-a926-ccdb3f32244a" providerId="ADAL" clId="{1A95624D-0BBF-4D29-90D5-1216FF86E83A}" dt="2021-04-14T12:09:49.562" v="1709" actId="700"/>
+          <ac:spMkLst>
+            <pc:docMk/>
+            <pc:sldMk cId="1216411693" sldId="309"/>
+            <ac:spMk id="3" creationId="{94B42499-D4D4-4438-8435-5E9C097D59E4}"/>
+          </ac:spMkLst>
+        </pc:spChg>
+        <pc:spChg chg="add mod ord">
+          <ac:chgData name="Karim Heredia" userId="04cc9b4d-2385-48cf-a926-ccdb3f32244a" providerId="ADAL" clId="{1A95624D-0BBF-4D29-90D5-1216FF86E83A}" dt="2021-04-15T09:50:38.894" v="3394" actId="20577"/>
+          <ac:spMkLst>
+            <pc:docMk/>
+            <pc:sldMk cId="1216411693" sldId="309"/>
+            <ac:spMk id="4" creationId="{BE6AF566-9127-45C7-B0EE-96F93600BFBA}"/>
+          </ac:spMkLst>
+        </pc:spChg>
+        <pc:spChg chg="add mod ord">
+          <ac:chgData name="Karim Heredia" userId="04cc9b4d-2385-48cf-a926-ccdb3f32244a" providerId="ADAL" clId="{1A95624D-0BBF-4D29-90D5-1216FF86E83A}" dt="2021-04-15T09:51:39.263" v="3431" actId="20577"/>
+          <ac:spMkLst>
+            <pc:docMk/>
+            <pc:sldMk cId="1216411693" sldId="309"/>
+            <ac:spMk id="5" creationId="{DAF10E9D-5929-43E8-A477-801CDF063CFD}"/>
+          </ac:spMkLst>
+        </pc:spChg>
+      </pc:sldChg>
+      <pc:sldChg chg="addSp delSp modSp new mod modClrScheme chgLayout">
+        <pc:chgData name="Karim Heredia" userId="04cc9b4d-2385-48cf-a926-ccdb3f32244a" providerId="ADAL" clId="{1A95624D-0BBF-4D29-90D5-1216FF86E83A}" dt="2021-04-15T09:52:45.482" v="3471" actId="20577"/>
+        <pc:sldMkLst>
+          <pc:docMk/>
+          <pc:sldMk cId="3463384588" sldId="310"/>
+        </pc:sldMkLst>
+        <pc:spChg chg="del mod ord">
+          <ac:chgData name="Karim Heredia" userId="04cc9b4d-2385-48cf-a926-ccdb3f32244a" providerId="ADAL" clId="{1A95624D-0BBF-4D29-90D5-1216FF86E83A}" dt="2021-04-14T12:14:02.951" v="1864" actId="700"/>
+          <ac:spMkLst>
+            <pc:docMk/>
+            <pc:sldMk cId="3463384588" sldId="310"/>
+            <ac:spMk id="2" creationId="{1730CC93-709B-4FD0-9A8E-683AAACCA5B7}"/>
+          </ac:spMkLst>
+        </pc:spChg>
+        <pc:spChg chg="del mod ord">
+          <ac:chgData name="Karim Heredia" userId="04cc9b4d-2385-48cf-a926-ccdb3f32244a" providerId="ADAL" clId="{1A95624D-0BBF-4D29-90D5-1216FF86E83A}" dt="2021-04-14T12:14:02.951" v="1864" actId="700"/>
+          <ac:spMkLst>
+            <pc:docMk/>
+            <pc:sldMk cId="3463384588" sldId="310"/>
+            <ac:spMk id="3" creationId="{BFFCA457-D677-4D76-BDB7-FB77B3E899BA}"/>
+          </ac:spMkLst>
+        </pc:spChg>
+        <pc:spChg chg="add mod ord">
+          <ac:chgData name="Karim Heredia" userId="04cc9b4d-2385-48cf-a926-ccdb3f32244a" providerId="ADAL" clId="{1A95624D-0BBF-4D29-90D5-1216FF86E83A}" dt="2021-04-14T12:14:08.696" v="1888" actId="20577"/>
+          <ac:spMkLst>
+            <pc:docMk/>
+            <pc:sldMk cId="3463384588" sldId="310"/>
+            <ac:spMk id="4" creationId="{6BAA8C4D-8486-43BC-B5A2-25AD048F2EDC}"/>
+          </ac:spMkLst>
+        </pc:spChg>
+        <pc:spChg chg="add mod ord">
+          <ac:chgData name="Karim Heredia" userId="04cc9b4d-2385-48cf-a926-ccdb3f32244a" providerId="ADAL" clId="{1A95624D-0BBF-4D29-90D5-1216FF86E83A}" dt="2021-04-15T09:52:45.482" v="3471" actId="20577"/>
+          <ac:spMkLst>
+            <pc:docMk/>
+            <pc:sldMk cId="3463384588" sldId="310"/>
+            <ac:spMk id="5" creationId="{B2A87E78-0FDE-4A56-A852-2164BBA74A24}"/>
+          </ac:spMkLst>
+        </pc:spChg>
+      </pc:sldChg>
+      <pc:sldChg chg="addSp delSp modSp new mod modClrScheme chgLayout">
+        <pc:chgData name="Karim Heredia" userId="04cc9b4d-2385-48cf-a926-ccdb3f32244a" providerId="ADAL" clId="{1A95624D-0BBF-4D29-90D5-1216FF86E83A}" dt="2021-04-14T12:22:57.207" v="2071" actId="20577"/>
+        <pc:sldMkLst>
+          <pc:docMk/>
+          <pc:sldMk cId="562545380" sldId="311"/>
+        </pc:sldMkLst>
+        <pc:spChg chg="del mod ord">
+          <ac:chgData name="Karim Heredia" userId="04cc9b4d-2385-48cf-a926-ccdb3f32244a" providerId="ADAL" clId="{1A95624D-0BBF-4D29-90D5-1216FF86E83A}" dt="2021-04-14T12:22:52.728" v="2052" actId="700"/>
+          <ac:spMkLst>
+            <pc:docMk/>
+            <pc:sldMk cId="562545380" sldId="311"/>
+            <ac:spMk id="2" creationId="{153AED08-C84A-4741-90D6-0C619B0B358A}"/>
+          </ac:spMkLst>
+        </pc:spChg>
+        <pc:spChg chg="del mod ord">
+          <ac:chgData name="Karim Heredia" userId="04cc9b4d-2385-48cf-a926-ccdb3f32244a" providerId="ADAL" clId="{1A95624D-0BBF-4D29-90D5-1216FF86E83A}" dt="2021-04-14T12:22:52.728" v="2052" actId="700"/>
+          <ac:spMkLst>
+            <pc:docMk/>
+            <pc:sldMk cId="562545380" sldId="311"/>
+            <ac:spMk id="3" creationId="{8DE90BBA-E3F2-4D91-960D-EFE46BAB0E61}"/>
+          </ac:spMkLst>
+        </pc:spChg>
+        <pc:spChg chg="add mod ord">
+          <ac:chgData name="Karim Heredia" userId="04cc9b4d-2385-48cf-a926-ccdb3f32244a" providerId="ADAL" clId="{1A95624D-0BBF-4D29-90D5-1216FF86E83A}" dt="2021-04-14T12:22:57.207" v="2071" actId="20577"/>
+          <ac:spMkLst>
+            <pc:docMk/>
+            <pc:sldMk cId="562545380" sldId="311"/>
+            <ac:spMk id="4" creationId="{E36BE898-BD07-4DFB-BE9E-E72192B24AB8}"/>
+          </ac:spMkLst>
+        </pc:spChg>
+        <pc:spChg chg="add mod ord">
+          <ac:chgData name="Karim Heredia" userId="04cc9b4d-2385-48cf-a926-ccdb3f32244a" providerId="ADAL" clId="{1A95624D-0BBF-4D29-90D5-1216FF86E83A}" dt="2021-04-14T12:22:52.728" v="2052" actId="700"/>
+          <ac:spMkLst>
+            <pc:docMk/>
+            <pc:sldMk cId="562545380" sldId="311"/>
+            <ac:spMk id="5" creationId="{BBD3E0D4-5CD1-4B61-B5E0-2ACFD860C070}"/>
+          </ac:spMkLst>
+        </pc:spChg>
+      </pc:sldChg>
+      <pc:sldChg chg="addSp delSp modSp new mod ord modClrScheme chgLayout">
+        <pc:chgData name="Karim Heredia" userId="04cc9b4d-2385-48cf-a926-ccdb3f32244a" providerId="ADAL" clId="{1A95624D-0BBF-4D29-90D5-1216FF86E83A}" dt="2021-04-15T09:47:17.186" v="3305" actId="20577"/>
+        <pc:sldMkLst>
+          <pc:docMk/>
+          <pc:sldMk cId="3742200851" sldId="312"/>
+        </pc:sldMkLst>
+        <pc:spChg chg="del mod ord">
+          <ac:chgData name="Karim Heredia" userId="04cc9b4d-2385-48cf-a926-ccdb3f32244a" providerId="ADAL" clId="{1A95624D-0BBF-4D29-90D5-1216FF86E83A}" dt="2021-04-14T12:23:13.568" v="2073" actId="700"/>
+          <ac:spMkLst>
+            <pc:docMk/>
+            <pc:sldMk cId="3742200851" sldId="312"/>
+            <ac:spMk id="2" creationId="{F4632C00-068B-4BF5-B386-86170CEE327C}"/>
+          </ac:spMkLst>
+        </pc:spChg>
+        <pc:spChg chg="del mod ord">
+          <ac:chgData name="Karim Heredia" userId="04cc9b4d-2385-48cf-a926-ccdb3f32244a" providerId="ADAL" clId="{1A95624D-0BBF-4D29-90D5-1216FF86E83A}" dt="2021-04-14T12:23:13.568" v="2073" actId="700"/>
+          <ac:spMkLst>
+            <pc:docMk/>
+            <pc:sldMk cId="3742200851" sldId="312"/>
+            <ac:spMk id="3" creationId="{D2A3FFF7-2BCF-40BF-9622-A1A3B78D2086}"/>
+          </ac:spMkLst>
+        </pc:spChg>
+        <pc:spChg chg="add mod ord">
+          <ac:chgData name="Karim Heredia" userId="04cc9b4d-2385-48cf-a926-ccdb3f32244a" providerId="ADAL" clId="{1A95624D-0BBF-4D29-90D5-1216FF86E83A}" dt="2021-04-14T12:32:12.883" v="2234" actId="20577"/>
+          <ac:spMkLst>
+            <pc:docMk/>
+            <pc:sldMk cId="3742200851" sldId="312"/>
+            <ac:spMk id="4" creationId="{317E6BFB-B076-4C23-8C4B-79BF09208D3F}"/>
+          </ac:spMkLst>
+        </pc:spChg>
+        <pc:spChg chg="add mod ord">
+          <ac:chgData name="Karim Heredia" userId="04cc9b4d-2385-48cf-a926-ccdb3f32244a" providerId="ADAL" clId="{1A95624D-0BBF-4D29-90D5-1216FF86E83A}" dt="2021-04-15T09:47:17.186" v="3305" actId="20577"/>
+          <ac:spMkLst>
+            <pc:docMk/>
+            <pc:sldMk cId="3742200851" sldId="312"/>
+            <ac:spMk id="5" creationId="{CAE1C818-9CD1-41E0-8807-0C0ACD541095}"/>
+          </ac:spMkLst>
+        </pc:spChg>
+      </pc:sldChg>
+      <pc:sldChg chg="modSp add mod">
+        <pc:chgData name="Karim Heredia" userId="04cc9b4d-2385-48cf-a926-ccdb3f32244a" providerId="ADAL" clId="{1A95624D-0BBF-4D29-90D5-1216FF86E83A}" dt="2021-04-15T11:11:54.058" v="4146" actId="20577"/>
+        <pc:sldMkLst>
+          <pc:docMk/>
+          <pc:sldMk cId="1084876006" sldId="313"/>
+        </pc:sldMkLst>
+        <pc:spChg chg="mod">
+          <ac:chgData name="Karim Heredia" userId="04cc9b4d-2385-48cf-a926-ccdb3f32244a" providerId="ADAL" clId="{1A95624D-0BBF-4D29-90D5-1216FF86E83A}" dt="2021-04-15T11:11:54.058" v="4146" actId="20577"/>
+          <ac:spMkLst>
+            <pc:docMk/>
+            <pc:sldMk cId="1084876006" sldId="313"/>
+            <ac:spMk id="6" creationId="{9DFEB5F5-CB71-4498-AA9D-0202480D5F65}"/>
+          </ac:spMkLst>
+        </pc:spChg>
+      </pc:sldChg>
+      <pc:sldChg chg="new del">
+        <pc:chgData name="Karim Heredia" userId="04cc9b4d-2385-48cf-a926-ccdb3f32244a" providerId="ADAL" clId="{1A95624D-0BBF-4D29-90D5-1216FF86E83A}" dt="2021-04-14T12:28:14.746" v="2075" actId="47"/>
+        <pc:sldMkLst>
+          <pc:docMk/>
+          <pc:sldMk cId="1631907544" sldId="313"/>
+        </pc:sldMkLst>
+      </pc:sldChg>
+      <pc:sldChg chg="addSp modSp new mod">
+        <pc:chgData name="Karim Heredia" userId="04cc9b4d-2385-48cf-a926-ccdb3f32244a" providerId="ADAL" clId="{1A95624D-0BBF-4D29-90D5-1216FF86E83A}" dt="2021-04-14T12:35:32.140" v="2307" actId="20577"/>
+        <pc:sldMkLst>
+          <pc:docMk/>
+          <pc:sldMk cId="254993524" sldId="314"/>
+        </pc:sldMkLst>
+        <pc:spChg chg="mod">
+          <ac:chgData name="Karim Heredia" userId="04cc9b4d-2385-48cf-a926-ccdb3f32244a" providerId="ADAL" clId="{1A95624D-0BBF-4D29-90D5-1216FF86E83A}" dt="2021-04-14T12:35:32.140" v="2307" actId="20577"/>
+          <ac:spMkLst>
+            <pc:docMk/>
+            <pc:sldMk cId="254993524" sldId="314"/>
+            <ac:spMk id="2" creationId="{7E25CA34-6E54-49DF-9DC7-5C87BC10FAC9}"/>
+          </ac:spMkLst>
+        </pc:spChg>
+        <pc:picChg chg="add mod">
+          <ac:chgData name="Karim Heredia" userId="04cc9b4d-2385-48cf-a926-ccdb3f32244a" providerId="ADAL" clId="{1A95624D-0BBF-4D29-90D5-1216FF86E83A}" dt="2021-04-14T12:35:24.887" v="2275" actId="1076"/>
+          <ac:picMkLst>
+            <pc:docMk/>
+            <pc:sldMk cId="254993524" sldId="314"/>
+            <ac:picMk id="5" creationId="{0B063B91-309D-47A0-B2CE-A0764BFE0CE1}"/>
+          </ac:picMkLst>
+        </pc:picChg>
+      </pc:sldChg>
+      <pc:sldChg chg="modSp new del mod">
+        <pc:chgData name="Karim Heredia" userId="04cc9b4d-2385-48cf-a926-ccdb3f32244a" providerId="ADAL" clId="{1A95624D-0BBF-4D29-90D5-1216FF86E83A}" dt="2021-04-14T12:34:11.344" v="2271" actId="47"/>
+        <pc:sldMkLst>
+          <pc:docMk/>
+          <pc:sldMk cId="2696595743" sldId="314"/>
+        </pc:sldMkLst>
+        <pc:spChg chg="mod">
+          <ac:chgData name="Karim Heredia" userId="04cc9b4d-2385-48cf-a926-ccdb3f32244a" providerId="ADAL" clId="{1A95624D-0BBF-4D29-90D5-1216FF86E83A}" dt="2021-04-14T12:33:13.289" v="2270" actId="20577"/>
+          <ac:spMkLst>
+            <pc:docMk/>
+            <pc:sldMk cId="2696595743" sldId="314"/>
+            <ac:spMk id="2" creationId="{9B491263-FD0C-41F5-8E1F-93C87722525D}"/>
+          </ac:spMkLst>
+        </pc:spChg>
+      </pc:sldChg>
+      <pc:sldChg chg="addSp delSp modSp new mod modClrScheme chgLayout">
+        <pc:chgData name="Karim Heredia" userId="04cc9b4d-2385-48cf-a926-ccdb3f32244a" providerId="ADAL" clId="{1A95624D-0BBF-4D29-90D5-1216FF86E83A}" dt="2021-04-15T09:35:01.759" v="2333" actId="20577"/>
+        <pc:sldMkLst>
+          <pc:docMk/>
+          <pc:sldMk cId="293660055" sldId="315"/>
+        </pc:sldMkLst>
+        <pc:spChg chg="del mod ord">
+          <ac:chgData name="Karim Heredia" userId="04cc9b4d-2385-48cf-a926-ccdb3f32244a" providerId="ADAL" clId="{1A95624D-0BBF-4D29-90D5-1216FF86E83A}" dt="2021-04-14T12:35:42.268" v="2309" actId="700"/>
+          <ac:spMkLst>
+            <pc:docMk/>
+            <pc:sldMk cId="293660055" sldId="315"/>
+            <ac:spMk id="2" creationId="{1BDCCB14-F8E3-42AB-BDE0-B04EA806529E}"/>
+          </ac:spMkLst>
+        </pc:spChg>
+        <pc:spChg chg="del mod ord">
+          <ac:chgData name="Karim Heredia" userId="04cc9b4d-2385-48cf-a926-ccdb3f32244a" providerId="ADAL" clId="{1A95624D-0BBF-4D29-90D5-1216FF86E83A}" dt="2021-04-14T12:35:42.268" v="2309" actId="700"/>
+          <ac:spMkLst>
+            <pc:docMk/>
+            <pc:sldMk cId="293660055" sldId="315"/>
+            <ac:spMk id="3" creationId="{52C2B7D5-8117-4095-9A34-C8C21C948936}"/>
+          </ac:spMkLst>
+        </pc:spChg>
+        <pc:spChg chg="add mod ord">
+          <ac:chgData name="Karim Heredia" userId="04cc9b4d-2385-48cf-a926-ccdb3f32244a" providerId="ADAL" clId="{1A95624D-0BBF-4D29-90D5-1216FF86E83A}" dt="2021-04-14T12:35:48.928" v="2323" actId="20577"/>
+          <ac:spMkLst>
+            <pc:docMk/>
+            <pc:sldMk cId="293660055" sldId="315"/>
+            <ac:spMk id="4" creationId="{8EE66749-49DF-4028-81A7-EB9865ED36C3}"/>
+          </ac:spMkLst>
+        </pc:spChg>
+        <pc:spChg chg="add mod ord">
+          <ac:chgData name="Karim Heredia" userId="04cc9b4d-2385-48cf-a926-ccdb3f32244a" providerId="ADAL" clId="{1A95624D-0BBF-4D29-90D5-1216FF86E83A}" dt="2021-04-15T09:35:01.759" v="2333" actId="20577"/>
+          <ac:spMkLst>
+            <pc:docMk/>
+            <pc:sldMk cId="293660055" sldId="315"/>
+            <ac:spMk id="5" creationId="{1270A333-6A2E-4E6C-BBF9-26F787AE3B0A}"/>
+          </ac:spMkLst>
+        </pc:spChg>
+      </pc:sldChg>
+      <pc:sldChg chg="modSp new mod">
+        <pc:chgData name="Karim Heredia" userId="04cc9b4d-2385-48cf-a926-ccdb3f32244a" providerId="ADAL" clId="{1A95624D-0BBF-4D29-90D5-1216FF86E83A}" dt="2021-04-15T09:37:58.075" v="2663" actId="20577"/>
+        <pc:sldMkLst>
+          <pc:docMk/>
+          <pc:sldMk cId="3247645187" sldId="316"/>
+        </pc:sldMkLst>
+        <pc:spChg chg="mod">
+          <ac:chgData name="Karim Heredia" userId="04cc9b4d-2385-48cf-a926-ccdb3f32244a" providerId="ADAL" clId="{1A95624D-0BBF-4D29-90D5-1216FF86E83A}" dt="2021-04-15T09:35:32.993" v="2362" actId="20577"/>
+          <ac:spMkLst>
+            <pc:docMk/>
+            <pc:sldMk cId="3247645187" sldId="316"/>
+            <ac:spMk id="2" creationId="{2A78C515-2FA4-4321-940F-7AD85C7A9ACA}"/>
+          </ac:spMkLst>
+        </pc:spChg>
+        <pc:spChg chg="mod">
+          <ac:chgData name="Karim Heredia" userId="04cc9b4d-2385-48cf-a926-ccdb3f32244a" providerId="ADAL" clId="{1A95624D-0BBF-4D29-90D5-1216FF86E83A}" dt="2021-04-15T09:37:58.075" v="2663" actId="20577"/>
+          <ac:spMkLst>
+            <pc:docMk/>
+            <pc:sldMk cId="3247645187" sldId="316"/>
+            <ac:spMk id="3" creationId="{ABA9D025-6B53-452C-94FE-1D94BA14A933}"/>
+          </ac:spMkLst>
+        </pc:spChg>
+      </pc:sldChg>
+      <pc:sldChg chg="modSp new mod">
+        <pc:chgData name="Karim Heredia" userId="04cc9b4d-2385-48cf-a926-ccdb3f32244a" providerId="ADAL" clId="{1A95624D-0BBF-4D29-90D5-1216FF86E83A}" dt="2021-04-15T11:14:33.609" v="4237" actId="20577"/>
+        <pc:sldMkLst>
+          <pc:docMk/>
+          <pc:sldMk cId="2715915642" sldId="317"/>
+        </pc:sldMkLst>
+        <pc:spChg chg="mod">
+          <ac:chgData name="Karim Heredia" userId="04cc9b4d-2385-48cf-a926-ccdb3f32244a" providerId="ADAL" clId="{1A95624D-0BBF-4D29-90D5-1216FF86E83A}" dt="2021-04-15T09:38:10.851" v="2717" actId="20577"/>
+          <ac:spMkLst>
+            <pc:docMk/>
+            <pc:sldMk cId="2715915642" sldId="317"/>
+            <ac:spMk id="2" creationId="{DA8825B1-1836-44C6-AA86-2502C8660952}"/>
+          </ac:spMkLst>
+        </pc:spChg>
+        <pc:spChg chg="mod">
+          <ac:chgData name="Karim Heredia" userId="04cc9b4d-2385-48cf-a926-ccdb3f32244a" providerId="ADAL" clId="{1A95624D-0BBF-4D29-90D5-1216FF86E83A}" dt="2021-04-15T11:14:33.609" v="4237" actId="20577"/>
+          <ac:spMkLst>
+            <pc:docMk/>
+            <pc:sldMk cId="2715915642" sldId="317"/>
+            <ac:spMk id="3" creationId="{75374E38-8BDA-4C77-8097-1072994A8139}"/>
+          </ac:spMkLst>
+        </pc:spChg>
+      </pc:sldChg>
+      <pc:sldChg chg="addSp delSp modSp new mod modClrScheme chgLayout">
+        <pc:chgData name="Karim Heredia" userId="04cc9b4d-2385-48cf-a926-ccdb3f32244a" providerId="ADAL" clId="{1A95624D-0BBF-4D29-90D5-1216FF86E83A}" dt="2021-04-15T09:54:26.623" v="3482" actId="20577"/>
+        <pc:sldMkLst>
+          <pc:docMk/>
+          <pc:sldMk cId="2977001213" sldId="318"/>
+        </pc:sldMkLst>
+        <pc:spChg chg="del mod ord">
+          <ac:chgData name="Karim Heredia" userId="04cc9b4d-2385-48cf-a926-ccdb3f32244a" providerId="ADAL" clId="{1A95624D-0BBF-4D29-90D5-1216FF86E83A}" dt="2021-04-15T09:54:23.970" v="3473" actId="700"/>
+          <ac:spMkLst>
+            <pc:docMk/>
+            <pc:sldMk cId="2977001213" sldId="318"/>
+            <ac:spMk id="2" creationId="{E993BE13-A633-4E41-9932-D59C2F194A9A}"/>
+          </ac:spMkLst>
+        </pc:spChg>
+        <pc:spChg chg="del mod ord">
+          <ac:chgData name="Karim Heredia" userId="04cc9b4d-2385-48cf-a926-ccdb3f32244a" providerId="ADAL" clId="{1A95624D-0BBF-4D29-90D5-1216FF86E83A}" dt="2021-04-15T09:54:23.970" v="3473" actId="700"/>
+          <ac:spMkLst>
+            <pc:docMk/>
+            <pc:sldMk cId="2977001213" sldId="318"/>
+            <ac:spMk id="3" creationId="{4A7E929E-1AF9-4253-AC65-9E1B4B5A2314}"/>
+          </ac:spMkLst>
+        </pc:spChg>
+        <pc:spChg chg="add mod ord">
+          <ac:chgData name="Karim Heredia" userId="04cc9b4d-2385-48cf-a926-ccdb3f32244a" providerId="ADAL" clId="{1A95624D-0BBF-4D29-90D5-1216FF86E83A}" dt="2021-04-15T09:54:26.623" v="3482" actId="20577"/>
+          <ac:spMkLst>
+            <pc:docMk/>
+            <pc:sldMk cId="2977001213" sldId="318"/>
+            <ac:spMk id="4" creationId="{D3EEE2AD-4668-40F1-82F7-5D5A28ADDADA}"/>
+          </ac:spMkLst>
+        </pc:spChg>
+        <pc:spChg chg="add mod ord">
+          <ac:chgData name="Karim Heredia" userId="04cc9b4d-2385-48cf-a926-ccdb3f32244a" providerId="ADAL" clId="{1A95624D-0BBF-4D29-90D5-1216FF86E83A}" dt="2021-04-15T09:54:23.970" v="3473" actId="700"/>
+          <ac:spMkLst>
+            <pc:docMk/>
+            <pc:sldMk cId="2977001213" sldId="318"/>
+            <ac:spMk id="5" creationId="{08CC9B1E-CB79-4477-92F0-FC33FC847B91}"/>
+          </ac:spMkLst>
+        </pc:spChg>
+      </pc:sldChg>
+      <pc:sldChg chg="addSp delSp modSp new mod modClrScheme chgLayout">
+        <pc:chgData name="Karim Heredia" userId="04cc9b4d-2385-48cf-a926-ccdb3f32244a" providerId="ADAL" clId="{1A95624D-0BBF-4D29-90D5-1216FF86E83A}" dt="2021-04-15T09:58:40.025" v="3523" actId="20577"/>
+        <pc:sldMkLst>
+          <pc:docMk/>
+          <pc:sldMk cId="2599648721" sldId="319"/>
+        </pc:sldMkLst>
+        <pc:spChg chg="del mod ord">
+          <ac:chgData name="Karim Heredia" userId="04cc9b4d-2385-48cf-a926-ccdb3f32244a" providerId="ADAL" clId="{1A95624D-0BBF-4D29-90D5-1216FF86E83A}" dt="2021-04-15T09:54:43.886" v="3484" actId="700"/>
+          <ac:spMkLst>
+            <pc:docMk/>
+            <pc:sldMk cId="2599648721" sldId="319"/>
+            <ac:spMk id="2" creationId="{BE8F6000-8443-4871-AEB1-3593C06AA23A}"/>
+          </ac:spMkLst>
+        </pc:spChg>
+        <pc:spChg chg="del mod ord">
+          <ac:chgData name="Karim Heredia" userId="04cc9b4d-2385-48cf-a926-ccdb3f32244a" providerId="ADAL" clId="{1A95624D-0BBF-4D29-90D5-1216FF86E83A}" dt="2021-04-15T09:54:43.886" v="3484" actId="700"/>
+          <ac:spMkLst>
+            <pc:docMk/>
+            <pc:sldMk cId="2599648721" sldId="319"/>
+            <ac:spMk id="3" creationId="{F3662FDB-28BB-4EB3-86E7-2DEE0A300790}"/>
+          </ac:spMkLst>
+        </pc:spChg>
+        <pc:spChg chg="add mod ord">
+          <ac:chgData name="Karim Heredia" userId="04cc9b4d-2385-48cf-a926-ccdb3f32244a" providerId="ADAL" clId="{1A95624D-0BBF-4D29-90D5-1216FF86E83A}" dt="2021-04-15T09:54:47.462" v="3503" actId="20577"/>
+          <ac:spMkLst>
+            <pc:docMk/>
+            <pc:sldMk cId="2599648721" sldId="319"/>
+            <ac:spMk id="4" creationId="{995162D3-0D93-4E38-9BC1-8DD1E7B7494B}"/>
+          </ac:spMkLst>
+        </pc:spChg>
+        <pc:spChg chg="add mod ord">
+          <ac:chgData name="Karim Heredia" userId="04cc9b4d-2385-48cf-a926-ccdb3f32244a" providerId="ADAL" clId="{1A95624D-0BBF-4D29-90D5-1216FF86E83A}" dt="2021-04-15T09:58:40.025" v="3523" actId="20577"/>
+          <ac:spMkLst>
+            <pc:docMk/>
+            <pc:sldMk cId="2599648721" sldId="319"/>
+            <ac:spMk id="5" creationId="{AE8494CF-BC35-4DD7-A9C8-C99A7C5F28E3}"/>
+          </ac:spMkLst>
+        </pc:spChg>
+      </pc:sldChg>
+      <pc:sldChg chg="addSp delSp modSp new mod modClrScheme chgLayout">
+        <pc:chgData name="Karim Heredia" userId="04cc9b4d-2385-48cf-a926-ccdb3f32244a" providerId="ADAL" clId="{1A95624D-0BBF-4D29-90D5-1216FF86E83A}" dt="2021-04-15T10:03:01.563" v="3534" actId="20577"/>
+        <pc:sldMkLst>
+          <pc:docMk/>
+          <pc:sldMk cId="3522441853" sldId="320"/>
+        </pc:sldMkLst>
+        <pc:spChg chg="del mod ord">
+          <ac:chgData name="Karim Heredia" userId="04cc9b4d-2385-48cf-a926-ccdb3f32244a" providerId="ADAL" clId="{1A95624D-0BBF-4D29-90D5-1216FF86E83A}" dt="2021-04-15T10:02:58.908" v="3525" actId="700"/>
+          <ac:spMkLst>
+            <pc:docMk/>
+            <pc:sldMk cId="3522441853" sldId="320"/>
+            <ac:spMk id="2" creationId="{65983587-27B1-4E11-9EE7-D9340CCB6EEC}"/>
+          </ac:spMkLst>
+        </pc:spChg>
+        <pc:spChg chg="del mod ord">
+          <ac:chgData name="Karim Heredia" userId="04cc9b4d-2385-48cf-a926-ccdb3f32244a" providerId="ADAL" clId="{1A95624D-0BBF-4D29-90D5-1216FF86E83A}" dt="2021-04-15T10:02:58.908" v="3525" actId="700"/>
+          <ac:spMkLst>
+            <pc:docMk/>
+            <pc:sldMk cId="3522441853" sldId="320"/>
+            <ac:spMk id="3" creationId="{02785ECE-0970-403C-A01E-39D04C62B929}"/>
+          </ac:spMkLst>
+        </pc:spChg>
+        <pc:spChg chg="add mod ord">
+          <ac:chgData name="Karim Heredia" userId="04cc9b4d-2385-48cf-a926-ccdb3f32244a" providerId="ADAL" clId="{1A95624D-0BBF-4D29-90D5-1216FF86E83A}" dt="2021-04-15T10:03:01.563" v="3534" actId="20577"/>
+          <ac:spMkLst>
+            <pc:docMk/>
+            <pc:sldMk cId="3522441853" sldId="320"/>
+            <ac:spMk id="4" creationId="{F537A560-84F1-4DDD-931A-8816FC887D2B}"/>
+          </ac:spMkLst>
+        </pc:spChg>
+        <pc:spChg chg="add mod ord">
+          <ac:chgData name="Karim Heredia" userId="04cc9b4d-2385-48cf-a926-ccdb3f32244a" providerId="ADAL" clId="{1A95624D-0BBF-4D29-90D5-1216FF86E83A}" dt="2021-04-15T10:02:58.908" v="3525" actId="700"/>
+          <ac:spMkLst>
+            <pc:docMk/>
+            <pc:sldMk cId="3522441853" sldId="320"/>
+            <ac:spMk id="5" creationId="{90391188-0383-45A3-BB1C-6EFBA778E4CF}"/>
+          </ac:spMkLst>
+        </pc:spChg>
+      </pc:sldChg>
+      <pc:sldChg chg="addSp delSp modSp new mod modClrScheme chgLayout">
+        <pc:chgData name="Karim Heredia" userId="04cc9b4d-2385-48cf-a926-ccdb3f32244a" providerId="ADAL" clId="{1A95624D-0BBF-4D29-90D5-1216FF86E83A}" dt="2021-04-15T11:12:56.547" v="4229" actId="20577"/>
+        <pc:sldMkLst>
+          <pc:docMk/>
+          <pc:sldMk cId="1087185537" sldId="321"/>
+        </pc:sldMkLst>
+        <pc:spChg chg="del mod ord">
+          <ac:chgData name="Karim Heredia" userId="04cc9b4d-2385-48cf-a926-ccdb3f32244a" providerId="ADAL" clId="{1A95624D-0BBF-4D29-90D5-1216FF86E83A}" dt="2021-04-15T10:03:12.122" v="3536" actId="700"/>
+          <ac:spMkLst>
+            <pc:docMk/>
+            <pc:sldMk cId="1087185537" sldId="321"/>
+            <ac:spMk id="2" creationId="{F4131259-2E29-44C5-A06B-2E7F9A4E0811}"/>
+          </ac:spMkLst>
+        </pc:spChg>
+        <pc:spChg chg="del mod ord">
+          <ac:chgData name="Karim Heredia" userId="04cc9b4d-2385-48cf-a926-ccdb3f32244a" providerId="ADAL" clId="{1A95624D-0BBF-4D29-90D5-1216FF86E83A}" dt="2021-04-15T10:03:12.122" v="3536" actId="700"/>
+          <ac:spMkLst>
+            <pc:docMk/>
+            <pc:sldMk cId="1087185537" sldId="321"/>
+            <ac:spMk id="3" creationId="{4819A4E5-650E-41C6-94F5-A77C4EAF177D}"/>
+          </ac:spMkLst>
+        </pc:spChg>
+        <pc:spChg chg="add mod ord">
+          <ac:chgData name="Karim Heredia" userId="04cc9b4d-2385-48cf-a926-ccdb3f32244a" providerId="ADAL" clId="{1A95624D-0BBF-4D29-90D5-1216FF86E83A}" dt="2021-04-15T10:03:16.204" v="3545" actId="20577"/>
+          <ac:spMkLst>
+            <pc:docMk/>
+            <pc:sldMk cId="1087185537" sldId="321"/>
+            <ac:spMk id="4" creationId="{9F78E0E9-20F9-47B5-A1A5-8AFF7D2AD392}"/>
+          </ac:spMkLst>
+        </pc:spChg>
+        <pc:spChg chg="add mod ord">
+          <ac:chgData name="Karim Heredia" userId="04cc9b4d-2385-48cf-a926-ccdb3f32244a" providerId="ADAL" clId="{1A95624D-0BBF-4D29-90D5-1216FF86E83A}" dt="2021-04-15T11:12:56.547" v="4229" actId="20577"/>
+          <ac:spMkLst>
+            <pc:docMk/>
+            <pc:sldMk cId="1087185537" sldId="321"/>
+            <ac:spMk id="5" creationId="{8513EBFC-9368-4961-B4F5-9DF5641487AC}"/>
+          </ac:spMkLst>
+        </pc:spChg>
+      </pc:sldChg>
+      <pc:sldChg chg="addSp delSp modSp new mod modClrScheme chgLayout">
+        <pc:chgData name="Karim Heredia" userId="04cc9b4d-2385-48cf-a926-ccdb3f32244a" providerId="ADAL" clId="{1A95624D-0BBF-4D29-90D5-1216FF86E83A}" dt="2021-04-15T10:07:16.404" v="4141" actId="20577"/>
+        <pc:sldMkLst>
+          <pc:docMk/>
+          <pc:sldMk cId="721585980" sldId="322"/>
+        </pc:sldMkLst>
+        <pc:spChg chg="del mod ord">
+          <ac:chgData name="Karim Heredia" userId="04cc9b4d-2385-48cf-a926-ccdb3f32244a" providerId="ADAL" clId="{1A95624D-0BBF-4D29-90D5-1216FF86E83A}" dt="2021-04-15T10:07:12.892" v="4123" actId="700"/>
+          <ac:spMkLst>
+            <pc:docMk/>
+            <pc:sldMk cId="721585980" sldId="322"/>
+            <ac:spMk id="2" creationId="{E682C7AE-5A50-4834-90D7-80034BF6C24B}"/>
+          </ac:spMkLst>
+        </pc:spChg>
+        <pc:spChg chg="del mod ord">
+          <ac:chgData name="Karim Heredia" userId="04cc9b4d-2385-48cf-a926-ccdb3f32244a" providerId="ADAL" clId="{1A95624D-0BBF-4D29-90D5-1216FF86E83A}" dt="2021-04-15T10:07:12.892" v="4123" actId="700"/>
+          <ac:spMkLst>
+            <pc:docMk/>
+            <pc:sldMk cId="721585980" sldId="322"/>
+            <ac:spMk id="3" creationId="{237839DC-AE30-4DCC-BA07-F81AB3EC45E9}"/>
+          </ac:spMkLst>
+        </pc:spChg>
+        <pc:spChg chg="add mod ord">
+          <ac:chgData name="Karim Heredia" userId="04cc9b4d-2385-48cf-a926-ccdb3f32244a" providerId="ADAL" clId="{1A95624D-0BBF-4D29-90D5-1216FF86E83A}" dt="2021-04-15T10:07:16.404" v="4141" actId="20577"/>
+          <ac:spMkLst>
+            <pc:docMk/>
+            <pc:sldMk cId="721585980" sldId="322"/>
+            <ac:spMk id="4" creationId="{F848FC59-A7D0-4312-91B9-F9D303E234E4}"/>
+          </ac:spMkLst>
+        </pc:spChg>
+        <pc:spChg chg="add mod ord">
+          <ac:chgData name="Karim Heredia" userId="04cc9b4d-2385-48cf-a926-ccdb3f32244a" providerId="ADAL" clId="{1A95624D-0BBF-4D29-90D5-1216FF86E83A}" dt="2021-04-15T10:07:12.892" v="4123" actId="700"/>
+          <ac:spMkLst>
+            <pc:docMk/>
+            <pc:sldMk cId="721585980" sldId="322"/>
+            <ac:spMk id="5" creationId="{B1A68E73-3F87-4638-89CB-796877510B34}"/>
+          </ac:spMkLst>
+        </pc:spChg>
+      </pc:sldChg>
+      <pc:sldChg chg="new del">
+        <pc:chgData name="Karim Heredia" userId="04cc9b4d-2385-48cf-a926-ccdb3f32244a" providerId="ADAL" clId="{1A95624D-0BBF-4D29-90D5-1216FF86E83A}" dt="2021-04-15T12:22:13.850" v="4293" actId="47"/>
+        <pc:sldMkLst>
+          <pc:docMk/>
+          <pc:sldMk cId="2223368875" sldId="323"/>
+        </pc:sldMkLst>
+      </pc:sldChg>
+      <pc:sldMasterChg chg="modSp modSldLayout">
+        <pc:chgData name="Karim Heredia" userId="04cc9b4d-2385-48cf-a926-ccdb3f32244a" providerId="ADAL" clId="{1A95624D-0BBF-4D29-90D5-1216FF86E83A}" dt="2021-04-14T11:50:53.573" v="867" actId="3064"/>
+        <pc:sldMasterMkLst>
+          <pc:docMk/>
+          <pc:sldMasterMk cId="767652660" sldId="2147483648"/>
+        </pc:sldMasterMkLst>
+        <pc:spChg chg="mod">
+          <ac:chgData name="Karim Heredia" userId="04cc9b4d-2385-48cf-a926-ccdb3f32244a" providerId="ADAL" clId="{1A95624D-0BBF-4D29-90D5-1216FF86E83A}" dt="2021-04-14T11:07:17.683" v="76" actId="2711"/>
+          <ac:spMkLst>
+            <pc:docMk/>
+            <pc:sldMasterMk cId="767652660" sldId="2147483648"/>
+            <ac:spMk id="2" creationId="{DDB07C4A-0689-4659-9EAD-F8963AB6D6CB}"/>
+          </ac:spMkLst>
+        </pc:spChg>
+        <pc:spChg chg="mod">
+          <ac:chgData name="Karim Heredia" userId="04cc9b4d-2385-48cf-a926-ccdb3f32244a" providerId="ADAL" clId="{1A95624D-0BBF-4D29-90D5-1216FF86E83A}" dt="2021-04-14T11:07:03.379" v="74" actId="2711"/>
+          <ac:spMkLst>
+            <pc:docMk/>
+            <pc:sldMasterMk cId="767652660" sldId="2147483648"/>
+            <ac:spMk id="3" creationId="{7FFB194F-634B-428A-B834-EB046788C7BB}"/>
+          </ac:spMkLst>
+        </pc:spChg>
+        <pc:spChg chg="mod">
+          <ac:chgData name="Karim Heredia" userId="04cc9b4d-2385-48cf-a926-ccdb3f32244a" providerId="ADAL" clId="{1A95624D-0BBF-4D29-90D5-1216FF86E83A}" dt="2021-04-14T11:07:03.379" v="74" actId="2711"/>
+          <ac:spMkLst>
+            <pc:docMk/>
+            <pc:sldMasterMk cId="767652660" sldId="2147483648"/>
+            <ac:spMk id="4" creationId="{285DB0D9-67DD-4ED8-B077-EA9D597AD0EB}"/>
+          </ac:spMkLst>
+        </pc:spChg>
+        <pc:spChg chg="mod">
+          <ac:chgData name="Karim Heredia" userId="04cc9b4d-2385-48cf-a926-ccdb3f32244a" providerId="ADAL" clId="{1A95624D-0BBF-4D29-90D5-1216FF86E83A}" dt="2021-04-14T11:07:03.379" v="74" actId="2711"/>
+          <ac:spMkLst>
+            <pc:docMk/>
+            <pc:sldMasterMk cId="767652660" sldId="2147483648"/>
+            <ac:spMk id="5" creationId="{CB84CD1A-58DA-4543-AB21-F8CAAB54317A}"/>
+          </ac:spMkLst>
+        </pc:spChg>
+        <pc:spChg chg="mod">
+          <ac:chgData name="Karim Heredia" userId="04cc9b4d-2385-48cf-a926-ccdb3f32244a" providerId="ADAL" clId="{1A95624D-0BBF-4D29-90D5-1216FF86E83A}" dt="2021-04-14T11:07:03.379" v="74" actId="2711"/>
+          <ac:spMkLst>
+            <pc:docMk/>
+            <pc:sldMasterMk cId="767652660" sldId="2147483648"/>
+            <ac:spMk id="6" creationId="{71E49ACA-2B7A-4025-81E3-E4BF4AAFE102}"/>
+          </ac:spMkLst>
+        </pc:spChg>
+        <pc:sldLayoutChg chg="delSp modSp mod">
+          <pc:chgData name="Karim Heredia" userId="04cc9b4d-2385-48cf-a926-ccdb3f32244a" providerId="ADAL" clId="{1A95624D-0BBF-4D29-90D5-1216FF86E83A}" dt="2021-04-14T11:50:53.573" v="867" actId="3064"/>
+          <pc:sldLayoutMkLst>
+            <pc:docMk/>
+            <pc:sldMasterMk cId="767652660" sldId="2147483648"/>
+            <pc:sldLayoutMk cId="3025209121" sldId="2147483660"/>
+          </pc:sldLayoutMkLst>
+          <pc:spChg chg="mod">
+            <ac:chgData name="Karim Heredia" userId="04cc9b4d-2385-48cf-a926-ccdb3f32244a" providerId="ADAL" clId="{1A95624D-0BBF-4D29-90D5-1216FF86E83A}" dt="2021-04-14T11:50:53.573" v="867" actId="3064"/>
+            <ac:spMkLst>
+              <pc:docMk/>
+              <pc:sldMasterMk cId="767652660" sldId="2147483648"/>
+              <pc:sldLayoutMk cId="3025209121" sldId="2147483660"/>
+              <ac:spMk id="2" creationId="{39762C15-0314-4E49-9B9D-FDF23700C48C}"/>
+            </ac:spMkLst>
+          </pc:spChg>
+          <pc:spChg chg="del mod">
+            <ac:chgData name="Karim Heredia" userId="04cc9b4d-2385-48cf-a926-ccdb3f32244a" providerId="ADAL" clId="{1A95624D-0BBF-4D29-90D5-1216FF86E83A}" dt="2021-04-14T11:50:36.569" v="866" actId="478"/>
+            <ac:spMkLst>
+              <pc:docMk/>
+              <pc:sldMasterMk cId="767652660" sldId="2147483648"/>
+              <pc:sldLayoutMk cId="3025209121" sldId="2147483660"/>
+              <ac:spMk id="3" creationId="{7CAFF466-FA0D-4017-A12B-E7F9429727D8}"/>
+            </ac:spMkLst>
+          </pc:spChg>
+          <pc:spChg chg="mod">
+            <ac:chgData name="Karim Heredia" userId="04cc9b4d-2385-48cf-a926-ccdb3f32244a" providerId="ADAL" clId="{1A95624D-0BBF-4D29-90D5-1216FF86E83A}" dt="2021-04-14T11:50:20.418" v="862" actId="14100"/>
+            <ac:spMkLst>
+              <pc:docMk/>
+              <pc:sldMasterMk cId="767652660" sldId="2147483648"/>
+              <pc:sldLayoutMk cId="3025209121" sldId="2147483660"/>
+              <ac:spMk id="4" creationId="{D7AD3396-B194-4BB1-A6B2-4E1FBB4964CB}"/>
+            </ac:spMkLst>
+          </pc:spChg>
+        </pc:sldLayoutChg>
+      </pc:sldMasterChg>
+    </pc:docChg>
+  </pc:docChgLst>
+  <pc:docChgLst>
+    <pc:chgData name="Karim Heredia" userId="04cc9b4d-2385-48cf-a926-ccdb3f32244a" providerId="ADAL" clId="{58D9D81E-A8A9-4174-8393-47F4E0A02001}"/>
+    <pc:docChg chg="custSel addSld modSld">
+      <pc:chgData name="Karim Heredia" userId="04cc9b4d-2385-48cf-a926-ccdb3f32244a" providerId="ADAL" clId="{58D9D81E-A8A9-4174-8393-47F4E0A02001}" dt="2021-04-14T08:16:55.843" v="11" actId="22"/>
+      <pc:docMkLst>
+        <pc:docMk/>
+      </pc:docMkLst>
+      <pc:sldChg chg="addSp delSp new mod">
+        <pc:chgData name="Karim Heredia" userId="04cc9b4d-2385-48cf-a926-ccdb3f32244a" providerId="ADAL" clId="{58D9D81E-A8A9-4174-8393-47F4E0A02001}" dt="2021-04-14T08:04:11.332" v="3" actId="22"/>
+        <pc:sldMkLst>
+          <pc:docMk/>
+          <pc:sldMk cId="74641562" sldId="267"/>
+        </pc:sldMkLst>
+        <pc:picChg chg="add del">
+          <ac:chgData name="Karim Heredia" userId="04cc9b4d-2385-48cf-a926-ccdb3f32244a" providerId="ADAL" clId="{58D9D81E-A8A9-4174-8393-47F4E0A02001}" dt="2021-04-14T08:04:02.376" v="2" actId="478"/>
+          <ac:picMkLst>
+            <pc:docMk/>
+            <pc:sldMk cId="74641562" sldId="267"/>
+            <ac:picMk id="3" creationId="{F38F1AD4-081C-4B7F-9FB0-A98834A6C1E5}"/>
+          </ac:picMkLst>
+        </pc:picChg>
+        <pc:picChg chg="add">
+          <ac:chgData name="Karim Heredia" userId="04cc9b4d-2385-48cf-a926-ccdb3f32244a" providerId="ADAL" clId="{58D9D81E-A8A9-4174-8393-47F4E0A02001}" dt="2021-04-14T08:04:11.332" v="3" actId="22"/>
+          <ac:picMkLst>
+            <pc:docMk/>
+            <pc:sldMk cId="74641562" sldId="267"/>
+            <ac:picMk id="5" creationId="{8A29DB3B-C155-4A76-AC3C-55EAFF2E952B}"/>
+          </ac:picMkLst>
+        </pc:picChg>
+      </pc:sldChg>
+      <pc:sldChg chg="addSp new mod">
+        <pc:chgData name="Karim Heredia" userId="04cc9b4d-2385-48cf-a926-ccdb3f32244a" providerId="ADAL" clId="{58D9D81E-A8A9-4174-8393-47F4E0A02001}" dt="2021-04-14T08:04:33.469" v="5" actId="22"/>
+        <pc:sldMkLst>
+          <pc:docMk/>
+          <pc:sldMk cId="721065952" sldId="268"/>
+        </pc:sldMkLst>
+        <pc:picChg chg="add">
+          <ac:chgData name="Karim Heredia" userId="04cc9b4d-2385-48cf-a926-ccdb3f32244a" providerId="ADAL" clId="{58D9D81E-A8A9-4174-8393-47F4E0A02001}" dt="2021-04-14T08:04:33.469" v="5" actId="22"/>
+          <ac:picMkLst>
+            <pc:docMk/>
+            <pc:sldMk cId="721065952" sldId="268"/>
+            <ac:picMk id="3" creationId="{B655DEE1-E1FF-4D39-93C2-ABABC356E3CD}"/>
+          </ac:picMkLst>
+        </pc:picChg>
+      </pc:sldChg>
+      <pc:sldChg chg="addSp new mod">
+        <pc:chgData name="Karim Heredia" userId="04cc9b4d-2385-48cf-a926-ccdb3f32244a" providerId="ADAL" clId="{58D9D81E-A8A9-4174-8393-47F4E0A02001}" dt="2021-04-14T08:16:10.903" v="7" actId="22"/>
+        <pc:sldMkLst>
+          <pc:docMk/>
+          <pc:sldMk cId="2989320916" sldId="269"/>
+        </pc:sldMkLst>
+        <pc:picChg chg="add">
+          <ac:chgData name="Karim Heredia" userId="04cc9b4d-2385-48cf-a926-ccdb3f32244a" providerId="ADAL" clId="{58D9D81E-A8A9-4174-8393-47F4E0A02001}" dt="2021-04-14T08:16:10.903" v="7" actId="22"/>
+          <ac:picMkLst>
+            <pc:docMk/>
+            <pc:sldMk cId="2989320916" sldId="269"/>
+            <ac:picMk id="3" creationId="{76F2C9DF-4EAD-4764-9E4A-DBD7D7B83843}"/>
+          </ac:picMkLst>
+        </pc:picChg>
+      </pc:sldChg>
+      <pc:sldChg chg="addSp new mod">
+        <pc:chgData name="Karim Heredia" userId="04cc9b4d-2385-48cf-a926-ccdb3f32244a" providerId="ADAL" clId="{58D9D81E-A8A9-4174-8393-47F4E0A02001}" dt="2021-04-14T08:16:38.191" v="9" actId="22"/>
+        <pc:sldMkLst>
+          <pc:docMk/>
+          <pc:sldMk cId="1118881725" sldId="270"/>
+        </pc:sldMkLst>
+        <pc:picChg chg="add">
+          <ac:chgData name="Karim Heredia" userId="04cc9b4d-2385-48cf-a926-ccdb3f32244a" providerId="ADAL" clId="{58D9D81E-A8A9-4174-8393-47F4E0A02001}" dt="2021-04-14T08:16:38.191" v="9" actId="22"/>
+          <ac:picMkLst>
+            <pc:docMk/>
+            <pc:sldMk cId="1118881725" sldId="270"/>
+            <ac:picMk id="3" creationId="{87EA485F-D974-4F00-BAEE-25CD05B79222}"/>
+          </ac:picMkLst>
+        </pc:picChg>
+      </pc:sldChg>
+      <pc:sldChg chg="addSp new mod">
+        <pc:chgData name="Karim Heredia" userId="04cc9b4d-2385-48cf-a926-ccdb3f32244a" providerId="ADAL" clId="{58D9D81E-A8A9-4174-8393-47F4E0A02001}" dt="2021-04-14T08:16:55.843" v="11" actId="22"/>
+        <pc:sldMkLst>
+          <pc:docMk/>
+          <pc:sldMk cId="458322246" sldId="271"/>
+        </pc:sldMkLst>
+        <pc:picChg chg="add">
+          <ac:chgData name="Karim Heredia" userId="04cc9b4d-2385-48cf-a926-ccdb3f32244a" providerId="ADAL" clId="{58D9D81E-A8A9-4174-8393-47F4E0A02001}" dt="2021-04-14T08:16:55.843" v="11" actId="22"/>
+          <ac:picMkLst>
+            <pc:docMk/>
+            <pc:sldMk cId="458322246" sldId="271"/>
+            <ac:picMk id="3" creationId="{0A96A05A-AD10-497E-AD11-00B4B9DC737B}"/>
+          </ac:picMkLst>
+        </pc:picChg>
+      </pc:sldChg>
+    </pc:docChg>
+  </pc:docChgLst>
+</pc:chgInfo>
 </file>
 
 <file path=ppt/slideLayouts/slideLayout1.xml><?xml version="1.0" encoding="utf-8"?>
@@ -323,7 +2591,7 @@
           <a:p>
             <a:fld id="{88156215-E5DE-4D04-93C1-536B4D0E2257}" type="datetimeFigureOut">
               <a:rPr lang="en-US" smtClean="0"/>
-              <a:t>4/14/2021</a:t>
+              <a:t>4/15/2021</a:t>
             </a:fld>
             <a:endParaRPr lang="en-US"/>
           </a:p>
@@ -544,7 +2812,7 @@
           <a:p>
             <a:fld id="{88156215-E5DE-4D04-93C1-536B4D0E2257}" type="datetimeFigureOut">
               <a:rPr lang="en-US" smtClean="0"/>
-              <a:t>4/14/2021</a:t>
+              <a:t>4/15/2021</a:t>
             </a:fld>
             <a:endParaRPr lang="en-US"/>
           </a:p>
@@ -742,7 +3010,7 @@
           <a:p>
             <a:fld id="{88156215-E5DE-4D04-93C1-536B4D0E2257}" type="datetimeFigureOut">
               <a:rPr lang="en-US" smtClean="0"/>
-              <a:t>4/14/2021</a:t>
+              <a:t>4/15/2021</a:t>
             </a:fld>
             <a:endParaRPr lang="en-US"/>
           </a:p>
@@ -950,7 +3218,7 @@
           <a:p>
             <a:fld id="{88156215-E5DE-4D04-93C1-536B4D0E2257}" type="datetimeFigureOut">
               <a:rPr lang="en-US" smtClean="0"/>
-              <a:t>4/14/2021</a:t>
+              <a:t>4/15/2021</a:t>
             </a:fld>
             <a:endParaRPr lang="en-US"/>
           </a:p>
@@ -1148,7 +3416,7 @@
           <a:p>
             <a:fld id="{88156215-E5DE-4D04-93C1-536B4D0E2257}" type="datetimeFigureOut">
               <a:rPr lang="en-US" smtClean="0"/>
-              <a:t>4/14/2021</a:t>
+              <a:t>4/15/2021</a:t>
             </a:fld>
             <a:endParaRPr lang="en-US"/>
           </a:p>
@@ -1423,7 +3691,7 @@
           <a:p>
             <a:fld id="{88156215-E5DE-4D04-93C1-536B4D0E2257}" type="datetimeFigureOut">
               <a:rPr lang="en-US" smtClean="0"/>
-              <a:t>4/14/2021</a:t>
+              <a:t>4/15/2021</a:t>
             </a:fld>
             <a:endParaRPr lang="en-US"/>
           </a:p>
@@ -1688,7 +3956,7 @@
           <a:p>
             <a:fld id="{88156215-E5DE-4D04-93C1-536B4D0E2257}" type="datetimeFigureOut">
               <a:rPr lang="en-US" smtClean="0"/>
-              <a:t>4/14/2021</a:t>
+              <a:t>4/15/2021</a:t>
             </a:fld>
             <a:endParaRPr lang="en-US"/>
           </a:p>
@@ -2100,7 +4368,7 @@
           <a:p>
             <a:fld id="{88156215-E5DE-4D04-93C1-536B4D0E2257}" type="datetimeFigureOut">
               <a:rPr lang="en-US" smtClean="0"/>
-              <a:t>4/14/2021</a:t>
+              <a:t>4/15/2021</a:t>
             </a:fld>
             <a:endParaRPr lang="en-US"/>
           </a:p>
@@ -2241,7 +4509,7 @@
           <a:p>
             <a:fld id="{88156215-E5DE-4D04-93C1-536B4D0E2257}" type="datetimeFigureOut">
               <a:rPr lang="en-US" smtClean="0"/>
-              <a:t>4/14/2021</a:t>
+              <a:t>4/15/2021</a:t>
             </a:fld>
             <a:endParaRPr lang="en-US"/>
           </a:p>
@@ -2354,7 +4622,7 @@
           <a:p>
             <a:fld id="{88156215-E5DE-4D04-93C1-536B4D0E2257}" type="datetimeFigureOut">
               <a:rPr lang="en-US" smtClean="0"/>
-              <a:t>4/14/2021</a:t>
+              <a:t>4/15/2021</a:t>
             </a:fld>
             <a:endParaRPr lang="en-US"/>
           </a:p>
@@ -2665,7 +4933,7 @@
           <a:p>
             <a:fld id="{88156215-E5DE-4D04-93C1-536B4D0E2257}" type="datetimeFigureOut">
               <a:rPr lang="en-US" smtClean="0"/>
-              <a:t>4/14/2021</a:t>
+              <a:t>4/15/2021</a:t>
             </a:fld>
             <a:endParaRPr lang="en-US"/>
           </a:p>
@@ -2953,7 +5221,7 @@
           <a:p>
             <a:fld id="{88156215-E5DE-4D04-93C1-536B4D0E2257}" type="datetimeFigureOut">
               <a:rPr lang="en-US" smtClean="0"/>
-              <a:t>4/14/2021</a:t>
+              <a:t>4/15/2021</a:t>
             </a:fld>
             <a:endParaRPr lang="en-US"/>
           </a:p>
@@ -3197,7 +5465,7 @@
             <a:fld id="{88156215-E5DE-4D04-93C1-536B4D0E2257}" type="datetimeFigureOut">
               <a:rPr lang="en-US" smtClean="0"/>
               <a:pPr/>
-              <a:t>4/14/2021</a:t>
+              <a:t>4/15/2021</a:t>
             </a:fld>
             <a:endParaRPr lang="en-US"/>
           </a:p>
@@ -3725,6 +5993,532 @@
           <p:cNvPr id="2" name="Title 1">
             <a:extLst>
               <a:ext uri="{FF2B5EF4-FFF2-40B4-BE49-F238E27FC236}">
+                <a16:creationId xmlns:a16="http://schemas.microsoft.com/office/drawing/2014/main" id="{2A78C515-2FA4-4321-940F-7AD85C7A9ACA}"/>
+              </a:ext>
+            </a:extLst>
+          </p:cNvPr>
+          <p:cNvSpPr>
+            <a:spLocks noGrp="1"/>
+          </p:cNvSpPr>
+          <p:nvPr>
+            <p:ph type="title"/>
+          </p:nvPr>
+        </p:nvSpPr>
+        <p:spPr/>
+        <p:txBody>
+          <a:bodyPr/>
+          <a:lstStyle/>
+          <a:p>
+            <a:r>
+              <a:rPr lang="en-US" dirty="0"/>
+              <a:t>A brief history of git</a:t>
+            </a:r>
+            <a:endParaRPr lang="en-IE" dirty="0"/>
+          </a:p>
+        </p:txBody>
+      </p:sp>
+      <p:sp>
+        <p:nvSpPr>
+          <p:cNvPr id="3" name="Content Placeholder 2">
+            <a:extLst>
+              <a:ext uri="{FF2B5EF4-FFF2-40B4-BE49-F238E27FC236}">
+                <a16:creationId xmlns:a16="http://schemas.microsoft.com/office/drawing/2014/main" id="{ABA9D025-6B53-452C-94FE-1D94BA14A933}"/>
+              </a:ext>
+            </a:extLst>
+          </p:cNvPr>
+          <p:cNvSpPr>
+            <a:spLocks noGrp="1"/>
+          </p:cNvSpPr>
+          <p:nvPr>
+            <p:ph idx="1"/>
+          </p:nvPr>
+        </p:nvSpPr>
+        <p:spPr/>
+        <p:txBody>
+          <a:bodyPr/>
+          <a:lstStyle/>
+          <a:p>
+            <a:pPr marL="0" indent="0">
+              <a:buNone/>
+            </a:pPr>
+            <a:r>
+              <a:rPr lang="en-US" dirty="0"/>
+              <a:t>Developed in 2005 in response to the need for a source-control system for Linux developers. Linus Torvalds, the creator of Linux, was the mind behind it.</a:t>
+            </a:r>
+          </a:p>
+          <a:p>
+            <a:pPr marL="0" indent="0">
+              <a:buNone/>
+            </a:pPr>
+            <a:endParaRPr lang="en-US" dirty="0"/>
+          </a:p>
+          <a:p>
+            <a:pPr marL="0" indent="0">
+              <a:buNone/>
+            </a:pPr>
+            <a:r>
+              <a:rPr lang="en-US" dirty="0"/>
+              <a:t>The goals were speed, simple design, support for non-linear development, fully distributed and able to handle large projects.</a:t>
+            </a:r>
+            <a:endParaRPr lang="en-IE" dirty="0"/>
+          </a:p>
+        </p:txBody>
+      </p:sp>
+    </p:spTree>
+    <p:extLst>
+      <p:ext uri="{BB962C8B-B14F-4D97-AF65-F5344CB8AC3E}">
+        <p14:creationId xmlns:p14="http://schemas.microsoft.com/office/powerpoint/2010/main" val="3247645187"/>
+      </p:ext>
+    </p:extLst>
+  </p:cSld>
+  <p:clrMapOvr>
+    <a:masterClrMapping/>
+  </p:clrMapOvr>
+</p:sld>
+</file>
+
+<file path=ppt/slides/slide11.xml><?xml version="1.0" encoding="utf-8"?>
+<p:sld xmlns:a="http://schemas.openxmlformats.org/drawingml/2006/main" xmlns:r="http://schemas.openxmlformats.org/officeDocument/2006/relationships" xmlns:p="http://schemas.openxmlformats.org/presentationml/2006/main">
+  <p:cSld>
+    <p:spTree>
+      <p:nvGrpSpPr>
+        <p:cNvPr id="1" name=""/>
+        <p:cNvGrpSpPr/>
+        <p:nvPr/>
+      </p:nvGrpSpPr>
+      <p:grpSpPr>
+        <a:xfrm>
+          <a:off x="0" y="0"/>
+          <a:ext cx="0" cy="0"/>
+          <a:chOff x="0" y="0"/>
+          <a:chExt cx="0" cy="0"/>
+        </a:xfrm>
+      </p:grpSpPr>
+      <p:sp>
+        <p:nvSpPr>
+          <p:cNvPr id="2" name="Title 1">
+            <a:extLst>
+              <a:ext uri="{FF2B5EF4-FFF2-40B4-BE49-F238E27FC236}">
+                <a16:creationId xmlns:a16="http://schemas.microsoft.com/office/drawing/2014/main" id="{DA8825B1-1836-44C6-AA86-2502C8660952}"/>
+              </a:ext>
+            </a:extLst>
+          </p:cNvPr>
+          <p:cNvSpPr>
+            <a:spLocks noGrp="1"/>
+          </p:cNvSpPr>
+          <p:nvPr>
+            <p:ph type="title"/>
+          </p:nvPr>
+        </p:nvSpPr>
+        <p:spPr/>
+        <p:txBody>
+          <a:bodyPr/>
+          <a:lstStyle/>
+          <a:p>
+            <a:r>
+              <a:rPr lang="en-US" dirty="0"/>
+              <a:t>What sort of software is git anyway?</a:t>
+            </a:r>
+            <a:endParaRPr lang="en-IE" dirty="0"/>
+          </a:p>
+        </p:txBody>
+      </p:sp>
+      <p:sp>
+        <p:nvSpPr>
+          <p:cNvPr id="3" name="Content Placeholder 2">
+            <a:extLst>
+              <a:ext uri="{FF2B5EF4-FFF2-40B4-BE49-F238E27FC236}">
+                <a16:creationId xmlns:a16="http://schemas.microsoft.com/office/drawing/2014/main" id="{75374E38-8BDA-4C77-8097-1072994A8139}"/>
+              </a:ext>
+            </a:extLst>
+          </p:cNvPr>
+          <p:cNvSpPr>
+            <a:spLocks noGrp="1"/>
+          </p:cNvSpPr>
+          <p:nvPr>
+            <p:ph idx="1"/>
+          </p:nvPr>
+        </p:nvSpPr>
+        <p:spPr/>
+        <p:txBody>
+          <a:bodyPr/>
+          <a:lstStyle/>
+          <a:p>
+            <a:pPr marL="0" indent="0">
+              <a:buNone/>
+            </a:pPr>
+            <a:r>
+              <a:rPr lang="en-US" dirty="0"/>
+              <a:t>It belongs to the family of tools as version control, source control or source code management systems. </a:t>
+            </a:r>
+          </a:p>
+          <a:p>
+            <a:pPr marL="0" indent="0">
+              <a:buNone/>
+            </a:pPr>
+            <a:endParaRPr lang="en-US" dirty="0"/>
+          </a:p>
+          <a:p>
+            <a:pPr marL="0" indent="0">
+              <a:buNone/>
+            </a:pPr>
+            <a:r>
+              <a:rPr lang="en-US" dirty="0"/>
+              <a:t>Git belongs to the family of distributed version control systems (DVCS). There are a few alternatives (like Mercurial), but git is by far the leader.</a:t>
+            </a:r>
+            <a:endParaRPr lang="en-IE" dirty="0"/>
+          </a:p>
+        </p:txBody>
+      </p:sp>
+    </p:spTree>
+    <p:extLst>
+      <p:ext uri="{BB962C8B-B14F-4D97-AF65-F5344CB8AC3E}">
+        <p14:creationId xmlns:p14="http://schemas.microsoft.com/office/powerpoint/2010/main" val="2715915642"/>
+      </p:ext>
+    </p:extLst>
+  </p:cSld>
+  <p:clrMapOvr>
+    <a:masterClrMapping/>
+  </p:clrMapOvr>
+</p:sld>
+</file>
+
+<file path=ppt/slides/slide12.xml><?xml version="1.0" encoding="utf-8"?>
+<p:sld xmlns:a="http://schemas.openxmlformats.org/drawingml/2006/main" xmlns:r="http://schemas.openxmlformats.org/officeDocument/2006/relationships" xmlns:p="http://schemas.openxmlformats.org/presentationml/2006/main">
+  <p:cSld>
+    <p:spTree>
+      <p:nvGrpSpPr>
+        <p:cNvPr id="1" name=""/>
+        <p:cNvGrpSpPr/>
+        <p:nvPr/>
+      </p:nvGrpSpPr>
+      <p:grpSpPr>
+        <a:xfrm>
+          <a:off x="0" y="0"/>
+          <a:ext cx="0" cy="0"/>
+          <a:chOff x="0" y="0"/>
+          <a:chExt cx="0" cy="0"/>
+        </a:xfrm>
+      </p:grpSpPr>
+      <p:sp>
+        <p:nvSpPr>
+          <p:cNvPr id="4" name="Title 3">
+            <a:extLst>
+              <a:ext uri="{FF2B5EF4-FFF2-40B4-BE49-F238E27FC236}">
+                <a16:creationId xmlns:a16="http://schemas.microsoft.com/office/drawing/2014/main" id="{317E6BFB-B076-4C23-8C4B-79BF09208D3F}"/>
+              </a:ext>
+            </a:extLst>
+          </p:cNvPr>
+          <p:cNvSpPr>
+            <a:spLocks noGrp="1"/>
+          </p:cNvSpPr>
+          <p:nvPr>
+            <p:ph type="title"/>
+          </p:nvPr>
+        </p:nvSpPr>
+        <p:spPr/>
+        <p:txBody>
+          <a:bodyPr/>
+          <a:lstStyle/>
+          <a:p>
+            <a:r>
+              <a:rPr lang="en-US" dirty="0"/>
+              <a:t>Some of the reasons why you need git</a:t>
+            </a:r>
+            <a:endParaRPr lang="en-IE" dirty="0"/>
+          </a:p>
+        </p:txBody>
+      </p:sp>
+      <p:sp>
+        <p:nvSpPr>
+          <p:cNvPr id="5" name="Content Placeholder 4">
+            <a:extLst>
+              <a:ext uri="{FF2B5EF4-FFF2-40B4-BE49-F238E27FC236}">
+                <a16:creationId xmlns:a16="http://schemas.microsoft.com/office/drawing/2014/main" id="{CAE1C818-9CD1-41E0-8807-0C0ACD541095}"/>
+              </a:ext>
+            </a:extLst>
+          </p:cNvPr>
+          <p:cNvSpPr>
+            <a:spLocks noGrp="1"/>
+          </p:cNvSpPr>
+          <p:nvPr>
+            <p:ph idx="1"/>
+          </p:nvPr>
+        </p:nvSpPr>
+        <p:spPr/>
+        <p:txBody>
+          <a:bodyPr/>
+          <a:lstStyle/>
+          <a:p>
+            <a:r>
+              <a:rPr lang="en-US" dirty="0"/>
+              <a:t>History about your code</a:t>
+            </a:r>
+          </a:p>
+          <a:p>
+            <a:r>
+              <a:rPr lang="en-US" dirty="0"/>
+              <a:t>Teamwork on making changes</a:t>
+            </a:r>
+          </a:p>
+          <a:p>
+            <a:r>
+              <a:rPr lang="en-US" dirty="0"/>
+              <a:t>Multiple versions of the same code base</a:t>
+            </a:r>
+          </a:p>
+          <a:p>
+            <a:r>
+              <a:rPr lang="en-US" dirty="0"/>
+              <a:t>Suggestions from others about your code</a:t>
+            </a:r>
+          </a:p>
+          <a:p>
+            <a:endParaRPr lang="en-IE" dirty="0"/>
+          </a:p>
+        </p:txBody>
+      </p:sp>
+    </p:spTree>
+    <p:extLst>
+      <p:ext uri="{BB962C8B-B14F-4D97-AF65-F5344CB8AC3E}">
+        <p14:creationId xmlns:p14="http://schemas.microsoft.com/office/powerpoint/2010/main" val="3742200851"/>
+      </p:ext>
+    </p:extLst>
+  </p:cSld>
+  <p:clrMapOvr>
+    <a:masterClrMapping/>
+  </p:clrMapOvr>
+</p:sld>
+</file>
+
+<file path=ppt/slides/slide13.xml><?xml version="1.0" encoding="utf-8"?>
+<p:sld xmlns:a="http://schemas.openxmlformats.org/drawingml/2006/main" xmlns:r="http://schemas.openxmlformats.org/officeDocument/2006/relationships" xmlns:p="http://schemas.openxmlformats.org/presentationml/2006/main">
+  <p:cSld>
+    <p:spTree>
+      <p:nvGrpSpPr>
+        <p:cNvPr id="1" name=""/>
+        <p:cNvGrpSpPr/>
+        <p:nvPr/>
+      </p:nvGrpSpPr>
+      <p:grpSpPr>
+        <a:xfrm>
+          <a:off x="0" y="0"/>
+          <a:ext cx="0" cy="0"/>
+          <a:chOff x="0" y="0"/>
+          <a:chExt cx="0" cy="0"/>
+        </a:xfrm>
+      </p:grpSpPr>
+      <p:sp>
+        <p:nvSpPr>
+          <p:cNvPr id="4" name="Title 3">
+            <a:extLst>
+              <a:ext uri="{FF2B5EF4-FFF2-40B4-BE49-F238E27FC236}">
+                <a16:creationId xmlns:a16="http://schemas.microsoft.com/office/drawing/2014/main" id="{EFA429CA-6956-44C7-922F-9C10285BEDC8}"/>
+              </a:ext>
+            </a:extLst>
+          </p:cNvPr>
+          <p:cNvSpPr>
+            <a:spLocks noGrp="1"/>
+          </p:cNvSpPr>
+          <p:nvPr>
+            <p:ph type="title"/>
+          </p:nvPr>
+        </p:nvSpPr>
+        <p:spPr/>
+        <p:txBody>
+          <a:bodyPr/>
+          <a:lstStyle/>
+          <a:p>
+            <a:r>
+              <a:rPr lang="en-US" dirty="0"/>
+              <a:t>Starting a new repository</a:t>
+            </a:r>
+            <a:endParaRPr lang="en-IE" dirty="0"/>
+          </a:p>
+        </p:txBody>
+      </p:sp>
+      <p:sp>
+        <p:nvSpPr>
+          <p:cNvPr id="5" name="Text Placeholder 4">
+            <a:extLst>
+              <a:ext uri="{FF2B5EF4-FFF2-40B4-BE49-F238E27FC236}">
+                <a16:creationId xmlns:a16="http://schemas.microsoft.com/office/drawing/2014/main" id="{BDBB8EB7-A6C6-4522-A07B-AF34DA9337EC}"/>
+              </a:ext>
+            </a:extLst>
+          </p:cNvPr>
+          <p:cNvSpPr>
+            <a:spLocks noGrp="1"/>
+          </p:cNvSpPr>
+          <p:nvPr>
+            <p:ph type="body" idx="1"/>
+          </p:nvPr>
+        </p:nvSpPr>
+        <p:spPr/>
+        <p:txBody>
+          <a:bodyPr/>
+          <a:lstStyle/>
+          <a:p>
+            <a:r>
+              <a:rPr lang="en-US" dirty="0"/>
+              <a:t>git </a:t>
+            </a:r>
+            <a:r>
+              <a:rPr lang="en-US" dirty="0" err="1"/>
+              <a:t>init</a:t>
+            </a:r>
+            <a:endParaRPr lang="en-IE" dirty="0"/>
+          </a:p>
+        </p:txBody>
+      </p:sp>
+    </p:spTree>
+    <p:extLst>
+      <p:ext uri="{BB962C8B-B14F-4D97-AF65-F5344CB8AC3E}">
+        <p14:creationId xmlns:p14="http://schemas.microsoft.com/office/powerpoint/2010/main" val="946103203"/>
+      </p:ext>
+    </p:extLst>
+  </p:cSld>
+  <p:clrMapOvr>
+    <a:masterClrMapping/>
+  </p:clrMapOvr>
+</p:sld>
+</file>
+
+<file path=ppt/slides/slide14.xml><?xml version="1.0" encoding="utf-8"?>
+<p:sld xmlns:a="http://schemas.openxmlformats.org/drawingml/2006/main" xmlns:r="http://schemas.openxmlformats.org/officeDocument/2006/relationships" xmlns:p="http://schemas.openxmlformats.org/presentationml/2006/main">
+  <p:cSld>
+    <p:spTree>
+      <p:nvGrpSpPr>
+        <p:cNvPr id="1" name=""/>
+        <p:cNvGrpSpPr/>
+        <p:nvPr/>
+      </p:nvGrpSpPr>
+      <p:grpSpPr>
+        <a:xfrm>
+          <a:off x="0" y="0"/>
+          <a:ext cx="0" cy="0"/>
+          <a:chOff x="0" y="0"/>
+          <a:chExt cx="0" cy="0"/>
+        </a:xfrm>
+      </p:grpSpPr>
+      <p:sp>
+        <p:nvSpPr>
+          <p:cNvPr id="4" name="Title 3">
+            <a:extLst>
+              <a:ext uri="{FF2B5EF4-FFF2-40B4-BE49-F238E27FC236}">
+                <a16:creationId xmlns:a16="http://schemas.microsoft.com/office/drawing/2014/main" id="{5B7B3897-80A3-4E64-A583-ABE8CFFE6A4A}"/>
+              </a:ext>
+            </a:extLst>
+          </p:cNvPr>
+          <p:cNvSpPr>
+            <a:spLocks noGrp="1"/>
+          </p:cNvSpPr>
+          <p:nvPr>
+            <p:ph type="title"/>
+          </p:nvPr>
+        </p:nvSpPr>
+        <p:spPr/>
+        <p:txBody>
+          <a:bodyPr/>
+          <a:lstStyle/>
+          <a:p>
+            <a:r>
+              <a:rPr lang="en-US" dirty="0"/>
+              <a:t>Creating a new repository</a:t>
+            </a:r>
+            <a:endParaRPr lang="en-IE" dirty="0"/>
+          </a:p>
+        </p:txBody>
+      </p:sp>
+      <p:sp>
+        <p:nvSpPr>
+          <p:cNvPr id="7" name="Text Placeholder 6">
+            <a:extLst>
+              <a:ext uri="{FF2B5EF4-FFF2-40B4-BE49-F238E27FC236}">
+                <a16:creationId xmlns:a16="http://schemas.microsoft.com/office/drawing/2014/main" id="{E0260A16-0197-4E8B-B735-34E2BCAD0D69}"/>
+              </a:ext>
+            </a:extLst>
+          </p:cNvPr>
+          <p:cNvSpPr>
+            <a:spLocks noGrp="1"/>
+          </p:cNvSpPr>
+          <p:nvPr>
+            <p:ph type="body" sz="half" idx="2"/>
+          </p:nvPr>
+        </p:nvSpPr>
+        <p:spPr/>
+        <p:txBody>
+          <a:bodyPr/>
+          <a:lstStyle/>
+          <a:p>
+            <a:endParaRPr lang="en-IE"/>
+          </a:p>
+        </p:txBody>
+      </p:sp>
+      <p:pic>
+        <p:nvPicPr>
+          <p:cNvPr id="6" name="Picture 5">
+            <a:extLst>
+              <a:ext uri="{FF2B5EF4-FFF2-40B4-BE49-F238E27FC236}">
+                <a16:creationId xmlns:a16="http://schemas.microsoft.com/office/drawing/2014/main" id="{96004E1B-42A0-4D5B-B80D-2DDE3BCD93E3}"/>
+              </a:ext>
+            </a:extLst>
+          </p:cNvPr>
+          <p:cNvPicPr>
+            <a:picLocks noChangeAspect="1"/>
+          </p:cNvPicPr>
+          <p:nvPr/>
+        </p:nvPicPr>
+        <p:blipFill>
+          <a:blip r:embed="rId2"/>
+          <a:stretch>
+            <a:fillRect/>
+          </a:stretch>
+        </p:blipFill>
+        <p:spPr>
+          <a:xfrm>
+            <a:off x="6968802" y="1274201"/>
+            <a:ext cx="3826711" cy="3447829"/>
+          </a:xfrm>
+          <a:prstGeom prst="rect">
+            <a:avLst/>
+          </a:prstGeom>
+        </p:spPr>
+      </p:pic>
+    </p:spTree>
+    <p:extLst>
+      <p:ext uri="{BB962C8B-B14F-4D97-AF65-F5344CB8AC3E}">
+        <p14:creationId xmlns:p14="http://schemas.microsoft.com/office/powerpoint/2010/main" val="1166185792"/>
+      </p:ext>
+    </p:extLst>
+  </p:cSld>
+  <p:clrMapOvr>
+    <a:masterClrMapping/>
+  </p:clrMapOvr>
+</p:sld>
+</file>
+
+<file path=ppt/slides/slide15.xml><?xml version="1.0" encoding="utf-8"?>
+<p:sld xmlns:a="http://schemas.openxmlformats.org/drawingml/2006/main" xmlns:r="http://schemas.openxmlformats.org/officeDocument/2006/relationships" xmlns:p="http://schemas.openxmlformats.org/presentationml/2006/main">
+  <p:cSld>
+    <p:spTree>
+      <p:nvGrpSpPr>
+        <p:cNvPr id="1" name=""/>
+        <p:cNvGrpSpPr/>
+        <p:nvPr/>
+      </p:nvGrpSpPr>
+      <p:grpSpPr>
+        <a:xfrm>
+          <a:off x="0" y="0"/>
+          <a:ext cx="0" cy="0"/>
+          <a:chOff x="0" y="0"/>
+          <a:chExt cx="0" cy="0"/>
+        </a:xfrm>
+      </p:grpSpPr>
+      <p:sp>
+        <p:nvSpPr>
+          <p:cNvPr id="2" name="Title 1">
+            <a:extLst>
+              <a:ext uri="{FF2B5EF4-FFF2-40B4-BE49-F238E27FC236}">
                 <a16:creationId xmlns:a16="http://schemas.microsoft.com/office/drawing/2014/main" id="{016A7ADA-DBB5-4DC7-A4E2-DB1752517D5C}"/>
               </a:ext>
             </a:extLst>
@@ -3817,7 +6611,7 @@
 </p:sld>
 </file>
 
-<file path=ppt/slides/slide11.xml><?xml version="1.0" encoding="utf-8"?>
+<file path=ppt/slides/slide16.xml><?xml version="1.0" encoding="utf-8"?>
 <p:sld xmlns:a="http://schemas.openxmlformats.org/drawingml/2006/main" xmlns:r="http://schemas.openxmlformats.org/officeDocument/2006/relationships" xmlns:p="http://schemas.openxmlformats.org/presentationml/2006/main">
   <p:cSld>
     <p:spTree>
@@ -3906,7 +6700,7 @@
 </p:sld>
 </file>
 
-<file path=ppt/slides/slide12.xml><?xml version="1.0" encoding="utf-8"?>
+<file path=ppt/slides/slide17.xml><?xml version="1.0" encoding="utf-8"?>
 <p:sld xmlns:a="http://schemas.openxmlformats.org/drawingml/2006/main" xmlns:r="http://schemas.openxmlformats.org/officeDocument/2006/relationships" xmlns:p="http://schemas.openxmlformats.org/presentationml/2006/main">
   <p:cSld>
     <p:spTree>
@@ -3973,7 +6767,11 @@
           <a:bodyPr/>
           <a:lstStyle/>
           <a:p>
-            <a:endParaRPr lang="en-IE"/>
+            <a:r>
+              <a:rPr lang="en-US" dirty="0"/>
+              <a:t>git clone</a:t>
+            </a:r>
+            <a:endParaRPr lang="en-IE" dirty="0"/>
           </a:p>
         </p:txBody>
       </p:sp>
@@ -3990,7 +6788,7 @@
 </p:sld>
 </file>
 
-<file path=ppt/slides/slide13.xml><?xml version="1.0" encoding="utf-8"?>
+<file path=ppt/slides/slide18.xml><?xml version="1.0" encoding="utf-8"?>
 <p:sld xmlns:a="http://schemas.openxmlformats.org/drawingml/2006/main" xmlns:r="http://schemas.openxmlformats.org/officeDocument/2006/relationships" xmlns:p="http://schemas.openxmlformats.org/presentationml/2006/main">
   <p:cSld>
     <p:spTree>
@@ -4104,7 +6902,7 @@
 </p:sld>
 </file>
 
-<file path=ppt/slides/slide14.xml><?xml version="1.0" encoding="utf-8"?>
+<file path=ppt/slides/slide19.xml><?xml version="1.0" encoding="utf-8"?>
 <p:sld xmlns:a="http://schemas.openxmlformats.org/drawingml/2006/main" xmlns:r="http://schemas.openxmlformats.org/officeDocument/2006/relationships" xmlns:p="http://schemas.openxmlformats.org/presentationml/2006/main">
   <p:cSld>
     <p:spTree>
@@ -4218,553 +7016,6 @@
 </p:sld>
 </file>
 
-<file path=ppt/slides/slide15.xml><?xml version="1.0" encoding="utf-8"?>
-<p:sld xmlns:a="http://schemas.openxmlformats.org/drawingml/2006/main" xmlns:r="http://schemas.openxmlformats.org/officeDocument/2006/relationships" xmlns:p="http://schemas.openxmlformats.org/presentationml/2006/main">
-  <p:cSld>
-    <p:spTree>
-      <p:nvGrpSpPr>
-        <p:cNvPr id="1" name=""/>
-        <p:cNvGrpSpPr/>
-        <p:nvPr/>
-      </p:nvGrpSpPr>
-      <p:grpSpPr>
-        <a:xfrm>
-          <a:off x="0" y="0"/>
-          <a:ext cx="0" cy="0"/>
-          <a:chOff x="0" y="0"/>
-          <a:chExt cx="0" cy="0"/>
-        </a:xfrm>
-      </p:grpSpPr>
-      <p:pic>
-        <p:nvPicPr>
-          <p:cNvPr id="5" name="Picture 4">
-            <a:extLst>
-              <a:ext uri="{FF2B5EF4-FFF2-40B4-BE49-F238E27FC236}">
-                <a16:creationId xmlns:a16="http://schemas.microsoft.com/office/drawing/2014/main" id="{8A29DB3B-C155-4A76-AC3C-55EAFF2E952B}"/>
-              </a:ext>
-            </a:extLst>
-          </p:cNvPr>
-          <p:cNvPicPr>
-            <a:picLocks noChangeAspect="1"/>
-          </p:cNvPicPr>
-          <p:nvPr/>
-        </p:nvPicPr>
-        <p:blipFill>
-          <a:blip r:embed="rId2"/>
-          <a:stretch>
-            <a:fillRect/>
-          </a:stretch>
-        </p:blipFill>
-        <p:spPr>
-          <a:xfrm>
-            <a:off x="6923620" y="802297"/>
-            <a:ext cx="3486637" cy="4391638"/>
-          </a:xfrm>
-          <a:prstGeom prst="rect">
-            <a:avLst/>
-          </a:prstGeom>
-        </p:spPr>
-      </p:pic>
-      <p:sp>
-        <p:nvSpPr>
-          <p:cNvPr id="2" name="Title 1">
-            <a:extLst>
-              <a:ext uri="{FF2B5EF4-FFF2-40B4-BE49-F238E27FC236}">
-                <a16:creationId xmlns:a16="http://schemas.microsoft.com/office/drawing/2014/main" id="{122BC70E-6F5B-402D-AE3C-C19D81778474}"/>
-              </a:ext>
-            </a:extLst>
-          </p:cNvPr>
-          <p:cNvSpPr>
-            <a:spLocks noGrp="1"/>
-          </p:cNvSpPr>
-          <p:nvPr>
-            <p:ph type="title"/>
-          </p:nvPr>
-        </p:nvSpPr>
-        <p:spPr/>
-        <p:txBody>
-          <a:bodyPr/>
-          <a:lstStyle/>
-          <a:p>
-            <a:r>
-              <a:rPr lang="en-US" dirty="0"/>
-              <a:t>Clone repository</a:t>
-            </a:r>
-            <a:endParaRPr lang="en-IE" dirty="0"/>
-          </a:p>
-        </p:txBody>
-      </p:sp>
-      <p:sp>
-        <p:nvSpPr>
-          <p:cNvPr id="8" name="Text Placeholder 7">
-            <a:extLst>
-              <a:ext uri="{FF2B5EF4-FFF2-40B4-BE49-F238E27FC236}">
-                <a16:creationId xmlns:a16="http://schemas.microsoft.com/office/drawing/2014/main" id="{418AE9D6-8AED-46D6-84D9-2679F5AF4124}"/>
-              </a:ext>
-            </a:extLst>
-          </p:cNvPr>
-          <p:cNvSpPr>
-            <a:spLocks noGrp="1"/>
-          </p:cNvSpPr>
-          <p:nvPr>
-            <p:ph type="body" sz="half" idx="2"/>
-          </p:nvPr>
-        </p:nvSpPr>
-        <p:spPr/>
-        <p:txBody>
-          <a:bodyPr/>
-          <a:lstStyle/>
-          <a:p>
-            <a:endParaRPr lang="en-IE"/>
-          </a:p>
-        </p:txBody>
-      </p:sp>
-    </p:spTree>
-    <p:extLst>
-      <p:ext uri="{BB962C8B-B14F-4D97-AF65-F5344CB8AC3E}">
-        <p14:creationId xmlns:p14="http://schemas.microsoft.com/office/powerpoint/2010/main" val="74641562"/>
-      </p:ext>
-    </p:extLst>
-  </p:cSld>
-  <p:clrMapOvr>
-    <a:masterClrMapping/>
-  </p:clrMapOvr>
-</p:sld>
-</file>
-
-<file path=ppt/slides/slide16.xml><?xml version="1.0" encoding="utf-8"?>
-<p:sld xmlns:a="http://schemas.openxmlformats.org/drawingml/2006/main" xmlns:r="http://schemas.openxmlformats.org/officeDocument/2006/relationships" xmlns:p="http://schemas.openxmlformats.org/presentationml/2006/main">
-  <p:cSld>
-    <p:spTree>
-      <p:nvGrpSpPr>
-        <p:cNvPr id="1" name=""/>
-        <p:cNvGrpSpPr/>
-        <p:nvPr/>
-      </p:nvGrpSpPr>
-      <p:grpSpPr>
-        <a:xfrm>
-          <a:off x="0" y="0"/>
-          <a:ext cx="0" cy="0"/>
-          <a:chOff x="0" y="0"/>
-          <a:chExt cx="0" cy="0"/>
-        </a:xfrm>
-      </p:grpSpPr>
-      <p:pic>
-        <p:nvPicPr>
-          <p:cNvPr id="4" name="Picture 3">
-            <a:extLst>
-              <a:ext uri="{FF2B5EF4-FFF2-40B4-BE49-F238E27FC236}">
-                <a16:creationId xmlns:a16="http://schemas.microsoft.com/office/drawing/2014/main" id="{37AD92A7-C2B9-4392-A669-B93A2E6ADB9A}"/>
-              </a:ext>
-            </a:extLst>
-          </p:cNvPr>
-          <p:cNvPicPr>
-            <a:picLocks noChangeAspect="1"/>
-          </p:cNvPicPr>
-          <p:nvPr/>
-        </p:nvPicPr>
-        <p:blipFill>
-          <a:blip r:embed="rId2"/>
-          <a:stretch>
-            <a:fillRect/>
-          </a:stretch>
-        </p:blipFill>
-        <p:spPr>
-          <a:xfrm>
-            <a:off x="5120867" y="1019651"/>
-            <a:ext cx="6704697" cy="4608674"/>
-          </a:xfrm>
-          <a:prstGeom prst="rect">
-            <a:avLst/>
-          </a:prstGeom>
-        </p:spPr>
-      </p:pic>
-      <p:sp>
-        <p:nvSpPr>
-          <p:cNvPr id="5" name="Title 4">
-            <a:extLst>
-              <a:ext uri="{FF2B5EF4-FFF2-40B4-BE49-F238E27FC236}">
-                <a16:creationId xmlns:a16="http://schemas.microsoft.com/office/drawing/2014/main" id="{CC231627-A3ED-4DE4-895D-B1C519EE8146}"/>
-              </a:ext>
-            </a:extLst>
-          </p:cNvPr>
-          <p:cNvSpPr>
-            <a:spLocks noGrp="1"/>
-          </p:cNvSpPr>
-          <p:nvPr>
-            <p:ph type="title"/>
-          </p:nvPr>
-        </p:nvSpPr>
-        <p:spPr/>
-        <p:txBody>
-          <a:bodyPr/>
-          <a:lstStyle/>
-          <a:p>
-            <a:r>
-              <a:rPr lang="en-US" dirty="0"/>
-              <a:t>URL from GitHub</a:t>
-            </a:r>
-            <a:endParaRPr lang="en-IE" dirty="0"/>
-          </a:p>
-        </p:txBody>
-      </p:sp>
-      <p:sp>
-        <p:nvSpPr>
-          <p:cNvPr id="6" name="Text Placeholder 5">
-            <a:extLst>
-              <a:ext uri="{FF2B5EF4-FFF2-40B4-BE49-F238E27FC236}">
-                <a16:creationId xmlns:a16="http://schemas.microsoft.com/office/drawing/2014/main" id="{FC69ECAF-D17D-411D-AD89-9B2FDACD4B78}"/>
-              </a:ext>
-            </a:extLst>
-          </p:cNvPr>
-          <p:cNvSpPr>
-            <a:spLocks noGrp="1"/>
-          </p:cNvSpPr>
-          <p:nvPr>
-            <p:ph type="body" sz="half" idx="2"/>
-          </p:nvPr>
-        </p:nvSpPr>
-        <p:spPr/>
-        <p:txBody>
-          <a:bodyPr/>
-          <a:lstStyle/>
-          <a:p>
-            <a:endParaRPr lang="en-IE"/>
-          </a:p>
-        </p:txBody>
-      </p:sp>
-    </p:spTree>
-    <p:extLst>
-      <p:ext uri="{BB962C8B-B14F-4D97-AF65-F5344CB8AC3E}">
-        <p14:creationId xmlns:p14="http://schemas.microsoft.com/office/powerpoint/2010/main" val="721065952"/>
-      </p:ext>
-    </p:extLst>
-  </p:cSld>
-  <p:clrMapOvr>
-    <a:masterClrMapping/>
-  </p:clrMapOvr>
-</p:sld>
-</file>
-
-<file path=ppt/slides/slide17.xml><?xml version="1.0" encoding="utf-8"?>
-<p:sld xmlns:a="http://schemas.openxmlformats.org/drawingml/2006/main" xmlns:r="http://schemas.openxmlformats.org/officeDocument/2006/relationships" xmlns:p="http://schemas.openxmlformats.org/presentationml/2006/main">
-  <p:cSld>
-    <p:spTree>
-      <p:nvGrpSpPr>
-        <p:cNvPr id="1" name=""/>
-        <p:cNvGrpSpPr/>
-        <p:nvPr/>
-      </p:nvGrpSpPr>
-      <p:grpSpPr>
-        <a:xfrm>
-          <a:off x="0" y="0"/>
-          <a:ext cx="0" cy="0"/>
-          <a:chOff x="0" y="0"/>
-          <a:chExt cx="0" cy="0"/>
-        </a:xfrm>
-      </p:grpSpPr>
-      <p:sp>
-        <p:nvSpPr>
-          <p:cNvPr id="2" name="Title 1">
-            <a:extLst>
-              <a:ext uri="{FF2B5EF4-FFF2-40B4-BE49-F238E27FC236}">
-                <a16:creationId xmlns:a16="http://schemas.microsoft.com/office/drawing/2014/main" id="{9E4EE6F5-2913-415A-950E-A3A1EA7593CE}"/>
-              </a:ext>
-            </a:extLst>
-          </p:cNvPr>
-          <p:cNvSpPr>
-            <a:spLocks noGrp="1"/>
-          </p:cNvSpPr>
-          <p:nvPr>
-            <p:ph type="title"/>
-          </p:nvPr>
-        </p:nvSpPr>
-        <p:spPr/>
-        <p:txBody>
-          <a:bodyPr/>
-          <a:lstStyle/>
-          <a:p>
-            <a:r>
-              <a:rPr lang="en-US" dirty="0"/>
-              <a:t>Let’s add a VS solution</a:t>
-            </a:r>
-            <a:endParaRPr lang="en-IE" dirty="0"/>
-          </a:p>
-        </p:txBody>
-      </p:sp>
-      <p:sp>
-        <p:nvSpPr>
-          <p:cNvPr id="3" name="Text Placeholder 2">
-            <a:extLst>
-              <a:ext uri="{FF2B5EF4-FFF2-40B4-BE49-F238E27FC236}">
-                <a16:creationId xmlns:a16="http://schemas.microsoft.com/office/drawing/2014/main" id="{B8C148FF-8D84-4BC3-864D-397AB1CC4D49}"/>
-              </a:ext>
-            </a:extLst>
-          </p:cNvPr>
-          <p:cNvSpPr>
-            <a:spLocks noGrp="1"/>
-          </p:cNvSpPr>
-          <p:nvPr>
-            <p:ph type="body" idx="1"/>
-          </p:nvPr>
-        </p:nvSpPr>
-        <p:spPr/>
-        <p:txBody>
-          <a:bodyPr/>
-          <a:lstStyle/>
-          <a:p>
-            <a:endParaRPr lang="en-IE"/>
-          </a:p>
-        </p:txBody>
-      </p:sp>
-    </p:spTree>
-    <p:extLst>
-      <p:ext uri="{BB962C8B-B14F-4D97-AF65-F5344CB8AC3E}">
-        <p14:creationId xmlns:p14="http://schemas.microsoft.com/office/powerpoint/2010/main" val="666530592"/>
-      </p:ext>
-    </p:extLst>
-  </p:cSld>
-  <p:clrMapOvr>
-    <a:masterClrMapping/>
-  </p:clrMapOvr>
-</p:sld>
-</file>
-
-<file path=ppt/slides/slide18.xml><?xml version="1.0" encoding="utf-8"?>
-<p:sld xmlns:a="http://schemas.openxmlformats.org/drawingml/2006/main" xmlns:r="http://schemas.openxmlformats.org/officeDocument/2006/relationships" xmlns:p="http://schemas.openxmlformats.org/presentationml/2006/main">
-  <p:cSld>
-    <p:spTree>
-      <p:nvGrpSpPr>
-        <p:cNvPr id="1" name=""/>
-        <p:cNvGrpSpPr/>
-        <p:nvPr/>
-      </p:nvGrpSpPr>
-      <p:grpSpPr>
-        <a:xfrm>
-          <a:off x="0" y="0"/>
-          <a:ext cx="0" cy="0"/>
-          <a:chOff x="0" y="0"/>
-          <a:chExt cx="0" cy="0"/>
-        </a:xfrm>
-      </p:grpSpPr>
-      <p:pic>
-        <p:nvPicPr>
-          <p:cNvPr id="3" name="Picture 2">
-            <a:extLst>
-              <a:ext uri="{FF2B5EF4-FFF2-40B4-BE49-F238E27FC236}">
-                <a16:creationId xmlns:a16="http://schemas.microsoft.com/office/drawing/2014/main" id="{76F2C9DF-4EAD-4764-9E4A-DBD7D7B83843}"/>
-              </a:ext>
-            </a:extLst>
-          </p:cNvPr>
-          <p:cNvPicPr>
-            <a:picLocks noChangeAspect="1"/>
-          </p:cNvPicPr>
-          <p:nvPr/>
-        </p:nvPicPr>
-        <p:blipFill>
-          <a:blip r:embed="rId2"/>
-          <a:stretch>
-            <a:fillRect/>
-          </a:stretch>
-        </p:blipFill>
-        <p:spPr>
-          <a:xfrm>
-            <a:off x="6208466" y="2021667"/>
-            <a:ext cx="5182323" cy="1952898"/>
-          </a:xfrm>
-          <a:prstGeom prst="rect">
-            <a:avLst/>
-          </a:prstGeom>
-        </p:spPr>
-      </p:pic>
-      <p:sp>
-        <p:nvSpPr>
-          <p:cNvPr id="2" name="Title 1">
-            <a:extLst>
-              <a:ext uri="{FF2B5EF4-FFF2-40B4-BE49-F238E27FC236}">
-                <a16:creationId xmlns:a16="http://schemas.microsoft.com/office/drawing/2014/main" id="{3CBDB8F3-6715-45CB-AFF6-E25B7D85F685}"/>
-              </a:ext>
-            </a:extLst>
-          </p:cNvPr>
-          <p:cNvSpPr>
-            <a:spLocks noGrp="1"/>
-          </p:cNvSpPr>
-          <p:nvPr>
-            <p:ph type="title"/>
-          </p:nvPr>
-        </p:nvSpPr>
-        <p:spPr/>
-        <p:txBody>
-          <a:bodyPr/>
-          <a:lstStyle/>
-          <a:p>
-            <a:r>
-              <a:rPr lang="en-US" dirty="0"/>
-              <a:t>Add a new project </a:t>
-            </a:r>
-            <a:r>
-              <a:rPr lang="en-US" i="1" dirty="0"/>
-              <a:t>after</a:t>
-            </a:r>
-            <a:r>
-              <a:rPr lang="en-US" dirty="0"/>
-              <a:t> cloning</a:t>
-            </a:r>
-            <a:endParaRPr lang="en-IE" i="1" dirty="0"/>
-          </a:p>
-        </p:txBody>
-      </p:sp>
-      <p:sp>
-        <p:nvSpPr>
-          <p:cNvPr id="4" name="Text Placeholder 3">
-            <a:extLst>
-              <a:ext uri="{FF2B5EF4-FFF2-40B4-BE49-F238E27FC236}">
-                <a16:creationId xmlns:a16="http://schemas.microsoft.com/office/drawing/2014/main" id="{6B6D9F34-CD2C-4705-BE31-FC1AC8D2716A}"/>
-              </a:ext>
-            </a:extLst>
-          </p:cNvPr>
-          <p:cNvSpPr>
-            <a:spLocks noGrp="1"/>
-          </p:cNvSpPr>
-          <p:nvPr>
-            <p:ph type="body" sz="half" idx="2"/>
-          </p:nvPr>
-        </p:nvSpPr>
-        <p:spPr/>
-        <p:txBody>
-          <a:bodyPr/>
-          <a:lstStyle/>
-          <a:p>
-            <a:endParaRPr lang="en-IE"/>
-          </a:p>
-        </p:txBody>
-      </p:sp>
-    </p:spTree>
-    <p:extLst>
-      <p:ext uri="{BB962C8B-B14F-4D97-AF65-F5344CB8AC3E}">
-        <p14:creationId xmlns:p14="http://schemas.microsoft.com/office/powerpoint/2010/main" val="2989320916"/>
-      </p:ext>
-    </p:extLst>
-  </p:cSld>
-  <p:clrMapOvr>
-    <a:masterClrMapping/>
-  </p:clrMapOvr>
-</p:sld>
-</file>
-
-<file path=ppt/slides/slide19.xml><?xml version="1.0" encoding="utf-8"?>
-<p:sld xmlns:a="http://schemas.openxmlformats.org/drawingml/2006/main" xmlns:r="http://schemas.openxmlformats.org/officeDocument/2006/relationships" xmlns:p="http://schemas.openxmlformats.org/presentationml/2006/main">
-  <p:cSld>
-    <p:spTree>
-      <p:nvGrpSpPr>
-        <p:cNvPr id="1" name=""/>
-        <p:cNvGrpSpPr/>
-        <p:nvPr/>
-      </p:nvGrpSpPr>
-      <p:grpSpPr>
-        <a:xfrm>
-          <a:off x="0" y="0"/>
-          <a:ext cx="0" cy="0"/>
-          <a:chOff x="0" y="0"/>
-          <a:chExt cx="0" cy="0"/>
-        </a:xfrm>
-      </p:grpSpPr>
-      <p:pic>
-        <p:nvPicPr>
-          <p:cNvPr id="3" name="Picture 2">
-            <a:extLst>
-              <a:ext uri="{FF2B5EF4-FFF2-40B4-BE49-F238E27FC236}">
-                <a16:creationId xmlns:a16="http://schemas.microsoft.com/office/drawing/2014/main" id="{634E7EA8-D30F-4287-ABB9-85961200AF39}"/>
-              </a:ext>
-            </a:extLst>
-          </p:cNvPr>
-          <p:cNvPicPr>
-            <a:picLocks noChangeAspect="1"/>
-          </p:cNvPicPr>
-          <p:nvPr/>
-        </p:nvPicPr>
-        <p:blipFill rotWithShape="1">
-          <a:blip r:embed="rId2"/>
-          <a:srcRect l="41431" r="2299"/>
-          <a:stretch/>
-        </p:blipFill>
-        <p:spPr>
-          <a:xfrm>
-            <a:off x="5060984" y="984950"/>
-            <a:ext cx="6860445" cy="3665639"/>
-          </a:xfrm>
-          <a:prstGeom prst="rect">
-            <a:avLst/>
-          </a:prstGeom>
-        </p:spPr>
-      </p:pic>
-      <p:sp>
-        <p:nvSpPr>
-          <p:cNvPr id="4" name="Title 3">
-            <a:extLst>
-              <a:ext uri="{FF2B5EF4-FFF2-40B4-BE49-F238E27FC236}">
-                <a16:creationId xmlns:a16="http://schemas.microsoft.com/office/drawing/2014/main" id="{26AF417F-1044-4E02-9A45-556E45DFCD17}"/>
-              </a:ext>
-            </a:extLst>
-          </p:cNvPr>
-          <p:cNvSpPr>
-            <a:spLocks noGrp="1"/>
-          </p:cNvSpPr>
-          <p:nvPr>
-            <p:ph type="title"/>
-          </p:nvPr>
-        </p:nvSpPr>
-        <p:spPr/>
-        <p:txBody>
-          <a:bodyPr/>
-          <a:lstStyle/>
-          <a:p>
-            <a:r>
-              <a:rPr lang="en-US" dirty="0"/>
-              <a:t>Choose project type</a:t>
-            </a:r>
-            <a:endParaRPr lang="en-IE" dirty="0"/>
-          </a:p>
-        </p:txBody>
-      </p:sp>
-      <p:sp>
-        <p:nvSpPr>
-          <p:cNvPr id="5" name="Text Placeholder 4">
-            <a:extLst>
-              <a:ext uri="{FF2B5EF4-FFF2-40B4-BE49-F238E27FC236}">
-                <a16:creationId xmlns:a16="http://schemas.microsoft.com/office/drawing/2014/main" id="{8D4CE652-4ABC-42DA-8507-FD396329FA60}"/>
-              </a:ext>
-            </a:extLst>
-          </p:cNvPr>
-          <p:cNvSpPr>
-            <a:spLocks noGrp="1"/>
-          </p:cNvSpPr>
-          <p:nvPr>
-            <p:ph type="body" sz="half" idx="2"/>
-          </p:nvPr>
-        </p:nvSpPr>
-        <p:spPr/>
-        <p:txBody>
-          <a:bodyPr/>
-          <a:lstStyle/>
-          <a:p>
-            <a:endParaRPr lang="en-IE"/>
-          </a:p>
-        </p:txBody>
-      </p:sp>
-    </p:spTree>
-    <p:extLst>
-      <p:ext uri="{BB962C8B-B14F-4D97-AF65-F5344CB8AC3E}">
-        <p14:creationId xmlns:p14="http://schemas.microsoft.com/office/powerpoint/2010/main" val="3424549285"/>
-      </p:ext>
-    </p:extLst>
-  </p:cSld>
-  <p:clrMapOvr>
-    <a:masterClrMapping/>
-  </p:clrMapOvr>
-</p:sld>
-</file>
-
 <file path=ppt/slides/slide2.xml><?xml version="1.0" encoding="utf-8"?>
 <p:sld xmlns:a="http://schemas.openxmlformats.org/drawingml/2006/main" xmlns:r="http://schemas.openxmlformats.org/officeDocument/2006/relationships" xmlns:p="http://schemas.openxmlformats.org/presentationml/2006/main">
   <p:cSld>
@@ -4872,10 +7123,10 @@
       </p:grpSpPr>
       <p:pic>
         <p:nvPicPr>
-          <p:cNvPr id="3" name="Picture 2">
-            <a:extLst>
-              <a:ext uri="{FF2B5EF4-FFF2-40B4-BE49-F238E27FC236}">
-                <a16:creationId xmlns:a16="http://schemas.microsoft.com/office/drawing/2014/main" id="{06970517-44F6-47C1-84FD-158CC3ED9BF4}"/>
+          <p:cNvPr id="5" name="Picture 4">
+            <a:extLst>
+              <a:ext uri="{FF2B5EF4-FFF2-40B4-BE49-F238E27FC236}">
+                <a16:creationId xmlns:a16="http://schemas.microsoft.com/office/drawing/2014/main" id="{8A29DB3B-C155-4A76-AC3C-55EAFF2E952B}"/>
               </a:ext>
             </a:extLst>
           </p:cNvPr>
@@ -4892,8 +7143,8 @@
         </p:blipFill>
         <p:spPr>
           <a:xfrm>
-            <a:off x="4875169" y="1623398"/>
-            <a:ext cx="7106567" cy="3137965"/>
+            <a:off x="6923620" y="802297"/>
+            <a:ext cx="3486637" cy="4391638"/>
           </a:xfrm>
           <a:prstGeom prst="rect">
             <a:avLst/>
@@ -4902,10 +7153,10 @@
       </p:pic>
       <p:sp>
         <p:nvSpPr>
-          <p:cNvPr id="4" name="Title 3">
-            <a:extLst>
-              <a:ext uri="{FF2B5EF4-FFF2-40B4-BE49-F238E27FC236}">
-                <a16:creationId xmlns:a16="http://schemas.microsoft.com/office/drawing/2014/main" id="{F624E10B-3ECB-4577-A561-A98B89FA3DE7}"/>
+          <p:cNvPr id="2" name="Title 1">
+            <a:extLst>
+              <a:ext uri="{FF2B5EF4-FFF2-40B4-BE49-F238E27FC236}">
+                <a16:creationId xmlns:a16="http://schemas.microsoft.com/office/drawing/2014/main" id="{122BC70E-6F5B-402D-AE3C-C19D81778474}"/>
               </a:ext>
             </a:extLst>
           </p:cNvPr>
@@ -4923,7 +7174,7 @@
           <a:p>
             <a:r>
               <a:rPr lang="en-US" dirty="0"/>
-              <a:t>Choose a name, but location should stay untouched.</a:t>
+              <a:t>Clone repository</a:t>
             </a:r>
             <a:endParaRPr lang="en-IE" dirty="0"/>
           </a:p>
@@ -4931,10 +7182,10 @@
       </p:sp>
       <p:sp>
         <p:nvSpPr>
-          <p:cNvPr id="5" name="Text Placeholder 4">
-            <a:extLst>
-              <a:ext uri="{FF2B5EF4-FFF2-40B4-BE49-F238E27FC236}">
-                <a16:creationId xmlns:a16="http://schemas.microsoft.com/office/drawing/2014/main" id="{92E643AB-7A2E-4909-A06B-12747A683729}"/>
+          <p:cNvPr id="8" name="Text Placeholder 7">
+            <a:extLst>
+              <a:ext uri="{FF2B5EF4-FFF2-40B4-BE49-F238E27FC236}">
+                <a16:creationId xmlns:a16="http://schemas.microsoft.com/office/drawing/2014/main" id="{418AE9D6-8AED-46D6-84D9-2679F5AF4124}"/>
               </a:ext>
             </a:extLst>
           </p:cNvPr>
@@ -4957,7 +7208,7 @@
     </p:spTree>
     <p:extLst>
       <p:ext uri="{BB962C8B-B14F-4D97-AF65-F5344CB8AC3E}">
-        <p14:creationId xmlns:p14="http://schemas.microsoft.com/office/powerpoint/2010/main" val="4066123898"/>
+        <p14:creationId xmlns:p14="http://schemas.microsoft.com/office/powerpoint/2010/main" val="74641562"/>
       </p:ext>
     </p:extLst>
   </p:cSld>
@@ -4986,10 +7237,10 @@
       </p:grpSpPr>
       <p:pic>
         <p:nvPicPr>
-          <p:cNvPr id="5" name="Picture 4">
-            <a:extLst>
-              <a:ext uri="{FF2B5EF4-FFF2-40B4-BE49-F238E27FC236}">
-                <a16:creationId xmlns:a16="http://schemas.microsoft.com/office/drawing/2014/main" id="{4BD51C1A-8F7B-4D46-A9E6-327258FA0C80}"/>
+          <p:cNvPr id="4" name="Picture 3">
+            <a:extLst>
+              <a:ext uri="{FF2B5EF4-FFF2-40B4-BE49-F238E27FC236}">
+                <a16:creationId xmlns:a16="http://schemas.microsoft.com/office/drawing/2014/main" id="{37AD92A7-C2B9-4392-A669-B93A2E6ADB9A}"/>
               </a:ext>
             </a:extLst>
           </p:cNvPr>
@@ -5006,8 +7257,8 @@
         </p:blipFill>
         <p:spPr>
           <a:xfrm>
-            <a:off x="7060929" y="547661"/>
-            <a:ext cx="4019960" cy="5490432"/>
+            <a:off x="5120867" y="1019651"/>
+            <a:ext cx="6704697" cy="4608674"/>
           </a:xfrm>
           <a:prstGeom prst="rect">
             <a:avLst/>
@@ -5016,10 +7267,10 @@
       </p:pic>
       <p:sp>
         <p:nvSpPr>
-          <p:cNvPr id="6" name="Title 5">
-            <a:extLst>
-              <a:ext uri="{FF2B5EF4-FFF2-40B4-BE49-F238E27FC236}">
-                <a16:creationId xmlns:a16="http://schemas.microsoft.com/office/drawing/2014/main" id="{B74032C9-D350-4E8B-82B5-0362534C584E}"/>
+          <p:cNvPr id="5" name="Title 4">
+            <a:extLst>
+              <a:ext uri="{FF2B5EF4-FFF2-40B4-BE49-F238E27FC236}">
+                <a16:creationId xmlns:a16="http://schemas.microsoft.com/office/drawing/2014/main" id="{CC231627-A3ED-4DE4-895D-B1C519EE8146}"/>
               </a:ext>
             </a:extLst>
           </p:cNvPr>
@@ -5037,7 +7288,7 @@
           <a:p>
             <a:r>
               <a:rPr lang="en-US" dirty="0"/>
-              <a:t>Solution explorer</a:t>
+              <a:t>URL from GitHub</a:t>
             </a:r>
             <a:endParaRPr lang="en-IE" dirty="0"/>
           </a:p>
@@ -5045,10 +7296,10 @@
       </p:sp>
       <p:sp>
         <p:nvSpPr>
-          <p:cNvPr id="7" name="Text Placeholder 6">
-            <a:extLst>
-              <a:ext uri="{FF2B5EF4-FFF2-40B4-BE49-F238E27FC236}">
-                <a16:creationId xmlns:a16="http://schemas.microsoft.com/office/drawing/2014/main" id="{CD532915-1344-4281-A670-49622D06F569}"/>
+          <p:cNvPr id="6" name="Text Placeholder 5">
+            <a:extLst>
+              <a:ext uri="{FF2B5EF4-FFF2-40B4-BE49-F238E27FC236}">
+                <a16:creationId xmlns:a16="http://schemas.microsoft.com/office/drawing/2014/main" id="{FC69ECAF-D17D-411D-AD89-9B2FDACD4B78}"/>
               </a:ext>
             </a:extLst>
           </p:cNvPr>
@@ -5071,7 +7322,7 @@
     </p:spTree>
     <p:extLst>
       <p:ext uri="{BB962C8B-B14F-4D97-AF65-F5344CB8AC3E}">
-        <p14:creationId xmlns:p14="http://schemas.microsoft.com/office/powerpoint/2010/main" val="3582324788"/>
+        <p14:creationId xmlns:p14="http://schemas.microsoft.com/office/powerpoint/2010/main" val="721065952"/>
       </p:ext>
     </p:extLst>
   </p:cSld>
@@ -5098,42 +7349,12 @@
           <a:chExt cx="0" cy="0"/>
         </a:xfrm>
       </p:grpSpPr>
-      <p:pic>
-        <p:nvPicPr>
-          <p:cNvPr id="5" name="Picture 4">
-            <a:extLst>
-              <a:ext uri="{FF2B5EF4-FFF2-40B4-BE49-F238E27FC236}">
-                <a16:creationId xmlns:a16="http://schemas.microsoft.com/office/drawing/2014/main" id="{291C54F4-0BC4-46D9-A099-4F42A7E341E7}"/>
-              </a:ext>
-            </a:extLst>
-          </p:cNvPr>
-          <p:cNvPicPr>
-            <a:picLocks noChangeAspect="1"/>
-          </p:cNvPicPr>
-          <p:nvPr/>
-        </p:nvPicPr>
-        <p:blipFill>
-          <a:blip r:embed="rId2"/>
-          <a:stretch>
-            <a:fillRect/>
-          </a:stretch>
-        </p:blipFill>
-        <p:spPr>
-          <a:xfrm>
-            <a:off x="7056039" y="613998"/>
-            <a:ext cx="3891198" cy="5328400"/>
-          </a:xfrm>
-          <a:prstGeom prst="rect">
-            <a:avLst/>
-          </a:prstGeom>
-        </p:spPr>
-      </p:pic>
-      <p:sp>
-        <p:nvSpPr>
-          <p:cNvPr id="6" name="Title 5">
-            <a:extLst>
-              <a:ext uri="{FF2B5EF4-FFF2-40B4-BE49-F238E27FC236}">
-                <a16:creationId xmlns:a16="http://schemas.microsoft.com/office/drawing/2014/main" id="{54850119-3412-4B22-B26B-E098AA7B1127}"/>
+      <p:sp>
+        <p:nvSpPr>
+          <p:cNvPr id="2" name="Title 1">
+            <a:extLst>
+              <a:ext uri="{FF2B5EF4-FFF2-40B4-BE49-F238E27FC236}">
+                <a16:creationId xmlns:a16="http://schemas.microsoft.com/office/drawing/2014/main" id="{9E4EE6F5-2913-415A-950E-A3A1EA7593CE}"/>
               </a:ext>
             </a:extLst>
           </p:cNvPr>
@@ -5151,7 +7372,7 @@
           <a:p>
             <a:r>
               <a:rPr lang="en-US" dirty="0"/>
-              <a:t>Git changes should show all new files</a:t>
+              <a:t>Let’s add a VS solution</a:t>
             </a:r>
             <a:endParaRPr lang="en-IE" dirty="0"/>
           </a:p>
@@ -5159,33 +7380,37 @@
       </p:sp>
       <p:sp>
         <p:nvSpPr>
-          <p:cNvPr id="7" name="Text Placeholder 6">
-            <a:extLst>
-              <a:ext uri="{FF2B5EF4-FFF2-40B4-BE49-F238E27FC236}">
-                <a16:creationId xmlns:a16="http://schemas.microsoft.com/office/drawing/2014/main" id="{A3724FCF-48FB-4F04-ABC3-4400E8E5D6CF}"/>
-              </a:ext>
-            </a:extLst>
-          </p:cNvPr>
-          <p:cNvSpPr>
-            <a:spLocks noGrp="1"/>
-          </p:cNvSpPr>
-          <p:nvPr>
-            <p:ph type="body" sz="half" idx="2"/>
-          </p:nvPr>
-        </p:nvSpPr>
-        <p:spPr/>
-        <p:txBody>
-          <a:bodyPr/>
-          <a:lstStyle/>
-          <a:p>
-            <a:endParaRPr lang="en-IE"/>
+          <p:cNvPr id="3" name="Text Placeholder 2">
+            <a:extLst>
+              <a:ext uri="{FF2B5EF4-FFF2-40B4-BE49-F238E27FC236}">
+                <a16:creationId xmlns:a16="http://schemas.microsoft.com/office/drawing/2014/main" id="{B8C148FF-8D84-4BC3-864D-397AB1CC4D49}"/>
+              </a:ext>
+            </a:extLst>
+          </p:cNvPr>
+          <p:cNvSpPr>
+            <a:spLocks noGrp="1"/>
+          </p:cNvSpPr>
+          <p:nvPr>
+            <p:ph type="body" idx="1"/>
+          </p:nvPr>
+        </p:nvSpPr>
+        <p:spPr/>
+        <p:txBody>
+          <a:bodyPr/>
+          <a:lstStyle/>
+          <a:p>
+            <a:r>
+              <a:rPr lang="en-US" dirty="0"/>
+              <a:t>git diff</a:t>
+            </a:r>
+            <a:endParaRPr lang="en-IE" dirty="0"/>
           </a:p>
         </p:txBody>
       </p:sp>
     </p:spTree>
     <p:extLst>
       <p:ext uri="{BB962C8B-B14F-4D97-AF65-F5344CB8AC3E}">
-        <p14:creationId xmlns:p14="http://schemas.microsoft.com/office/powerpoint/2010/main" val="2565139865"/>
+        <p14:creationId xmlns:p14="http://schemas.microsoft.com/office/powerpoint/2010/main" val="666530592"/>
       </p:ext>
     </p:extLst>
   </p:cSld>
@@ -5212,12 +7437,42 @@
           <a:chExt cx="0" cy="0"/>
         </a:xfrm>
       </p:grpSpPr>
-      <p:sp>
-        <p:nvSpPr>
-          <p:cNvPr id="4" name="Title 3">
-            <a:extLst>
-              <a:ext uri="{FF2B5EF4-FFF2-40B4-BE49-F238E27FC236}">
-                <a16:creationId xmlns:a16="http://schemas.microsoft.com/office/drawing/2014/main" id="{86615963-34BB-4511-B0BE-74F4E2A2A3D1}"/>
+      <p:pic>
+        <p:nvPicPr>
+          <p:cNvPr id="3" name="Picture 2">
+            <a:extLst>
+              <a:ext uri="{FF2B5EF4-FFF2-40B4-BE49-F238E27FC236}">
+                <a16:creationId xmlns:a16="http://schemas.microsoft.com/office/drawing/2014/main" id="{76F2C9DF-4EAD-4764-9E4A-DBD7D7B83843}"/>
+              </a:ext>
+            </a:extLst>
+          </p:cNvPr>
+          <p:cNvPicPr>
+            <a:picLocks noChangeAspect="1"/>
+          </p:cNvPicPr>
+          <p:nvPr/>
+        </p:nvPicPr>
+        <p:blipFill>
+          <a:blip r:embed="rId2"/>
+          <a:stretch>
+            <a:fillRect/>
+          </a:stretch>
+        </p:blipFill>
+        <p:spPr>
+          <a:xfrm>
+            <a:off x="6208466" y="2021667"/>
+            <a:ext cx="5182323" cy="1952898"/>
+          </a:xfrm>
+          <a:prstGeom prst="rect">
+            <a:avLst/>
+          </a:prstGeom>
+        </p:spPr>
+      </p:pic>
+      <p:sp>
+        <p:nvSpPr>
+          <p:cNvPr id="2" name="Title 1">
+            <a:extLst>
+              <a:ext uri="{FF2B5EF4-FFF2-40B4-BE49-F238E27FC236}">
+                <a16:creationId xmlns:a16="http://schemas.microsoft.com/office/drawing/2014/main" id="{3CBDB8F3-6715-45CB-AFF6-E25B7D85F685}"/>
               </a:ext>
             </a:extLst>
           </p:cNvPr>
@@ -5235,34 +7490,34 @@
           <a:p>
             <a:r>
               <a:rPr lang="en-US" dirty="0"/>
-              <a:t>Let’s add a .</a:t>
-            </a:r>
-            <a:r>
-              <a:rPr lang="en-US" dirty="0" err="1"/>
-              <a:t>gitignore</a:t>
+              <a:t>Add a new project </a:t>
+            </a:r>
+            <a:r>
+              <a:rPr lang="en-US" i="1" dirty="0"/>
+              <a:t>after</a:t>
             </a:r>
             <a:r>
               <a:rPr lang="en-US" dirty="0"/>
-              <a:t> file</a:t>
-            </a:r>
-            <a:endParaRPr lang="en-IE" dirty="0"/>
-          </a:p>
-        </p:txBody>
-      </p:sp>
-      <p:sp>
-        <p:nvSpPr>
-          <p:cNvPr id="5" name="Text Placeholder 4">
-            <a:extLst>
-              <a:ext uri="{FF2B5EF4-FFF2-40B4-BE49-F238E27FC236}">
-                <a16:creationId xmlns:a16="http://schemas.microsoft.com/office/drawing/2014/main" id="{2BF0B15A-1384-49C5-8627-234059BE1F49}"/>
-              </a:ext>
-            </a:extLst>
-          </p:cNvPr>
-          <p:cNvSpPr>
-            <a:spLocks noGrp="1"/>
-          </p:cNvSpPr>
-          <p:nvPr>
-            <p:ph type="body" idx="1"/>
+              <a:t> cloning</a:t>
+            </a:r>
+            <a:endParaRPr lang="en-IE" i="1" dirty="0"/>
+          </a:p>
+        </p:txBody>
+      </p:sp>
+      <p:sp>
+        <p:nvSpPr>
+          <p:cNvPr id="4" name="Text Placeholder 3">
+            <a:extLst>
+              <a:ext uri="{FF2B5EF4-FFF2-40B4-BE49-F238E27FC236}">
+                <a16:creationId xmlns:a16="http://schemas.microsoft.com/office/drawing/2014/main" id="{6B6D9F34-CD2C-4705-BE31-FC1AC8D2716A}"/>
+              </a:ext>
+            </a:extLst>
+          </p:cNvPr>
+          <p:cNvSpPr>
+            <a:spLocks noGrp="1"/>
+          </p:cNvSpPr>
+          <p:nvPr>
+            <p:ph type="body" sz="half" idx="2"/>
           </p:nvPr>
         </p:nvSpPr>
         <p:spPr/>
@@ -5277,7 +7532,7 @@
     </p:spTree>
     <p:extLst>
       <p:ext uri="{BB962C8B-B14F-4D97-AF65-F5344CB8AC3E}">
-        <p14:creationId xmlns:p14="http://schemas.microsoft.com/office/powerpoint/2010/main" val="3516819722"/>
+        <p14:creationId xmlns:p14="http://schemas.microsoft.com/office/powerpoint/2010/main" val="2989320916"/>
       </p:ext>
     </p:extLst>
   </p:cSld>
@@ -5309,7 +7564,7 @@
           <p:cNvPr id="3" name="Picture 2">
             <a:extLst>
               <a:ext uri="{FF2B5EF4-FFF2-40B4-BE49-F238E27FC236}">
-                <a16:creationId xmlns:a16="http://schemas.microsoft.com/office/drawing/2014/main" id="{D3F68731-5E15-4B68-80C4-B76D21B36BD9}"/>
+                <a16:creationId xmlns:a16="http://schemas.microsoft.com/office/drawing/2014/main" id="{634E7EA8-D30F-4287-ABB9-85961200AF39}"/>
               </a:ext>
             </a:extLst>
           </p:cNvPr>
@@ -5318,16 +7573,15 @@
           </p:cNvPicPr>
           <p:nvPr/>
         </p:nvPicPr>
-        <p:blipFill>
+        <p:blipFill rotWithShape="1">
           <a:blip r:embed="rId2"/>
-          <a:stretch>
-            <a:fillRect/>
-          </a:stretch>
+          <a:srcRect l="41431" r="2299"/>
+          <a:stretch/>
         </p:blipFill>
         <p:spPr>
           <a:xfrm>
-            <a:off x="7129808" y="1105103"/>
-            <a:ext cx="3555371" cy="4520657"/>
+            <a:off x="5060984" y="984950"/>
+            <a:ext cx="6860445" cy="3665639"/>
           </a:xfrm>
           <a:prstGeom prst="rect">
             <a:avLst/>
@@ -5339,7 +7593,7 @@
           <p:cNvPr id="4" name="Title 3">
             <a:extLst>
               <a:ext uri="{FF2B5EF4-FFF2-40B4-BE49-F238E27FC236}">
-                <a16:creationId xmlns:a16="http://schemas.microsoft.com/office/drawing/2014/main" id="{EB6FBB50-0BDF-4802-90BA-6C727C4AFAB5}"/>
+                <a16:creationId xmlns:a16="http://schemas.microsoft.com/office/drawing/2014/main" id="{26AF417F-1044-4E02-9A45-556E45DFCD17}"/>
               </a:ext>
             </a:extLst>
           </p:cNvPr>
@@ -5357,15 +7611,7 @@
           <a:p>
             <a:r>
               <a:rPr lang="en-US" dirty="0"/>
-              <a:t>We need a .</a:t>
-            </a:r>
-            <a:r>
-              <a:rPr lang="en-US" dirty="0" err="1"/>
-              <a:t>gitignore</a:t>
-            </a:r>
-            <a:r>
-              <a:rPr lang="en-US" dirty="0"/>
-              <a:t> file</a:t>
+              <a:t>Choose project type</a:t>
             </a:r>
             <a:endParaRPr lang="en-IE" dirty="0"/>
           </a:p>
@@ -5376,7 +7622,7 @@
           <p:cNvPr id="5" name="Text Placeholder 4">
             <a:extLst>
               <a:ext uri="{FF2B5EF4-FFF2-40B4-BE49-F238E27FC236}">
-                <a16:creationId xmlns:a16="http://schemas.microsoft.com/office/drawing/2014/main" id="{3EDB67B9-13E2-4422-AE6B-AF75F703ABC7}"/>
+                <a16:creationId xmlns:a16="http://schemas.microsoft.com/office/drawing/2014/main" id="{8D4CE652-4ABC-42DA-8507-FD396329FA60}"/>
               </a:ext>
             </a:extLst>
           </p:cNvPr>
@@ -5399,7 +7645,7 @@
     </p:spTree>
     <p:extLst>
       <p:ext uri="{BB962C8B-B14F-4D97-AF65-F5344CB8AC3E}">
-        <p14:creationId xmlns:p14="http://schemas.microsoft.com/office/powerpoint/2010/main" val="1641274294"/>
+        <p14:creationId xmlns:p14="http://schemas.microsoft.com/office/powerpoint/2010/main" val="3424549285"/>
       </p:ext>
     </p:extLst>
   </p:cSld>
@@ -5426,74 +7672,12 @@
           <a:chExt cx="0" cy="0"/>
         </a:xfrm>
       </p:grpSpPr>
-      <p:sp>
-        <p:nvSpPr>
-          <p:cNvPr id="4" name="Title 3">
-            <a:extLst>
-              <a:ext uri="{FF2B5EF4-FFF2-40B4-BE49-F238E27FC236}">
-                <a16:creationId xmlns:a16="http://schemas.microsoft.com/office/drawing/2014/main" id="{4ED2D220-684C-420F-ACCC-F8390DD842B5}"/>
-              </a:ext>
-            </a:extLst>
-          </p:cNvPr>
-          <p:cNvSpPr>
-            <a:spLocks noGrp="1"/>
-          </p:cNvSpPr>
-          <p:nvPr>
-            <p:ph type="title"/>
-          </p:nvPr>
-        </p:nvSpPr>
-        <p:spPr/>
-        <p:txBody>
-          <a:bodyPr/>
-          <a:lstStyle/>
-          <a:p>
-            <a:r>
-              <a:rPr lang="en-US" dirty="0"/>
-              <a:t>We need a .</a:t>
-            </a:r>
-            <a:r>
-              <a:rPr lang="en-US" dirty="0" err="1"/>
-              <a:t>gitignore</a:t>
-            </a:r>
-            <a:r>
-              <a:rPr lang="en-US" dirty="0"/>
-              <a:t> file</a:t>
-            </a:r>
-            <a:endParaRPr lang="en-IE" dirty="0"/>
-          </a:p>
-        </p:txBody>
-      </p:sp>
-      <p:sp>
-        <p:nvSpPr>
-          <p:cNvPr id="5" name="Text Placeholder 4">
-            <a:extLst>
-              <a:ext uri="{FF2B5EF4-FFF2-40B4-BE49-F238E27FC236}">
-                <a16:creationId xmlns:a16="http://schemas.microsoft.com/office/drawing/2014/main" id="{C9E2C111-98A6-4F3D-A64D-BDB4291FF7F1}"/>
-              </a:ext>
-            </a:extLst>
-          </p:cNvPr>
-          <p:cNvSpPr>
-            <a:spLocks noGrp="1"/>
-          </p:cNvSpPr>
-          <p:nvPr>
-            <p:ph type="body" sz="half" idx="2"/>
-          </p:nvPr>
-        </p:nvSpPr>
-        <p:spPr/>
-        <p:txBody>
-          <a:bodyPr/>
-          <a:lstStyle/>
-          <a:p>
-            <a:endParaRPr lang="en-IE" dirty="0"/>
-          </a:p>
-        </p:txBody>
-      </p:sp>
       <p:pic>
         <p:nvPicPr>
-          <p:cNvPr id="7" name="Picture 6">
-            <a:extLst>
-              <a:ext uri="{FF2B5EF4-FFF2-40B4-BE49-F238E27FC236}">
-                <a16:creationId xmlns:a16="http://schemas.microsoft.com/office/drawing/2014/main" id="{B7E5867E-2486-4263-AE16-0242D8B3E5B6}"/>
+          <p:cNvPr id="3" name="Picture 2">
+            <a:extLst>
+              <a:ext uri="{FF2B5EF4-FFF2-40B4-BE49-F238E27FC236}">
+                <a16:creationId xmlns:a16="http://schemas.microsoft.com/office/drawing/2014/main" id="{06970517-44F6-47C1-84FD-158CC3ED9BF4}"/>
               </a:ext>
             </a:extLst>
           </p:cNvPr>
@@ -5510,18 +7694,72 @@
         </p:blipFill>
         <p:spPr>
           <a:xfrm>
-            <a:off x="5176371" y="1368532"/>
-            <a:ext cx="6084979" cy="3661301"/>
+            <a:off x="4875169" y="1623398"/>
+            <a:ext cx="7106567" cy="3137965"/>
           </a:xfrm>
           <a:prstGeom prst="rect">
             <a:avLst/>
           </a:prstGeom>
         </p:spPr>
       </p:pic>
+      <p:sp>
+        <p:nvSpPr>
+          <p:cNvPr id="4" name="Title 3">
+            <a:extLst>
+              <a:ext uri="{FF2B5EF4-FFF2-40B4-BE49-F238E27FC236}">
+                <a16:creationId xmlns:a16="http://schemas.microsoft.com/office/drawing/2014/main" id="{F624E10B-3ECB-4577-A561-A98B89FA3DE7}"/>
+              </a:ext>
+            </a:extLst>
+          </p:cNvPr>
+          <p:cNvSpPr>
+            <a:spLocks noGrp="1"/>
+          </p:cNvSpPr>
+          <p:nvPr>
+            <p:ph type="title"/>
+          </p:nvPr>
+        </p:nvSpPr>
+        <p:spPr/>
+        <p:txBody>
+          <a:bodyPr/>
+          <a:lstStyle/>
+          <a:p>
+            <a:r>
+              <a:rPr lang="en-US" dirty="0"/>
+              <a:t>Choose a name, but location should stay untouched.</a:t>
+            </a:r>
+            <a:endParaRPr lang="en-IE" dirty="0"/>
+          </a:p>
+        </p:txBody>
+      </p:sp>
+      <p:sp>
+        <p:nvSpPr>
+          <p:cNvPr id="5" name="Text Placeholder 4">
+            <a:extLst>
+              <a:ext uri="{FF2B5EF4-FFF2-40B4-BE49-F238E27FC236}">
+                <a16:creationId xmlns:a16="http://schemas.microsoft.com/office/drawing/2014/main" id="{92E643AB-7A2E-4909-A06B-12747A683729}"/>
+              </a:ext>
+            </a:extLst>
+          </p:cNvPr>
+          <p:cNvSpPr>
+            <a:spLocks noGrp="1"/>
+          </p:cNvSpPr>
+          <p:nvPr>
+            <p:ph type="body" sz="half" idx="2"/>
+          </p:nvPr>
+        </p:nvSpPr>
+        <p:spPr/>
+        <p:txBody>
+          <a:bodyPr/>
+          <a:lstStyle/>
+          <a:p>
+            <a:endParaRPr lang="en-IE"/>
+          </a:p>
+        </p:txBody>
+      </p:sp>
     </p:spTree>
     <p:extLst>
       <p:ext uri="{BB962C8B-B14F-4D97-AF65-F5344CB8AC3E}">
-        <p14:creationId xmlns:p14="http://schemas.microsoft.com/office/powerpoint/2010/main" val="628226169"/>
+        <p14:creationId xmlns:p14="http://schemas.microsoft.com/office/powerpoint/2010/main" val="4066123898"/>
       </p:ext>
     </p:extLst>
   </p:cSld>
@@ -5550,10 +7788,10 @@
       </p:grpSpPr>
       <p:pic>
         <p:nvPicPr>
-          <p:cNvPr id="3" name="Picture 2">
-            <a:extLst>
-              <a:ext uri="{FF2B5EF4-FFF2-40B4-BE49-F238E27FC236}">
-                <a16:creationId xmlns:a16="http://schemas.microsoft.com/office/drawing/2014/main" id="{FFBCDB94-E133-47DD-8316-EE5F5450A550}"/>
+          <p:cNvPr id="5" name="Picture 4">
+            <a:extLst>
+              <a:ext uri="{FF2B5EF4-FFF2-40B4-BE49-F238E27FC236}">
+                <a16:creationId xmlns:a16="http://schemas.microsoft.com/office/drawing/2014/main" id="{4BD51C1A-8F7B-4D46-A9E6-327258FA0C80}"/>
               </a:ext>
             </a:extLst>
           </p:cNvPr>
@@ -5570,8 +7808,8 @@
         </p:blipFill>
         <p:spPr>
           <a:xfrm>
-            <a:off x="5656051" y="1271021"/>
-            <a:ext cx="5994441" cy="4597967"/>
+            <a:off x="7060929" y="547661"/>
+            <a:ext cx="4019960" cy="5490432"/>
           </a:xfrm>
           <a:prstGeom prst="rect">
             <a:avLst/>
@@ -5580,10 +7818,10 @@
       </p:pic>
       <p:sp>
         <p:nvSpPr>
-          <p:cNvPr id="4" name="Title 3">
-            <a:extLst>
-              <a:ext uri="{FF2B5EF4-FFF2-40B4-BE49-F238E27FC236}">
-                <a16:creationId xmlns:a16="http://schemas.microsoft.com/office/drawing/2014/main" id="{69C6B859-2A7B-4C8A-A2E9-62118E1D0D67}"/>
+          <p:cNvPr id="6" name="Title 5">
+            <a:extLst>
+              <a:ext uri="{FF2B5EF4-FFF2-40B4-BE49-F238E27FC236}">
+                <a16:creationId xmlns:a16="http://schemas.microsoft.com/office/drawing/2014/main" id="{B74032C9-D350-4E8B-82B5-0362534C584E}"/>
               </a:ext>
             </a:extLst>
           </p:cNvPr>
@@ -5601,15 +7839,7 @@
           <a:p>
             <a:r>
               <a:rPr lang="en-US" dirty="0"/>
-              <a:t>We need a .</a:t>
-            </a:r>
-            <a:r>
-              <a:rPr lang="en-US" dirty="0" err="1"/>
-              <a:t>gitignore</a:t>
-            </a:r>
-            <a:r>
-              <a:rPr lang="en-US" dirty="0"/>
-              <a:t> file</a:t>
+              <a:t>Solution explorer</a:t>
             </a:r>
             <a:endParaRPr lang="en-IE" dirty="0"/>
           </a:p>
@@ -5617,10 +7847,10 @@
       </p:sp>
       <p:sp>
         <p:nvSpPr>
-          <p:cNvPr id="5" name="Text Placeholder 4">
-            <a:extLst>
-              <a:ext uri="{FF2B5EF4-FFF2-40B4-BE49-F238E27FC236}">
-                <a16:creationId xmlns:a16="http://schemas.microsoft.com/office/drawing/2014/main" id="{58242DAD-A1CF-4B32-86FC-9F4FB3719E1F}"/>
+          <p:cNvPr id="7" name="Text Placeholder 6">
+            <a:extLst>
+              <a:ext uri="{FF2B5EF4-FFF2-40B4-BE49-F238E27FC236}">
+                <a16:creationId xmlns:a16="http://schemas.microsoft.com/office/drawing/2014/main" id="{CD532915-1344-4281-A670-49622D06F569}"/>
               </a:ext>
             </a:extLst>
           </p:cNvPr>
@@ -5643,7 +7873,7 @@
     </p:spTree>
     <p:extLst>
       <p:ext uri="{BB962C8B-B14F-4D97-AF65-F5344CB8AC3E}">
-        <p14:creationId xmlns:p14="http://schemas.microsoft.com/office/powerpoint/2010/main" val="3533451851"/>
+        <p14:creationId xmlns:p14="http://schemas.microsoft.com/office/powerpoint/2010/main" val="3582324788"/>
       </p:ext>
     </p:extLst>
   </p:cSld>
@@ -5672,10 +7902,10 @@
       </p:grpSpPr>
       <p:pic>
         <p:nvPicPr>
-          <p:cNvPr id="3" name="Picture 2">
-            <a:extLst>
-              <a:ext uri="{FF2B5EF4-FFF2-40B4-BE49-F238E27FC236}">
-                <a16:creationId xmlns:a16="http://schemas.microsoft.com/office/drawing/2014/main" id="{D14066EE-7069-4260-8C23-5FACD16FEF3C}"/>
+          <p:cNvPr id="5" name="Picture 4">
+            <a:extLst>
+              <a:ext uri="{FF2B5EF4-FFF2-40B4-BE49-F238E27FC236}">
+                <a16:creationId xmlns:a16="http://schemas.microsoft.com/office/drawing/2014/main" id="{291C54F4-0BC4-46D9-A099-4F42A7E341E7}"/>
               </a:ext>
             </a:extLst>
           </p:cNvPr>
@@ -5692,8 +7922,8 @@
         </p:blipFill>
         <p:spPr>
           <a:xfrm>
-            <a:off x="6790838" y="580627"/>
-            <a:ext cx="3864943" cy="5288361"/>
+            <a:off x="7056039" y="613998"/>
+            <a:ext cx="3891198" cy="5328400"/>
           </a:xfrm>
           <a:prstGeom prst="rect">
             <a:avLst/>
@@ -5702,10 +7932,10 @@
       </p:pic>
       <p:sp>
         <p:nvSpPr>
-          <p:cNvPr id="4" name="Title 3">
-            <a:extLst>
-              <a:ext uri="{FF2B5EF4-FFF2-40B4-BE49-F238E27FC236}">
-                <a16:creationId xmlns:a16="http://schemas.microsoft.com/office/drawing/2014/main" id="{3AD87A6F-C455-408A-B878-60FE9CD01CC7}"/>
+          <p:cNvPr id="6" name="Title 5">
+            <a:extLst>
+              <a:ext uri="{FF2B5EF4-FFF2-40B4-BE49-F238E27FC236}">
+                <a16:creationId xmlns:a16="http://schemas.microsoft.com/office/drawing/2014/main" id="{54850119-3412-4B22-B26B-E098AA7B1127}"/>
               </a:ext>
             </a:extLst>
           </p:cNvPr>
@@ -5723,7 +7953,7 @@
           <a:p>
             <a:r>
               <a:rPr lang="en-US" dirty="0"/>
-              <a:t>Git changes shows only source files</a:t>
+              <a:t>Git changes should show all new files</a:t>
             </a:r>
             <a:endParaRPr lang="en-IE" dirty="0"/>
           </a:p>
@@ -5731,10 +7961,10 @@
       </p:sp>
       <p:sp>
         <p:nvSpPr>
-          <p:cNvPr id="5" name="Text Placeholder 4">
-            <a:extLst>
-              <a:ext uri="{FF2B5EF4-FFF2-40B4-BE49-F238E27FC236}">
-                <a16:creationId xmlns:a16="http://schemas.microsoft.com/office/drawing/2014/main" id="{E5DD611A-207E-4579-889B-84000D41F04C}"/>
+          <p:cNvPr id="7" name="Text Placeholder 6">
+            <a:extLst>
+              <a:ext uri="{FF2B5EF4-FFF2-40B4-BE49-F238E27FC236}">
+                <a16:creationId xmlns:a16="http://schemas.microsoft.com/office/drawing/2014/main" id="{A3724FCF-48FB-4F04-ABC3-4400E8E5D6CF}"/>
               </a:ext>
             </a:extLst>
           </p:cNvPr>
@@ -5757,7 +7987,7 @@
     </p:spTree>
     <p:extLst>
       <p:ext uri="{BB962C8B-B14F-4D97-AF65-F5344CB8AC3E}">
-        <p14:creationId xmlns:p14="http://schemas.microsoft.com/office/powerpoint/2010/main" val="1852369974"/>
+        <p14:creationId xmlns:p14="http://schemas.microsoft.com/office/powerpoint/2010/main" val="2565139865"/>
       </p:ext>
     </p:extLst>
   </p:cSld>
@@ -5789,7 +8019,7 @@
           <p:cNvPr id="4" name="Title 3">
             <a:extLst>
               <a:ext uri="{FF2B5EF4-FFF2-40B4-BE49-F238E27FC236}">
-                <a16:creationId xmlns:a16="http://schemas.microsoft.com/office/drawing/2014/main" id="{E879A1C8-C97B-4161-9183-079EC2D607AE}"/>
+                <a16:creationId xmlns:a16="http://schemas.microsoft.com/office/drawing/2014/main" id="{86615963-34BB-4511-B0BE-74F4E2A2A3D1}"/>
               </a:ext>
             </a:extLst>
           </p:cNvPr>
@@ -5807,7 +8037,15 @@
           <a:p>
             <a:r>
               <a:rPr lang="en-US" dirty="0"/>
-              <a:t>Committing and pushing</a:t>
+              <a:t>Let’s add a .</a:t>
+            </a:r>
+            <a:r>
+              <a:rPr lang="en-US" dirty="0" err="1"/>
+              <a:t>gitignore</a:t>
+            </a:r>
+            <a:r>
+              <a:rPr lang="en-US" dirty="0"/>
+              <a:t> file</a:t>
             </a:r>
             <a:endParaRPr lang="en-IE" dirty="0"/>
           </a:p>
@@ -5818,7 +8056,7 @@
           <p:cNvPr id="5" name="Text Placeholder 4">
             <a:extLst>
               <a:ext uri="{FF2B5EF4-FFF2-40B4-BE49-F238E27FC236}">
-                <a16:creationId xmlns:a16="http://schemas.microsoft.com/office/drawing/2014/main" id="{35C954DD-A301-4F11-A55D-B3569CC80F26}"/>
+                <a16:creationId xmlns:a16="http://schemas.microsoft.com/office/drawing/2014/main" id="{2BF0B15A-1384-49C5-8627-234059BE1F49}"/>
               </a:ext>
             </a:extLst>
           </p:cNvPr>
@@ -5841,7 +8079,7 @@
     </p:spTree>
     <p:extLst>
       <p:ext uri="{BB962C8B-B14F-4D97-AF65-F5344CB8AC3E}">
-        <p14:creationId xmlns:p14="http://schemas.microsoft.com/office/powerpoint/2010/main" val="1226144171"/>
+        <p14:creationId xmlns:p14="http://schemas.microsoft.com/office/powerpoint/2010/main" val="3516819722"/>
       </p:ext>
     </p:extLst>
   </p:cSld>
@@ -5873,7 +8111,7 @@
           <p:cNvPr id="3" name="Picture 2">
             <a:extLst>
               <a:ext uri="{FF2B5EF4-FFF2-40B4-BE49-F238E27FC236}">
-                <a16:creationId xmlns:a16="http://schemas.microsoft.com/office/drawing/2014/main" id="{8CA50A4A-C143-43AE-82E0-6239889C1366}"/>
+                <a16:creationId xmlns:a16="http://schemas.microsoft.com/office/drawing/2014/main" id="{D3F68731-5E15-4B68-80C4-B76D21B36BD9}"/>
               </a:ext>
             </a:extLst>
           </p:cNvPr>
@@ -5890,8 +8128,8 @@
         </p:blipFill>
         <p:spPr>
           <a:xfrm>
-            <a:off x="7055640" y="583006"/>
-            <a:ext cx="4069338" cy="5691987"/>
+            <a:off x="7129808" y="1105103"/>
+            <a:ext cx="3555371" cy="4520657"/>
           </a:xfrm>
           <a:prstGeom prst="rect">
             <a:avLst/>
@@ -5903,7 +8141,7 @@
           <p:cNvPr id="4" name="Title 3">
             <a:extLst>
               <a:ext uri="{FF2B5EF4-FFF2-40B4-BE49-F238E27FC236}">
-                <a16:creationId xmlns:a16="http://schemas.microsoft.com/office/drawing/2014/main" id="{B7583C73-42CF-4E03-B62D-F89BA07C658C}"/>
+                <a16:creationId xmlns:a16="http://schemas.microsoft.com/office/drawing/2014/main" id="{EB6FBB50-0BDF-4802-90BA-6C727C4AFAB5}"/>
               </a:ext>
             </a:extLst>
           </p:cNvPr>
@@ -5921,7 +8159,15 @@
           <a:p>
             <a:r>
               <a:rPr lang="en-US" dirty="0"/>
-              <a:t>First, stage all files</a:t>
+              <a:t>We need a .</a:t>
+            </a:r>
+            <a:r>
+              <a:rPr lang="en-US" dirty="0" err="1"/>
+              <a:t>gitignore</a:t>
+            </a:r>
+            <a:r>
+              <a:rPr lang="en-US" dirty="0"/>
+              <a:t> file</a:t>
             </a:r>
             <a:endParaRPr lang="en-IE" dirty="0"/>
           </a:p>
@@ -5932,7 +8178,7 @@
           <p:cNvPr id="5" name="Text Placeholder 4">
             <a:extLst>
               <a:ext uri="{FF2B5EF4-FFF2-40B4-BE49-F238E27FC236}">
-                <a16:creationId xmlns:a16="http://schemas.microsoft.com/office/drawing/2014/main" id="{2BF62D65-BB9E-44DD-B53C-CE36F78F13E9}"/>
+                <a16:creationId xmlns:a16="http://schemas.microsoft.com/office/drawing/2014/main" id="{3EDB67B9-13E2-4422-AE6B-AF75F703ABC7}"/>
               </a:ext>
             </a:extLst>
           </p:cNvPr>
@@ -5955,7 +8201,7 @@
     </p:spTree>
     <p:extLst>
       <p:ext uri="{BB962C8B-B14F-4D97-AF65-F5344CB8AC3E}">
-        <p14:creationId xmlns:p14="http://schemas.microsoft.com/office/powerpoint/2010/main" val="782742992"/>
+        <p14:creationId xmlns:p14="http://schemas.microsoft.com/office/powerpoint/2010/main" val="1641274294"/>
       </p:ext>
     </p:extLst>
   </p:cSld>
@@ -6034,7 +8280,7 @@
           <a:p>
             <a:r>
               <a:rPr lang="en-US" dirty="0"/>
-              <a:t>There are many ways of using it. This is just one of them.</a:t>
+              <a:t>There are many ways of doing it. This is just one of them.</a:t>
             </a:r>
             <a:endParaRPr lang="en-IE" dirty="0"/>
           </a:p>
@@ -6070,12 +8316,74 @@
           <a:chExt cx="0" cy="0"/>
         </a:xfrm>
       </p:grpSpPr>
+      <p:sp>
+        <p:nvSpPr>
+          <p:cNvPr id="4" name="Title 3">
+            <a:extLst>
+              <a:ext uri="{FF2B5EF4-FFF2-40B4-BE49-F238E27FC236}">
+                <a16:creationId xmlns:a16="http://schemas.microsoft.com/office/drawing/2014/main" id="{4ED2D220-684C-420F-ACCC-F8390DD842B5}"/>
+              </a:ext>
+            </a:extLst>
+          </p:cNvPr>
+          <p:cNvSpPr>
+            <a:spLocks noGrp="1"/>
+          </p:cNvSpPr>
+          <p:nvPr>
+            <p:ph type="title"/>
+          </p:nvPr>
+        </p:nvSpPr>
+        <p:spPr/>
+        <p:txBody>
+          <a:bodyPr/>
+          <a:lstStyle/>
+          <a:p>
+            <a:r>
+              <a:rPr lang="en-US" dirty="0"/>
+              <a:t>We need a .</a:t>
+            </a:r>
+            <a:r>
+              <a:rPr lang="en-US" dirty="0" err="1"/>
+              <a:t>gitignore</a:t>
+            </a:r>
+            <a:r>
+              <a:rPr lang="en-US" dirty="0"/>
+              <a:t> file</a:t>
+            </a:r>
+            <a:endParaRPr lang="en-IE" dirty="0"/>
+          </a:p>
+        </p:txBody>
+      </p:sp>
+      <p:sp>
+        <p:nvSpPr>
+          <p:cNvPr id="5" name="Text Placeholder 4">
+            <a:extLst>
+              <a:ext uri="{FF2B5EF4-FFF2-40B4-BE49-F238E27FC236}">
+                <a16:creationId xmlns:a16="http://schemas.microsoft.com/office/drawing/2014/main" id="{C9E2C111-98A6-4F3D-A64D-BDB4291FF7F1}"/>
+              </a:ext>
+            </a:extLst>
+          </p:cNvPr>
+          <p:cNvSpPr>
+            <a:spLocks noGrp="1"/>
+          </p:cNvSpPr>
+          <p:nvPr>
+            <p:ph type="body" sz="half" idx="2"/>
+          </p:nvPr>
+        </p:nvSpPr>
+        <p:spPr/>
+        <p:txBody>
+          <a:bodyPr/>
+          <a:lstStyle/>
+          <a:p>
+            <a:endParaRPr lang="en-IE" dirty="0"/>
+          </a:p>
+        </p:txBody>
+      </p:sp>
       <p:pic>
         <p:nvPicPr>
-          <p:cNvPr id="3" name="Picture 2">
-            <a:extLst>
-              <a:ext uri="{FF2B5EF4-FFF2-40B4-BE49-F238E27FC236}">
-                <a16:creationId xmlns:a16="http://schemas.microsoft.com/office/drawing/2014/main" id="{2CD44932-D6BA-420E-9C73-78558A87167A}"/>
+          <p:cNvPr id="7" name="Picture 6">
+            <a:extLst>
+              <a:ext uri="{FF2B5EF4-FFF2-40B4-BE49-F238E27FC236}">
+                <a16:creationId xmlns:a16="http://schemas.microsoft.com/office/drawing/2014/main" id="{B7E5867E-2486-4263-AE16-0242D8B3E5B6}"/>
               </a:ext>
             </a:extLst>
           </p:cNvPr>
@@ -6092,8 +8400,8 @@
         </p:blipFill>
         <p:spPr>
           <a:xfrm>
-            <a:off x="6959258" y="665408"/>
-            <a:ext cx="4232755" cy="5748965"/>
+            <a:off x="5176371" y="1368532"/>
+            <a:ext cx="6084979" cy="3661301"/>
           </a:xfrm>
           <a:prstGeom prst="rect">
             <a:avLst/>
@@ -6102,54 +8410,52 @@
       </p:pic>
       <p:sp>
         <p:nvSpPr>
-          <p:cNvPr id="4" name="Title 3">
-            <a:extLst>
-              <a:ext uri="{FF2B5EF4-FFF2-40B4-BE49-F238E27FC236}">
-                <a16:creationId xmlns:a16="http://schemas.microsoft.com/office/drawing/2014/main" id="{14352BC6-6DF3-409F-A857-B57822AF883B}"/>
-              </a:ext>
-            </a:extLst>
-          </p:cNvPr>
-          <p:cNvSpPr>
-            <a:spLocks noGrp="1"/>
-          </p:cNvSpPr>
-          <p:nvPr>
-            <p:ph type="title"/>
-          </p:nvPr>
-        </p:nvSpPr>
-        <p:spPr/>
-        <p:txBody>
-          <a:bodyPr/>
-          <a:lstStyle/>
-          <a:p>
-            <a:r>
-              <a:rPr lang="en-US" dirty="0"/>
-              <a:t>Then, commit.</a:t>
-            </a:r>
-            <a:endParaRPr lang="en-IE" dirty="0"/>
-          </a:p>
-        </p:txBody>
-      </p:sp>
-      <p:sp>
-        <p:nvSpPr>
-          <p:cNvPr id="5" name="Text Placeholder 4">
-            <a:extLst>
-              <a:ext uri="{FF2B5EF4-FFF2-40B4-BE49-F238E27FC236}">
-                <a16:creationId xmlns:a16="http://schemas.microsoft.com/office/drawing/2014/main" id="{5415377E-6B17-4747-81B7-34B7BA578582}"/>
-              </a:ext>
-            </a:extLst>
-          </p:cNvPr>
-          <p:cNvSpPr>
-            <a:spLocks noGrp="1"/>
-          </p:cNvSpPr>
-          <p:nvPr>
-            <p:ph type="body" sz="half" idx="2"/>
-          </p:nvPr>
-        </p:nvSpPr>
-        <p:spPr/>
-        <p:txBody>
-          <a:bodyPr/>
-          <a:lstStyle/>
-          <a:p>
+          <p:cNvPr id="2" name="Rectangle 1">
+            <a:extLst>
+              <a:ext uri="{FF2B5EF4-FFF2-40B4-BE49-F238E27FC236}">
+                <a16:creationId xmlns:a16="http://schemas.microsoft.com/office/drawing/2014/main" id="{EF1F1B26-7BA8-4089-AA3F-C462242D1082}"/>
+              </a:ext>
+            </a:extLst>
+          </p:cNvPr>
+          <p:cNvSpPr/>
+          <p:nvPr/>
+        </p:nvSpPr>
+        <p:spPr>
+          <a:xfrm>
+            <a:off x="8017329" y="4245429"/>
+            <a:ext cx="3042336" cy="784404"/>
+          </a:xfrm>
+          <a:prstGeom prst="rect">
+            <a:avLst/>
+          </a:prstGeom>
+          <a:noFill/>
+          <a:ln w="76200">
+            <a:solidFill>
+              <a:srgbClr val="FF0000"/>
+            </a:solidFill>
+          </a:ln>
+        </p:spPr>
+        <p:style>
+          <a:lnRef idx="2">
+            <a:schemeClr val="accent1">
+              <a:shade val="50000"/>
+            </a:schemeClr>
+          </a:lnRef>
+          <a:fillRef idx="1">
+            <a:schemeClr val="accent1"/>
+          </a:fillRef>
+          <a:effectRef idx="0">
+            <a:schemeClr val="accent1"/>
+          </a:effectRef>
+          <a:fontRef idx="minor">
+            <a:schemeClr val="lt1"/>
+          </a:fontRef>
+        </p:style>
+        <p:txBody>
+          <a:bodyPr rtlCol="0" anchor="ctr"/>
+          <a:lstStyle/>
+          <a:p>
+            <a:pPr algn="ctr"/>
             <a:endParaRPr lang="en-IE"/>
           </a:p>
         </p:txBody>
@@ -6157,7 +8463,7 @@
     </p:spTree>
     <p:extLst>
       <p:ext uri="{BB962C8B-B14F-4D97-AF65-F5344CB8AC3E}">
-        <p14:creationId xmlns:p14="http://schemas.microsoft.com/office/powerpoint/2010/main" val="851167946"/>
+        <p14:creationId xmlns:p14="http://schemas.microsoft.com/office/powerpoint/2010/main" val="628226169"/>
       </p:ext>
     </p:extLst>
   </p:cSld>
@@ -6189,7 +8495,7 @@
           <p:cNvPr id="3" name="Picture 2">
             <a:extLst>
               <a:ext uri="{FF2B5EF4-FFF2-40B4-BE49-F238E27FC236}">
-                <a16:creationId xmlns:a16="http://schemas.microsoft.com/office/drawing/2014/main" id="{7B2BDB86-9682-4C3B-BB39-BBE3D51A2E86}"/>
+                <a16:creationId xmlns:a16="http://schemas.microsoft.com/office/drawing/2014/main" id="{FFBCDB94-E133-47DD-8316-EE5F5450A550}"/>
               </a:ext>
             </a:extLst>
           </p:cNvPr>
@@ -6206,8 +8512,8 @@
         </p:blipFill>
         <p:spPr>
           <a:xfrm>
-            <a:off x="6936935" y="665408"/>
-            <a:ext cx="4141297" cy="5673576"/>
+            <a:off x="5656051" y="1271021"/>
+            <a:ext cx="5994441" cy="4597967"/>
           </a:xfrm>
           <a:prstGeom prst="rect">
             <a:avLst/>
@@ -6219,7 +8525,7 @@
           <p:cNvPr id="4" name="Title 3">
             <a:extLst>
               <a:ext uri="{FF2B5EF4-FFF2-40B4-BE49-F238E27FC236}">
-                <a16:creationId xmlns:a16="http://schemas.microsoft.com/office/drawing/2014/main" id="{9E995D7A-68D4-4FEE-A319-0AA55A4773FC}"/>
+                <a16:creationId xmlns:a16="http://schemas.microsoft.com/office/drawing/2014/main" id="{69C6B859-2A7B-4C8A-A2E9-62118E1D0D67}"/>
               </a:ext>
             </a:extLst>
           </p:cNvPr>
@@ -6237,7 +8543,15 @@
           <a:p>
             <a:r>
               <a:rPr lang="en-US" dirty="0"/>
-              <a:t>Changes in your local repository</a:t>
+              <a:t>We need a .</a:t>
+            </a:r>
+            <a:r>
+              <a:rPr lang="en-US" dirty="0" err="1"/>
+              <a:t>gitignore</a:t>
+            </a:r>
+            <a:r>
+              <a:rPr lang="en-US" dirty="0"/>
+              <a:t> file</a:t>
             </a:r>
             <a:endParaRPr lang="en-IE" dirty="0"/>
           </a:p>
@@ -6248,7 +8562,7 @@
           <p:cNvPr id="5" name="Text Placeholder 4">
             <a:extLst>
               <a:ext uri="{FF2B5EF4-FFF2-40B4-BE49-F238E27FC236}">
-                <a16:creationId xmlns:a16="http://schemas.microsoft.com/office/drawing/2014/main" id="{4DD6D09C-DF5B-4FD1-A9F7-660B9948F495}"/>
+                <a16:creationId xmlns:a16="http://schemas.microsoft.com/office/drawing/2014/main" id="{58242DAD-A1CF-4B32-86FC-9F4FB3719E1F}"/>
               </a:ext>
             </a:extLst>
           </p:cNvPr>
@@ -6271,7 +8585,7 @@
     </p:spTree>
     <p:extLst>
       <p:ext uri="{BB962C8B-B14F-4D97-AF65-F5344CB8AC3E}">
-        <p14:creationId xmlns:p14="http://schemas.microsoft.com/office/powerpoint/2010/main" val="2674268825"/>
+        <p14:creationId xmlns:p14="http://schemas.microsoft.com/office/powerpoint/2010/main" val="3533451851"/>
       </p:ext>
     </p:extLst>
   </p:cSld>
@@ -6298,12 +8612,42 @@
           <a:chExt cx="0" cy="0"/>
         </a:xfrm>
       </p:grpSpPr>
+      <p:pic>
+        <p:nvPicPr>
+          <p:cNvPr id="3" name="Picture 2">
+            <a:extLst>
+              <a:ext uri="{FF2B5EF4-FFF2-40B4-BE49-F238E27FC236}">
+                <a16:creationId xmlns:a16="http://schemas.microsoft.com/office/drawing/2014/main" id="{D14066EE-7069-4260-8C23-5FACD16FEF3C}"/>
+              </a:ext>
+            </a:extLst>
+          </p:cNvPr>
+          <p:cNvPicPr>
+            <a:picLocks noChangeAspect="1"/>
+          </p:cNvPicPr>
+          <p:nvPr/>
+        </p:nvPicPr>
+        <p:blipFill>
+          <a:blip r:embed="rId2"/>
+          <a:stretch>
+            <a:fillRect/>
+          </a:stretch>
+        </p:blipFill>
+        <p:spPr>
+          <a:xfrm>
+            <a:off x="6790838" y="580627"/>
+            <a:ext cx="3864943" cy="5288361"/>
+          </a:xfrm>
+          <a:prstGeom prst="rect">
+            <a:avLst/>
+          </a:prstGeom>
+        </p:spPr>
+      </p:pic>
       <p:sp>
         <p:nvSpPr>
           <p:cNvPr id="4" name="Title 3">
             <a:extLst>
               <a:ext uri="{FF2B5EF4-FFF2-40B4-BE49-F238E27FC236}">
-                <a16:creationId xmlns:a16="http://schemas.microsoft.com/office/drawing/2014/main" id="{BE6AF566-9127-45C7-B0EE-96F93600BFBA}"/>
+                <a16:creationId xmlns:a16="http://schemas.microsoft.com/office/drawing/2014/main" id="{3AD87A6F-C455-408A-B878-60FE9CD01CC7}"/>
               </a:ext>
             </a:extLst>
           </p:cNvPr>
@@ -6321,7 +8665,7 @@
           <a:p>
             <a:r>
               <a:rPr lang="en-US" dirty="0"/>
-              <a:t>Changes in project</a:t>
+              <a:t>Git changes shows only source files</a:t>
             </a:r>
             <a:endParaRPr lang="en-IE" dirty="0"/>
           </a:p>
@@ -6332,15 +8676,15 @@
           <p:cNvPr id="5" name="Text Placeholder 4">
             <a:extLst>
               <a:ext uri="{FF2B5EF4-FFF2-40B4-BE49-F238E27FC236}">
-                <a16:creationId xmlns:a16="http://schemas.microsoft.com/office/drawing/2014/main" id="{DAF10E9D-5929-43E8-A477-801CDF063CFD}"/>
-              </a:ext>
-            </a:extLst>
-          </p:cNvPr>
-          <p:cNvSpPr>
-            <a:spLocks noGrp="1"/>
-          </p:cNvSpPr>
-          <p:nvPr>
-            <p:ph type="body" idx="1"/>
+                <a16:creationId xmlns:a16="http://schemas.microsoft.com/office/drawing/2014/main" id="{E5DD611A-207E-4579-889B-84000D41F04C}"/>
+              </a:ext>
+            </a:extLst>
+          </p:cNvPr>
+          <p:cNvSpPr>
+            <a:spLocks noGrp="1"/>
+          </p:cNvSpPr>
+          <p:nvPr>
+            <p:ph type="body" sz="half" idx="2"/>
           </p:nvPr>
         </p:nvSpPr>
         <p:spPr/>
@@ -6355,7 +8699,7 @@
     </p:spTree>
     <p:extLst>
       <p:ext uri="{BB962C8B-B14F-4D97-AF65-F5344CB8AC3E}">
-        <p14:creationId xmlns:p14="http://schemas.microsoft.com/office/powerpoint/2010/main" val="1216411693"/>
+        <p14:creationId xmlns:p14="http://schemas.microsoft.com/office/powerpoint/2010/main" val="1852369974"/>
       </p:ext>
     </p:extLst>
   </p:cSld>
@@ -6366,6 +8710,591 @@
 </file>
 
 <file path=ppt/slides/slide33.xml><?xml version="1.0" encoding="utf-8"?>
+<p:sld xmlns:a="http://schemas.openxmlformats.org/drawingml/2006/main" xmlns:r="http://schemas.openxmlformats.org/officeDocument/2006/relationships" xmlns:p="http://schemas.openxmlformats.org/presentationml/2006/main">
+  <p:cSld>
+    <p:spTree>
+      <p:nvGrpSpPr>
+        <p:cNvPr id="1" name=""/>
+        <p:cNvGrpSpPr/>
+        <p:nvPr/>
+      </p:nvGrpSpPr>
+      <p:grpSpPr>
+        <a:xfrm>
+          <a:off x="0" y="0"/>
+          <a:ext cx="0" cy="0"/>
+          <a:chOff x="0" y="0"/>
+          <a:chExt cx="0" cy="0"/>
+        </a:xfrm>
+      </p:grpSpPr>
+      <p:sp>
+        <p:nvSpPr>
+          <p:cNvPr id="4" name="Title 3">
+            <a:extLst>
+              <a:ext uri="{FF2B5EF4-FFF2-40B4-BE49-F238E27FC236}">
+                <a16:creationId xmlns:a16="http://schemas.microsoft.com/office/drawing/2014/main" id="{E879A1C8-C97B-4161-9183-079EC2D607AE}"/>
+              </a:ext>
+            </a:extLst>
+          </p:cNvPr>
+          <p:cNvSpPr>
+            <a:spLocks noGrp="1"/>
+          </p:cNvSpPr>
+          <p:nvPr>
+            <p:ph type="title"/>
+          </p:nvPr>
+        </p:nvSpPr>
+        <p:spPr/>
+        <p:txBody>
+          <a:bodyPr/>
+          <a:lstStyle/>
+          <a:p>
+            <a:r>
+              <a:rPr lang="en-US" dirty="0"/>
+              <a:t>Committing</a:t>
+            </a:r>
+            <a:endParaRPr lang="en-IE" dirty="0"/>
+          </a:p>
+        </p:txBody>
+      </p:sp>
+      <p:sp>
+        <p:nvSpPr>
+          <p:cNvPr id="5" name="Text Placeholder 4">
+            <a:extLst>
+              <a:ext uri="{FF2B5EF4-FFF2-40B4-BE49-F238E27FC236}">
+                <a16:creationId xmlns:a16="http://schemas.microsoft.com/office/drawing/2014/main" id="{35C954DD-A301-4F11-A55D-B3569CC80F26}"/>
+              </a:ext>
+            </a:extLst>
+          </p:cNvPr>
+          <p:cNvSpPr>
+            <a:spLocks noGrp="1"/>
+          </p:cNvSpPr>
+          <p:nvPr>
+            <p:ph type="body" idx="1"/>
+          </p:nvPr>
+        </p:nvSpPr>
+        <p:spPr/>
+        <p:txBody>
+          <a:bodyPr/>
+          <a:lstStyle/>
+          <a:p>
+            <a:r>
+              <a:rPr lang="en-US" dirty="0"/>
+              <a:t>git commit</a:t>
+            </a:r>
+          </a:p>
+        </p:txBody>
+      </p:sp>
+    </p:spTree>
+    <p:extLst>
+      <p:ext uri="{BB962C8B-B14F-4D97-AF65-F5344CB8AC3E}">
+        <p14:creationId xmlns:p14="http://schemas.microsoft.com/office/powerpoint/2010/main" val="1226144171"/>
+      </p:ext>
+    </p:extLst>
+  </p:cSld>
+  <p:clrMapOvr>
+    <a:masterClrMapping/>
+  </p:clrMapOvr>
+</p:sld>
+</file>
+
+<file path=ppt/slides/slide34.xml><?xml version="1.0" encoding="utf-8"?>
+<p:sld xmlns:a="http://schemas.openxmlformats.org/drawingml/2006/main" xmlns:r="http://schemas.openxmlformats.org/officeDocument/2006/relationships" xmlns:p="http://schemas.openxmlformats.org/presentationml/2006/main">
+  <p:cSld>
+    <p:spTree>
+      <p:nvGrpSpPr>
+        <p:cNvPr id="1" name=""/>
+        <p:cNvGrpSpPr/>
+        <p:nvPr/>
+      </p:nvGrpSpPr>
+      <p:grpSpPr>
+        <a:xfrm>
+          <a:off x="0" y="0"/>
+          <a:ext cx="0" cy="0"/>
+          <a:chOff x="0" y="0"/>
+          <a:chExt cx="0" cy="0"/>
+        </a:xfrm>
+      </p:grpSpPr>
+      <p:pic>
+        <p:nvPicPr>
+          <p:cNvPr id="3" name="Picture 2">
+            <a:extLst>
+              <a:ext uri="{FF2B5EF4-FFF2-40B4-BE49-F238E27FC236}">
+                <a16:creationId xmlns:a16="http://schemas.microsoft.com/office/drawing/2014/main" id="{8CA50A4A-C143-43AE-82E0-6239889C1366}"/>
+              </a:ext>
+            </a:extLst>
+          </p:cNvPr>
+          <p:cNvPicPr>
+            <a:picLocks noChangeAspect="1"/>
+          </p:cNvPicPr>
+          <p:nvPr/>
+        </p:nvPicPr>
+        <p:blipFill>
+          <a:blip r:embed="rId2"/>
+          <a:stretch>
+            <a:fillRect/>
+          </a:stretch>
+        </p:blipFill>
+        <p:spPr>
+          <a:xfrm>
+            <a:off x="7055640" y="583006"/>
+            <a:ext cx="4069338" cy="5691987"/>
+          </a:xfrm>
+          <a:prstGeom prst="rect">
+            <a:avLst/>
+          </a:prstGeom>
+        </p:spPr>
+      </p:pic>
+      <p:sp>
+        <p:nvSpPr>
+          <p:cNvPr id="4" name="Title 3">
+            <a:extLst>
+              <a:ext uri="{FF2B5EF4-FFF2-40B4-BE49-F238E27FC236}">
+                <a16:creationId xmlns:a16="http://schemas.microsoft.com/office/drawing/2014/main" id="{B7583C73-42CF-4E03-B62D-F89BA07C658C}"/>
+              </a:ext>
+            </a:extLst>
+          </p:cNvPr>
+          <p:cNvSpPr>
+            <a:spLocks noGrp="1"/>
+          </p:cNvSpPr>
+          <p:nvPr>
+            <p:ph type="title"/>
+          </p:nvPr>
+        </p:nvSpPr>
+        <p:spPr/>
+        <p:txBody>
+          <a:bodyPr/>
+          <a:lstStyle/>
+          <a:p>
+            <a:r>
+              <a:rPr lang="en-US" dirty="0"/>
+              <a:t>First, stage all files</a:t>
+            </a:r>
+            <a:endParaRPr lang="en-IE" dirty="0"/>
+          </a:p>
+        </p:txBody>
+      </p:sp>
+      <p:sp>
+        <p:nvSpPr>
+          <p:cNvPr id="5" name="Text Placeholder 4">
+            <a:extLst>
+              <a:ext uri="{FF2B5EF4-FFF2-40B4-BE49-F238E27FC236}">
+                <a16:creationId xmlns:a16="http://schemas.microsoft.com/office/drawing/2014/main" id="{2BF62D65-BB9E-44DD-B53C-CE36F78F13E9}"/>
+              </a:ext>
+            </a:extLst>
+          </p:cNvPr>
+          <p:cNvSpPr>
+            <a:spLocks noGrp="1"/>
+          </p:cNvSpPr>
+          <p:nvPr>
+            <p:ph type="body" sz="half" idx="2"/>
+          </p:nvPr>
+        </p:nvSpPr>
+        <p:spPr/>
+        <p:txBody>
+          <a:bodyPr/>
+          <a:lstStyle/>
+          <a:p>
+            <a:endParaRPr lang="en-IE"/>
+          </a:p>
+        </p:txBody>
+      </p:sp>
+      <p:sp>
+        <p:nvSpPr>
+          <p:cNvPr id="2" name="Rectangle 1">
+            <a:extLst>
+              <a:ext uri="{FF2B5EF4-FFF2-40B4-BE49-F238E27FC236}">
+                <a16:creationId xmlns:a16="http://schemas.microsoft.com/office/drawing/2014/main" id="{D97590A4-AAA2-4189-85B1-0E1862496AF6}"/>
+              </a:ext>
+            </a:extLst>
+          </p:cNvPr>
+          <p:cNvSpPr/>
+          <p:nvPr/>
+        </p:nvSpPr>
+        <p:spPr>
+          <a:xfrm>
+            <a:off x="10270671" y="3200400"/>
+            <a:ext cx="854307" cy="751114"/>
+          </a:xfrm>
+          <a:prstGeom prst="rect">
+            <a:avLst/>
+          </a:prstGeom>
+          <a:noFill/>
+          <a:ln w="76200">
+            <a:solidFill>
+              <a:srgbClr val="FF0000"/>
+            </a:solidFill>
+          </a:ln>
+        </p:spPr>
+        <p:style>
+          <a:lnRef idx="2">
+            <a:schemeClr val="accent1">
+              <a:shade val="50000"/>
+            </a:schemeClr>
+          </a:lnRef>
+          <a:fillRef idx="1">
+            <a:schemeClr val="accent1"/>
+          </a:fillRef>
+          <a:effectRef idx="0">
+            <a:schemeClr val="accent1"/>
+          </a:effectRef>
+          <a:fontRef idx="minor">
+            <a:schemeClr val="lt1"/>
+          </a:fontRef>
+        </p:style>
+        <p:txBody>
+          <a:bodyPr rtlCol="0" anchor="ctr"/>
+          <a:lstStyle/>
+          <a:p>
+            <a:pPr algn="ctr"/>
+            <a:endParaRPr lang="en-IE"/>
+          </a:p>
+        </p:txBody>
+      </p:sp>
+    </p:spTree>
+    <p:extLst>
+      <p:ext uri="{BB962C8B-B14F-4D97-AF65-F5344CB8AC3E}">
+        <p14:creationId xmlns:p14="http://schemas.microsoft.com/office/powerpoint/2010/main" val="782742992"/>
+      </p:ext>
+    </p:extLst>
+  </p:cSld>
+  <p:clrMapOvr>
+    <a:masterClrMapping/>
+  </p:clrMapOvr>
+</p:sld>
+</file>
+
+<file path=ppt/slides/slide35.xml><?xml version="1.0" encoding="utf-8"?>
+<p:sld xmlns:a="http://schemas.openxmlformats.org/drawingml/2006/main" xmlns:r="http://schemas.openxmlformats.org/officeDocument/2006/relationships" xmlns:p="http://schemas.openxmlformats.org/presentationml/2006/main">
+  <p:cSld>
+    <p:spTree>
+      <p:nvGrpSpPr>
+        <p:cNvPr id="1" name=""/>
+        <p:cNvGrpSpPr/>
+        <p:nvPr/>
+      </p:nvGrpSpPr>
+      <p:grpSpPr>
+        <a:xfrm>
+          <a:off x="0" y="0"/>
+          <a:ext cx="0" cy="0"/>
+          <a:chOff x="0" y="0"/>
+          <a:chExt cx="0" cy="0"/>
+        </a:xfrm>
+      </p:grpSpPr>
+      <p:pic>
+        <p:nvPicPr>
+          <p:cNvPr id="3" name="Picture 2">
+            <a:extLst>
+              <a:ext uri="{FF2B5EF4-FFF2-40B4-BE49-F238E27FC236}">
+                <a16:creationId xmlns:a16="http://schemas.microsoft.com/office/drawing/2014/main" id="{2CD44932-D6BA-420E-9C73-78558A87167A}"/>
+              </a:ext>
+            </a:extLst>
+          </p:cNvPr>
+          <p:cNvPicPr>
+            <a:picLocks noChangeAspect="1"/>
+          </p:cNvPicPr>
+          <p:nvPr/>
+        </p:nvPicPr>
+        <p:blipFill>
+          <a:blip r:embed="rId2"/>
+          <a:stretch>
+            <a:fillRect/>
+          </a:stretch>
+        </p:blipFill>
+        <p:spPr>
+          <a:xfrm>
+            <a:off x="6959258" y="665408"/>
+            <a:ext cx="4232755" cy="5748965"/>
+          </a:xfrm>
+          <a:prstGeom prst="rect">
+            <a:avLst/>
+          </a:prstGeom>
+        </p:spPr>
+      </p:pic>
+      <p:sp>
+        <p:nvSpPr>
+          <p:cNvPr id="4" name="Title 3">
+            <a:extLst>
+              <a:ext uri="{FF2B5EF4-FFF2-40B4-BE49-F238E27FC236}">
+                <a16:creationId xmlns:a16="http://schemas.microsoft.com/office/drawing/2014/main" id="{14352BC6-6DF3-409F-A857-B57822AF883B}"/>
+              </a:ext>
+            </a:extLst>
+          </p:cNvPr>
+          <p:cNvSpPr>
+            <a:spLocks noGrp="1"/>
+          </p:cNvSpPr>
+          <p:nvPr>
+            <p:ph type="title"/>
+          </p:nvPr>
+        </p:nvSpPr>
+        <p:spPr/>
+        <p:txBody>
+          <a:bodyPr/>
+          <a:lstStyle/>
+          <a:p>
+            <a:r>
+              <a:rPr lang="en-US" dirty="0"/>
+              <a:t>Then, commit.</a:t>
+            </a:r>
+            <a:endParaRPr lang="en-IE" dirty="0"/>
+          </a:p>
+        </p:txBody>
+      </p:sp>
+      <p:sp>
+        <p:nvSpPr>
+          <p:cNvPr id="5" name="Text Placeholder 4">
+            <a:extLst>
+              <a:ext uri="{FF2B5EF4-FFF2-40B4-BE49-F238E27FC236}">
+                <a16:creationId xmlns:a16="http://schemas.microsoft.com/office/drawing/2014/main" id="{5415377E-6B17-4747-81B7-34B7BA578582}"/>
+              </a:ext>
+            </a:extLst>
+          </p:cNvPr>
+          <p:cNvSpPr>
+            <a:spLocks noGrp="1"/>
+          </p:cNvSpPr>
+          <p:nvPr>
+            <p:ph type="body" sz="half" idx="2"/>
+          </p:nvPr>
+        </p:nvSpPr>
+        <p:spPr/>
+        <p:txBody>
+          <a:bodyPr/>
+          <a:lstStyle/>
+          <a:p>
+            <a:endParaRPr lang="en-IE"/>
+          </a:p>
+        </p:txBody>
+      </p:sp>
+      <p:sp>
+        <p:nvSpPr>
+          <p:cNvPr id="2" name="Rectangle 1">
+            <a:extLst>
+              <a:ext uri="{FF2B5EF4-FFF2-40B4-BE49-F238E27FC236}">
+                <a16:creationId xmlns:a16="http://schemas.microsoft.com/office/drawing/2014/main" id="{EDE9D48B-570E-4333-87EB-CFD50942EC69}"/>
+              </a:ext>
+            </a:extLst>
+          </p:cNvPr>
+          <p:cNvSpPr/>
+          <p:nvPr/>
+        </p:nvSpPr>
+        <p:spPr>
+          <a:xfrm>
+            <a:off x="6959259" y="2220686"/>
+            <a:ext cx="1613241" cy="669471"/>
+          </a:xfrm>
+          <a:prstGeom prst="rect">
+            <a:avLst/>
+          </a:prstGeom>
+          <a:noFill/>
+          <a:ln w="76200">
+            <a:solidFill>
+              <a:srgbClr val="FF0000"/>
+            </a:solidFill>
+          </a:ln>
+        </p:spPr>
+        <p:style>
+          <a:lnRef idx="2">
+            <a:schemeClr val="accent1">
+              <a:shade val="50000"/>
+            </a:schemeClr>
+          </a:lnRef>
+          <a:fillRef idx="1">
+            <a:schemeClr val="accent1"/>
+          </a:fillRef>
+          <a:effectRef idx="0">
+            <a:schemeClr val="accent1"/>
+          </a:effectRef>
+          <a:fontRef idx="minor">
+            <a:schemeClr val="lt1"/>
+          </a:fontRef>
+        </p:style>
+        <p:txBody>
+          <a:bodyPr rtlCol="0" anchor="ctr"/>
+          <a:lstStyle/>
+          <a:p>
+            <a:pPr algn="ctr"/>
+            <a:endParaRPr lang="en-IE"/>
+          </a:p>
+        </p:txBody>
+      </p:sp>
+    </p:spTree>
+    <p:extLst>
+      <p:ext uri="{BB962C8B-B14F-4D97-AF65-F5344CB8AC3E}">
+        <p14:creationId xmlns:p14="http://schemas.microsoft.com/office/powerpoint/2010/main" val="851167946"/>
+      </p:ext>
+    </p:extLst>
+  </p:cSld>
+  <p:clrMapOvr>
+    <a:masterClrMapping/>
+  </p:clrMapOvr>
+</p:sld>
+</file>
+
+<file path=ppt/slides/slide36.xml><?xml version="1.0" encoding="utf-8"?>
+<p:sld xmlns:a="http://schemas.openxmlformats.org/drawingml/2006/main" xmlns:r="http://schemas.openxmlformats.org/officeDocument/2006/relationships" xmlns:p="http://schemas.openxmlformats.org/presentationml/2006/main">
+  <p:cSld>
+    <p:spTree>
+      <p:nvGrpSpPr>
+        <p:cNvPr id="1" name=""/>
+        <p:cNvGrpSpPr/>
+        <p:nvPr/>
+      </p:nvGrpSpPr>
+      <p:grpSpPr>
+        <a:xfrm>
+          <a:off x="0" y="0"/>
+          <a:ext cx="0" cy="0"/>
+          <a:chOff x="0" y="0"/>
+          <a:chExt cx="0" cy="0"/>
+        </a:xfrm>
+      </p:grpSpPr>
+      <p:pic>
+        <p:nvPicPr>
+          <p:cNvPr id="3" name="Picture 2">
+            <a:extLst>
+              <a:ext uri="{FF2B5EF4-FFF2-40B4-BE49-F238E27FC236}">
+                <a16:creationId xmlns:a16="http://schemas.microsoft.com/office/drawing/2014/main" id="{7B2BDB86-9682-4C3B-BB39-BBE3D51A2E86}"/>
+              </a:ext>
+            </a:extLst>
+          </p:cNvPr>
+          <p:cNvPicPr>
+            <a:picLocks noChangeAspect="1"/>
+          </p:cNvPicPr>
+          <p:nvPr/>
+        </p:nvPicPr>
+        <p:blipFill>
+          <a:blip r:embed="rId2"/>
+          <a:stretch>
+            <a:fillRect/>
+          </a:stretch>
+        </p:blipFill>
+        <p:spPr>
+          <a:xfrm>
+            <a:off x="6936935" y="665408"/>
+            <a:ext cx="4141297" cy="5673576"/>
+          </a:xfrm>
+          <a:prstGeom prst="rect">
+            <a:avLst/>
+          </a:prstGeom>
+        </p:spPr>
+      </p:pic>
+      <p:sp>
+        <p:nvSpPr>
+          <p:cNvPr id="4" name="Title 3">
+            <a:extLst>
+              <a:ext uri="{FF2B5EF4-FFF2-40B4-BE49-F238E27FC236}">
+                <a16:creationId xmlns:a16="http://schemas.microsoft.com/office/drawing/2014/main" id="{9E995D7A-68D4-4FEE-A319-0AA55A4773FC}"/>
+              </a:ext>
+            </a:extLst>
+          </p:cNvPr>
+          <p:cNvSpPr>
+            <a:spLocks noGrp="1"/>
+          </p:cNvSpPr>
+          <p:nvPr>
+            <p:ph type="title"/>
+          </p:nvPr>
+        </p:nvSpPr>
+        <p:spPr/>
+        <p:txBody>
+          <a:bodyPr/>
+          <a:lstStyle/>
+          <a:p>
+            <a:r>
+              <a:rPr lang="en-US" dirty="0"/>
+              <a:t>Changes in your local repository</a:t>
+            </a:r>
+            <a:endParaRPr lang="en-IE" dirty="0"/>
+          </a:p>
+        </p:txBody>
+      </p:sp>
+      <p:sp>
+        <p:nvSpPr>
+          <p:cNvPr id="5" name="Text Placeholder 4">
+            <a:extLst>
+              <a:ext uri="{FF2B5EF4-FFF2-40B4-BE49-F238E27FC236}">
+                <a16:creationId xmlns:a16="http://schemas.microsoft.com/office/drawing/2014/main" id="{4DD6D09C-DF5B-4FD1-A9F7-660B9948F495}"/>
+              </a:ext>
+            </a:extLst>
+          </p:cNvPr>
+          <p:cNvSpPr>
+            <a:spLocks noGrp="1"/>
+          </p:cNvSpPr>
+          <p:nvPr>
+            <p:ph type="body" sz="half" idx="2"/>
+          </p:nvPr>
+        </p:nvSpPr>
+        <p:spPr/>
+        <p:txBody>
+          <a:bodyPr/>
+          <a:lstStyle/>
+          <a:p>
+            <a:endParaRPr lang="en-IE"/>
+          </a:p>
+        </p:txBody>
+      </p:sp>
+      <p:sp>
+        <p:nvSpPr>
+          <p:cNvPr id="2" name="Rectangle 1">
+            <a:extLst>
+              <a:ext uri="{FF2B5EF4-FFF2-40B4-BE49-F238E27FC236}">
+                <a16:creationId xmlns:a16="http://schemas.microsoft.com/office/drawing/2014/main" id="{5B8A38BE-E5D5-447C-B7FC-8439A1A8E772}"/>
+              </a:ext>
+            </a:extLst>
+          </p:cNvPr>
+          <p:cNvSpPr/>
+          <p:nvPr/>
+        </p:nvSpPr>
+        <p:spPr>
+          <a:xfrm>
+            <a:off x="6983682" y="832757"/>
+            <a:ext cx="2633848" cy="653143"/>
+          </a:xfrm>
+          <a:prstGeom prst="rect">
+            <a:avLst/>
+          </a:prstGeom>
+          <a:noFill/>
+          <a:ln w="76200">
+            <a:solidFill>
+              <a:srgbClr val="FF0000"/>
+            </a:solidFill>
+          </a:ln>
+        </p:spPr>
+        <p:style>
+          <a:lnRef idx="2">
+            <a:schemeClr val="accent1">
+              <a:shade val="50000"/>
+            </a:schemeClr>
+          </a:lnRef>
+          <a:fillRef idx="1">
+            <a:schemeClr val="accent1"/>
+          </a:fillRef>
+          <a:effectRef idx="0">
+            <a:schemeClr val="accent1"/>
+          </a:effectRef>
+          <a:fontRef idx="minor">
+            <a:schemeClr val="lt1"/>
+          </a:fontRef>
+        </p:style>
+        <p:txBody>
+          <a:bodyPr rtlCol="0" anchor="ctr"/>
+          <a:lstStyle/>
+          <a:p>
+            <a:pPr algn="ctr"/>
+            <a:endParaRPr lang="en-IE"/>
+          </a:p>
+        </p:txBody>
+      </p:sp>
+    </p:spTree>
+    <p:extLst>
+      <p:ext uri="{BB962C8B-B14F-4D97-AF65-F5344CB8AC3E}">
+        <p14:creationId xmlns:p14="http://schemas.microsoft.com/office/powerpoint/2010/main" val="2674268825"/>
+      </p:ext>
+    </p:extLst>
+  </p:cSld>
+  <p:clrMapOvr>
+    <a:masterClrMapping/>
+  </p:clrMapOvr>
+</p:sld>
+</file>
+
+<file path=ppt/slides/slide37.xml><?xml version="1.0" encoding="utf-8"?>
 <p:sld xmlns:a="http://schemas.openxmlformats.org/drawingml/2006/main" xmlns:r="http://schemas.openxmlformats.org/officeDocument/2006/relationships" xmlns:p="http://schemas.openxmlformats.org/presentationml/2006/main">
   <p:cSld>
     <p:spTree>
@@ -6425,462 +9354,6 @@
 </p:sld>
 </file>
 
-<file path=ppt/slides/slide34.xml><?xml version="1.0" encoding="utf-8"?>
-<p:sld xmlns:a="http://schemas.openxmlformats.org/drawingml/2006/main" xmlns:r="http://schemas.openxmlformats.org/officeDocument/2006/relationships" xmlns:p="http://schemas.openxmlformats.org/presentationml/2006/main">
-  <p:cSld>
-    <p:spTree>
-      <p:nvGrpSpPr>
-        <p:cNvPr id="1" name=""/>
-        <p:cNvGrpSpPr/>
-        <p:nvPr/>
-      </p:nvGrpSpPr>
-      <p:grpSpPr>
-        <a:xfrm>
-          <a:off x="0" y="0"/>
-          <a:ext cx="0" cy="0"/>
-          <a:chOff x="0" y="0"/>
-          <a:chExt cx="0" cy="0"/>
-        </a:xfrm>
-      </p:grpSpPr>
-      <p:pic>
-        <p:nvPicPr>
-          <p:cNvPr id="3" name="Picture 2">
-            <a:extLst>
-              <a:ext uri="{FF2B5EF4-FFF2-40B4-BE49-F238E27FC236}">
-                <a16:creationId xmlns:a16="http://schemas.microsoft.com/office/drawing/2014/main" id="{586567C6-D600-4921-A21A-CA37905E67D5}"/>
-              </a:ext>
-            </a:extLst>
-          </p:cNvPr>
-          <p:cNvPicPr>
-            <a:picLocks noChangeAspect="1"/>
-          </p:cNvPicPr>
-          <p:nvPr/>
-        </p:nvPicPr>
-        <p:blipFill>
-          <a:blip r:embed="rId2"/>
-          <a:stretch>
-            <a:fillRect/>
-          </a:stretch>
-        </p:blipFill>
-        <p:spPr>
-          <a:xfrm>
-            <a:off x="5662434" y="1952486"/>
-            <a:ext cx="6028129" cy="2423218"/>
-          </a:xfrm>
-          <a:prstGeom prst="rect">
-            <a:avLst/>
-          </a:prstGeom>
-        </p:spPr>
-      </p:pic>
-      <p:sp>
-        <p:nvSpPr>
-          <p:cNvPr id="4" name="Title 3">
-            <a:extLst>
-              <a:ext uri="{FF2B5EF4-FFF2-40B4-BE49-F238E27FC236}">
-                <a16:creationId xmlns:a16="http://schemas.microsoft.com/office/drawing/2014/main" id="{453066E3-0496-46B9-8506-4977DF2631C6}"/>
-              </a:ext>
-            </a:extLst>
-          </p:cNvPr>
-          <p:cNvSpPr>
-            <a:spLocks noGrp="1"/>
-          </p:cNvSpPr>
-          <p:nvPr>
-            <p:ph type="title"/>
-          </p:nvPr>
-        </p:nvSpPr>
-        <p:spPr/>
-        <p:txBody>
-          <a:bodyPr/>
-          <a:lstStyle/>
-          <a:p>
-            <a:r>
-              <a:rPr lang="en-US" dirty="0"/>
-              <a:t>Where is origin?</a:t>
-            </a:r>
-            <a:endParaRPr lang="en-IE" dirty="0"/>
-          </a:p>
-        </p:txBody>
-      </p:sp>
-      <p:sp>
-        <p:nvSpPr>
-          <p:cNvPr id="5" name="Text Placeholder 4">
-            <a:extLst>
-              <a:ext uri="{FF2B5EF4-FFF2-40B4-BE49-F238E27FC236}">
-                <a16:creationId xmlns:a16="http://schemas.microsoft.com/office/drawing/2014/main" id="{567B6B5E-1E35-4903-955E-4E62FBB955A3}"/>
-              </a:ext>
-            </a:extLst>
-          </p:cNvPr>
-          <p:cNvSpPr>
-            <a:spLocks noGrp="1"/>
-          </p:cNvSpPr>
-          <p:nvPr>
-            <p:ph type="body" sz="half" idx="2"/>
-          </p:nvPr>
-        </p:nvSpPr>
-        <p:spPr/>
-        <p:txBody>
-          <a:bodyPr/>
-          <a:lstStyle/>
-          <a:p>
-            <a:endParaRPr lang="en-IE"/>
-          </a:p>
-        </p:txBody>
-      </p:sp>
-    </p:spTree>
-    <p:extLst>
-      <p:ext uri="{BB962C8B-B14F-4D97-AF65-F5344CB8AC3E}">
-        <p14:creationId xmlns:p14="http://schemas.microsoft.com/office/powerpoint/2010/main" val="4246113731"/>
-      </p:ext>
-    </p:extLst>
-  </p:cSld>
-  <p:clrMapOvr>
-    <a:masterClrMapping/>
-  </p:clrMapOvr>
-</p:sld>
-</file>
-
-<file path=ppt/slides/slide35.xml><?xml version="1.0" encoding="utf-8"?>
-<p:sld xmlns:a="http://schemas.openxmlformats.org/drawingml/2006/main" xmlns:r="http://schemas.openxmlformats.org/officeDocument/2006/relationships" xmlns:p="http://schemas.openxmlformats.org/presentationml/2006/main">
-  <p:cSld>
-    <p:spTree>
-      <p:nvGrpSpPr>
-        <p:cNvPr id="1" name=""/>
-        <p:cNvGrpSpPr/>
-        <p:nvPr/>
-      </p:nvGrpSpPr>
-      <p:grpSpPr>
-        <a:xfrm>
-          <a:off x="0" y="0"/>
-          <a:ext cx="0" cy="0"/>
-          <a:chOff x="0" y="0"/>
-          <a:chExt cx="0" cy="0"/>
-        </a:xfrm>
-      </p:grpSpPr>
-      <p:pic>
-        <p:nvPicPr>
-          <p:cNvPr id="3" name="Picture 2">
-            <a:extLst>
-              <a:ext uri="{FF2B5EF4-FFF2-40B4-BE49-F238E27FC236}">
-                <a16:creationId xmlns:a16="http://schemas.microsoft.com/office/drawing/2014/main" id="{7717D287-C436-4134-A8D0-770CF6F4C5FE}"/>
-              </a:ext>
-            </a:extLst>
-          </p:cNvPr>
-          <p:cNvPicPr>
-            <a:picLocks noChangeAspect="1"/>
-          </p:cNvPicPr>
-          <p:nvPr/>
-        </p:nvPicPr>
-        <p:blipFill>
-          <a:blip r:embed="rId2"/>
-          <a:stretch>
-            <a:fillRect/>
-          </a:stretch>
-        </p:blipFill>
-        <p:spPr>
-          <a:xfrm>
-            <a:off x="5510947" y="665408"/>
-            <a:ext cx="6181085" cy="5431473"/>
-          </a:xfrm>
-          <a:prstGeom prst="rect">
-            <a:avLst/>
-          </a:prstGeom>
-        </p:spPr>
-      </p:pic>
-      <p:sp>
-        <p:nvSpPr>
-          <p:cNvPr id="4" name="Title 3">
-            <a:extLst>
-              <a:ext uri="{FF2B5EF4-FFF2-40B4-BE49-F238E27FC236}">
-                <a16:creationId xmlns:a16="http://schemas.microsoft.com/office/drawing/2014/main" id="{712AB8A7-FFCD-46E5-86E8-21302A05D911}"/>
-              </a:ext>
-            </a:extLst>
-          </p:cNvPr>
-          <p:cNvSpPr>
-            <a:spLocks noGrp="1"/>
-          </p:cNvSpPr>
-          <p:nvPr>
-            <p:ph type="title"/>
-          </p:nvPr>
-        </p:nvSpPr>
-        <p:spPr/>
-        <p:txBody>
-          <a:bodyPr/>
-          <a:lstStyle/>
-          <a:p>
-            <a:r>
-              <a:rPr lang="en-US" dirty="0"/>
-              <a:t>Where is origin?</a:t>
-            </a:r>
-            <a:endParaRPr lang="en-IE" dirty="0"/>
-          </a:p>
-        </p:txBody>
-      </p:sp>
-      <p:sp>
-        <p:nvSpPr>
-          <p:cNvPr id="5" name="Text Placeholder 4">
-            <a:extLst>
-              <a:ext uri="{FF2B5EF4-FFF2-40B4-BE49-F238E27FC236}">
-                <a16:creationId xmlns:a16="http://schemas.microsoft.com/office/drawing/2014/main" id="{FB047C64-D29A-40D6-AFFE-FF5912DECD4A}"/>
-              </a:ext>
-            </a:extLst>
-          </p:cNvPr>
-          <p:cNvSpPr>
-            <a:spLocks noGrp="1"/>
-          </p:cNvSpPr>
-          <p:nvPr>
-            <p:ph type="body" sz="half" idx="2"/>
-          </p:nvPr>
-        </p:nvSpPr>
-        <p:spPr/>
-        <p:txBody>
-          <a:bodyPr/>
-          <a:lstStyle/>
-          <a:p>
-            <a:endParaRPr lang="en-IE"/>
-          </a:p>
-        </p:txBody>
-      </p:sp>
-    </p:spTree>
-    <p:extLst>
-      <p:ext uri="{BB962C8B-B14F-4D97-AF65-F5344CB8AC3E}">
-        <p14:creationId xmlns:p14="http://schemas.microsoft.com/office/powerpoint/2010/main" val="1226512163"/>
-      </p:ext>
-    </p:extLst>
-  </p:cSld>
-  <p:clrMapOvr>
-    <a:masterClrMapping/>
-  </p:clrMapOvr>
-</p:sld>
-</file>
-
-<file path=ppt/slides/slide36.xml><?xml version="1.0" encoding="utf-8"?>
-<p:sld xmlns:a="http://schemas.openxmlformats.org/drawingml/2006/main" xmlns:r="http://schemas.openxmlformats.org/officeDocument/2006/relationships" xmlns:p="http://schemas.openxmlformats.org/presentationml/2006/main">
-  <p:cSld>
-    <p:spTree>
-      <p:nvGrpSpPr>
-        <p:cNvPr id="1" name=""/>
-        <p:cNvGrpSpPr/>
-        <p:nvPr/>
-      </p:nvGrpSpPr>
-      <p:grpSpPr>
-        <a:xfrm>
-          <a:off x="0" y="0"/>
-          <a:ext cx="0" cy="0"/>
-          <a:chOff x="0" y="0"/>
-          <a:chExt cx="0" cy="0"/>
-        </a:xfrm>
-      </p:grpSpPr>
-      <p:pic>
-        <p:nvPicPr>
-          <p:cNvPr id="5" name="Picture 4">
-            <a:extLst>
-              <a:ext uri="{FF2B5EF4-FFF2-40B4-BE49-F238E27FC236}">
-                <a16:creationId xmlns:a16="http://schemas.microsoft.com/office/drawing/2014/main" id="{605D7693-C02D-4321-9697-434D6C70C8AC}"/>
-              </a:ext>
-            </a:extLst>
-          </p:cNvPr>
-          <p:cNvPicPr>
-            <a:picLocks noChangeAspect="1"/>
-          </p:cNvPicPr>
-          <p:nvPr/>
-        </p:nvPicPr>
-        <p:blipFill>
-          <a:blip r:embed="rId2"/>
-          <a:stretch>
-            <a:fillRect/>
-          </a:stretch>
-        </p:blipFill>
-        <p:spPr>
-          <a:xfrm>
-            <a:off x="5264433" y="1783461"/>
-            <a:ext cx="6538648" cy="2429310"/>
-          </a:xfrm>
-          <a:prstGeom prst="rect">
-            <a:avLst/>
-          </a:prstGeom>
-        </p:spPr>
-      </p:pic>
-      <p:sp>
-        <p:nvSpPr>
-          <p:cNvPr id="6" name="Title 5">
-            <a:extLst>
-              <a:ext uri="{FF2B5EF4-FFF2-40B4-BE49-F238E27FC236}">
-                <a16:creationId xmlns:a16="http://schemas.microsoft.com/office/drawing/2014/main" id="{20E27DF9-B0F3-44AB-AD30-D6C1B7DA35B4}"/>
-              </a:ext>
-            </a:extLst>
-          </p:cNvPr>
-          <p:cNvSpPr>
-            <a:spLocks noGrp="1"/>
-          </p:cNvSpPr>
-          <p:nvPr>
-            <p:ph type="title"/>
-          </p:nvPr>
-        </p:nvSpPr>
-        <p:spPr/>
-        <p:txBody>
-          <a:bodyPr/>
-          <a:lstStyle/>
-          <a:p>
-            <a:r>
-              <a:rPr lang="en-US" dirty="0"/>
-              <a:t>Where is origin?</a:t>
-            </a:r>
-            <a:endParaRPr lang="en-IE" dirty="0"/>
-          </a:p>
-        </p:txBody>
-      </p:sp>
-      <p:sp>
-        <p:nvSpPr>
-          <p:cNvPr id="7" name="Text Placeholder 6">
-            <a:extLst>
-              <a:ext uri="{FF2B5EF4-FFF2-40B4-BE49-F238E27FC236}">
-                <a16:creationId xmlns:a16="http://schemas.microsoft.com/office/drawing/2014/main" id="{67135129-2113-4DF2-B9F7-CE9833B33AA9}"/>
-              </a:ext>
-            </a:extLst>
-          </p:cNvPr>
-          <p:cNvSpPr>
-            <a:spLocks noGrp="1"/>
-          </p:cNvSpPr>
-          <p:nvPr>
-            <p:ph type="body" sz="half" idx="2"/>
-          </p:nvPr>
-        </p:nvSpPr>
-        <p:spPr/>
-        <p:txBody>
-          <a:bodyPr/>
-          <a:lstStyle/>
-          <a:p>
-            <a:endParaRPr lang="en-IE"/>
-          </a:p>
-        </p:txBody>
-      </p:sp>
-    </p:spTree>
-    <p:extLst>
-      <p:ext uri="{BB962C8B-B14F-4D97-AF65-F5344CB8AC3E}">
-        <p14:creationId xmlns:p14="http://schemas.microsoft.com/office/powerpoint/2010/main" val="1646105246"/>
-      </p:ext>
-    </p:extLst>
-  </p:cSld>
-  <p:clrMapOvr>
-    <a:masterClrMapping/>
-  </p:clrMapOvr>
-</p:sld>
-</file>
-
-<file path=ppt/slides/slide37.xml><?xml version="1.0" encoding="utf-8"?>
-<p:sld xmlns:a="http://schemas.openxmlformats.org/drawingml/2006/main" xmlns:r="http://schemas.openxmlformats.org/officeDocument/2006/relationships" xmlns:p="http://schemas.openxmlformats.org/presentationml/2006/main">
-  <p:cSld>
-    <p:spTree>
-      <p:nvGrpSpPr>
-        <p:cNvPr id="1" name=""/>
-        <p:cNvGrpSpPr/>
-        <p:nvPr/>
-      </p:nvGrpSpPr>
-      <p:grpSpPr>
-        <a:xfrm>
-          <a:off x="0" y="0"/>
-          <a:ext cx="0" cy="0"/>
-          <a:chOff x="0" y="0"/>
-          <a:chExt cx="0" cy="0"/>
-        </a:xfrm>
-      </p:grpSpPr>
-      <p:pic>
-        <p:nvPicPr>
-          <p:cNvPr id="3" name="Picture 2">
-            <a:extLst>
-              <a:ext uri="{FF2B5EF4-FFF2-40B4-BE49-F238E27FC236}">
-                <a16:creationId xmlns:a16="http://schemas.microsoft.com/office/drawing/2014/main" id="{3F362E89-BBA3-499B-8D31-1AD690B4FAF3}"/>
-              </a:ext>
-            </a:extLst>
-          </p:cNvPr>
-          <p:cNvPicPr>
-            <a:picLocks noChangeAspect="1"/>
-          </p:cNvPicPr>
-          <p:nvPr/>
-        </p:nvPicPr>
-        <p:blipFill>
-          <a:blip r:embed="rId2"/>
-          <a:stretch>
-            <a:fillRect/>
-          </a:stretch>
-        </p:blipFill>
-        <p:spPr>
-          <a:xfrm>
-            <a:off x="5595151" y="1656967"/>
-            <a:ext cx="6040435" cy="3031280"/>
-          </a:xfrm>
-          <a:prstGeom prst="rect">
-            <a:avLst/>
-          </a:prstGeom>
-        </p:spPr>
-      </p:pic>
-      <p:sp>
-        <p:nvSpPr>
-          <p:cNvPr id="4" name="Title 3">
-            <a:extLst>
-              <a:ext uri="{FF2B5EF4-FFF2-40B4-BE49-F238E27FC236}">
-                <a16:creationId xmlns:a16="http://schemas.microsoft.com/office/drawing/2014/main" id="{9F88E25E-6267-4903-A744-081FB53228F9}"/>
-              </a:ext>
-            </a:extLst>
-          </p:cNvPr>
-          <p:cNvSpPr>
-            <a:spLocks noGrp="1"/>
-          </p:cNvSpPr>
-          <p:nvPr>
-            <p:ph type="title"/>
-          </p:nvPr>
-        </p:nvSpPr>
-        <p:spPr/>
-        <p:txBody>
-          <a:bodyPr/>
-          <a:lstStyle/>
-          <a:p>
-            <a:r>
-              <a:rPr lang="en-US" dirty="0"/>
-              <a:t>Pushing to origin</a:t>
-            </a:r>
-            <a:endParaRPr lang="en-IE" dirty="0"/>
-          </a:p>
-        </p:txBody>
-      </p:sp>
-      <p:sp>
-        <p:nvSpPr>
-          <p:cNvPr id="5" name="Text Placeholder 4">
-            <a:extLst>
-              <a:ext uri="{FF2B5EF4-FFF2-40B4-BE49-F238E27FC236}">
-                <a16:creationId xmlns:a16="http://schemas.microsoft.com/office/drawing/2014/main" id="{EEBE4B3C-AA10-4DCA-86AC-A1485379D1B6}"/>
-              </a:ext>
-            </a:extLst>
-          </p:cNvPr>
-          <p:cNvSpPr>
-            <a:spLocks noGrp="1"/>
-          </p:cNvSpPr>
-          <p:nvPr>
-            <p:ph type="body" sz="half" idx="2"/>
-          </p:nvPr>
-        </p:nvSpPr>
-        <p:spPr/>
-        <p:txBody>
-          <a:bodyPr/>
-          <a:lstStyle/>
-          <a:p>
-            <a:endParaRPr lang="en-IE"/>
-          </a:p>
-        </p:txBody>
-      </p:sp>
-    </p:spTree>
-    <p:extLst>
-      <p:ext uri="{BB962C8B-B14F-4D97-AF65-F5344CB8AC3E}">
-        <p14:creationId xmlns:p14="http://schemas.microsoft.com/office/powerpoint/2010/main" val="2272766168"/>
-      </p:ext>
-    </p:extLst>
-  </p:cSld>
-  <p:clrMapOvr>
-    <a:masterClrMapping/>
-  </p:clrMapOvr>
-</p:sld>
-</file>
-
 <file path=ppt/slides/slide38.xml><?xml version="1.0" encoding="utf-8"?>
 <p:sld xmlns:a="http://schemas.openxmlformats.org/drawingml/2006/main" xmlns:r="http://schemas.openxmlformats.org/officeDocument/2006/relationships" xmlns:p="http://schemas.openxmlformats.org/presentationml/2006/main">
   <p:cSld>
@@ -6898,42 +9371,12 @@
           <a:chExt cx="0" cy="0"/>
         </a:xfrm>
       </p:grpSpPr>
-      <p:pic>
-        <p:nvPicPr>
-          <p:cNvPr id="3" name="Picture 2">
-            <a:extLst>
-              <a:ext uri="{FF2B5EF4-FFF2-40B4-BE49-F238E27FC236}">
-                <a16:creationId xmlns:a16="http://schemas.microsoft.com/office/drawing/2014/main" id="{C49C479B-7794-4847-993E-E2C5C3C47CA2}"/>
-              </a:ext>
-            </a:extLst>
-          </p:cNvPr>
-          <p:cNvPicPr>
-            <a:picLocks noChangeAspect="1"/>
-          </p:cNvPicPr>
-          <p:nvPr/>
-        </p:nvPicPr>
-        <p:blipFill>
-          <a:blip r:embed="rId2"/>
-          <a:stretch>
-            <a:fillRect/>
-          </a:stretch>
-        </p:blipFill>
-        <p:spPr>
-          <a:xfrm>
-            <a:off x="7068729" y="671992"/>
-            <a:ext cx="4081674" cy="5514016"/>
-          </a:xfrm>
-          <a:prstGeom prst="rect">
-            <a:avLst/>
-          </a:prstGeom>
-        </p:spPr>
-      </p:pic>
       <p:sp>
         <p:nvSpPr>
           <p:cNvPr id="4" name="Title 3">
             <a:extLst>
               <a:ext uri="{FF2B5EF4-FFF2-40B4-BE49-F238E27FC236}">
-                <a16:creationId xmlns:a16="http://schemas.microsoft.com/office/drawing/2014/main" id="{DB4032CD-F142-4000-938D-C59AE7528569}"/>
+                <a16:creationId xmlns:a16="http://schemas.microsoft.com/office/drawing/2014/main" id="{BE6AF566-9127-45C7-B0EE-96F93600BFBA}"/>
               </a:ext>
             </a:extLst>
           </p:cNvPr>
@@ -6951,7 +9394,7 @@
           <a:p>
             <a:r>
               <a:rPr lang="en-US" dirty="0"/>
-              <a:t>Pushing to origin</a:t>
+              <a:t>Project’s origin repository</a:t>
             </a:r>
             <a:endParaRPr lang="en-IE" dirty="0"/>
           </a:p>
@@ -6962,30 +9405,40 @@
           <p:cNvPr id="5" name="Text Placeholder 4">
             <a:extLst>
               <a:ext uri="{FF2B5EF4-FFF2-40B4-BE49-F238E27FC236}">
-                <a16:creationId xmlns:a16="http://schemas.microsoft.com/office/drawing/2014/main" id="{89E573AB-772F-460C-BF6B-540DAE97519E}"/>
-              </a:ext>
-            </a:extLst>
-          </p:cNvPr>
-          <p:cNvSpPr>
-            <a:spLocks noGrp="1"/>
-          </p:cNvSpPr>
-          <p:nvPr>
-            <p:ph type="body" sz="half" idx="2"/>
-          </p:nvPr>
-        </p:nvSpPr>
-        <p:spPr/>
-        <p:txBody>
-          <a:bodyPr/>
-          <a:lstStyle/>
-          <a:p>
-            <a:endParaRPr lang="en-IE"/>
+                <a16:creationId xmlns:a16="http://schemas.microsoft.com/office/drawing/2014/main" id="{DAF10E9D-5929-43E8-A477-801CDF063CFD}"/>
+              </a:ext>
+            </a:extLst>
+          </p:cNvPr>
+          <p:cNvSpPr>
+            <a:spLocks noGrp="1"/>
+          </p:cNvSpPr>
+          <p:nvPr>
+            <p:ph type="body" idx="1"/>
+          </p:nvPr>
+        </p:nvSpPr>
+        <p:spPr/>
+        <p:txBody>
+          <a:bodyPr/>
+          <a:lstStyle/>
+          <a:p>
+            <a:r>
+              <a:rPr lang="en-US" dirty="0"/>
+              <a:t>git remote</a:t>
+            </a:r>
+          </a:p>
+          <a:p>
+            <a:r>
+              <a:rPr lang="en-US" dirty="0"/>
+              <a:t>git push</a:t>
+            </a:r>
+            <a:endParaRPr lang="en-IE" dirty="0"/>
           </a:p>
         </p:txBody>
       </p:sp>
     </p:spTree>
     <p:extLst>
       <p:ext uri="{BB962C8B-B14F-4D97-AF65-F5344CB8AC3E}">
-        <p14:creationId xmlns:p14="http://schemas.microsoft.com/office/powerpoint/2010/main" val="2140120349"/>
+        <p14:creationId xmlns:p14="http://schemas.microsoft.com/office/powerpoint/2010/main" val="1216411693"/>
       </p:ext>
     </p:extLst>
   </p:cSld>
@@ -7012,12 +9465,42 @@
           <a:chExt cx="0" cy="0"/>
         </a:xfrm>
       </p:grpSpPr>
+      <p:pic>
+        <p:nvPicPr>
+          <p:cNvPr id="3" name="Picture 2">
+            <a:extLst>
+              <a:ext uri="{FF2B5EF4-FFF2-40B4-BE49-F238E27FC236}">
+                <a16:creationId xmlns:a16="http://schemas.microsoft.com/office/drawing/2014/main" id="{586567C6-D600-4921-A21A-CA37905E67D5}"/>
+              </a:ext>
+            </a:extLst>
+          </p:cNvPr>
+          <p:cNvPicPr>
+            <a:picLocks noChangeAspect="1"/>
+          </p:cNvPicPr>
+          <p:nvPr/>
+        </p:nvPicPr>
+        <p:blipFill>
+          <a:blip r:embed="rId2"/>
+          <a:stretch>
+            <a:fillRect/>
+          </a:stretch>
+        </p:blipFill>
+        <p:spPr>
+          <a:xfrm>
+            <a:off x="5662434" y="1952486"/>
+            <a:ext cx="6028129" cy="2423218"/>
+          </a:xfrm>
+          <a:prstGeom prst="rect">
+            <a:avLst/>
+          </a:prstGeom>
+        </p:spPr>
+      </p:pic>
       <p:sp>
         <p:nvSpPr>
           <p:cNvPr id="4" name="Title 3">
             <a:extLst>
               <a:ext uri="{FF2B5EF4-FFF2-40B4-BE49-F238E27FC236}">
-                <a16:creationId xmlns:a16="http://schemas.microsoft.com/office/drawing/2014/main" id="{6BAA8C4D-8486-43BC-B5A2-25AD048F2EDC}"/>
+                <a16:creationId xmlns:a16="http://schemas.microsoft.com/office/drawing/2014/main" id="{453066E3-0496-46B9-8506-4977DF2631C6}"/>
               </a:ext>
             </a:extLst>
           </p:cNvPr>
@@ -7035,7 +9518,7 @@
           <a:p>
             <a:r>
               <a:rPr lang="en-US" dirty="0"/>
-              <a:t>Understanding branches</a:t>
+              <a:t>Where is origin?</a:t>
             </a:r>
             <a:endParaRPr lang="en-IE" dirty="0"/>
           </a:p>
@@ -7046,15 +9529,15 @@
           <p:cNvPr id="5" name="Text Placeholder 4">
             <a:extLst>
               <a:ext uri="{FF2B5EF4-FFF2-40B4-BE49-F238E27FC236}">
-                <a16:creationId xmlns:a16="http://schemas.microsoft.com/office/drawing/2014/main" id="{B2A87E78-0FDE-4A56-A852-2164BBA74A24}"/>
-              </a:ext>
-            </a:extLst>
-          </p:cNvPr>
-          <p:cNvSpPr>
-            <a:spLocks noGrp="1"/>
-          </p:cNvSpPr>
-          <p:nvPr>
-            <p:ph type="body" idx="1"/>
+                <a16:creationId xmlns:a16="http://schemas.microsoft.com/office/drawing/2014/main" id="{567B6B5E-1E35-4903-955E-4E62FBB955A3}"/>
+              </a:ext>
+            </a:extLst>
+          </p:cNvPr>
+          <p:cNvSpPr>
+            <a:spLocks noGrp="1"/>
+          </p:cNvSpPr>
+          <p:nvPr>
+            <p:ph type="body" sz="half" idx="2"/>
           </p:nvPr>
         </p:nvSpPr>
         <p:spPr/>
@@ -7069,7 +9552,7 @@
     </p:spTree>
     <p:extLst>
       <p:ext uri="{BB962C8B-B14F-4D97-AF65-F5344CB8AC3E}">
-        <p14:creationId xmlns:p14="http://schemas.microsoft.com/office/powerpoint/2010/main" val="3463384588"/>
+        <p14:creationId xmlns:p14="http://schemas.microsoft.com/office/powerpoint/2010/main" val="4246113731"/>
       </p:ext>
     </p:extLst>
   </p:cSld>
@@ -7098,10 +9581,10 @@
       </p:grpSpPr>
       <p:sp>
         <p:nvSpPr>
-          <p:cNvPr id="2" name="Title 1">
-            <a:extLst>
-              <a:ext uri="{FF2B5EF4-FFF2-40B4-BE49-F238E27FC236}">
-                <a16:creationId xmlns:a16="http://schemas.microsoft.com/office/drawing/2014/main" id="{32BBF74A-CDB4-4FF9-AFBB-021711F5C4B5}"/>
+          <p:cNvPr id="4" name="Title 3">
+            <a:extLst>
+              <a:ext uri="{FF2B5EF4-FFF2-40B4-BE49-F238E27FC236}">
+                <a16:creationId xmlns:a16="http://schemas.microsoft.com/office/drawing/2014/main" id="{F537A560-84F1-4DDD-931A-8816FC887D2B}"/>
               </a:ext>
             </a:extLst>
           </p:cNvPr>
@@ -7119,7 +9602,7 @@
           <a:p>
             <a:r>
               <a:rPr lang="en-US" dirty="0"/>
-              <a:t>What you should understand by the end</a:t>
+              <a:t>Who am I?</a:t>
             </a:r>
             <a:endParaRPr lang="en-IE" dirty="0"/>
           </a:p>
@@ -7127,72 +9610,33 @@
       </p:sp>
       <p:sp>
         <p:nvSpPr>
-          <p:cNvPr id="3" name="Content Placeholder 2">
-            <a:extLst>
-              <a:ext uri="{FF2B5EF4-FFF2-40B4-BE49-F238E27FC236}">
-                <a16:creationId xmlns:a16="http://schemas.microsoft.com/office/drawing/2014/main" id="{AEB43E76-1DAD-428D-94A5-9BF6C8A7C409}"/>
-              </a:ext>
-            </a:extLst>
-          </p:cNvPr>
-          <p:cNvSpPr>
-            <a:spLocks noGrp="1"/>
-          </p:cNvSpPr>
-          <p:nvPr>
-            <p:ph idx="1"/>
-          </p:nvPr>
-        </p:nvSpPr>
-        <p:spPr/>
-        <p:txBody>
-          <a:bodyPr/>
-          <a:lstStyle/>
-          <a:p>
-            <a:r>
-              <a:rPr lang="en-US" dirty="0"/>
-              <a:t>Why we need git</a:t>
-            </a:r>
-          </a:p>
-          <a:p>
-            <a:r>
-              <a:rPr lang="en-US" dirty="0"/>
-              <a:t>How to create a repository on GitHub</a:t>
-            </a:r>
-          </a:p>
-          <a:p>
-            <a:r>
-              <a:rPr lang="en-US" dirty="0"/>
-              <a:t>How to clone a repository into VS 2019</a:t>
-            </a:r>
-          </a:p>
-          <a:p>
-            <a:r>
-              <a:rPr lang="en-US" dirty="0"/>
-              <a:t>How to add a solution to the repository</a:t>
-            </a:r>
-          </a:p>
-          <a:p>
-            <a:r>
-              <a:rPr lang="en-US" dirty="0"/>
-              <a:t>Basic operations to commit changes</a:t>
-            </a:r>
-          </a:p>
-          <a:p>
-            <a:r>
-              <a:rPr lang="en-US" dirty="0"/>
-              <a:t>Understand how branches work</a:t>
-            </a:r>
-          </a:p>
-          <a:p>
-            <a:r>
-              <a:rPr lang="en-IE" dirty="0"/>
-              <a:t>Flow between local and remote repositories</a:t>
-            </a:r>
+          <p:cNvPr id="5" name="Text Placeholder 4">
+            <a:extLst>
+              <a:ext uri="{FF2B5EF4-FFF2-40B4-BE49-F238E27FC236}">
+                <a16:creationId xmlns:a16="http://schemas.microsoft.com/office/drawing/2014/main" id="{90391188-0383-45A3-BB1C-6EFBA778E4CF}"/>
+              </a:ext>
+            </a:extLst>
+          </p:cNvPr>
+          <p:cNvSpPr>
+            <a:spLocks noGrp="1"/>
+          </p:cNvSpPr>
+          <p:nvPr>
+            <p:ph type="body" idx="1"/>
+          </p:nvPr>
+        </p:nvSpPr>
+        <p:spPr/>
+        <p:txBody>
+          <a:bodyPr/>
+          <a:lstStyle/>
+          <a:p>
+            <a:endParaRPr lang="en-IE"/>
           </a:p>
         </p:txBody>
       </p:sp>
     </p:spTree>
     <p:extLst>
       <p:ext uri="{BB962C8B-B14F-4D97-AF65-F5344CB8AC3E}">
-        <p14:creationId xmlns:p14="http://schemas.microsoft.com/office/powerpoint/2010/main" val="529654382"/>
+        <p14:creationId xmlns:p14="http://schemas.microsoft.com/office/powerpoint/2010/main" val="3522441853"/>
       </p:ext>
     </p:extLst>
   </p:cSld>
@@ -7224,7 +9668,7 @@
           <p:cNvPr id="3" name="Picture 2">
             <a:extLst>
               <a:ext uri="{FF2B5EF4-FFF2-40B4-BE49-F238E27FC236}">
-                <a16:creationId xmlns:a16="http://schemas.microsoft.com/office/drawing/2014/main" id="{8926D366-3575-4803-BD9B-F0B1B0050ED3}"/>
+                <a16:creationId xmlns:a16="http://schemas.microsoft.com/office/drawing/2014/main" id="{7717D287-C436-4134-A8D0-770CF6F4C5FE}"/>
               </a:ext>
             </a:extLst>
           </p:cNvPr>
@@ -7241,8 +9685,8 @@
         </p:blipFill>
         <p:spPr>
           <a:xfrm>
-            <a:off x="5461851" y="1828357"/>
-            <a:ext cx="6146735" cy="2685785"/>
+            <a:off x="5510947" y="665408"/>
+            <a:ext cx="6181085" cy="5431473"/>
           </a:xfrm>
           <a:prstGeom prst="rect">
             <a:avLst/>
@@ -7254,7 +9698,7 @@
           <p:cNvPr id="4" name="Title 3">
             <a:extLst>
               <a:ext uri="{FF2B5EF4-FFF2-40B4-BE49-F238E27FC236}">
-                <a16:creationId xmlns:a16="http://schemas.microsoft.com/office/drawing/2014/main" id="{C4852B39-DE6B-4B5F-A61C-966AD27FB2AF}"/>
+                <a16:creationId xmlns:a16="http://schemas.microsoft.com/office/drawing/2014/main" id="{712AB8A7-FFCD-46E5-86E8-21302A05D911}"/>
               </a:ext>
             </a:extLst>
           </p:cNvPr>
@@ -7272,7 +9716,7 @@
           <a:p>
             <a:r>
               <a:rPr lang="en-US" dirty="0"/>
-              <a:t>Creating a local branch</a:t>
+              <a:t>Where is origin?</a:t>
             </a:r>
             <a:endParaRPr lang="en-IE" dirty="0"/>
           </a:p>
@@ -7283,7 +9727,7 @@
           <p:cNvPr id="5" name="Text Placeholder 4">
             <a:extLst>
               <a:ext uri="{FF2B5EF4-FFF2-40B4-BE49-F238E27FC236}">
-                <a16:creationId xmlns:a16="http://schemas.microsoft.com/office/drawing/2014/main" id="{829D482A-05F8-4CA4-9C2B-ABB31DE5466C}"/>
+                <a16:creationId xmlns:a16="http://schemas.microsoft.com/office/drawing/2014/main" id="{FB047C64-D29A-40D6-AFFE-FF5912DECD4A}"/>
               </a:ext>
             </a:extLst>
           </p:cNvPr>
@@ -7306,7 +9750,7 @@
     </p:spTree>
     <p:extLst>
       <p:ext uri="{BB962C8B-B14F-4D97-AF65-F5344CB8AC3E}">
-        <p14:creationId xmlns:p14="http://schemas.microsoft.com/office/powerpoint/2010/main" val="972551319"/>
+        <p14:creationId xmlns:p14="http://schemas.microsoft.com/office/powerpoint/2010/main" val="1226512163"/>
       </p:ext>
     </p:extLst>
   </p:cSld>
@@ -7335,10 +9779,10 @@
       </p:grpSpPr>
       <p:pic>
         <p:nvPicPr>
-          <p:cNvPr id="3" name="Picture 2">
-            <a:extLst>
-              <a:ext uri="{FF2B5EF4-FFF2-40B4-BE49-F238E27FC236}">
-                <a16:creationId xmlns:a16="http://schemas.microsoft.com/office/drawing/2014/main" id="{532D16AB-D494-4473-A0D1-103AF042E5D8}"/>
+          <p:cNvPr id="5" name="Picture 4">
+            <a:extLst>
+              <a:ext uri="{FF2B5EF4-FFF2-40B4-BE49-F238E27FC236}">
+                <a16:creationId xmlns:a16="http://schemas.microsoft.com/office/drawing/2014/main" id="{605D7693-C02D-4321-9697-434D6C70C8AC}"/>
               </a:ext>
             </a:extLst>
           </p:cNvPr>
@@ -7355,8 +9799,8 @@
         </p:blipFill>
         <p:spPr>
           <a:xfrm>
-            <a:off x="5578454" y="1544704"/>
-            <a:ext cx="6020299" cy="3768592"/>
+            <a:off x="5264433" y="1783461"/>
+            <a:ext cx="6538648" cy="2429310"/>
           </a:xfrm>
           <a:prstGeom prst="rect">
             <a:avLst/>
@@ -7365,10 +9809,10 @@
       </p:pic>
       <p:sp>
         <p:nvSpPr>
-          <p:cNvPr id="4" name="Title 3">
-            <a:extLst>
-              <a:ext uri="{FF2B5EF4-FFF2-40B4-BE49-F238E27FC236}">
-                <a16:creationId xmlns:a16="http://schemas.microsoft.com/office/drawing/2014/main" id="{7A118385-22BD-4C32-8AE1-DC7024F39E79}"/>
+          <p:cNvPr id="6" name="Title 5">
+            <a:extLst>
+              <a:ext uri="{FF2B5EF4-FFF2-40B4-BE49-F238E27FC236}">
+                <a16:creationId xmlns:a16="http://schemas.microsoft.com/office/drawing/2014/main" id="{20E27DF9-B0F3-44AB-AD30-D6C1B7DA35B4}"/>
               </a:ext>
             </a:extLst>
           </p:cNvPr>
@@ -7386,7 +9830,7 @@
           <a:p>
             <a:r>
               <a:rPr lang="en-US" dirty="0"/>
-              <a:t>Creating a local branch</a:t>
+              <a:t>Where is origin?</a:t>
             </a:r>
             <a:endParaRPr lang="en-IE" dirty="0"/>
           </a:p>
@@ -7394,10 +9838,10 @@
       </p:sp>
       <p:sp>
         <p:nvSpPr>
-          <p:cNvPr id="5" name="Text Placeholder 4">
-            <a:extLst>
-              <a:ext uri="{FF2B5EF4-FFF2-40B4-BE49-F238E27FC236}">
-                <a16:creationId xmlns:a16="http://schemas.microsoft.com/office/drawing/2014/main" id="{B85F4BC2-D10D-4554-99F0-8E4735FC0B8E}"/>
+          <p:cNvPr id="7" name="Text Placeholder 6">
+            <a:extLst>
+              <a:ext uri="{FF2B5EF4-FFF2-40B4-BE49-F238E27FC236}">
+                <a16:creationId xmlns:a16="http://schemas.microsoft.com/office/drawing/2014/main" id="{67135129-2113-4DF2-B9F7-CE9833B33AA9}"/>
               </a:ext>
             </a:extLst>
           </p:cNvPr>
@@ -7420,7 +9864,7 @@
     </p:spTree>
     <p:extLst>
       <p:ext uri="{BB962C8B-B14F-4D97-AF65-F5344CB8AC3E}">
-        <p14:creationId xmlns:p14="http://schemas.microsoft.com/office/powerpoint/2010/main" val="3746910666"/>
+        <p14:creationId xmlns:p14="http://schemas.microsoft.com/office/powerpoint/2010/main" val="1646105246"/>
       </p:ext>
     </p:extLst>
   </p:cSld>
@@ -7452,6 +9896,556 @@
           <p:cNvPr id="3" name="Picture 2">
             <a:extLst>
               <a:ext uri="{FF2B5EF4-FFF2-40B4-BE49-F238E27FC236}">
+                <a16:creationId xmlns:a16="http://schemas.microsoft.com/office/drawing/2014/main" id="{3F362E89-BBA3-499B-8D31-1AD690B4FAF3}"/>
+              </a:ext>
+            </a:extLst>
+          </p:cNvPr>
+          <p:cNvPicPr>
+            <a:picLocks noChangeAspect="1"/>
+          </p:cNvPicPr>
+          <p:nvPr/>
+        </p:nvPicPr>
+        <p:blipFill>
+          <a:blip r:embed="rId2"/>
+          <a:stretch>
+            <a:fillRect/>
+          </a:stretch>
+        </p:blipFill>
+        <p:spPr>
+          <a:xfrm>
+            <a:off x="5595151" y="1656967"/>
+            <a:ext cx="6040435" cy="3031280"/>
+          </a:xfrm>
+          <a:prstGeom prst="rect">
+            <a:avLst/>
+          </a:prstGeom>
+        </p:spPr>
+      </p:pic>
+      <p:sp>
+        <p:nvSpPr>
+          <p:cNvPr id="4" name="Title 3">
+            <a:extLst>
+              <a:ext uri="{FF2B5EF4-FFF2-40B4-BE49-F238E27FC236}">
+                <a16:creationId xmlns:a16="http://schemas.microsoft.com/office/drawing/2014/main" id="{9F88E25E-6267-4903-A744-081FB53228F9}"/>
+              </a:ext>
+            </a:extLst>
+          </p:cNvPr>
+          <p:cNvSpPr>
+            <a:spLocks noGrp="1"/>
+          </p:cNvSpPr>
+          <p:nvPr>
+            <p:ph type="title"/>
+          </p:nvPr>
+        </p:nvSpPr>
+        <p:spPr/>
+        <p:txBody>
+          <a:bodyPr/>
+          <a:lstStyle/>
+          <a:p>
+            <a:r>
+              <a:rPr lang="en-US" dirty="0"/>
+              <a:t>Pushing to origin</a:t>
+            </a:r>
+            <a:endParaRPr lang="en-IE" dirty="0"/>
+          </a:p>
+        </p:txBody>
+      </p:sp>
+      <p:sp>
+        <p:nvSpPr>
+          <p:cNvPr id="5" name="Text Placeholder 4">
+            <a:extLst>
+              <a:ext uri="{FF2B5EF4-FFF2-40B4-BE49-F238E27FC236}">
+                <a16:creationId xmlns:a16="http://schemas.microsoft.com/office/drawing/2014/main" id="{EEBE4B3C-AA10-4DCA-86AC-A1485379D1B6}"/>
+              </a:ext>
+            </a:extLst>
+          </p:cNvPr>
+          <p:cNvSpPr>
+            <a:spLocks noGrp="1"/>
+          </p:cNvSpPr>
+          <p:nvPr>
+            <p:ph type="body" sz="half" idx="2"/>
+          </p:nvPr>
+        </p:nvSpPr>
+        <p:spPr/>
+        <p:txBody>
+          <a:bodyPr/>
+          <a:lstStyle/>
+          <a:p>
+            <a:endParaRPr lang="en-IE"/>
+          </a:p>
+        </p:txBody>
+      </p:sp>
+    </p:spTree>
+    <p:extLst>
+      <p:ext uri="{BB962C8B-B14F-4D97-AF65-F5344CB8AC3E}">
+        <p14:creationId xmlns:p14="http://schemas.microsoft.com/office/powerpoint/2010/main" val="2272766168"/>
+      </p:ext>
+    </p:extLst>
+  </p:cSld>
+  <p:clrMapOvr>
+    <a:masterClrMapping/>
+  </p:clrMapOvr>
+</p:sld>
+</file>
+
+<file path=ppt/slides/slide43.xml><?xml version="1.0" encoding="utf-8"?>
+<p:sld xmlns:a="http://schemas.openxmlformats.org/drawingml/2006/main" xmlns:r="http://schemas.openxmlformats.org/officeDocument/2006/relationships" xmlns:p="http://schemas.openxmlformats.org/presentationml/2006/main">
+  <p:cSld>
+    <p:spTree>
+      <p:nvGrpSpPr>
+        <p:cNvPr id="1" name=""/>
+        <p:cNvGrpSpPr/>
+        <p:nvPr/>
+      </p:nvGrpSpPr>
+      <p:grpSpPr>
+        <a:xfrm>
+          <a:off x="0" y="0"/>
+          <a:ext cx="0" cy="0"/>
+          <a:chOff x="0" y="0"/>
+          <a:chExt cx="0" cy="0"/>
+        </a:xfrm>
+      </p:grpSpPr>
+      <p:pic>
+        <p:nvPicPr>
+          <p:cNvPr id="3" name="Picture 2">
+            <a:extLst>
+              <a:ext uri="{FF2B5EF4-FFF2-40B4-BE49-F238E27FC236}">
+                <a16:creationId xmlns:a16="http://schemas.microsoft.com/office/drawing/2014/main" id="{C49C479B-7794-4847-993E-E2C5C3C47CA2}"/>
+              </a:ext>
+            </a:extLst>
+          </p:cNvPr>
+          <p:cNvPicPr>
+            <a:picLocks noChangeAspect="1"/>
+          </p:cNvPicPr>
+          <p:nvPr/>
+        </p:nvPicPr>
+        <p:blipFill>
+          <a:blip r:embed="rId2"/>
+          <a:stretch>
+            <a:fillRect/>
+          </a:stretch>
+        </p:blipFill>
+        <p:spPr>
+          <a:xfrm>
+            <a:off x="7068729" y="671992"/>
+            <a:ext cx="4081674" cy="5514016"/>
+          </a:xfrm>
+          <a:prstGeom prst="rect">
+            <a:avLst/>
+          </a:prstGeom>
+        </p:spPr>
+      </p:pic>
+      <p:sp>
+        <p:nvSpPr>
+          <p:cNvPr id="4" name="Title 3">
+            <a:extLst>
+              <a:ext uri="{FF2B5EF4-FFF2-40B4-BE49-F238E27FC236}">
+                <a16:creationId xmlns:a16="http://schemas.microsoft.com/office/drawing/2014/main" id="{DB4032CD-F142-4000-938D-C59AE7528569}"/>
+              </a:ext>
+            </a:extLst>
+          </p:cNvPr>
+          <p:cNvSpPr>
+            <a:spLocks noGrp="1"/>
+          </p:cNvSpPr>
+          <p:nvPr>
+            <p:ph type="title"/>
+          </p:nvPr>
+        </p:nvSpPr>
+        <p:spPr/>
+        <p:txBody>
+          <a:bodyPr/>
+          <a:lstStyle/>
+          <a:p>
+            <a:r>
+              <a:rPr lang="en-US" dirty="0"/>
+              <a:t>Pushing to origin</a:t>
+            </a:r>
+            <a:endParaRPr lang="en-IE" dirty="0"/>
+          </a:p>
+        </p:txBody>
+      </p:sp>
+      <p:sp>
+        <p:nvSpPr>
+          <p:cNvPr id="5" name="Text Placeholder 4">
+            <a:extLst>
+              <a:ext uri="{FF2B5EF4-FFF2-40B4-BE49-F238E27FC236}">
+                <a16:creationId xmlns:a16="http://schemas.microsoft.com/office/drawing/2014/main" id="{89E573AB-772F-460C-BF6B-540DAE97519E}"/>
+              </a:ext>
+            </a:extLst>
+          </p:cNvPr>
+          <p:cNvSpPr>
+            <a:spLocks noGrp="1"/>
+          </p:cNvSpPr>
+          <p:nvPr>
+            <p:ph type="body" sz="half" idx="2"/>
+          </p:nvPr>
+        </p:nvSpPr>
+        <p:spPr/>
+        <p:txBody>
+          <a:bodyPr/>
+          <a:lstStyle/>
+          <a:p>
+            <a:endParaRPr lang="en-IE"/>
+          </a:p>
+        </p:txBody>
+      </p:sp>
+    </p:spTree>
+    <p:extLst>
+      <p:ext uri="{BB962C8B-B14F-4D97-AF65-F5344CB8AC3E}">
+        <p14:creationId xmlns:p14="http://schemas.microsoft.com/office/powerpoint/2010/main" val="2140120349"/>
+      </p:ext>
+    </p:extLst>
+  </p:cSld>
+  <p:clrMapOvr>
+    <a:masterClrMapping/>
+  </p:clrMapOvr>
+</p:sld>
+</file>
+
+<file path=ppt/slides/slide44.xml><?xml version="1.0" encoding="utf-8"?>
+<p:sld xmlns:a="http://schemas.openxmlformats.org/drawingml/2006/main" xmlns:r="http://schemas.openxmlformats.org/officeDocument/2006/relationships" xmlns:p="http://schemas.openxmlformats.org/presentationml/2006/main">
+  <p:cSld>
+    <p:spTree>
+      <p:nvGrpSpPr>
+        <p:cNvPr id="1" name=""/>
+        <p:cNvGrpSpPr/>
+        <p:nvPr/>
+      </p:nvGrpSpPr>
+      <p:grpSpPr>
+        <a:xfrm>
+          <a:off x="0" y="0"/>
+          <a:ext cx="0" cy="0"/>
+          <a:chOff x="0" y="0"/>
+          <a:chExt cx="0" cy="0"/>
+        </a:xfrm>
+      </p:grpSpPr>
+      <p:sp>
+        <p:nvSpPr>
+          <p:cNvPr id="4" name="Title 3">
+            <a:extLst>
+              <a:ext uri="{FF2B5EF4-FFF2-40B4-BE49-F238E27FC236}">
+                <a16:creationId xmlns:a16="http://schemas.microsoft.com/office/drawing/2014/main" id="{6BAA8C4D-8486-43BC-B5A2-25AD048F2EDC}"/>
+              </a:ext>
+            </a:extLst>
+          </p:cNvPr>
+          <p:cNvSpPr>
+            <a:spLocks noGrp="1"/>
+          </p:cNvSpPr>
+          <p:nvPr>
+            <p:ph type="title"/>
+          </p:nvPr>
+        </p:nvSpPr>
+        <p:spPr/>
+        <p:txBody>
+          <a:bodyPr/>
+          <a:lstStyle/>
+          <a:p>
+            <a:r>
+              <a:rPr lang="en-US" dirty="0"/>
+              <a:t>Understanding branches</a:t>
+            </a:r>
+            <a:endParaRPr lang="en-IE" dirty="0"/>
+          </a:p>
+        </p:txBody>
+      </p:sp>
+      <p:sp>
+        <p:nvSpPr>
+          <p:cNvPr id="5" name="Text Placeholder 4">
+            <a:extLst>
+              <a:ext uri="{FF2B5EF4-FFF2-40B4-BE49-F238E27FC236}">
+                <a16:creationId xmlns:a16="http://schemas.microsoft.com/office/drawing/2014/main" id="{B2A87E78-0FDE-4A56-A852-2164BBA74A24}"/>
+              </a:ext>
+            </a:extLst>
+          </p:cNvPr>
+          <p:cNvSpPr>
+            <a:spLocks noGrp="1"/>
+          </p:cNvSpPr>
+          <p:nvPr>
+            <p:ph type="body" idx="1"/>
+          </p:nvPr>
+        </p:nvSpPr>
+        <p:spPr/>
+        <p:txBody>
+          <a:bodyPr/>
+          <a:lstStyle/>
+          <a:p>
+            <a:r>
+              <a:rPr lang="en-US" dirty="0"/>
+              <a:t>git checkout</a:t>
+            </a:r>
+          </a:p>
+          <a:p>
+            <a:r>
+              <a:rPr lang="en-US" dirty="0"/>
+              <a:t>git branch</a:t>
+            </a:r>
+            <a:endParaRPr lang="en-IE" dirty="0"/>
+          </a:p>
+        </p:txBody>
+      </p:sp>
+    </p:spTree>
+    <p:extLst>
+      <p:ext uri="{BB962C8B-B14F-4D97-AF65-F5344CB8AC3E}">
+        <p14:creationId xmlns:p14="http://schemas.microsoft.com/office/powerpoint/2010/main" val="3463384588"/>
+      </p:ext>
+    </p:extLst>
+  </p:cSld>
+  <p:clrMapOvr>
+    <a:masterClrMapping/>
+  </p:clrMapOvr>
+</p:sld>
+</file>
+
+<file path=ppt/slides/slide45.xml><?xml version="1.0" encoding="utf-8"?>
+<p:sld xmlns:a="http://schemas.openxmlformats.org/drawingml/2006/main" xmlns:r="http://schemas.openxmlformats.org/officeDocument/2006/relationships" xmlns:p="http://schemas.openxmlformats.org/presentationml/2006/main">
+  <p:cSld>
+    <p:spTree>
+      <p:nvGrpSpPr>
+        <p:cNvPr id="1" name=""/>
+        <p:cNvGrpSpPr/>
+        <p:nvPr/>
+      </p:nvGrpSpPr>
+      <p:grpSpPr>
+        <a:xfrm>
+          <a:off x="0" y="0"/>
+          <a:ext cx="0" cy="0"/>
+          <a:chOff x="0" y="0"/>
+          <a:chExt cx="0" cy="0"/>
+        </a:xfrm>
+      </p:grpSpPr>
+      <p:pic>
+        <p:nvPicPr>
+          <p:cNvPr id="3" name="Picture 2">
+            <a:extLst>
+              <a:ext uri="{FF2B5EF4-FFF2-40B4-BE49-F238E27FC236}">
+                <a16:creationId xmlns:a16="http://schemas.microsoft.com/office/drawing/2014/main" id="{8926D366-3575-4803-BD9B-F0B1B0050ED3}"/>
+              </a:ext>
+            </a:extLst>
+          </p:cNvPr>
+          <p:cNvPicPr>
+            <a:picLocks noChangeAspect="1"/>
+          </p:cNvPicPr>
+          <p:nvPr/>
+        </p:nvPicPr>
+        <p:blipFill>
+          <a:blip r:embed="rId2"/>
+          <a:stretch>
+            <a:fillRect/>
+          </a:stretch>
+        </p:blipFill>
+        <p:spPr>
+          <a:xfrm>
+            <a:off x="5461851" y="1828357"/>
+            <a:ext cx="6146735" cy="2685785"/>
+          </a:xfrm>
+          <a:prstGeom prst="rect">
+            <a:avLst/>
+          </a:prstGeom>
+        </p:spPr>
+      </p:pic>
+      <p:sp>
+        <p:nvSpPr>
+          <p:cNvPr id="4" name="Title 3">
+            <a:extLst>
+              <a:ext uri="{FF2B5EF4-FFF2-40B4-BE49-F238E27FC236}">
+                <a16:creationId xmlns:a16="http://schemas.microsoft.com/office/drawing/2014/main" id="{C4852B39-DE6B-4B5F-A61C-966AD27FB2AF}"/>
+              </a:ext>
+            </a:extLst>
+          </p:cNvPr>
+          <p:cNvSpPr>
+            <a:spLocks noGrp="1"/>
+          </p:cNvSpPr>
+          <p:nvPr>
+            <p:ph type="title"/>
+          </p:nvPr>
+        </p:nvSpPr>
+        <p:spPr/>
+        <p:txBody>
+          <a:bodyPr/>
+          <a:lstStyle/>
+          <a:p>
+            <a:r>
+              <a:rPr lang="en-US" dirty="0"/>
+              <a:t>Creating a local branch</a:t>
+            </a:r>
+            <a:endParaRPr lang="en-IE" dirty="0"/>
+          </a:p>
+        </p:txBody>
+      </p:sp>
+      <p:sp>
+        <p:nvSpPr>
+          <p:cNvPr id="5" name="Text Placeholder 4">
+            <a:extLst>
+              <a:ext uri="{FF2B5EF4-FFF2-40B4-BE49-F238E27FC236}">
+                <a16:creationId xmlns:a16="http://schemas.microsoft.com/office/drawing/2014/main" id="{829D482A-05F8-4CA4-9C2B-ABB31DE5466C}"/>
+              </a:ext>
+            </a:extLst>
+          </p:cNvPr>
+          <p:cNvSpPr>
+            <a:spLocks noGrp="1"/>
+          </p:cNvSpPr>
+          <p:nvPr>
+            <p:ph type="body" sz="half" idx="2"/>
+          </p:nvPr>
+        </p:nvSpPr>
+        <p:spPr/>
+        <p:txBody>
+          <a:bodyPr/>
+          <a:lstStyle/>
+          <a:p>
+            <a:endParaRPr lang="en-IE"/>
+          </a:p>
+        </p:txBody>
+      </p:sp>
+    </p:spTree>
+    <p:extLst>
+      <p:ext uri="{BB962C8B-B14F-4D97-AF65-F5344CB8AC3E}">
+        <p14:creationId xmlns:p14="http://schemas.microsoft.com/office/powerpoint/2010/main" val="972551319"/>
+      </p:ext>
+    </p:extLst>
+  </p:cSld>
+  <p:clrMapOvr>
+    <a:masterClrMapping/>
+  </p:clrMapOvr>
+</p:sld>
+</file>
+
+<file path=ppt/slides/slide46.xml><?xml version="1.0" encoding="utf-8"?>
+<p:sld xmlns:a="http://schemas.openxmlformats.org/drawingml/2006/main" xmlns:r="http://schemas.openxmlformats.org/officeDocument/2006/relationships" xmlns:p="http://schemas.openxmlformats.org/presentationml/2006/main">
+  <p:cSld>
+    <p:spTree>
+      <p:nvGrpSpPr>
+        <p:cNvPr id="1" name=""/>
+        <p:cNvGrpSpPr/>
+        <p:nvPr/>
+      </p:nvGrpSpPr>
+      <p:grpSpPr>
+        <a:xfrm>
+          <a:off x="0" y="0"/>
+          <a:ext cx="0" cy="0"/>
+          <a:chOff x="0" y="0"/>
+          <a:chExt cx="0" cy="0"/>
+        </a:xfrm>
+      </p:grpSpPr>
+      <p:pic>
+        <p:nvPicPr>
+          <p:cNvPr id="3" name="Picture 2">
+            <a:extLst>
+              <a:ext uri="{FF2B5EF4-FFF2-40B4-BE49-F238E27FC236}">
+                <a16:creationId xmlns:a16="http://schemas.microsoft.com/office/drawing/2014/main" id="{532D16AB-D494-4473-A0D1-103AF042E5D8}"/>
+              </a:ext>
+            </a:extLst>
+          </p:cNvPr>
+          <p:cNvPicPr>
+            <a:picLocks noChangeAspect="1"/>
+          </p:cNvPicPr>
+          <p:nvPr/>
+        </p:nvPicPr>
+        <p:blipFill>
+          <a:blip r:embed="rId2"/>
+          <a:stretch>
+            <a:fillRect/>
+          </a:stretch>
+        </p:blipFill>
+        <p:spPr>
+          <a:xfrm>
+            <a:off x="5578454" y="1544704"/>
+            <a:ext cx="6020299" cy="3768592"/>
+          </a:xfrm>
+          <a:prstGeom prst="rect">
+            <a:avLst/>
+          </a:prstGeom>
+        </p:spPr>
+      </p:pic>
+      <p:sp>
+        <p:nvSpPr>
+          <p:cNvPr id="4" name="Title 3">
+            <a:extLst>
+              <a:ext uri="{FF2B5EF4-FFF2-40B4-BE49-F238E27FC236}">
+                <a16:creationId xmlns:a16="http://schemas.microsoft.com/office/drawing/2014/main" id="{7A118385-22BD-4C32-8AE1-DC7024F39E79}"/>
+              </a:ext>
+            </a:extLst>
+          </p:cNvPr>
+          <p:cNvSpPr>
+            <a:spLocks noGrp="1"/>
+          </p:cNvSpPr>
+          <p:nvPr>
+            <p:ph type="title"/>
+          </p:nvPr>
+        </p:nvSpPr>
+        <p:spPr/>
+        <p:txBody>
+          <a:bodyPr/>
+          <a:lstStyle/>
+          <a:p>
+            <a:r>
+              <a:rPr lang="en-US" dirty="0"/>
+              <a:t>Creating a local branch</a:t>
+            </a:r>
+            <a:endParaRPr lang="en-IE" dirty="0"/>
+          </a:p>
+        </p:txBody>
+      </p:sp>
+      <p:sp>
+        <p:nvSpPr>
+          <p:cNvPr id="5" name="Text Placeholder 4">
+            <a:extLst>
+              <a:ext uri="{FF2B5EF4-FFF2-40B4-BE49-F238E27FC236}">
+                <a16:creationId xmlns:a16="http://schemas.microsoft.com/office/drawing/2014/main" id="{B85F4BC2-D10D-4554-99F0-8E4735FC0B8E}"/>
+              </a:ext>
+            </a:extLst>
+          </p:cNvPr>
+          <p:cNvSpPr>
+            <a:spLocks noGrp="1"/>
+          </p:cNvSpPr>
+          <p:nvPr>
+            <p:ph type="body" sz="half" idx="2"/>
+          </p:nvPr>
+        </p:nvSpPr>
+        <p:spPr/>
+        <p:txBody>
+          <a:bodyPr/>
+          <a:lstStyle/>
+          <a:p>
+            <a:endParaRPr lang="en-IE"/>
+          </a:p>
+        </p:txBody>
+      </p:sp>
+    </p:spTree>
+    <p:extLst>
+      <p:ext uri="{BB962C8B-B14F-4D97-AF65-F5344CB8AC3E}">
+        <p14:creationId xmlns:p14="http://schemas.microsoft.com/office/powerpoint/2010/main" val="3746910666"/>
+      </p:ext>
+    </p:extLst>
+  </p:cSld>
+  <p:clrMapOvr>
+    <a:masterClrMapping/>
+  </p:clrMapOvr>
+</p:sld>
+</file>
+
+<file path=ppt/slides/slide47.xml><?xml version="1.0" encoding="utf-8"?>
+<p:sld xmlns:a="http://schemas.openxmlformats.org/drawingml/2006/main" xmlns:r="http://schemas.openxmlformats.org/officeDocument/2006/relationships" xmlns:p="http://schemas.openxmlformats.org/presentationml/2006/main">
+  <p:cSld>
+    <p:spTree>
+      <p:nvGrpSpPr>
+        <p:cNvPr id="1" name=""/>
+        <p:cNvGrpSpPr/>
+        <p:nvPr/>
+      </p:nvGrpSpPr>
+      <p:grpSpPr>
+        <a:xfrm>
+          <a:off x="0" y="0"/>
+          <a:ext cx="0" cy="0"/>
+          <a:chOff x="0" y="0"/>
+          <a:chExt cx="0" cy="0"/>
+        </a:xfrm>
+      </p:grpSpPr>
+      <p:pic>
+        <p:nvPicPr>
+          <p:cNvPr id="3" name="Picture 2">
+            <a:extLst>
+              <a:ext uri="{FF2B5EF4-FFF2-40B4-BE49-F238E27FC236}">
                 <a16:creationId xmlns:a16="http://schemas.microsoft.com/office/drawing/2014/main" id="{3859580A-9DD0-4204-B0AE-290F788B565B}"/>
               </a:ext>
             </a:extLst>
@@ -7544,7 +10538,7 @@
 </p:sld>
 </file>
 
-<file path=ppt/slides/slide43.xml><?xml version="1.0" encoding="utf-8"?>
+<file path=ppt/slides/slide48.xml><?xml version="1.0" encoding="utf-8"?>
 <p:sld xmlns:a="http://schemas.openxmlformats.org/drawingml/2006/main" xmlns:r="http://schemas.openxmlformats.org/officeDocument/2006/relationships" xmlns:p="http://schemas.openxmlformats.org/presentationml/2006/main">
   <p:cSld>
     <p:spTree>
@@ -7658,7 +10652,7 @@
 </p:sld>
 </file>
 
-<file path=ppt/slides/slide44.xml><?xml version="1.0" encoding="utf-8"?>
+<file path=ppt/slides/slide49.xml><?xml version="1.0" encoding="utf-8"?>
 <p:sld xmlns:a="http://schemas.openxmlformats.org/drawingml/2006/main" xmlns:r="http://schemas.openxmlformats.org/officeDocument/2006/relationships" xmlns:p="http://schemas.openxmlformats.org/presentationml/2006/main">
   <p:cSld>
     <p:spTree>
@@ -7762,204 +10756,6 @@
     <p:extLst>
       <p:ext uri="{BB962C8B-B14F-4D97-AF65-F5344CB8AC3E}">
         <p14:creationId xmlns:p14="http://schemas.microsoft.com/office/powerpoint/2010/main" val="1198126406"/>
-      </p:ext>
-    </p:extLst>
-  </p:cSld>
-  <p:clrMapOvr>
-    <a:masterClrMapping/>
-  </p:clrMapOvr>
-</p:sld>
-</file>
-
-<file path=ppt/slides/slide45.xml><?xml version="1.0" encoding="utf-8"?>
-<p:sld xmlns:a="http://schemas.openxmlformats.org/drawingml/2006/main" xmlns:r="http://schemas.openxmlformats.org/officeDocument/2006/relationships" xmlns:p="http://schemas.openxmlformats.org/presentationml/2006/main">
-  <p:cSld>
-    <p:spTree>
-      <p:nvGrpSpPr>
-        <p:cNvPr id="1" name=""/>
-        <p:cNvGrpSpPr/>
-        <p:nvPr/>
-      </p:nvGrpSpPr>
-      <p:grpSpPr>
-        <a:xfrm>
-          <a:off x="0" y="0"/>
-          <a:ext cx="0" cy="0"/>
-          <a:chOff x="0" y="0"/>
-          <a:chExt cx="0" cy="0"/>
-        </a:xfrm>
-      </p:grpSpPr>
-      <p:pic>
-        <p:nvPicPr>
-          <p:cNvPr id="3" name="Picture 2">
-            <a:extLst>
-              <a:ext uri="{FF2B5EF4-FFF2-40B4-BE49-F238E27FC236}">
-                <a16:creationId xmlns:a16="http://schemas.microsoft.com/office/drawing/2014/main" id="{093F752B-4D96-4902-85B9-F8881B4C1B38}"/>
-              </a:ext>
-            </a:extLst>
-          </p:cNvPr>
-          <p:cNvPicPr>
-            <a:picLocks noChangeAspect="1"/>
-          </p:cNvPicPr>
-          <p:nvPr/>
-        </p:nvPicPr>
-        <p:blipFill>
-          <a:blip r:embed="rId2"/>
-          <a:stretch>
-            <a:fillRect/>
-          </a:stretch>
-        </p:blipFill>
-        <p:spPr>
-          <a:xfrm>
-            <a:off x="6462169" y="662502"/>
-            <a:ext cx="4890043" cy="5206486"/>
-          </a:xfrm>
-          <a:prstGeom prst="rect">
-            <a:avLst/>
-          </a:prstGeom>
-        </p:spPr>
-      </p:pic>
-      <p:sp>
-        <p:nvSpPr>
-          <p:cNvPr id="4" name="Title 3">
-            <a:extLst>
-              <a:ext uri="{FF2B5EF4-FFF2-40B4-BE49-F238E27FC236}">
-                <a16:creationId xmlns:a16="http://schemas.microsoft.com/office/drawing/2014/main" id="{6A194064-960C-4E9F-AA86-E61E09432A10}"/>
-              </a:ext>
-            </a:extLst>
-          </p:cNvPr>
-          <p:cNvSpPr>
-            <a:spLocks noGrp="1"/>
-          </p:cNvSpPr>
-          <p:nvPr>
-            <p:ph type="title"/>
-          </p:nvPr>
-        </p:nvSpPr>
-        <p:spPr/>
-        <p:txBody>
-          <a:bodyPr/>
-          <a:lstStyle/>
-          <a:p>
-            <a:r>
-              <a:rPr lang="en-US" dirty="0"/>
-              <a:t>Merging changes between branches</a:t>
-            </a:r>
-            <a:endParaRPr lang="en-IE" dirty="0"/>
-          </a:p>
-        </p:txBody>
-      </p:sp>
-      <p:sp>
-        <p:nvSpPr>
-          <p:cNvPr id="5" name="Text Placeholder 4">
-            <a:extLst>
-              <a:ext uri="{FF2B5EF4-FFF2-40B4-BE49-F238E27FC236}">
-                <a16:creationId xmlns:a16="http://schemas.microsoft.com/office/drawing/2014/main" id="{D28F3DC9-D074-461D-B67A-BC9F63673C7F}"/>
-              </a:ext>
-            </a:extLst>
-          </p:cNvPr>
-          <p:cNvSpPr>
-            <a:spLocks noGrp="1"/>
-          </p:cNvSpPr>
-          <p:nvPr>
-            <p:ph type="body" sz="half" idx="2"/>
-          </p:nvPr>
-        </p:nvSpPr>
-        <p:spPr/>
-        <p:txBody>
-          <a:bodyPr/>
-          <a:lstStyle/>
-          <a:p>
-            <a:endParaRPr lang="en-IE"/>
-          </a:p>
-        </p:txBody>
-      </p:sp>
-    </p:spTree>
-    <p:extLst>
-      <p:ext uri="{BB962C8B-B14F-4D97-AF65-F5344CB8AC3E}">
-        <p14:creationId xmlns:p14="http://schemas.microsoft.com/office/powerpoint/2010/main" val="150489242"/>
-      </p:ext>
-    </p:extLst>
-  </p:cSld>
-  <p:clrMapOvr>
-    <a:masterClrMapping/>
-  </p:clrMapOvr>
-</p:sld>
-</file>
-
-<file path=ppt/slides/slide46.xml><?xml version="1.0" encoding="utf-8"?>
-<p:sld xmlns:a="http://schemas.openxmlformats.org/drawingml/2006/main" xmlns:r="http://schemas.openxmlformats.org/officeDocument/2006/relationships" xmlns:p="http://schemas.openxmlformats.org/presentationml/2006/main">
-  <p:cSld>
-    <p:spTree>
-      <p:nvGrpSpPr>
-        <p:cNvPr id="1" name=""/>
-        <p:cNvGrpSpPr/>
-        <p:nvPr/>
-      </p:nvGrpSpPr>
-      <p:grpSpPr>
-        <a:xfrm>
-          <a:off x="0" y="0"/>
-          <a:ext cx="0" cy="0"/>
-          <a:chOff x="0" y="0"/>
-          <a:chExt cx="0" cy="0"/>
-        </a:xfrm>
-      </p:grpSpPr>
-      <p:sp>
-        <p:nvSpPr>
-          <p:cNvPr id="4" name="Title 3">
-            <a:extLst>
-              <a:ext uri="{FF2B5EF4-FFF2-40B4-BE49-F238E27FC236}">
-                <a16:creationId xmlns:a16="http://schemas.microsoft.com/office/drawing/2014/main" id="{8EE66749-49DF-4028-81A7-EB9865ED36C3}"/>
-              </a:ext>
-            </a:extLst>
-          </p:cNvPr>
-          <p:cNvSpPr>
-            <a:spLocks noGrp="1"/>
-          </p:cNvSpPr>
-          <p:nvPr>
-            <p:ph type="ctrTitle"/>
-          </p:nvPr>
-        </p:nvSpPr>
-        <p:spPr/>
-        <p:txBody>
-          <a:bodyPr/>
-          <a:lstStyle/>
-          <a:p>
-            <a:r>
-              <a:rPr lang="en-US" dirty="0"/>
-              <a:t>Questions?</a:t>
-            </a:r>
-            <a:endParaRPr lang="en-IE" dirty="0"/>
-          </a:p>
-        </p:txBody>
-      </p:sp>
-      <p:sp>
-        <p:nvSpPr>
-          <p:cNvPr id="5" name="Subtitle 4">
-            <a:extLst>
-              <a:ext uri="{FF2B5EF4-FFF2-40B4-BE49-F238E27FC236}">
-                <a16:creationId xmlns:a16="http://schemas.microsoft.com/office/drawing/2014/main" id="{1270A333-6A2E-4E6C-BBF9-26F787AE3B0A}"/>
-              </a:ext>
-            </a:extLst>
-          </p:cNvPr>
-          <p:cNvSpPr>
-            <a:spLocks noGrp="1"/>
-          </p:cNvSpPr>
-          <p:nvPr>
-            <p:ph type="subTitle" idx="1"/>
-          </p:nvPr>
-        </p:nvSpPr>
-        <p:spPr/>
-        <p:txBody>
-          <a:bodyPr/>
-          <a:lstStyle/>
-          <a:p>
-            <a:endParaRPr lang="en-IE"/>
-          </a:p>
-        </p:txBody>
-      </p:sp>
-    </p:spTree>
-    <p:extLst>
-      <p:ext uri="{BB962C8B-B14F-4D97-AF65-F5344CB8AC3E}">
-        <p14:creationId xmlns:p14="http://schemas.microsoft.com/office/powerpoint/2010/main" val="293660055"/>
       </p:ext>
     </p:extLst>
   </p:cSld>
@@ -7988,10 +10784,10 @@
       </p:grpSpPr>
       <p:sp>
         <p:nvSpPr>
-          <p:cNvPr id="2" name="Title 1">
-            <a:extLst>
-              <a:ext uri="{FF2B5EF4-FFF2-40B4-BE49-F238E27FC236}">
-                <a16:creationId xmlns:a16="http://schemas.microsoft.com/office/drawing/2014/main" id="{5A135AF4-5120-4216-8637-958F07A7452E}"/>
+          <p:cNvPr id="4" name="Title 3">
+            <a:extLst>
+              <a:ext uri="{FF2B5EF4-FFF2-40B4-BE49-F238E27FC236}">
+                <a16:creationId xmlns:a16="http://schemas.microsoft.com/office/drawing/2014/main" id="{9F78E0E9-20F9-47B5-A1A5-8AFF7D2AD392}"/>
               </a:ext>
             </a:extLst>
           </p:cNvPr>
@@ -8009,7 +10805,7 @@
           <a:p>
             <a:r>
               <a:rPr lang="en-US" dirty="0"/>
-              <a:t>If we have time, we could</a:t>
+              <a:t>Who am I?</a:t>
             </a:r>
             <a:endParaRPr lang="en-IE" dirty="0"/>
           </a:p>
@@ -8017,10 +10813,10 @@
       </p:sp>
       <p:sp>
         <p:nvSpPr>
-          <p:cNvPr id="3" name="Content Placeholder 2">
-            <a:extLst>
-              <a:ext uri="{FF2B5EF4-FFF2-40B4-BE49-F238E27FC236}">
-                <a16:creationId xmlns:a16="http://schemas.microsoft.com/office/drawing/2014/main" id="{03ED8C80-21B6-411E-ADCE-42803B0FB2F6}"/>
+          <p:cNvPr id="5" name="Content Placeholder 4">
+            <a:extLst>
+              <a:ext uri="{FF2B5EF4-FFF2-40B4-BE49-F238E27FC236}">
+                <a16:creationId xmlns:a16="http://schemas.microsoft.com/office/drawing/2014/main" id="{8513EBFC-9368-4961-B4F5-9DF5641487AC}"/>
               </a:ext>
             </a:extLst>
           </p:cNvPr>
@@ -8036,21 +10832,48 @@
           <a:bodyPr/>
           <a:lstStyle/>
           <a:p>
+            <a:pPr marL="0" indent="0">
+              <a:buNone/>
+            </a:pPr>
             <a:r>
               <a:rPr lang="en-US" dirty="0"/>
-              <a:t>Try to use command-line git </a:t>
-            </a:r>
-          </a:p>
-          <a:p>
+              <a:t>I’m an Engineering Manager in Microsoft. </a:t>
+            </a:r>
+          </a:p>
+          <a:p>
+            <a:pPr marL="0" indent="0">
+              <a:buNone/>
+            </a:pPr>
             <a:r>
               <a:rPr lang="en-US" dirty="0"/>
-              <a:t>Try to do a pull request</a:t>
-            </a:r>
-          </a:p>
-          <a:p>
+              <a:t>Originally from Guatemala, and have lived also in the US, El Salvador, Germany, Ireland and Estonia. </a:t>
+            </a:r>
+          </a:p>
+          <a:p>
+            <a:pPr marL="0" indent="0">
+              <a:buNone/>
+            </a:pPr>
             <a:r>
               <a:rPr lang="en-US" dirty="0"/>
-              <a:t>Learn how to stash changes</a:t>
+              <a:t>Studied a B.Sc. in Computer Science, an M.Sc. in Information and Media Technologies, and an MBA in Technology Management. </a:t>
+            </a:r>
+          </a:p>
+          <a:p>
+            <a:pPr marL="0" indent="0">
+              <a:buNone/>
+            </a:pPr>
+            <a:r>
+              <a:rPr lang="en-US" dirty="0"/>
+              <a:t>Have worked as a software developer, accounting/HR/IT consultant, university lecturer, text formatter, manager.</a:t>
+            </a:r>
+          </a:p>
+          <a:p>
+            <a:pPr marL="0" indent="0">
+              <a:buNone/>
+            </a:pPr>
+            <a:r>
+              <a:rPr lang="en-US" dirty="0"/>
+              <a:t>I have music, reading and photography as main hobbies.</a:t>
             </a:r>
           </a:p>
         </p:txBody>
@@ -8058,7 +10881,443 @@
     </p:spTree>
     <p:extLst>
       <p:ext uri="{BB962C8B-B14F-4D97-AF65-F5344CB8AC3E}">
-        <p14:creationId xmlns:p14="http://schemas.microsoft.com/office/powerpoint/2010/main" val="2032828467"/>
+        <p14:creationId xmlns:p14="http://schemas.microsoft.com/office/powerpoint/2010/main" val="1087185537"/>
+      </p:ext>
+    </p:extLst>
+  </p:cSld>
+  <p:clrMapOvr>
+    <a:masterClrMapping/>
+  </p:clrMapOvr>
+</p:sld>
+</file>
+
+<file path=ppt/slides/slide50.xml><?xml version="1.0" encoding="utf-8"?>
+<p:sld xmlns:a="http://schemas.openxmlformats.org/drawingml/2006/main" xmlns:r="http://schemas.openxmlformats.org/officeDocument/2006/relationships" xmlns:p="http://schemas.openxmlformats.org/presentationml/2006/main">
+  <p:cSld>
+    <p:spTree>
+      <p:nvGrpSpPr>
+        <p:cNvPr id="1" name=""/>
+        <p:cNvGrpSpPr/>
+        <p:nvPr/>
+      </p:nvGrpSpPr>
+      <p:grpSpPr>
+        <a:xfrm>
+          <a:off x="0" y="0"/>
+          <a:ext cx="0" cy="0"/>
+          <a:chOff x="0" y="0"/>
+          <a:chExt cx="0" cy="0"/>
+        </a:xfrm>
+      </p:grpSpPr>
+      <p:pic>
+        <p:nvPicPr>
+          <p:cNvPr id="3" name="Picture 2">
+            <a:extLst>
+              <a:ext uri="{FF2B5EF4-FFF2-40B4-BE49-F238E27FC236}">
+                <a16:creationId xmlns:a16="http://schemas.microsoft.com/office/drawing/2014/main" id="{093F752B-4D96-4902-85B9-F8881B4C1B38}"/>
+              </a:ext>
+            </a:extLst>
+          </p:cNvPr>
+          <p:cNvPicPr>
+            <a:picLocks noChangeAspect="1"/>
+          </p:cNvPicPr>
+          <p:nvPr/>
+        </p:nvPicPr>
+        <p:blipFill>
+          <a:blip r:embed="rId2"/>
+          <a:stretch>
+            <a:fillRect/>
+          </a:stretch>
+        </p:blipFill>
+        <p:spPr>
+          <a:xfrm>
+            <a:off x="6462169" y="662502"/>
+            <a:ext cx="4890043" cy="5206486"/>
+          </a:xfrm>
+          <a:prstGeom prst="rect">
+            <a:avLst/>
+          </a:prstGeom>
+        </p:spPr>
+      </p:pic>
+      <p:sp>
+        <p:nvSpPr>
+          <p:cNvPr id="4" name="Title 3">
+            <a:extLst>
+              <a:ext uri="{FF2B5EF4-FFF2-40B4-BE49-F238E27FC236}">
+                <a16:creationId xmlns:a16="http://schemas.microsoft.com/office/drawing/2014/main" id="{6A194064-960C-4E9F-AA86-E61E09432A10}"/>
+              </a:ext>
+            </a:extLst>
+          </p:cNvPr>
+          <p:cNvSpPr>
+            <a:spLocks noGrp="1"/>
+          </p:cNvSpPr>
+          <p:nvPr>
+            <p:ph type="title"/>
+          </p:nvPr>
+        </p:nvSpPr>
+        <p:spPr/>
+        <p:txBody>
+          <a:bodyPr/>
+          <a:lstStyle/>
+          <a:p>
+            <a:r>
+              <a:rPr lang="en-US" dirty="0"/>
+              <a:t>Merging changes between branches</a:t>
+            </a:r>
+            <a:endParaRPr lang="en-IE" dirty="0"/>
+          </a:p>
+        </p:txBody>
+      </p:sp>
+      <p:sp>
+        <p:nvSpPr>
+          <p:cNvPr id="5" name="Text Placeholder 4">
+            <a:extLst>
+              <a:ext uri="{FF2B5EF4-FFF2-40B4-BE49-F238E27FC236}">
+                <a16:creationId xmlns:a16="http://schemas.microsoft.com/office/drawing/2014/main" id="{D28F3DC9-D074-461D-B67A-BC9F63673C7F}"/>
+              </a:ext>
+            </a:extLst>
+          </p:cNvPr>
+          <p:cNvSpPr>
+            <a:spLocks noGrp="1"/>
+          </p:cNvSpPr>
+          <p:nvPr>
+            <p:ph type="body" sz="half" idx="2"/>
+          </p:nvPr>
+        </p:nvSpPr>
+        <p:spPr/>
+        <p:txBody>
+          <a:bodyPr/>
+          <a:lstStyle/>
+          <a:p>
+            <a:endParaRPr lang="en-IE"/>
+          </a:p>
+        </p:txBody>
+      </p:sp>
+    </p:spTree>
+    <p:extLst>
+      <p:ext uri="{BB962C8B-B14F-4D97-AF65-F5344CB8AC3E}">
+        <p14:creationId xmlns:p14="http://schemas.microsoft.com/office/powerpoint/2010/main" val="150489242"/>
+      </p:ext>
+    </p:extLst>
+  </p:cSld>
+  <p:clrMapOvr>
+    <a:masterClrMapping/>
+  </p:clrMapOvr>
+</p:sld>
+</file>
+
+<file path=ppt/slides/slide51.xml><?xml version="1.0" encoding="utf-8"?>
+<p:sld xmlns:a="http://schemas.openxmlformats.org/drawingml/2006/main" xmlns:r="http://schemas.openxmlformats.org/officeDocument/2006/relationships" xmlns:p="http://schemas.openxmlformats.org/presentationml/2006/main">
+  <p:cSld>
+    <p:spTree>
+      <p:nvGrpSpPr>
+        <p:cNvPr id="1" name=""/>
+        <p:cNvGrpSpPr/>
+        <p:nvPr/>
+      </p:nvGrpSpPr>
+      <p:grpSpPr>
+        <a:xfrm>
+          <a:off x="0" y="0"/>
+          <a:ext cx="0" cy="0"/>
+          <a:chOff x="0" y="0"/>
+          <a:chExt cx="0" cy="0"/>
+        </a:xfrm>
+      </p:grpSpPr>
+      <p:sp>
+        <p:nvSpPr>
+          <p:cNvPr id="4" name="Title 3">
+            <a:extLst>
+              <a:ext uri="{FF2B5EF4-FFF2-40B4-BE49-F238E27FC236}">
+                <a16:creationId xmlns:a16="http://schemas.microsoft.com/office/drawing/2014/main" id="{D3EEE2AD-4668-40F1-82F7-5D5A28ADDADA}"/>
+              </a:ext>
+            </a:extLst>
+          </p:cNvPr>
+          <p:cNvSpPr>
+            <a:spLocks noGrp="1"/>
+          </p:cNvSpPr>
+          <p:nvPr>
+            <p:ph type="title"/>
+          </p:nvPr>
+        </p:nvSpPr>
+        <p:spPr/>
+        <p:txBody>
+          <a:bodyPr/>
+          <a:lstStyle/>
+          <a:p>
+            <a:r>
+              <a:rPr lang="en-US" dirty="0"/>
+              <a:t>Resources</a:t>
+            </a:r>
+            <a:endParaRPr lang="en-IE" dirty="0"/>
+          </a:p>
+        </p:txBody>
+      </p:sp>
+      <p:sp>
+        <p:nvSpPr>
+          <p:cNvPr id="5" name="Text Placeholder 4">
+            <a:extLst>
+              <a:ext uri="{FF2B5EF4-FFF2-40B4-BE49-F238E27FC236}">
+                <a16:creationId xmlns:a16="http://schemas.microsoft.com/office/drawing/2014/main" id="{08CC9B1E-CB79-4477-92F0-FC33FC847B91}"/>
+              </a:ext>
+            </a:extLst>
+          </p:cNvPr>
+          <p:cNvSpPr>
+            <a:spLocks noGrp="1"/>
+          </p:cNvSpPr>
+          <p:nvPr>
+            <p:ph type="body" idx="1"/>
+          </p:nvPr>
+        </p:nvSpPr>
+        <p:spPr/>
+        <p:txBody>
+          <a:bodyPr/>
+          <a:lstStyle/>
+          <a:p>
+            <a:endParaRPr lang="en-IE"/>
+          </a:p>
+        </p:txBody>
+      </p:sp>
+    </p:spTree>
+    <p:extLst>
+      <p:ext uri="{BB962C8B-B14F-4D97-AF65-F5344CB8AC3E}">
+        <p14:creationId xmlns:p14="http://schemas.microsoft.com/office/powerpoint/2010/main" val="2977001213"/>
+      </p:ext>
+    </p:extLst>
+  </p:cSld>
+  <p:clrMapOvr>
+    <a:masterClrMapping/>
+  </p:clrMapOvr>
+</p:sld>
+</file>
+
+<file path=ppt/slides/slide52.xml><?xml version="1.0" encoding="utf-8"?>
+<p:sld xmlns:a="http://schemas.openxmlformats.org/drawingml/2006/main" xmlns:r="http://schemas.openxmlformats.org/officeDocument/2006/relationships" xmlns:p="http://schemas.openxmlformats.org/presentationml/2006/main">
+  <p:cSld>
+    <p:spTree>
+      <p:nvGrpSpPr>
+        <p:cNvPr id="1" name=""/>
+        <p:cNvGrpSpPr/>
+        <p:nvPr/>
+      </p:nvGrpSpPr>
+      <p:grpSpPr>
+        <a:xfrm>
+          <a:off x="0" y="0"/>
+          <a:ext cx="0" cy="0"/>
+          <a:chOff x="0" y="0"/>
+          <a:chExt cx="0" cy="0"/>
+        </a:xfrm>
+      </p:grpSpPr>
+      <p:sp>
+        <p:nvSpPr>
+          <p:cNvPr id="4" name="Title 3">
+            <a:extLst>
+              <a:ext uri="{FF2B5EF4-FFF2-40B4-BE49-F238E27FC236}">
+                <a16:creationId xmlns:a16="http://schemas.microsoft.com/office/drawing/2014/main" id="{995162D3-0D93-4E38-9BC1-8DD1E7B7494B}"/>
+              </a:ext>
+            </a:extLst>
+          </p:cNvPr>
+          <p:cNvSpPr>
+            <a:spLocks noGrp="1"/>
+          </p:cNvSpPr>
+          <p:nvPr>
+            <p:ph type="title"/>
+          </p:nvPr>
+        </p:nvSpPr>
+        <p:spPr/>
+        <p:txBody>
+          <a:bodyPr/>
+          <a:lstStyle/>
+          <a:p>
+            <a:r>
+              <a:rPr lang="en-US" dirty="0"/>
+              <a:t>Suggested resources</a:t>
+            </a:r>
+            <a:endParaRPr lang="en-IE" dirty="0"/>
+          </a:p>
+        </p:txBody>
+      </p:sp>
+      <p:sp>
+        <p:nvSpPr>
+          <p:cNvPr id="5" name="Content Placeholder 4">
+            <a:extLst>
+              <a:ext uri="{FF2B5EF4-FFF2-40B4-BE49-F238E27FC236}">
+                <a16:creationId xmlns:a16="http://schemas.microsoft.com/office/drawing/2014/main" id="{AE8494CF-BC35-4DD7-A9C8-C99A7C5F28E3}"/>
+              </a:ext>
+            </a:extLst>
+          </p:cNvPr>
+          <p:cNvSpPr>
+            <a:spLocks noGrp="1"/>
+          </p:cNvSpPr>
+          <p:nvPr>
+            <p:ph idx="1"/>
+          </p:nvPr>
+        </p:nvSpPr>
+        <p:spPr/>
+        <p:txBody>
+          <a:bodyPr/>
+          <a:lstStyle/>
+          <a:p>
+            <a:r>
+              <a:rPr lang="en-IE" dirty="0">
+                <a:hlinkClick r:id="rId2"/>
+              </a:rPr>
+              <a:t>Git (git-scm.com)</a:t>
+            </a:r>
+            <a:endParaRPr lang="en-IE" dirty="0"/>
+          </a:p>
+          <a:p>
+            <a:r>
+              <a:rPr lang="en-IE" dirty="0">
+                <a:hlinkClick r:id="rId3"/>
+              </a:rPr>
+              <a:t>Resources to learn Git (try.github.io)</a:t>
+            </a:r>
+            <a:endParaRPr lang="en-IE" dirty="0"/>
+          </a:p>
+          <a:p>
+            <a:r>
+              <a:rPr lang="en-IE" dirty="0">
+                <a:hlinkClick r:id="rId4"/>
+              </a:rPr>
+              <a:t>GitHub Git Cheat Sheet - GitHub </a:t>
+            </a:r>
+            <a:r>
+              <a:rPr lang="en-IE" dirty="0" err="1">
+                <a:hlinkClick r:id="rId4"/>
+              </a:rPr>
+              <a:t>Cheatsheets</a:t>
+            </a:r>
+            <a:endParaRPr lang="en-IE" dirty="0"/>
+          </a:p>
+          <a:p>
+            <a:r>
+              <a:rPr lang="en-IE" dirty="0">
+                <a:hlinkClick r:id="rId5"/>
+              </a:rPr>
+              <a:t>The Git experience in Visual Studio | Microsoft Docs</a:t>
+            </a:r>
+            <a:endParaRPr lang="en-IE" dirty="0"/>
+          </a:p>
+          <a:p>
+            <a:r>
+              <a:rPr lang="en-IE" dirty="0" err="1">
+                <a:hlinkClick r:id="rId6"/>
+              </a:rPr>
+              <a:t>Dangit</a:t>
+            </a:r>
+            <a:r>
+              <a:rPr lang="en-IE" dirty="0">
+                <a:hlinkClick r:id="rId6"/>
+              </a:rPr>
+              <a:t>, Git!?!</a:t>
+            </a:r>
+            <a:endParaRPr lang="en-IE" dirty="0"/>
+          </a:p>
+        </p:txBody>
+      </p:sp>
+    </p:spTree>
+    <p:extLst>
+      <p:ext uri="{BB962C8B-B14F-4D97-AF65-F5344CB8AC3E}">
+        <p14:creationId xmlns:p14="http://schemas.microsoft.com/office/powerpoint/2010/main" val="2599648721"/>
+      </p:ext>
+    </p:extLst>
+  </p:cSld>
+  <p:clrMapOvr>
+    <a:masterClrMapping/>
+  </p:clrMapOvr>
+</p:sld>
+</file>
+
+<file path=ppt/slides/slide53.xml><?xml version="1.0" encoding="utf-8"?>
+<p:sld xmlns:a="http://schemas.openxmlformats.org/drawingml/2006/main" xmlns:r="http://schemas.openxmlformats.org/officeDocument/2006/relationships" xmlns:p="http://schemas.openxmlformats.org/presentationml/2006/main">
+  <p:cSld>
+    <p:spTree>
+      <p:nvGrpSpPr>
+        <p:cNvPr id="1" name=""/>
+        <p:cNvGrpSpPr/>
+        <p:nvPr/>
+      </p:nvGrpSpPr>
+      <p:grpSpPr>
+        <a:xfrm>
+          <a:off x="0" y="0"/>
+          <a:ext cx="0" cy="0"/>
+          <a:chOff x="0" y="0"/>
+          <a:chExt cx="0" cy="0"/>
+        </a:xfrm>
+      </p:grpSpPr>
+      <p:sp>
+        <p:nvSpPr>
+          <p:cNvPr id="4" name="Title 3">
+            <a:extLst>
+              <a:ext uri="{FF2B5EF4-FFF2-40B4-BE49-F238E27FC236}">
+                <a16:creationId xmlns:a16="http://schemas.microsoft.com/office/drawing/2014/main" id="{8EE66749-49DF-4028-81A7-EB9865ED36C3}"/>
+              </a:ext>
+            </a:extLst>
+          </p:cNvPr>
+          <p:cNvSpPr>
+            <a:spLocks noGrp="1"/>
+          </p:cNvSpPr>
+          <p:nvPr>
+            <p:ph type="ctrTitle"/>
+          </p:nvPr>
+        </p:nvSpPr>
+        <p:spPr/>
+        <p:txBody>
+          <a:bodyPr/>
+          <a:lstStyle/>
+          <a:p>
+            <a:r>
+              <a:rPr lang="en-US" dirty="0"/>
+              <a:t>Questions?</a:t>
+            </a:r>
+            <a:endParaRPr lang="en-IE" dirty="0"/>
+          </a:p>
+        </p:txBody>
+      </p:sp>
+      <p:sp>
+        <p:nvSpPr>
+          <p:cNvPr id="5" name="Subtitle 4">
+            <a:extLst>
+              <a:ext uri="{FF2B5EF4-FFF2-40B4-BE49-F238E27FC236}">
+                <a16:creationId xmlns:a16="http://schemas.microsoft.com/office/drawing/2014/main" id="{1270A333-6A2E-4E6C-BBF9-26F787AE3B0A}"/>
+              </a:ext>
+            </a:extLst>
+          </p:cNvPr>
+          <p:cNvSpPr>
+            <a:spLocks noGrp="1"/>
+          </p:cNvSpPr>
+          <p:nvPr>
+            <p:ph type="subTitle" idx="1"/>
+          </p:nvPr>
+        </p:nvSpPr>
+        <p:spPr/>
+        <p:txBody>
+          <a:bodyPr/>
+          <a:lstStyle/>
+          <a:p>
+            <a:r>
+              <a:rPr lang="en-US" dirty="0"/>
+              <a:t>Karim Heredia</a:t>
+            </a:r>
+          </a:p>
+          <a:p>
+            <a:r>
+              <a:rPr lang="en-US" dirty="0">
+                <a:hlinkClick r:id="rId2"/>
+              </a:rPr>
+              <a:t>https://about.me/karim.heredia</a:t>
+            </a:r>
+            <a:r>
+              <a:rPr lang="en-US" dirty="0"/>
+              <a:t> </a:t>
+            </a:r>
+            <a:endParaRPr lang="en-IE" dirty="0"/>
+          </a:p>
+        </p:txBody>
+      </p:sp>
+    </p:spTree>
+    <p:extLst>
+      <p:ext uri="{BB962C8B-B14F-4D97-AF65-F5344CB8AC3E}">
+        <p14:creationId xmlns:p14="http://schemas.microsoft.com/office/powerpoint/2010/main" val="293660055"/>
       </p:ext>
     </p:extLst>
   </p:cSld>
@@ -8090,7 +11349,7 @@
           <p:cNvPr id="4" name="Title 3">
             <a:extLst>
               <a:ext uri="{FF2B5EF4-FFF2-40B4-BE49-F238E27FC236}">
-                <a16:creationId xmlns:a16="http://schemas.microsoft.com/office/drawing/2014/main" id="{E36BE898-BD07-4DFB-BE9E-E72192B24AB8}"/>
+                <a16:creationId xmlns:a16="http://schemas.microsoft.com/office/drawing/2014/main" id="{F848FC59-A7D0-4312-91B9-F9D303E234E4}"/>
               </a:ext>
             </a:extLst>
           </p:cNvPr>
@@ -8108,9 +11367,13 @@
           <a:p>
             <a:r>
               <a:rPr lang="en-US" dirty="0"/>
-              <a:t>Why do we need git?</a:t>
-            </a:r>
-            <a:endParaRPr lang="en-IE" dirty="0"/>
+              <a:t>Our </a:t>
+            </a:r>
+            <a:r>
+              <a:rPr lang="en-US"/>
+              <a:t>training today</a:t>
+            </a:r>
+            <a:endParaRPr lang="en-IE"/>
           </a:p>
         </p:txBody>
       </p:sp>
@@ -8119,7 +11382,7 @@
           <p:cNvPr id="5" name="Text Placeholder 4">
             <a:extLst>
               <a:ext uri="{FF2B5EF4-FFF2-40B4-BE49-F238E27FC236}">
-                <a16:creationId xmlns:a16="http://schemas.microsoft.com/office/drawing/2014/main" id="{BBD3E0D4-5CD1-4B61-B5E0-2ACFD860C070}"/>
+                <a16:creationId xmlns:a16="http://schemas.microsoft.com/office/drawing/2014/main" id="{B1A68E73-3F87-4638-89CB-796877510B34}"/>
               </a:ext>
             </a:extLst>
           </p:cNvPr>
@@ -8142,7 +11405,7 @@
     </p:spTree>
     <p:extLst>
       <p:ext uri="{BB962C8B-B14F-4D97-AF65-F5344CB8AC3E}">
-        <p14:creationId xmlns:p14="http://schemas.microsoft.com/office/powerpoint/2010/main" val="562545380"/>
+        <p14:creationId xmlns:p14="http://schemas.microsoft.com/office/powerpoint/2010/main" val="721585980"/>
       </p:ext>
     </p:extLst>
   </p:cSld>
@@ -8171,10 +11434,10 @@
       </p:grpSpPr>
       <p:sp>
         <p:nvSpPr>
-          <p:cNvPr id="4" name="Title 3">
-            <a:extLst>
-              <a:ext uri="{FF2B5EF4-FFF2-40B4-BE49-F238E27FC236}">
-                <a16:creationId xmlns:a16="http://schemas.microsoft.com/office/drawing/2014/main" id="{317E6BFB-B076-4C23-8C4B-79BF09208D3F}"/>
+          <p:cNvPr id="2" name="Title 1">
+            <a:extLst>
+              <a:ext uri="{FF2B5EF4-FFF2-40B4-BE49-F238E27FC236}">
+                <a16:creationId xmlns:a16="http://schemas.microsoft.com/office/drawing/2014/main" id="{32BBF74A-CDB4-4FF9-AFBB-021711F5C4B5}"/>
               </a:ext>
             </a:extLst>
           </p:cNvPr>
@@ -8192,7 +11455,7 @@
           <a:p>
             <a:r>
               <a:rPr lang="en-US" dirty="0"/>
-              <a:t>Some of the reasons why you need git</a:t>
+              <a:t>What you’ll know</a:t>
             </a:r>
             <a:endParaRPr lang="en-IE" dirty="0"/>
           </a:p>
@@ -8200,10 +11463,10 @@
       </p:sp>
       <p:sp>
         <p:nvSpPr>
-          <p:cNvPr id="5" name="Content Placeholder 4">
-            <a:extLst>
-              <a:ext uri="{FF2B5EF4-FFF2-40B4-BE49-F238E27FC236}">
-                <a16:creationId xmlns:a16="http://schemas.microsoft.com/office/drawing/2014/main" id="{CAE1C818-9CD1-41E0-8807-0C0ACD541095}"/>
+          <p:cNvPr id="3" name="Content Placeholder 2">
+            <a:extLst>
+              <a:ext uri="{FF2B5EF4-FFF2-40B4-BE49-F238E27FC236}">
+                <a16:creationId xmlns:a16="http://schemas.microsoft.com/office/drawing/2014/main" id="{AEB43E76-1DAD-428D-94A5-9BF6C8A7C409}"/>
               </a:ext>
             </a:extLst>
           </p:cNvPr>
@@ -8221,36 +11484,51 @@
           <a:p>
             <a:r>
               <a:rPr lang="en-US" dirty="0"/>
-              <a:t>History</a:t>
+              <a:t>Why we need git</a:t>
             </a:r>
           </a:p>
           <a:p>
             <a:r>
               <a:rPr lang="en-US" dirty="0"/>
-              <a:t>Teamwork</a:t>
+              <a:t>How to create a repository on GitHub</a:t>
             </a:r>
           </a:p>
           <a:p>
             <a:r>
               <a:rPr lang="en-US" dirty="0"/>
-              <a:t>Multiple versions</a:t>
+              <a:t>How to clone a repository into VS 2019</a:t>
             </a:r>
           </a:p>
           <a:p>
             <a:r>
               <a:rPr lang="en-US" dirty="0"/>
-              <a:t>Suggestions</a:t>
-            </a:r>
-          </a:p>
-          <a:p>
-            <a:endParaRPr lang="en-IE" dirty="0"/>
+              <a:t>How to add a solution to the repository</a:t>
+            </a:r>
+          </a:p>
+          <a:p>
+            <a:r>
+              <a:rPr lang="en-US" dirty="0"/>
+              <a:t>Basic operations to commit changes</a:t>
+            </a:r>
+          </a:p>
+          <a:p>
+            <a:r>
+              <a:rPr lang="en-US" dirty="0"/>
+              <a:t>Understand how branches work</a:t>
+            </a:r>
+          </a:p>
+          <a:p>
+            <a:r>
+              <a:rPr lang="en-IE" dirty="0"/>
+              <a:t>Flow between local and remote repositories</a:t>
+            </a:r>
           </a:p>
         </p:txBody>
       </p:sp>
     </p:spTree>
     <p:extLst>
       <p:ext uri="{BB962C8B-B14F-4D97-AF65-F5344CB8AC3E}">
-        <p14:creationId xmlns:p14="http://schemas.microsoft.com/office/powerpoint/2010/main" val="3742200851"/>
+        <p14:creationId xmlns:p14="http://schemas.microsoft.com/office/powerpoint/2010/main" val="529654382"/>
       </p:ext>
     </p:extLst>
   </p:cSld>
@@ -8279,10 +11557,10 @@
       </p:grpSpPr>
       <p:sp>
         <p:nvSpPr>
-          <p:cNvPr id="4" name="Title 3">
-            <a:extLst>
-              <a:ext uri="{FF2B5EF4-FFF2-40B4-BE49-F238E27FC236}">
-                <a16:creationId xmlns:a16="http://schemas.microsoft.com/office/drawing/2014/main" id="{EFA429CA-6956-44C7-922F-9C10285BEDC8}"/>
+          <p:cNvPr id="2" name="Title 1">
+            <a:extLst>
+              <a:ext uri="{FF2B5EF4-FFF2-40B4-BE49-F238E27FC236}">
+                <a16:creationId xmlns:a16="http://schemas.microsoft.com/office/drawing/2014/main" id="{5A135AF4-5120-4216-8637-958F07A7452E}"/>
               </a:ext>
             </a:extLst>
           </p:cNvPr>
@@ -8300,7 +11578,7 @@
           <a:p>
             <a:r>
               <a:rPr lang="en-US" dirty="0"/>
-              <a:t>Starting a new repository</a:t>
+              <a:t>If we have time, we could</a:t>
             </a:r>
             <a:endParaRPr lang="en-IE" dirty="0"/>
           </a:p>
@@ -8308,33 +11586,48 @@
       </p:sp>
       <p:sp>
         <p:nvSpPr>
-          <p:cNvPr id="5" name="Text Placeholder 4">
-            <a:extLst>
-              <a:ext uri="{FF2B5EF4-FFF2-40B4-BE49-F238E27FC236}">
-                <a16:creationId xmlns:a16="http://schemas.microsoft.com/office/drawing/2014/main" id="{BDBB8EB7-A6C6-4522-A07B-AF34DA9337EC}"/>
-              </a:ext>
-            </a:extLst>
-          </p:cNvPr>
-          <p:cNvSpPr>
-            <a:spLocks noGrp="1"/>
-          </p:cNvSpPr>
-          <p:nvPr>
-            <p:ph type="body" idx="1"/>
-          </p:nvPr>
-        </p:nvSpPr>
-        <p:spPr/>
-        <p:txBody>
-          <a:bodyPr/>
-          <a:lstStyle/>
-          <a:p>
-            <a:endParaRPr lang="en-IE"/>
+          <p:cNvPr id="3" name="Content Placeholder 2">
+            <a:extLst>
+              <a:ext uri="{FF2B5EF4-FFF2-40B4-BE49-F238E27FC236}">
+                <a16:creationId xmlns:a16="http://schemas.microsoft.com/office/drawing/2014/main" id="{03ED8C80-21B6-411E-ADCE-42803B0FB2F6}"/>
+              </a:ext>
+            </a:extLst>
+          </p:cNvPr>
+          <p:cNvSpPr>
+            <a:spLocks noGrp="1"/>
+          </p:cNvSpPr>
+          <p:nvPr>
+            <p:ph idx="1"/>
+          </p:nvPr>
+        </p:nvSpPr>
+        <p:spPr/>
+        <p:txBody>
+          <a:bodyPr/>
+          <a:lstStyle/>
+          <a:p>
+            <a:r>
+              <a:rPr lang="en-US" dirty="0"/>
+              <a:t>Try to use command-line git </a:t>
+            </a:r>
+          </a:p>
+          <a:p>
+            <a:r>
+              <a:rPr lang="en-US" dirty="0"/>
+              <a:t>Try to do a pull request</a:t>
+            </a:r>
+          </a:p>
+          <a:p>
+            <a:r>
+              <a:rPr lang="en-US" dirty="0"/>
+              <a:t>Learn how to stash changes</a:t>
+            </a:r>
           </a:p>
         </p:txBody>
       </p:sp>
     </p:spTree>
     <p:extLst>
       <p:ext uri="{BB962C8B-B14F-4D97-AF65-F5344CB8AC3E}">
-        <p14:creationId xmlns:p14="http://schemas.microsoft.com/office/powerpoint/2010/main" val="946103203"/>
+        <p14:creationId xmlns:p14="http://schemas.microsoft.com/office/powerpoint/2010/main" val="2032828467"/>
       </p:ext>
     </p:extLst>
   </p:cSld>
@@ -8366,7 +11659,7 @@
           <p:cNvPr id="4" name="Title 3">
             <a:extLst>
               <a:ext uri="{FF2B5EF4-FFF2-40B4-BE49-F238E27FC236}">
-                <a16:creationId xmlns:a16="http://schemas.microsoft.com/office/drawing/2014/main" id="{5B7B3897-80A3-4E64-A583-ABE8CFFE6A4A}"/>
+                <a16:creationId xmlns:a16="http://schemas.microsoft.com/office/drawing/2014/main" id="{E36BE898-BD07-4DFB-BE9E-E72192B24AB8}"/>
               </a:ext>
             </a:extLst>
           </p:cNvPr>
@@ -8384,7 +11677,7 @@
           <a:p>
             <a:r>
               <a:rPr lang="en-US" dirty="0"/>
-              <a:t>Creating a new repository</a:t>
+              <a:t>Why do we need git?</a:t>
             </a:r>
             <a:endParaRPr lang="en-IE" dirty="0"/>
           </a:p>
@@ -8392,18 +11685,18 @@
       </p:sp>
       <p:sp>
         <p:nvSpPr>
-          <p:cNvPr id="7" name="Text Placeholder 6">
-            <a:extLst>
-              <a:ext uri="{FF2B5EF4-FFF2-40B4-BE49-F238E27FC236}">
-                <a16:creationId xmlns:a16="http://schemas.microsoft.com/office/drawing/2014/main" id="{E0260A16-0197-4E8B-B735-34E2BCAD0D69}"/>
-              </a:ext>
-            </a:extLst>
-          </p:cNvPr>
-          <p:cNvSpPr>
-            <a:spLocks noGrp="1"/>
-          </p:cNvSpPr>
-          <p:nvPr>
-            <p:ph type="body" sz="half" idx="2"/>
+          <p:cNvPr id="5" name="Text Placeholder 4">
+            <a:extLst>
+              <a:ext uri="{FF2B5EF4-FFF2-40B4-BE49-F238E27FC236}">
+                <a16:creationId xmlns:a16="http://schemas.microsoft.com/office/drawing/2014/main" id="{BBD3E0D4-5CD1-4B61-B5E0-2ACFD860C070}"/>
+              </a:ext>
+            </a:extLst>
+          </p:cNvPr>
+          <p:cNvSpPr>
+            <a:spLocks noGrp="1"/>
+          </p:cNvSpPr>
+          <p:nvPr>
+            <p:ph type="body" idx="1"/>
           </p:nvPr>
         </p:nvSpPr>
         <p:spPr/>
@@ -8415,40 +11708,10 @@
           </a:p>
         </p:txBody>
       </p:sp>
-      <p:pic>
-        <p:nvPicPr>
-          <p:cNvPr id="6" name="Picture 5">
-            <a:extLst>
-              <a:ext uri="{FF2B5EF4-FFF2-40B4-BE49-F238E27FC236}">
-                <a16:creationId xmlns:a16="http://schemas.microsoft.com/office/drawing/2014/main" id="{96004E1B-42A0-4D5B-B80D-2DDE3BCD93E3}"/>
-              </a:ext>
-            </a:extLst>
-          </p:cNvPr>
-          <p:cNvPicPr>
-            <a:picLocks noChangeAspect="1"/>
-          </p:cNvPicPr>
-          <p:nvPr/>
-        </p:nvPicPr>
-        <p:blipFill>
-          <a:blip r:embed="rId2"/>
-          <a:stretch>
-            <a:fillRect/>
-          </a:stretch>
-        </p:blipFill>
-        <p:spPr>
-          <a:xfrm>
-            <a:off x="6968802" y="1274201"/>
-            <a:ext cx="3826711" cy="3447829"/>
-          </a:xfrm>
-          <a:prstGeom prst="rect">
-            <a:avLst/>
-          </a:prstGeom>
-        </p:spPr>
-      </p:pic>
     </p:spTree>
     <p:extLst>
       <p:ext uri="{BB962C8B-B14F-4D97-AF65-F5344CB8AC3E}">
-        <p14:creationId xmlns:p14="http://schemas.microsoft.com/office/powerpoint/2010/main" val="1166185792"/>
+        <p14:creationId xmlns:p14="http://schemas.microsoft.com/office/powerpoint/2010/main" val="562545380"/>
       </p:ext>
     </p:extLst>
   </p:cSld>
@@ -8755,6 +12018,6 @@
 
 <file path=docMetadata/LabelInfo.xml><?xml version="1.0" encoding="utf-8"?>
 <clbl:labelList xmlns:clbl="http://schemas.microsoft.com/office/2020/mipLabelMetadata">
-  <clbl:label id="{f42aa342-8706-4288-bd11-ebb85995028c}" enabled="1" method="Standard" siteId="{72f988bf-86f1-41af-91ab-2d7cd011db47}" contentBits="0" removed="0"/>
+  <clbl:label id="{f42aa342-8706-4288-bd11-ebb85995028c}" enabled="1" method="Standard" siteId="{72f988bf-86f1-41af-91ab-2d7cd011db47}" removed="0"/>
 </clbl:labelList>
 </file>